--- a/Part 3 - Solving the problems/Powerpoint Slides/3-1_Pressure_and_Volume_Solvers.pptx
+++ b/Part 3 - Solving the problems/Powerpoint Slides/3-1_Pressure_and_Volume_Solvers.pptx
@@ -164,13 +164,545 @@
 <file path=ppt/revisionInfo.xml><?xml version="1.0" encoding="utf-8"?>
 <p1510:revInfo xmlns:a="http://schemas.openxmlformats.org/drawingml/2006/main" xmlns:r="http://schemas.openxmlformats.org/officeDocument/2006/relationships" xmlns:p1510="http://schemas.microsoft.com/office/powerpoint/2015/10/main">
   <p1510:revLst>
-    <p1510:client id="{A51D4D23-08C4-4ECC-82F5-6F788D210A33}" v="1455" dt="2022-08-15T08:50:59.487"/>
+    <p1510:client id="{A0EBB6DF-39E8-4546-93EF-C190D1C84A44}" v="250" dt="2022-08-17T23:15:20.450"/>
   </p1510:revLst>
 </p1510:revInfo>
 </file>
 
 <file path=ppt/changesInfos/changesInfo1.xml><?xml version="1.0" encoding="utf-8"?>
 <pc:chgInfo xmlns:a="http://schemas.openxmlformats.org/drawingml/2006/main" xmlns:r="http://schemas.openxmlformats.org/officeDocument/2006/relationships" xmlns:ac="http://schemas.microsoft.com/office/drawing/2013/main/command" xmlns:pc="http://schemas.microsoft.com/office/powerpoint/2013/main/command">
+  <pc:docChgLst>
+    <pc:chgData name="Luc Paoli" userId="28bcbf778cf7ff89" providerId="LiveId" clId="{A0EBB6DF-39E8-4546-93EF-C190D1C84A44}"/>
+    <pc:docChg chg="undo redo custSel addSld delSld modSld">
+      <pc:chgData name="Luc Paoli" userId="28bcbf778cf7ff89" providerId="LiveId" clId="{A0EBB6DF-39E8-4546-93EF-C190D1C84A44}" dt="2022-08-17T23:17:25.390" v="519" actId="2696"/>
+      <pc:docMkLst>
+        <pc:docMk/>
+      </pc:docMkLst>
+      <pc:sldChg chg="modSp mod">
+        <pc:chgData name="Luc Paoli" userId="28bcbf778cf7ff89" providerId="LiveId" clId="{A0EBB6DF-39E8-4546-93EF-C190D1C84A44}" dt="2022-08-17T21:05:54.995" v="33" actId="20577"/>
+        <pc:sldMkLst>
+          <pc:docMk/>
+          <pc:sldMk cId="4141028454" sldId="365"/>
+        </pc:sldMkLst>
+        <pc:spChg chg="mod">
+          <ac:chgData name="Luc Paoli" userId="28bcbf778cf7ff89" providerId="LiveId" clId="{A0EBB6DF-39E8-4546-93EF-C190D1C84A44}" dt="2022-08-17T21:05:54.995" v="33" actId="20577"/>
+          <ac:spMkLst>
+            <pc:docMk/>
+            <pc:sldMk cId="4141028454" sldId="365"/>
+            <ac:spMk id="3" creationId="{3EE6E6B6-5CA5-F662-72EF-7D2A45172B54}"/>
+          </ac:spMkLst>
+        </pc:spChg>
+      </pc:sldChg>
+      <pc:sldChg chg="addSp modSp mod">
+        <pc:chgData name="Luc Paoli" userId="28bcbf778cf7ff89" providerId="LiveId" clId="{A0EBB6DF-39E8-4546-93EF-C190D1C84A44}" dt="2022-08-17T23:15:30.007" v="489" actId="20577"/>
+        <pc:sldMkLst>
+          <pc:docMk/>
+          <pc:sldMk cId="2717866649" sldId="374"/>
+        </pc:sldMkLst>
+        <pc:spChg chg="add mod">
+          <ac:chgData name="Luc Paoli" userId="28bcbf778cf7ff89" providerId="LiveId" clId="{A0EBB6DF-39E8-4546-93EF-C190D1C84A44}" dt="2022-08-17T23:15:30.007" v="489" actId="20577"/>
+          <ac:spMkLst>
+            <pc:docMk/>
+            <pc:sldMk cId="2717866649" sldId="374"/>
+            <ac:spMk id="3" creationId="{72421A2F-1B3F-23EB-C59D-B0BB9D90FCB2}"/>
+          </ac:spMkLst>
+        </pc:spChg>
+        <pc:picChg chg="mod">
+          <ac:chgData name="Luc Paoli" userId="28bcbf778cf7ff89" providerId="LiveId" clId="{A0EBB6DF-39E8-4546-93EF-C190D1C84A44}" dt="2022-08-17T23:15:12.580" v="448" actId="1076"/>
+          <ac:picMkLst>
+            <pc:docMk/>
+            <pc:sldMk cId="2717866649" sldId="374"/>
+            <ac:picMk id="10" creationId="{EB32F24A-F3C7-AA78-80D5-BBAABDBAE5E0}"/>
+          </ac:picMkLst>
+        </pc:picChg>
+      </pc:sldChg>
+      <pc:sldChg chg="addSp delSp modSp mod">
+        <pc:chgData name="Luc Paoli" userId="28bcbf778cf7ff89" providerId="LiveId" clId="{A0EBB6DF-39E8-4546-93EF-C190D1C84A44}" dt="2022-08-17T23:12:33.500" v="325"/>
+        <pc:sldMkLst>
+          <pc:docMk/>
+          <pc:sldMk cId="3665419169" sldId="377"/>
+        </pc:sldMkLst>
+        <pc:spChg chg="mod">
+          <ac:chgData name="Luc Paoli" userId="28bcbf778cf7ff89" providerId="LiveId" clId="{A0EBB6DF-39E8-4546-93EF-C190D1C84A44}" dt="2022-08-17T21:12:33.715" v="147" actId="1076"/>
+          <ac:spMkLst>
+            <pc:docMk/>
+            <pc:sldMk cId="3665419169" sldId="377"/>
+            <ac:spMk id="3" creationId="{9A4582D4-38AB-20E6-B74F-29380ECD1176}"/>
+          </ac:spMkLst>
+        </pc:spChg>
+        <pc:spChg chg="del mod">
+          <ac:chgData name="Luc Paoli" userId="28bcbf778cf7ff89" providerId="LiveId" clId="{A0EBB6DF-39E8-4546-93EF-C190D1C84A44}" dt="2022-08-17T21:12:27.989" v="142" actId="478"/>
+          <ac:spMkLst>
+            <pc:docMk/>
+            <pc:sldMk cId="3665419169" sldId="377"/>
+            <ac:spMk id="7" creationId="{DA4FBE79-AAB7-13F1-695E-678F6055FF76}"/>
+          </ac:spMkLst>
+        </pc:spChg>
+        <pc:spChg chg="add del mod">
+          <ac:chgData name="Luc Paoli" userId="28bcbf778cf7ff89" providerId="LiveId" clId="{A0EBB6DF-39E8-4546-93EF-C190D1C84A44}" dt="2022-08-17T23:12:29.460" v="322" actId="478"/>
+          <ac:spMkLst>
+            <pc:docMk/>
+            <pc:sldMk cId="3665419169" sldId="377"/>
+            <ac:spMk id="84" creationId="{190C00B2-AE0D-CE11-EAAC-D1AB7910C30A}"/>
+          </ac:spMkLst>
+        </pc:spChg>
+        <pc:spChg chg="add mod ord">
+          <ac:chgData name="Luc Paoli" userId="28bcbf778cf7ff89" providerId="LiveId" clId="{A0EBB6DF-39E8-4546-93EF-C190D1C84A44}" dt="2022-08-17T21:16:47.353" v="241" actId="167"/>
+          <ac:spMkLst>
+            <pc:docMk/>
+            <pc:sldMk cId="3665419169" sldId="377"/>
+            <ac:spMk id="85" creationId="{1288AB23-C720-9452-0E85-5564C022A22A}"/>
+          </ac:spMkLst>
+        </pc:spChg>
+        <pc:spChg chg="add del mod">
+          <ac:chgData name="Luc Paoli" userId="28bcbf778cf7ff89" providerId="LiveId" clId="{A0EBB6DF-39E8-4546-93EF-C190D1C84A44}" dt="2022-08-17T21:15:40.635" v="212" actId="478"/>
+          <ac:spMkLst>
+            <pc:docMk/>
+            <pc:sldMk cId="3665419169" sldId="377"/>
+            <ac:spMk id="86" creationId="{D3534447-6D74-23F7-4383-18D439A6CD13}"/>
+          </ac:spMkLst>
+        </pc:spChg>
+        <pc:spChg chg="add del mod ord">
+          <ac:chgData name="Luc Paoli" userId="28bcbf778cf7ff89" providerId="LiveId" clId="{A0EBB6DF-39E8-4546-93EF-C190D1C84A44}" dt="2022-08-17T21:15:40.165" v="211" actId="478"/>
+          <ac:spMkLst>
+            <pc:docMk/>
+            <pc:sldMk cId="3665419169" sldId="377"/>
+            <ac:spMk id="87" creationId="{B2A98617-EDA7-E07C-D6E0-D237BA4DEDE1}"/>
+          </ac:spMkLst>
+        </pc:spChg>
+        <pc:spChg chg="add mod ord">
+          <ac:chgData name="Luc Paoli" userId="28bcbf778cf7ff89" providerId="LiveId" clId="{A0EBB6DF-39E8-4546-93EF-C190D1C84A44}" dt="2022-08-17T21:16:52.465" v="242" actId="164"/>
+          <ac:spMkLst>
+            <pc:docMk/>
+            <pc:sldMk cId="3665419169" sldId="377"/>
+            <ac:spMk id="88" creationId="{A9532C35-4164-6670-57D1-4AB1FB28206E}"/>
+          </ac:spMkLst>
+        </pc:spChg>
+        <pc:spChg chg="add mod ord">
+          <ac:chgData name="Luc Paoli" userId="28bcbf778cf7ff89" providerId="LiveId" clId="{A0EBB6DF-39E8-4546-93EF-C190D1C84A44}" dt="2022-08-17T21:16:52.465" v="242" actId="164"/>
+          <ac:spMkLst>
+            <pc:docMk/>
+            <pc:sldMk cId="3665419169" sldId="377"/>
+            <ac:spMk id="93" creationId="{65ABDC84-7C70-D592-27EA-FF40A3AE8AF5}"/>
+          </ac:spMkLst>
+        </pc:spChg>
+        <pc:spChg chg="mod">
+          <ac:chgData name="Luc Paoli" userId="28bcbf778cf7ff89" providerId="LiveId" clId="{A0EBB6DF-39E8-4546-93EF-C190D1C84A44}" dt="2022-08-17T21:16:54.955" v="243"/>
+          <ac:spMkLst>
+            <pc:docMk/>
+            <pc:sldMk cId="3665419169" sldId="377"/>
+            <ac:spMk id="98" creationId="{8EE465A0-6018-9AC3-ACFB-EC0542949F79}"/>
+          </ac:spMkLst>
+        </pc:spChg>
+        <pc:spChg chg="mod">
+          <ac:chgData name="Luc Paoli" userId="28bcbf778cf7ff89" providerId="LiveId" clId="{A0EBB6DF-39E8-4546-93EF-C190D1C84A44}" dt="2022-08-17T21:16:54.955" v="243"/>
+          <ac:spMkLst>
+            <pc:docMk/>
+            <pc:sldMk cId="3665419169" sldId="377"/>
+            <ac:spMk id="99" creationId="{AC5995F2-3FFD-1DEE-1351-1696BCCD2DBF}"/>
+          </ac:spMkLst>
+        </pc:spChg>
+        <pc:spChg chg="mod">
+          <ac:chgData name="Luc Paoli" userId="28bcbf778cf7ff89" providerId="LiveId" clId="{A0EBB6DF-39E8-4546-93EF-C190D1C84A44}" dt="2022-08-17T21:16:56.985" v="245"/>
+          <ac:spMkLst>
+            <pc:docMk/>
+            <pc:sldMk cId="3665419169" sldId="377"/>
+            <ac:spMk id="102" creationId="{0945FE4D-DEBD-C5DB-70C9-09C32B8EBB32}"/>
+          </ac:spMkLst>
+        </pc:spChg>
+        <pc:spChg chg="mod">
+          <ac:chgData name="Luc Paoli" userId="28bcbf778cf7ff89" providerId="LiveId" clId="{A0EBB6DF-39E8-4546-93EF-C190D1C84A44}" dt="2022-08-17T21:16:56.985" v="245"/>
+          <ac:spMkLst>
+            <pc:docMk/>
+            <pc:sldMk cId="3665419169" sldId="377"/>
+            <ac:spMk id="103" creationId="{0F2F93DC-1C0D-01A3-286E-917025479467}"/>
+          </ac:spMkLst>
+        </pc:spChg>
+        <pc:spChg chg="add del mod">
+          <ac:chgData name="Luc Paoli" userId="28bcbf778cf7ff89" providerId="LiveId" clId="{A0EBB6DF-39E8-4546-93EF-C190D1C84A44}" dt="2022-08-17T23:12:33.500" v="325"/>
+          <ac:spMkLst>
+            <pc:docMk/>
+            <pc:sldMk cId="3665419169" sldId="377"/>
+            <ac:spMk id="105" creationId="{30431CDC-14D2-7969-13A5-351BE1F780AD}"/>
+          </ac:spMkLst>
+        </pc:spChg>
+        <pc:spChg chg="mod">
+          <ac:chgData name="Luc Paoli" userId="28bcbf778cf7ff89" providerId="LiveId" clId="{A0EBB6DF-39E8-4546-93EF-C190D1C84A44}" dt="2022-08-17T23:11:53.310" v="308"/>
+          <ac:spMkLst>
+            <pc:docMk/>
+            <pc:sldMk cId="3665419169" sldId="377"/>
+            <ac:spMk id="108" creationId="{962B1288-821E-E353-5382-5CB75C10663A}"/>
+          </ac:spMkLst>
+        </pc:spChg>
+        <pc:spChg chg="mod">
+          <ac:chgData name="Luc Paoli" userId="28bcbf778cf7ff89" providerId="LiveId" clId="{A0EBB6DF-39E8-4546-93EF-C190D1C84A44}" dt="2022-08-17T23:11:53.310" v="308"/>
+          <ac:spMkLst>
+            <pc:docMk/>
+            <pc:sldMk cId="3665419169" sldId="377"/>
+            <ac:spMk id="109" creationId="{DE739931-B216-E515-4055-4A774A6EE5E6}"/>
+          </ac:spMkLst>
+        </pc:spChg>
+        <pc:spChg chg="mod">
+          <ac:chgData name="Luc Paoli" userId="28bcbf778cf7ff89" providerId="LiveId" clId="{A0EBB6DF-39E8-4546-93EF-C190D1C84A44}" dt="2022-08-17T23:11:58.130" v="312"/>
+          <ac:spMkLst>
+            <pc:docMk/>
+            <pc:sldMk cId="3665419169" sldId="377"/>
+            <ac:spMk id="112" creationId="{47B7A55A-19DD-CF0A-0799-5E9AAE4A6DF6}"/>
+          </ac:spMkLst>
+        </pc:spChg>
+        <pc:spChg chg="mod">
+          <ac:chgData name="Luc Paoli" userId="28bcbf778cf7ff89" providerId="LiveId" clId="{A0EBB6DF-39E8-4546-93EF-C190D1C84A44}" dt="2022-08-17T23:12:02.271" v="314" actId="1076"/>
+          <ac:spMkLst>
+            <pc:docMk/>
+            <pc:sldMk cId="3665419169" sldId="377"/>
+            <ac:spMk id="113" creationId="{D5D7FA28-6B67-7945-EDB8-8406C45BC2D4}"/>
+          </ac:spMkLst>
+        </pc:spChg>
+        <pc:spChg chg="mod">
+          <ac:chgData name="Luc Paoli" userId="28bcbf778cf7ff89" providerId="LiveId" clId="{A0EBB6DF-39E8-4546-93EF-C190D1C84A44}" dt="2022-08-17T23:12:05.330" v="317"/>
+          <ac:spMkLst>
+            <pc:docMk/>
+            <pc:sldMk cId="3665419169" sldId="377"/>
+            <ac:spMk id="116" creationId="{773C7068-E151-160C-C9C5-CFCCAE70A47C}"/>
+          </ac:spMkLst>
+        </pc:spChg>
+        <pc:spChg chg="mod">
+          <ac:chgData name="Luc Paoli" userId="28bcbf778cf7ff89" providerId="LiveId" clId="{A0EBB6DF-39E8-4546-93EF-C190D1C84A44}" dt="2022-08-17T23:12:05.330" v="317"/>
+          <ac:spMkLst>
+            <pc:docMk/>
+            <pc:sldMk cId="3665419169" sldId="377"/>
+            <ac:spMk id="117" creationId="{130B65E1-A17F-B00B-6ABC-C076A1D82187}"/>
+          </ac:spMkLst>
+        </pc:spChg>
+        <pc:spChg chg="mod">
+          <ac:chgData name="Luc Paoli" userId="28bcbf778cf7ff89" providerId="LiveId" clId="{A0EBB6DF-39E8-4546-93EF-C190D1C84A44}" dt="2022-08-17T23:12:07.565" v="319"/>
+          <ac:spMkLst>
+            <pc:docMk/>
+            <pc:sldMk cId="3665419169" sldId="377"/>
+            <ac:spMk id="120" creationId="{CFA68E18-A40B-8D48-A667-A55CCEF90DBD}"/>
+          </ac:spMkLst>
+        </pc:spChg>
+        <pc:spChg chg="mod">
+          <ac:chgData name="Luc Paoli" userId="28bcbf778cf7ff89" providerId="LiveId" clId="{A0EBB6DF-39E8-4546-93EF-C190D1C84A44}" dt="2022-08-17T23:12:07.565" v="319"/>
+          <ac:spMkLst>
+            <pc:docMk/>
+            <pc:sldMk cId="3665419169" sldId="377"/>
+            <ac:spMk id="121" creationId="{35B19AEF-DD62-3FCA-DBB1-EA7F6CDAF951}"/>
+          </ac:spMkLst>
+        </pc:spChg>
+        <pc:grpChg chg="add mod">
+          <ac:chgData name="Luc Paoli" userId="28bcbf778cf7ff89" providerId="LiveId" clId="{A0EBB6DF-39E8-4546-93EF-C190D1C84A44}" dt="2022-08-17T21:16:28.955" v="234" actId="164"/>
+          <ac:grpSpMkLst>
+            <pc:docMk/>
+            <pc:sldMk cId="3665419169" sldId="377"/>
+            <ac:grpSpMk id="94" creationId="{E38DAA3D-A4B8-49CD-3503-BA6FDE756885}"/>
+          </ac:grpSpMkLst>
+        </pc:grpChg>
+        <pc:grpChg chg="add del mod">
+          <ac:chgData name="Luc Paoli" userId="28bcbf778cf7ff89" providerId="LiveId" clId="{A0EBB6DF-39E8-4546-93EF-C190D1C84A44}" dt="2022-08-17T23:12:04.250" v="316" actId="478"/>
+          <ac:grpSpMkLst>
+            <pc:docMk/>
+            <pc:sldMk cId="3665419169" sldId="377"/>
+            <ac:grpSpMk id="96" creationId="{EB073F9F-C186-042A-2582-5BEAE468FBB6}"/>
+          </ac:grpSpMkLst>
+        </pc:grpChg>
+        <pc:grpChg chg="add del mod">
+          <ac:chgData name="Luc Paoli" userId="28bcbf778cf7ff89" providerId="LiveId" clId="{A0EBB6DF-39E8-4546-93EF-C190D1C84A44}" dt="2022-08-17T23:11:56.980" v="311" actId="478"/>
+          <ac:grpSpMkLst>
+            <pc:docMk/>
+            <pc:sldMk cId="3665419169" sldId="377"/>
+            <ac:grpSpMk id="97" creationId="{7C8DF2B8-3600-5F90-5897-1F7E2CDF0E5C}"/>
+          </ac:grpSpMkLst>
+        </pc:grpChg>
+        <pc:grpChg chg="add del mod">
+          <ac:chgData name="Luc Paoli" userId="28bcbf778cf7ff89" providerId="LiveId" clId="{A0EBB6DF-39E8-4546-93EF-C190D1C84A44}" dt="2022-08-17T23:11:54.381" v="309" actId="478"/>
+          <ac:grpSpMkLst>
+            <pc:docMk/>
+            <pc:sldMk cId="3665419169" sldId="377"/>
+            <ac:grpSpMk id="101" creationId="{47B9B4A4-DE30-81CD-D57C-65EA1F32CC54}"/>
+          </ac:grpSpMkLst>
+        </pc:grpChg>
+        <pc:grpChg chg="add del mod">
+          <ac:chgData name="Luc Paoli" userId="28bcbf778cf7ff89" providerId="LiveId" clId="{A0EBB6DF-39E8-4546-93EF-C190D1C84A44}" dt="2022-08-17T23:12:03.870" v="315" actId="478"/>
+          <ac:grpSpMkLst>
+            <pc:docMk/>
+            <pc:sldMk cId="3665419169" sldId="377"/>
+            <ac:grpSpMk id="107" creationId="{0FC19D4B-510C-501E-535C-E828948FC09D}"/>
+          </ac:grpSpMkLst>
+        </pc:grpChg>
+        <pc:grpChg chg="add mod">
+          <ac:chgData name="Luc Paoli" userId="28bcbf778cf7ff89" providerId="LiveId" clId="{A0EBB6DF-39E8-4546-93EF-C190D1C84A44}" dt="2022-08-17T23:11:59.522" v="313" actId="1076"/>
+          <ac:grpSpMkLst>
+            <pc:docMk/>
+            <pc:sldMk cId="3665419169" sldId="377"/>
+            <ac:grpSpMk id="111" creationId="{87AAAB79-E008-D00A-AD0E-280915D8926F}"/>
+          </ac:grpSpMkLst>
+        </pc:grpChg>
+        <pc:grpChg chg="add mod">
+          <ac:chgData name="Luc Paoli" userId="28bcbf778cf7ff89" providerId="LiveId" clId="{A0EBB6DF-39E8-4546-93EF-C190D1C84A44}" dt="2022-08-17T23:12:10.470" v="321" actId="1076"/>
+          <ac:grpSpMkLst>
+            <pc:docMk/>
+            <pc:sldMk cId="3665419169" sldId="377"/>
+            <ac:grpSpMk id="115" creationId="{381C0E1E-212F-87B3-9B44-102D176F77FE}"/>
+          </ac:grpSpMkLst>
+        </pc:grpChg>
+        <pc:grpChg chg="add mod">
+          <ac:chgData name="Luc Paoli" userId="28bcbf778cf7ff89" providerId="LiveId" clId="{A0EBB6DF-39E8-4546-93EF-C190D1C84A44}" dt="2022-08-17T23:12:08.470" v="320" actId="1076"/>
+          <ac:grpSpMkLst>
+            <pc:docMk/>
+            <pc:sldMk cId="3665419169" sldId="377"/>
+            <ac:grpSpMk id="119" creationId="{478E9E69-243B-B892-67E2-2C512FC35494}"/>
+          </ac:grpSpMkLst>
+        </pc:grpChg>
+        <pc:graphicFrameChg chg="add mod modGraphic">
+          <ac:chgData name="Luc Paoli" userId="28bcbf778cf7ff89" providerId="LiveId" clId="{A0EBB6DF-39E8-4546-93EF-C190D1C84A44}" dt="2022-08-17T21:12:37.485" v="148" actId="1076"/>
+          <ac:graphicFrameMkLst>
+            <pc:docMk/>
+            <pc:sldMk cId="3665419169" sldId="377"/>
+            <ac:graphicFrameMk id="6" creationId="{C63D2365-4D6E-C0FD-3557-39D5971CC828}"/>
+          </ac:graphicFrameMkLst>
+        </pc:graphicFrameChg>
+        <pc:graphicFrameChg chg="add mod">
+          <ac:chgData name="Luc Paoli" userId="28bcbf778cf7ff89" providerId="LiveId" clId="{A0EBB6DF-39E8-4546-93EF-C190D1C84A44}" dt="2022-08-17T21:12:37.485" v="148" actId="1076"/>
+          <ac:graphicFrameMkLst>
+            <pc:docMk/>
+            <pc:sldMk cId="3665419169" sldId="377"/>
+            <ac:graphicFrameMk id="8" creationId="{8B8D7F02-B7E4-98BC-6E08-F0C148E14559}"/>
+          </ac:graphicFrameMkLst>
+        </pc:graphicFrameChg>
+        <pc:graphicFrameChg chg="add del mod">
+          <ac:chgData name="Luc Paoli" userId="28bcbf778cf7ff89" providerId="LiveId" clId="{A0EBB6DF-39E8-4546-93EF-C190D1C84A44}" dt="2022-08-17T21:11:26.555" v="125" actId="478"/>
+          <ac:graphicFrameMkLst>
+            <pc:docMk/>
+            <pc:sldMk cId="3665419169" sldId="377"/>
+            <ac:graphicFrameMk id="9" creationId="{49B259D3-FC57-B585-8002-3C6A49C77B2D}"/>
+          </ac:graphicFrameMkLst>
+        </pc:graphicFrameChg>
+        <pc:graphicFrameChg chg="add mod ord">
+          <ac:chgData name="Luc Paoli" userId="28bcbf778cf7ff89" providerId="LiveId" clId="{A0EBB6DF-39E8-4546-93EF-C190D1C84A44}" dt="2022-08-17T21:12:37.485" v="148" actId="1076"/>
+          <ac:graphicFrameMkLst>
+            <pc:docMk/>
+            <pc:sldMk cId="3665419169" sldId="377"/>
+            <ac:graphicFrameMk id="10" creationId="{41ACB4B2-324D-F587-B617-095D9B2461C2}"/>
+          </ac:graphicFrameMkLst>
+        </pc:graphicFrameChg>
+        <pc:graphicFrameChg chg="add mod ord">
+          <ac:chgData name="Luc Paoli" userId="28bcbf778cf7ff89" providerId="LiveId" clId="{A0EBB6DF-39E8-4546-93EF-C190D1C84A44}" dt="2022-08-17T21:12:37.485" v="148" actId="1076"/>
+          <ac:graphicFrameMkLst>
+            <pc:docMk/>
+            <pc:sldMk cId="3665419169" sldId="377"/>
+            <ac:graphicFrameMk id="11" creationId="{F3ED6FE2-21A4-D3EE-6B7B-5984BA83C8A7}"/>
+          </ac:graphicFrameMkLst>
+        </pc:graphicFrameChg>
+        <pc:graphicFrameChg chg="add mod ord">
+          <ac:chgData name="Luc Paoli" userId="28bcbf778cf7ff89" providerId="LiveId" clId="{A0EBB6DF-39E8-4546-93EF-C190D1C84A44}" dt="2022-08-17T21:12:37.485" v="148" actId="1076"/>
+          <ac:graphicFrameMkLst>
+            <pc:docMk/>
+            <pc:sldMk cId="3665419169" sldId="377"/>
+            <ac:graphicFrameMk id="12" creationId="{90F451A4-7A12-4E63-F962-84D178A24768}"/>
+          </ac:graphicFrameMkLst>
+        </pc:graphicFrameChg>
+        <pc:graphicFrameChg chg="add mod ord">
+          <ac:chgData name="Luc Paoli" userId="28bcbf778cf7ff89" providerId="LiveId" clId="{A0EBB6DF-39E8-4546-93EF-C190D1C84A44}" dt="2022-08-17T21:12:37.485" v="148" actId="1076"/>
+          <ac:graphicFrameMkLst>
+            <pc:docMk/>
+            <pc:sldMk cId="3665419169" sldId="377"/>
+            <ac:graphicFrameMk id="13" creationId="{3271ED97-CE9D-EC76-6DDB-4803F9D64C60}"/>
+          </ac:graphicFrameMkLst>
+        </pc:graphicFrameChg>
+        <pc:graphicFrameChg chg="add del mod ord">
+          <ac:chgData name="Luc Paoli" userId="28bcbf778cf7ff89" providerId="LiveId" clId="{A0EBB6DF-39E8-4546-93EF-C190D1C84A44}" dt="2022-08-17T21:12:37.485" v="148" actId="1076"/>
+          <ac:graphicFrameMkLst>
+            <pc:docMk/>
+            <pc:sldMk cId="3665419169" sldId="377"/>
+            <ac:graphicFrameMk id="14" creationId="{64BE510A-BEF8-197F-6494-8D008C1BFA9F}"/>
+          </ac:graphicFrameMkLst>
+        </pc:graphicFrameChg>
+        <pc:graphicFrameChg chg="add mod ord">
+          <ac:chgData name="Luc Paoli" userId="28bcbf778cf7ff89" providerId="LiveId" clId="{A0EBB6DF-39E8-4546-93EF-C190D1C84A44}" dt="2022-08-17T21:12:37.485" v="148" actId="1076"/>
+          <ac:graphicFrameMkLst>
+            <pc:docMk/>
+            <pc:sldMk cId="3665419169" sldId="377"/>
+            <ac:graphicFrameMk id="15" creationId="{B8ABC38D-8FB0-0609-395E-D35D0A77FE17}"/>
+          </ac:graphicFrameMkLst>
+        </pc:graphicFrameChg>
+        <pc:cxnChg chg="add del mod">
+          <ac:chgData name="Luc Paoli" userId="28bcbf778cf7ff89" providerId="LiveId" clId="{A0EBB6DF-39E8-4546-93EF-C190D1C84A44}" dt="2022-08-17T21:09:26.855" v="75" actId="478"/>
+          <ac:cxnSpMkLst>
+            <pc:docMk/>
+            <pc:sldMk cId="3665419169" sldId="377"/>
+            <ac:cxnSpMk id="17" creationId="{10579C3A-2167-3399-3A15-4ADFB9295A98}"/>
+          </ac:cxnSpMkLst>
+        </pc:cxnChg>
+        <pc:cxnChg chg="add mod">
+          <ac:chgData name="Luc Paoli" userId="28bcbf778cf7ff89" providerId="LiveId" clId="{A0EBB6DF-39E8-4546-93EF-C190D1C84A44}" dt="2022-08-17T21:12:37.485" v="148" actId="1076"/>
+          <ac:cxnSpMkLst>
+            <pc:docMk/>
+            <pc:sldMk cId="3665419169" sldId="377"/>
+            <ac:cxnSpMk id="20" creationId="{8A0B050B-7C8E-BE09-D5AB-73EDE1E794AE}"/>
+          </ac:cxnSpMkLst>
+        </pc:cxnChg>
+        <pc:cxnChg chg="add mod">
+          <ac:chgData name="Luc Paoli" userId="28bcbf778cf7ff89" providerId="LiveId" clId="{A0EBB6DF-39E8-4546-93EF-C190D1C84A44}" dt="2022-08-17T21:12:37.485" v="148" actId="1076"/>
+          <ac:cxnSpMkLst>
+            <pc:docMk/>
+            <pc:sldMk cId="3665419169" sldId="377"/>
+            <ac:cxnSpMk id="23" creationId="{58F887E3-CEB6-AEF6-2384-AC419AE20C25}"/>
+          </ac:cxnSpMkLst>
+        </pc:cxnChg>
+        <pc:cxnChg chg="add mod">
+          <ac:chgData name="Luc Paoli" userId="28bcbf778cf7ff89" providerId="LiveId" clId="{A0EBB6DF-39E8-4546-93EF-C190D1C84A44}" dt="2022-08-17T21:12:37.485" v="148" actId="1076"/>
+          <ac:cxnSpMkLst>
+            <pc:docMk/>
+            <pc:sldMk cId="3665419169" sldId="377"/>
+            <ac:cxnSpMk id="26" creationId="{F6B9F0C4-20E7-8742-34BE-731F9478C64D}"/>
+          </ac:cxnSpMkLst>
+        </pc:cxnChg>
+        <pc:cxnChg chg="add mod">
+          <ac:chgData name="Luc Paoli" userId="28bcbf778cf7ff89" providerId="LiveId" clId="{A0EBB6DF-39E8-4546-93EF-C190D1C84A44}" dt="2022-08-17T21:12:37.485" v="148" actId="1076"/>
+          <ac:cxnSpMkLst>
+            <pc:docMk/>
+            <pc:sldMk cId="3665419169" sldId="377"/>
+            <ac:cxnSpMk id="29" creationId="{7203BB87-261E-34CA-83BB-D57F89D85FE8}"/>
+          </ac:cxnSpMkLst>
+        </pc:cxnChg>
+        <pc:cxnChg chg="add mod">
+          <ac:chgData name="Luc Paoli" userId="28bcbf778cf7ff89" providerId="LiveId" clId="{A0EBB6DF-39E8-4546-93EF-C190D1C84A44}" dt="2022-08-17T21:12:37.485" v="148" actId="1076"/>
+          <ac:cxnSpMkLst>
+            <pc:docMk/>
+            <pc:sldMk cId="3665419169" sldId="377"/>
+            <ac:cxnSpMk id="40" creationId="{B68C4629-F75D-746A-ABD4-1E70FE9BDF57}"/>
+          </ac:cxnSpMkLst>
+        </pc:cxnChg>
+        <pc:cxnChg chg="add mod">
+          <ac:chgData name="Luc Paoli" userId="28bcbf778cf7ff89" providerId="LiveId" clId="{A0EBB6DF-39E8-4546-93EF-C190D1C84A44}" dt="2022-08-17T21:12:37.485" v="148" actId="1076"/>
+          <ac:cxnSpMkLst>
+            <pc:docMk/>
+            <pc:sldMk cId="3665419169" sldId="377"/>
+            <ac:cxnSpMk id="43" creationId="{CDBE5FE9-E797-5E36-ACAA-C85AD81F5942}"/>
+          </ac:cxnSpMkLst>
+        </pc:cxnChg>
+        <pc:cxnChg chg="add mod">
+          <ac:chgData name="Luc Paoli" userId="28bcbf778cf7ff89" providerId="LiveId" clId="{A0EBB6DF-39E8-4546-93EF-C190D1C84A44}" dt="2022-08-17T21:12:37.485" v="148" actId="1076"/>
+          <ac:cxnSpMkLst>
+            <pc:docMk/>
+            <pc:sldMk cId="3665419169" sldId="377"/>
+            <ac:cxnSpMk id="47" creationId="{DA799DAD-C8DE-F353-721B-AC643735323A}"/>
+          </ac:cxnSpMkLst>
+        </pc:cxnChg>
+        <pc:cxnChg chg="add mod">
+          <ac:chgData name="Luc Paoli" userId="28bcbf778cf7ff89" providerId="LiveId" clId="{A0EBB6DF-39E8-4546-93EF-C190D1C84A44}" dt="2022-08-17T21:12:37.485" v="148" actId="1076"/>
+          <ac:cxnSpMkLst>
+            <pc:docMk/>
+            <pc:sldMk cId="3665419169" sldId="377"/>
+            <ac:cxnSpMk id="53" creationId="{05883137-B633-F287-B18A-9AF2976BA499}"/>
+          </ac:cxnSpMkLst>
+        </pc:cxnChg>
+        <pc:cxnChg chg="add mod">
+          <ac:chgData name="Luc Paoli" userId="28bcbf778cf7ff89" providerId="LiveId" clId="{A0EBB6DF-39E8-4546-93EF-C190D1C84A44}" dt="2022-08-17T21:12:37.485" v="148" actId="1076"/>
+          <ac:cxnSpMkLst>
+            <pc:docMk/>
+            <pc:sldMk cId="3665419169" sldId="377"/>
+            <ac:cxnSpMk id="56" creationId="{828E667F-219D-50E6-5ADD-EC2F66DA76BB}"/>
+          </ac:cxnSpMkLst>
+        </pc:cxnChg>
+        <pc:cxnChg chg="add mod ord">
+          <ac:chgData name="Luc Paoli" userId="28bcbf778cf7ff89" providerId="LiveId" clId="{A0EBB6DF-39E8-4546-93EF-C190D1C84A44}" dt="2022-08-17T21:12:37.485" v="148" actId="1076"/>
+          <ac:cxnSpMkLst>
+            <pc:docMk/>
+            <pc:sldMk cId="3665419169" sldId="377"/>
+            <ac:cxnSpMk id="65" creationId="{FEAA3ABC-135F-6F77-A04F-72B436AB9BCD}"/>
+          </ac:cxnSpMkLst>
+        </pc:cxnChg>
+        <pc:cxnChg chg="add mod">
+          <ac:chgData name="Luc Paoli" userId="28bcbf778cf7ff89" providerId="LiveId" clId="{A0EBB6DF-39E8-4546-93EF-C190D1C84A44}" dt="2022-08-17T23:12:04.250" v="316" actId="478"/>
+          <ac:cxnSpMkLst>
+            <pc:docMk/>
+            <pc:sldMk cId="3665419169" sldId="377"/>
+            <ac:cxnSpMk id="90" creationId="{2A5BB842-8519-19AB-554A-A5AC1255540B}"/>
+          </ac:cxnSpMkLst>
+        </pc:cxnChg>
+        <pc:cxnChg chg="mod">
+          <ac:chgData name="Luc Paoli" userId="28bcbf778cf7ff89" providerId="LiveId" clId="{A0EBB6DF-39E8-4546-93EF-C190D1C84A44}" dt="2022-08-17T23:11:56.980" v="311" actId="478"/>
+          <ac:cxnSpMkLst>
+            <pc:docMk/>
+            <pc:sldMk cId="3665419169" sldId="377"/>
+            <ac:cxnSpMk id="100" creationId="{D9377435-3DC8-07BE-C470-628DCDF55392}"/>
+          </ac:cxnSpMkLst>
+        </pc:cxnChg>
+        <pc:cxnChg chg="mod">
+          <ac:chgData name="Luc Paoli" userId="28bcbf778cf7ff89" providerId="LiveId" clId="{A0EBB6DF-39E8-4546-93EF-C190D1C84A44}" dt="2022-08-17T23:11:54.381" v="309" actId="478"/>
+          <ac:cxnSpMkLst>
+            <pc:docMk/>
+            <pc:sldMk cId="3665419169" sldId="377"/>
+            <ac:cxnSpMk id="104" creationId="{8F762B7A-CD31-C546-9D07-03BCA7FB2B19}"/>
+          </ac:cxnSpMkLst>
+        </pc:cxnChg>
+        <pc:cxnChg chg="mod">
+          <ac:chgData name="Luc Paoli" userId="28bcbf778cf7ff89" providerId="LiveId" clId="{A0EBB6DF-39E8-4546-93EF-C190D1C84A44}" dt="2022-08-17T23:12:03.870" v="315" actId="478"/>
+          <ac:cxnSpMkLst>
+            <pc:docMk/>
+            <pc:sldMk cId="3665419169" sldId="377"/>
+            <ac:cxnSpMk id="110" creationId="{21C29D0C-8EEE-CF31-DD3C-D862027A4F03}"/>
+          </ac:cxnSpMkLst>
+        </pc:cxnChg>
+        <pc:cxnChg chg="mod">
+          <ac:chgData name="Luc Paoli" userId="28bcbf778cf7ff89" providerId="LiveId" clId="{A0EBB6DF-39E8-4546-93EF-C190D1C84A44}" dt="2022-08-17T23:11:58.130" v="312"/>
+          <ac:cxnSpMkLst>
+            <pc:docMk/>
+            <pc:sldMk cId="3665419169" sldId="377"/>
+            <ac:cxnSpMk id="114" creationId="{C7B006F7-37DC-97E1-CF84-F8376F1DA046}"/>
+          </ac:cxnSpMkLst>
+        </pc:cxnChg>
+        <pc:cxnChg chg="mod">
+          <ac:chgData name="Luc Paoli" userId="28bcbf778cf7ff89" providerId="LiveId" clId="{A0EBB6DF-39E8-4546-93EF-C190D1C84A44}" dt="2022-08-17T23:12:05.330" v="317"/>
+          <ac:cxnSpMkLst>
+            <pc:docMk/>
+            <pc:sldMk cId="3665419169" sldId="377"/>
+            <ac:cxnSpMk id="118" creationId="{2FBF597C-61AA-5DC2-4D52-28AE63C0D005}"/>
+          </ac:cxnSpMkLst>
+        </pc:cxnChg>
+        <pc:cxnChg chg="mod">
+          <ac:chgData name="Luc Paoli" userId="28bcbf778cf7ff89" providerId="LiveId" clId="{A0EBB6DF-39E8-4546-93EF-C190D1C84A44}" dt="2022-08-17T23:12:07.565" v="319"/>
+          <ac:cxnSpMkLst>
+            <pc:docMk/>
+            <pc:sldMk cId="3665419169" sldId="377"/>
+            <ac:cxnSpMk id="122" creationId="{E63CFD4F-C740-4D84-40F9-00FCE78424AA}"/>
+          </ac:cxnSpMkLst>
+        </pc:cxnChg>
+      </pc:sldChg>
+      <pc:sldChg chg="modSp mod">
+        <pc:chgData name="Luc Paoli" userId="28bcbf778cf7ff89" providerId="LiveId" clId="{A0EBB6DF-39E8-4546-93EF-C190D1C84A44}" dt="2022-08-17T23:14:55.610" v="447" actId="20577"/>
+        <pc:sldMkLst>
+          <pc:docMk/>
+          <pc:sldMk cId="4144584558" sldId="380"/>
+        </pc:sldMkLst>
+        <pc:spChg chg="mod">
+          <ac:chgData name="Luc Paoli" userId="28bcbf778cf7ff89" providerId="LiveId" clId="{A0EBB6DF-39E8-4546-93EF-C190D1C84A44}" dt="2022-08-17T23:14:55.610" v="447" actId="20577"/>
+          <ac:spMkLst>
+            <pc:docMk/>
+            <pc:sldMk cId="4144584558" sldId="380"/>
+            <ac:spMk id="3" creationId="{9A4582D4-38AB-20E6-B74F-29380ECD1176}"/>
+          </ac:spMkLst>
+        </pc:spChg>
+      </pc:sldChg>
+      <pc:sldChg chg="modSp add del mod">
+        <pc:chgData name="Luc Paoli" userId="28bcbf778cf7ff89" providerId="LiveId" clId="{A0EBB6DF-39E8-4546-93EF-C190D1C84A44}" dt="2022-08-17T23:17:25.390" v="519" actId="2696"/>
+        <pc:sldMkLst>
+          <pc:docMk/>
+          <pc:sldMk cId="3326585900" sldId="383"/>
+        </pc:sldMkLst>
+        <pc:spChg chg="mod">
+          <ac:chgData name="Luc Paoli" userId="28bcbf778cf7ff89" providerId="LiveId" clId="{A0EBB6DF-39E8-4546-93EF-C190D1C84A44}" dt="2022-08-17T23:15:46.030" v="518" actId="20577"/>
+          <ac:spMkLst>
+            <pc:docMk/>
+            <pc:sldMk cId="3326585900" sldId="383"/>
+            <ac:spMk id="3" creationId="{72421A2F-1B3F-23EB-C59D-B0BB9D90FCB2}"/>
+          </ac:spMkLst>
+        </pc:spChg>
+      </pc:sldChg>
+    </pc:docChg>
+  </pc:docChgLst>
   <pc:docChgLst>
     <pc:chgData name="Luc Paoli" userId="28bcbf778cf7ff89" providerId="LiveId" clId="{A51D4D23-08C4-4ECC-82F5-6F788D210A33}"/>
     <pc:docChg chg="undo redo custSel addSld delSld modSld sldOrd addMainMaster delMainMaster modMainMaster">
@@ -7124,7 +7656,7 @@
         </p:blipFill>
         <p:spPr>
           <a:xfrm>
-            <a:off x="881100" y="1975265"/>
+            <a:off x="1381390" y="2080197"/>
             <a:ext cx="6381219" cy="4311634"/>
           </a:xfrm>
           <a:prstGeom prst="rect">
@@ -7132,6 +7664,42 @@
           </a:prstGeom>
         </p:spPr>
       </p:pic>
+      <p:sp>
+        <p:nvSpPr>
+          <p:cNvPr id="3" name="Content Placeholder 2">
+            <a:extLst>
+              <a:ext uri="{FF2B5EF4-FFF2-40B4-BE49-F238E27FC236}">
+                <a16:creationId xmlns:a16="http://schemas.microsoft.com/office/drawing/2014/main" id="{72421A2F-1B3F-23EB-C59D-B0BB9D90FCB2}"/>
+              </a:ext>
+            </a:extLst>
+          </p:cNvPr>
+          <p:cNvSpPr>
+            <a:spLocks noGrp="1"/>
+          </p:cNvSpPr>
+          <p:nvPr>
+            <p:ph idx="1"/>
+          </p:nvPr>
+        </p:nvSpPr>
+        <p:spPr>
+          <a:xfrm>
+            <a:off x="457199" y="1600200"/>
+            <a:ext cx="8415867" cy="4818599"/>
+          </a:xfrm>
+        </p:spPr>
+        <p:txBody>
+          <a:bodyPr/>
+          <a:lstStyle/>
+          <a:p>
+            <a:pPr marL="0" indent="0">
+              <a:buNone/>
+            </a:pPr>
+            <a:r>
+              <a:rPr lang="en-GB" b="0" dirty="0"/>
+              <a:t>Typical case for PCSAFT:</a:t>
+            </a:r>
+          </a:p>
+        </p:txBody>
+      </p:sp>
     </p:spTree>
     <p:extLst>
       <p:ext uri="{BB962C8B-B14F-4D97-AF65-F5344CB8AC3E}">
@@ -9211,6 +9779,347 @@
       </p:grpSpPr>
       <p:sp>
         <p:nvSpPr>
+          <p:cNvPr id="85" name="Rectangle 84">
+            <a:extLst>
+              <a:ext uri="{FF2B5EF4-FFF2-40B4-BE49-F238E27FC236}">
+                <a16:creationId xmlns:a16="http://schemas.microsoft.com/office/drawing/2014/main" id="{1288AB23-C720-9452-0E85-5564C022A22A}"/>
+              </a:ext>
+            </a:extLst>
+          </p:cNvPr>
+          <p:cNvSpPr/>
+          <p:nvPr/>
+        </p:nvSpPr>
+        <p:spPr>
+          <a:xfrm>
+            <a:off x="979678" y="3896070"/>
+            <a:ext cx="1920240" cy="1901840"/>
+          </a:xfrm>
+          <a:prstGeom prst="rect">
+            <a:avLst/>
+          </a:prstGeom>
+          <a:ln/>
+        </p:spPr>
+        <p:style>
+          <a:lnRef idx="2">
+            <a:schemeClr val="dk1"/>
+          </a:lnRef>
+          <a:fillRef idx="1">
+            <a:schemeClr val="lt1"/>
+          </a:fillRef>
+          <a:effectRef idx="0">
+            <a:schemeClr val="dk1"/>
+          </a:effectRef>
+          <a:fontRef idx="minor">
+            <a:schemeClr val="dk1"/>
+          </a:fontRef>
+        </p:style>
+        <p:txBody>
+          <a:bodyPr rtlCol="0" anchor="ctr"/>
+          <a:lstStyle/>
+          <a:p>
+            <a:pPr algn="ctr"/>
+            <a:endParaRPr lang="en-GB"/>
+          </a:p>
+        </p:txBody>
+      </p:sp>
+      <p:cxnSp>
+        <p:nvCxnSpPr>
+          <p:cNvPr id="65" name="Straight Connector 64">
+            <a:extLst>
+              <a:ext uri="{FF2B5EF4-FFF2-40B4-BE49-F238E27FC236}">
+                <a16:creationId xmlns:a16="http://schemas.microsoft.com/office/drawing/2014/main" id="{FEAA3ABC-135F-6F77-A04F-72B436AB9BCD}"/>
+              </a:ext>
+            </a:extLst>
+          </p:cNvPr>
+          <p:cNvCxnSpPr>
+            <a:cxnSpLocks/>
+            <a:stCxn id="10" idx="2"/>
+            <a:endCxn id="11" idx="0"/>
+          </p:cNvCxnSpPr>
+          <p:nvPr/>
+        </p:nvCxnSpPr>
+        <p:spPr>
+          <a:xfrm flipV="1">
+            <a:off x="6892527" y="3562693"/>
+            <a:ext cx="14031" cy="1735441"/>
+          </a:xfrm>
+          <a:prstGeom prst="line">
+            <a:avLst/>
+          </a:prstGeom>
+          <a:ln w="22225">
+            <a:solidFill>
+              <a:schemeClr val="tx1"/>
+            </a:solidFill>
+            <a:headEnd type="none" w="med" len="med"/>
+            <a:tailEnd type="none" w="med" len="med"/>
+          </a:ln>
+          <a:effectLst/>
+        </p:spPr>
+        <p:style>
+          <a:lnRef idx="2">
+            <a:schemeClr val="accent1"/>
+          </a:lnRef>
+          <a:fillRef idx="0">
+            <a:schemeClr val="accent1"/>
+          </a:fillRef>
+          <a:effectRef idx="1">
+            <a:schemeClr val="accent1"/>
+          </a:effectRef>
+          <a:fontRef idx="minor">
+            <a:schemeClr val="tx1"/>
+          </a:fontRef>
+        </p:style>
+      </p:cxnSp>
+      <mc:AlternateContent xmlns:mc="http://schemas.openxmlformats.org/markup-compatibility/2006">
+        <mc:Choice xmlns:am3d="http://schemas.microsoft.com/office/drawing/2017/model3d" Requires="am3d">
+          <p:graphicFrame>
+            <p:nvGraphicFramePr>
+              <p:cNvPr id="10" name="3D Model 9" descr="Sphere">
+                <a:extLst>
+                  <a:ext uri="{FF2B5EF4-FFF2-40B4-BE49-F238E27FC236}">
+                    <a16:creationId xmlns:a16="http://schemas.microsoft.com/office/drawing/2014/main" id="{41ACB4B2-324D-F587-B617-095D9B2461C2}"/>
+                  </a:ext>
+                </a:extLst>
+              </p:cNvPr>
+              <p:cNvGraphicFramePr>
+                <a:graphicFrameLocks noChangeAspect="1"/>
+              </p:cNvGraphicFramePr>
+              <p:nvPr>
+                <p:extLst>
+                  <p:ext uri="{D42A27DB-BD31-4B8C-83A1-F6EECF244321}">
+                    <p14:modId xmlns:p14="http://schemas.microsoft.com/office/powerpoint/2010/main" val="2051470770"/>
+                  </p:ext>
+                </p:extLst>
+              </p:nvPr>
+            </p:nvGraphicFramePr>
+            <p:xfrm>
+              <a:off x="6448018" y="4395847"/>
+              <a:ext cx="889018" cy="902287"/>
+            </p:xfrm>
+            <a:graphic>
+              <a:graphicData uri="http://schemas.microsoft.com/office/drawing/2017/model3d">
+                <am3d:model3d r:embed="rId2">
+                  <am3d:spPr>
+                    <a:xfrm>
+                      <a:off x="0" y="0"/>
+                      <a:ext cx="889018" cy="902287"/>
+                    </a:xfrm>
+                    <a:prstGeom prst="rect">
+                      <a:avLst/>
+                    </a:prstGeom>
+                  </am3d:spPr>
+                  <am3d:camera>
+                    <am3d:pos x="0" y="0" z="81469193"/>
+                    <am3d:up dx="0" dy="36000000" dz="0"/>
+                    <am3d:lookAt x="0" y="0" z="0"/>
+                    <am3d:perspective fov="2700000"/>
+                  </am3d:camera>
+                  <am3d:trans>
+                    <am3d:meterPerModelUnit n="1011533" d="1000000"/>
+                    <am3d:preTrans dx="0" dy="0" dz="0"/>
+                    <am3d:scale>
+                      <am3d:sx n="1000000" d="1000000"/>
+                      <am3d:sy n="1000000" d="1000000"/>
+                      <am3d:sz n="1000000" d="1000000"/>
+                    </am3d:scale>
+                    <am3d:rot ax="759035" ay="-1139075" az="-250573"/>
+                    <am3d:postTrans dx="0" dy="0" dz="0"/>
+                  </am3d:trans>
+                  <am3d:raster rName="Office3DRenderer" rVer="16.0.8326">
+                    <am3d:blip r:embed="rId3"/>
+                  </am3d:raster>
+                  <am3d:objViewport viewportSz="1539195"/>
+                  <am3d:ambientLight>
+                    <am3d:clr>
+                      <a:scrgbClr r="50000" g="50000" b="50000"/>
+                    </am3d:clr>
+                    <am3d:illuminance n="500000" d="1000000"/>
+                  </am3d:ambientLight>
+                  <am3d:ptLight rad="0">
+                    <am3d:clr>
+                      <a:scrgbClr r="100000" g="75000" b="50000"/>
+                    </am3d:clr>
+                    <am3d:intensity n="9765625" d="1000000"/>
+                    <am3d:pos x="21959998" y="70920001" z="16344003"/>
+                  </am3d:ptLight>
+                  <am3d:ptLight rad="0">
+                    <am3d:clr>
+                      <a:scrgbClr r="40000" g="60000" b="95000"/>
+                    </am3d:clr>
+                    <am3d:intensity n="12250000" d="1000000"/>
+                    <am3d:pos x="-37964106" y="51130435" z="57631972"/>
+                  </am3d:ptLight>
+                  <am3d:ptLight rad="0">
+                    <am3d:clr>
+                      <a:scrgbClr r="86837" g="72700" b="100000"/>
+                    </am3d:clr>
+                    <am3d:intensity n="3125000" d="1000000"/>
+                    <am3d:pos x="-37739122" y="58056624" z="-34769649"/>
+                  </am3d:ptLight>
+                </am3d:model3d>
+              </a:graphicData>
+            </a:graphic>
+          </p:graphicFrame>
+        </mc:Choice>
+        <mc:Fallback>
+          <p:pic>
+            <p:nvPicPr>
+              <p:cNvPr id="10" name="3D Model 9" descr="Sphere">
+                <a:extLst>
+                  <a:ext uri="{FF2B5EF4-FFF2-40B4-BE49-F238E27FC236}">
+                    <a16:creationId xmlns:a16="http://schemas.microsoft.com/office/drawing/2014/main" id="{41ACB4B2-324D-F587-B617-095D9B2461C2}"/>
+                  </a:ext>
+                </a:extLst>
+              </p:cNvPr>
+              <p:cNvPicPr>
+                <a:picLocks noGrp="1" noRot="1" noChangeAspect="1" noMove="1" noResize="1" noEditPoints="1" noAdjustHandles="1" noChangeArrowheads="1" noChangeShapeType="1" noCrop="1"/>
+              </p:cNvPicPr>
+              <p:nvPr/>
+            </p:nvPicPr>
+            <p:blipFill>
+              <a:blip r:embed="rId3"/>
+              <a:stretch>
+                <a:fillRect/>
+              </a:stretch>
+            </p:blipFill>
+            <p:spPr>
+              <a:xfrm>
+                <a:off x="6448018" y="4395847"/>
+                <a:ext cx="889018" cy="902287"/>
+              </a:xfrm>
+              <a:prstGeom prst="rect">
+                <a:avLst/>
+              </a:prstGeom>
+            </p:spPr>
+          </p:pic>
+        </mc:Fallback>
+      </mc:AlternateContent>
+      <mc:AlternateContent xmlns:mc="http://schemas.openxmlformats.org/markup-compatibility/2006">
+        <mc:Choice xmlns:am3d="http://schemas.microsoft.com/office/drawing/2017/model3d" Requires="am3d">
+          <p:graphicFrame>
+            <p:nvGraphicFramePr>
+              <p:cNvPr id="11" name="3D Model 10" descr="Sphere">
+                <a:extLst>
+                  <a:ext uri="{FF2B5EF4-FFF2-40B4-BE49-F238E27FC236}">
+                    <a16:creationId xmlns:a16="http://schemas.microsoft.com/office/drawing/2014/main" id="{F3ED6FE2-21A4-D3EE-6B7B-5984BA83C8A7}"/>
+                  </a:ext>
+                </a:extLst>
+              </p:cNvPr>
+              <p:cNvGraphicFramePr>
+                <a:graphicFrameLocks noChangeAspect="1"/>
+              </p:cNvGraphicFramePr>
+              <p:nvPr>
+                <p:extLst>
+                  <p:ext uri="{D42A27DB-BD31-4B8C-83A1-F6EECF244321}">
+                    <p14:modId xmlns:p14="http://schemas.microsoft.com/office/powerpoint/2010/main" val="688939626"/>
+                  </p:ext>
+                </p:extLst>
+              </p:nvPr>
+            </p:nvGraphicFramePr>
+            <p:xfrm>
+              <a:off x="6462049" y="3562693"/>
+              <a:ext cx="889018" cy="902287"/>
+            </p:xfrm>
+            <a:graphic>
+              <a:graphicData uri="http://schemas.microsoft.com/office/drawing/2017/model3d">
+                <am3d:model3d r:embed="rId2">
+                  <am3d:spPr>
+                    <a:xfrm>
+                      <a:off x="0" y="0"/>
+                      <a:ext cx="889018" cy="902287"/>
+                    </a:xfrm>
+                    <a:prstGeom prst="rect">
+                      <a:avLst/>
+                    </a:prstGeom>
+                  </am3d:spPr>
+                  <am3d:camera>
+                    <am3d:pos x="0" y="0" z="81469193"/>
+                    <am3d:up dx="0" dy="36000000" dz="0"/>
+                    <am3d:lookAt x="0" y="0" z="0"/>
+                    <am3d:perspective fov="2700000"/>
+                  </am3d:camera>
+                  <am3d:trans>
+                    <am3d:meterPerModelUnit n="1011533" d="1000000"/>
+                    <am3d:preTrans dx="0" dy="0" dz="0"/>
+                    <am3d:scale>
+                      <am3d:sx n="1000000" d="1000000"/>
+                      <am3d:sy n="1000000" d="1000000"/>
+                      <am3d:sz n="1000000" d="1000000"/>
+                    </am3d:scale>
+                    <am3d:rot ax="759035" ay="-1139075" az="-250573"/>
+                    <am3d:postTrans dx="0" dy="0" dz="0"/>
+                  </am3d:trans>
+                  <am3d:raster rName="Office3DRenderer" rVer="16.0.8326">
+                    <am3d:blip r:embed="rId3"/>
+                  </am3d:raster>
+                  <am3d:objViewport viewportSz="1539195"/>
+                  <am3d:ambientLight>
+                    <am3d:clr>
+                      <a:scrgbClr r="50000" g="50000" b="50000"/>
+                    </am3d:clr>
+                    <am3d:illuminance n="500000" d="1000000"/>
+                  </am3d:ambientLight>
+                  <am3d:ptLight rad="0">
+                    <am3d:clr>
+                      <a:scrgbClr r="100000" g="75000" b="50000"/>
+                    </am3d:clr>
+                    <am3d:intensity n="9765625" d="1000000"/>
+                    <am3d:pos x="21959998" y="70920001" z="16344003"/>
+                  </am3d:ptLight>
+                  <am3d:ptLight rad="0">
+                    <am3d:clr>
+                      <a:scrgbClr r="40000" g="60000" b="95000"/>
+                    </am3d:clr>
+                    <am3d:intensity n="12250000" d="1000000"/>
+                    <am3d:pos x="-37964106" y="51130435" z="57631972"/>
+                  </am3d:ptLight>
+                  <am3d:ptLight rad="0">
+                    <am3d:clr>
+                      <a:scrgbClr r="86837" g="72700" b="100000"/>
+                    </am3d:clr>
+                    <am3d:intensity n="3125000" d="1000000"/>
+                    <am3d:pos x="-37739122" y="58056624" z="-34769649"/>
+                  </am3d:ptLight>
+                </am3d:model3d>
+              </a:graphicData>
+            </a:graphic>
+          </p:graphicFrame>
+        </mc:Choice>
+        <mc:Fallback>
+          <p:pic>
+            <p:nvPicPr>
+              <p:cNvPr id="11" name="3D Model 10" descr="Sphere">
+                <a:extLst>
+                  <a:ext uri="{FF2B5EF4-FFF2-40B4-BE49-F238E27FC236}">
+                    <a16:creationId xmlns:a16="http://schemas.microsoft.com/office/drawing/2014/main" id="{F3ED6FE2-21A4-D3EE-6B7B-5984BA83C8A7}"/>
+                  </a:ext>
+                </a:extLst>
+              </p:cNvPr>
+              <p:cNvPicPr>
+                <a:picLocks noGrp="1" noRot="1" noChangeAspect="1" noMove="1" noResize="1" noEditPoints="1" noAdjustHandles="1" noChangeArrowheads="1" noChangeShapeType="1" noCrop="1"/>
+              </p:cNvPicPr>
+              <p:nvPr/>
+            </p:nvPicPr>
+            <p:blipFill>
+              <a:blip r:embed="rId3"/>
+              <a:stretch>
+                <a:fillRect/>
+              </a:stretch>
+            </p:blipFill>
+            <p:spPr>
+              <a:xfrm>
+                <a:off x="6462049" y="3562693"/>
+                <a:ext cx="889018" cy="902287"/>
+              </a:xfrm>
+              <a:prstGeom prst="rect">
+                <a:avLst/>
+              </a:prstGeom>
+            </p:spPr>
+          </p:pic>
+        </mc:Fallback>
+      </mc:AlternateContent>
+      <p:sp>
+        <p:nvSpPr>
           <p:cNvPr id="2" name="Title 1">
             <a:extLst>
               <a:ext uri="{FF2B5EF4-FFF2-40B4-BE49-F238E27FC236}">
@@ -9253,7 +10162,12 @@
             <p:ph idx="1"/>
           </p:nvPr>
         </p:nvSpPr>
-        <p:spPr/>
+        <p:spPr>
+          <a:xfrm>
+            <a:off x="457199" y="1600200"/>
+            <a:ext cx="8415867" cy="1595633"/>
+          </a:xfrm>
+        </p:spPr>
         <p:txBody>
           <a:bodyPr/>
           <a:lstStyle/>
@@ -9333,50 +10247,1818 @@
           </a:p>
         </p:txBody>
       </p:sp>
-      <p:sp>
-        <p:nvSpPr>
-          <p:cNvPr id="7" name="TextBox 6">
+      <mc:AlternateContent xmlns:mc="http://schemas.openxmlformats.org/markup-compatibility/2006">
+        <mc:Choice xmlns:am3d="http://schemas.microsoft.com/office/drawing/2017/model3d" Requires="am3d">
+          <p:graphicFrame>
+            <p:nvGraphicFramePr>
+              <p:cNvPr id="6" name="3D Model 5" descr="Sphere">
+                <a:extLst>
+                  <a:ext uri="{FF2B5EF4-FFF2-40B4-BE49-F238E27FC236}">
+                    <a16:creationId xmlns:a16="http://schemas.microsoft.com/office/drawing/2014/main" id="{C63D2365-4D6E-C0FD-3557-39D5971CC828}"/>
+                  </a:ext>
+                </a:extLst>
+              </p:cNvPr>
+              <p:cNvGraphicFramePr>
+                <a:graphicFrameLocks noChangeAspect="1"/>
+              </p:cNvGraphicFramePr>
+              <p:nvPr>
+                <p:extLst>
+                  <p:ext uri="{D42A27DB-BD31-4B8C-83A1-F6EECF244321}">
+                    <p14:modId xmlns:p14="http://schemas.microsoft.com/office/powerpoint/2010/main" val="710492924"/>
+                  </p:ext>
+                </p:extLst>
+              </p:nvPr>
+            </p:nvGraphicFramePr>
+            <p:xfrm>
+              <a:off x="5551397" y="3648637"/>
+              <a:ext cx="889018" cy="902287"/>
+            </p:xfrm>
+            <a:graphic>
+              <a:graphicData uri="http://schemas.microsoft.com/office/drawing/2017/model3d">
+                <am3d:model3d r:embed="rId2">
+                  <am3d:spPr>
+                    <a:xfrm>
+                      <a:off x="0" y="0"/>
+                      <a:ext cx="889018" cy="902287"/>
+                    </a:xfrm>
+                    <a:prstGeom prst="rect">
+                      <a:avLst/>
+                    </a:prstGeom>
+                  </am3d:spPr>
+                  <am3d:camera>
+                    <am3d:pos x="0" y="0" z="81469193"/>
+                    <am3d:up dx="0" dy="36000000" dz="0"/>
+                    <am3d:lookAt x="0" y="0" z="0"/>
+                    <am3d:perspective fov="2700000"/>
+                  </am3d:camera>
+                  <am3d:trans>
+                    <am3d:meterPerModelUnit n="1011533" d="1000000"/>
+                    <am3d:preTrans dx="0" dy="0" dz="0"/>
+                    <am3d:scale>
+                      <am3d:sx n="1000000" d="1000000"/>
+                      <am3d:sy n="1000000" d="1000000"/>
+                      <am3d:sz n="1000000" d="1000000"/>
+                    </am3d:scale>
+                    <am3d:rot ax="759035" ay="-1139075" az="-250573"/>
+                    <am3d:postTrans dx="0" dy="0" dz="0"/>
+                  </am3d:trans>
+                  <am3d:raster rName="Office3DRenderer" rVer="16.0.8326">
+                    <am3d:blip r:embed="rId3"/>
+                  </am3d:raster>
+                  <am3d:objViewport viewportSz="1539195"/>
+                  <am3d:ambientLight>
+                    <am3d:clr>
+                      <a:scrgbClr r="50000" g="50000" b="50000"/>
+                    </am3d:clr>
+                    <am3d:illuminance n="500000" d="1000000"/>
+                  </am3d:ambientLight>
+                  <am3d:ptLight rad="0">
+                    <am3d:clr>
+                      <a:scrgbClr r="100000" g="75000" b="50000"/>
+                    </am3d:clr>
+                    <am3d:intensity n="9765625" d="1000000"/>
+                    <am3d:pos x="21959998" y="70920001" z="16344003"/>
+                  </am3d:ptLight>
+                  <am3d:ptLight rad="0">
+                    <am3d:clr>
+                      <a:scrgbClr r="40000" g="60000" b="95000"/>
+                    </am3d:clr>
+                    <am3d:intensity n="12250000" d="1000000"/>
+                    <am3d:pos x="-37964106" y="51130435" z="57631972"/>
+                  </am3d:ptLight>
+                  <am3d:ptLight rad="0">
+                    <am3d:clr>
+                      <a:scrgbClr r="86837" g="72700" b="100000"/>
+                    </am3d:clr>
+                    <am3d:intensity n="3125000" d="1000000"/>
+                    <am3d:pos x="-37739122" y="58056624" z="-34769649"/>
+                  </am3d:ptLight>
+                </am3d:model3d>
+              </a:graphicData>
+            </a:graphic>
+          </p:graphicFrame>
+        </mc:Choice>
+        <mc:Fallback>
+          <p:pic>
+            <p:nvPicPr>
+              <p:cNvPr id="6" name="3D Model 5" descr="Sphere">
+                <a:extLst>
+                  <a:ext uri="{FF2B5EF4-FFF2-40B4-BE49-F238E27FC236}">
+                    <a16:creationId xmlns:a16="http://schemas.microsoft.com/office/drawing/2014/main" id="{C63D2365-4D6E-C0FD-3557-39D5971CC828}"/>
+                  </a:ext>
+                </a:extLst>
+              </p:cNvPr>
+              <p:cNvPicPr>
+                <a:picLocks noGrp="1" noRot="1" noChangeAspect="1" noMove="1" noResize="1" noEditPoints="1" noAdjustHandles="1" noChangeArrowheads="1" noChangeShapeType="1" noCrop="1"/>
+              </p:cNvPicPr>
+              <p:nvPr/>
+            </p:nvPicPr>
+            <p:blipFill>
+              <a:blip r:embed="rId3"/>
+              <a:stretch>
+                <a:fillRect/>
+              </a:stretch>
+            </p:blipFill>
+            <p:spPr>
+              <a:xfrm>
+                <a:off x="5551397" y="3648637"/>
+                <a:ext cx="889018" cy="902287"/>
+              </a:xfrm>
+              <a:prstGeom prst="rect">
+                <a:avLst/>
+              </a:prstGeom>
+            </p:spPr>
+          </p:pic>
+        </mc:Fallback>
+      </mc:AlternateContent>
+      <mc:AlternateContent xmlns:mc="http://schemas.openxmlformats.org/markup-compatibility/2006">
+        <mc:Choice xmlns:am3d="http://schemas.microsoft.com/office/drawing/2017/model3d" Requires="am3d">
+          <p:graphicFrame>
+            <p:nvGraphicFramePr>
+              <p:cNvPr id="8" name="3D Model 7" descr="Sphere">
+                <a:extLst>
+                  <a:ext uri="{FF2B5EF4-FFF2-40B4-BE49-F238E27FC236}">
+                    <a16:creationId xmlns:a16="http://schemas.microsoft.com/office/drawing/2014/main" id="{8B8D7F02-B7E4-98BC-6E08-F0C148E14559}"/>
+                  </a:ext>
+                </a:extLst>
+              </p:cNvPr>
+              <p:cNvGraphicFramePr>
+                <a:graphicFrameLocks noChangeAspect="1"/>
+              </p:cNvGraphicFramePr>
+              <p:nvPr>
+                <p:extLst>
+                  <p:ext uri="{D42A27DB-BD31-4B8C-83A1-F6EECF244321}">
+                    <p14:modId xmlns:p14="http://schemas.microsoft.com/office/powerpoint/2010/main" val="1848917720"/>
+                  </p:ext>
+                </p:extLst>
+              </p:nvPr>
+            </p:nvGraphicFramePr>
+            <p:xfrm>
+              <a:off x="5572411" y="4522837"/>
+              <a:ext cx="889018" cy="902287"/>
+            </p:xfrm>
+            <a:graphic>
+              <a:graphicData uri="http://schemas.microsoft.com/office/drawing/2017/model3d">
+                <am3d:model3d r:embed="rId2">
+                  <am3d:spPr>
+                    <a:xfrm>
+                      <a:off x="0" y="0"/>
+                      <a:ext cx="889018" cy="902287"/>
+                    </a:xfrm>
+                    <a:prstGeom prst="rect">
+                      <a:avLst/>
+                    </a:prstGeom>
+                  </am3d:spPr>
+                  <am3d:camera>
+                    <am3d:pos x="0" y="0" z="81469193"/>
+                    <am3d:up dx="0" dy="36000000" dz="0"/>
+                    <am3d:lookAt x="0" y="0" z="0"/>
+                    <am3d:perspective fov="2700000"/>
+                  </am3d:camera>
+                  <am3d:trans>
+                    <am3d:meterPerModelUnit n="1011533" d="1000000"/>
+                    <am3d:preTrans dx="0" dy="0" dz="0"/>
+                    <am3d:scale>
+                      <am3d:sx n="1000000" d="1000000"/>
+                      <am3d:sy n="1000000" d="1000000"/>
+                      <am3d:sz n="1000000" d="1000000"/>
+                    </am3d:scale>
+                    <am3d:rot ax="759035" ay="-1139075" az="-250573"/>
+                    <am3d:postTrans dx="0" dy="0" dz="0"/>
+                  </am3d:trans>
+                  <am3d:raster rName="Office3DRenderer" rVer="16.0.8326">
+                    <am3d:blip r:embed="rId3"/>
+                  </am3d:raster>
+                  <am3d:objViewport viewportSz="1539195"/>
+                  <am3d:ambientLight>
+                    <am3d:clr>
+                      <a:scrgbClr r="50000" g="50000" b="50000"/>
+                    </am3d:clr>
+                    <am3d:illuminance n="500000" d="1000000"/>
+                  </am3d:ambientLight>
+                  <am3d:ptLight rad="0">
+                    <am3d:clr>
+                      <a:scrgbClr r="100000" g="75000" b="50000"/>
+                    </am3d:clr>
+                    <am3d:intensity n="9765625" d="1000000"/>
+                    <am3d:pos x="21959998" y="70920001" z="16344003"/>
+                  </am3d:ptLight>
+                  <am3d:ptLight rad="0">
+                    <am3d:clr>
+                      <a:scrgbClr r="40000" g="60000" b="95000"/>
+                    </am3d:clr>
+                    <am3d:intensity n="12250000" d="1000000"/>
+                    <am3d:pos x="-37964106" y="51130435" z="57631972"/>
+                  </am3d:ptLight>
+                  <am3d:ptLight rad="0">
+                    <am3d:clr>
+                      <a:scrgbClr r="86837" g="72700" b="100000"/>
+                    </am3d:clr>
+                    <am3d:intensity n="3125000" d="1000000"/>
+                    <am3d:pos x="-37739122" y="58056624" z="-34769649"/>
+                  </am3d:ptLight>
+                </am3d:model3d>
+              </a:graphicData>
+            </a:graphic>
+          </p:graphicFrame>
+        </mc:Choice>
+        <mc:Fallback>
+          <p:pic>
+            <p:nvPicPr>
+              <p:cNvPr id="8" name="3D Model 7" descr="Sphere">
+                <a:extLst>
+                  <a:ext uri="{FF2B5EF4-FFF2-40B4-BE49-F238E27FC236}">
+                    <a16:creationId xmlns:a16="http://schemas.microsoft.com/office/drawing/2014/main" id="{8B8D7F02-B7E4-98BC-6E08-F0C148E14559}"/>
+                  </a:ext>
+                </a:extLst>
+              </p:cNvPr>
+              <p:cNvPicPr>
+                <a:picLocks noGrp="1" noRot="1" noChangeAspect="1" noMove="1" noResize="1" noEditPoints="1" noAdjustHandles="1" noChangeArrowheads="1" noChangeShapeType="1" noCrop="1"/>
+              </p:cNvPicPr>
+              <p:nvPr/>
+            </p:nvPicPr>
+            <p:blipFill>
+              <a:blip r:embed="rId3"/>
+              <a:stretch>
+                <a:fillRect/>
+              </a:stretch>
+            </p:blipFill>
+            <p:spPr>
+              <a:xfrm>
+                <a:off x="5572411" y="4522837"/>
+                <a:ext cx="889018" cy="902287"/>
+              </a:xfrm>
+              <a:prstGeom prst="rect">
+                <a:avLst/>
+              </a:prstGeom>
+            </p:spPr>
+          </p:pic>
+        </mc:Fallback>
+      </mc:AlternateContent>
+      <mc:AlternateContent xmlns:mc="http://schemas.openxmlformats.org/markup-compatibility/2006">
+        <mc:Choice xmlns:am3d="http://schemas.microsoft.com/office/drawing/2017/model3d" Requires="am3d">
+          <p:graphicFrame>
+            <p:nvGraphicFramePr>
+              <p:cNvPr id="12" name="3D Model 11" descr="Sphere">
+                <a:extLst>
+                  <a:ext uri="{FF2B5EF4-FFF2-40B4-BE49-F238E27FC236}">
+                    <a16:creationId xmlns:a16="http://schemas.microsoft.com/office/drawing/2014/main" id="{90F451A4-7A12-4E63-F962-84D178A24768}"/>
+                  </a:ext>
+                </a:extLst>
+              </p:cNvPr>
+              <p:cNvGraphicFramePr>
+                <a:graphicFrameLocks noChangeAspect="1"/>
+              </p:cNvGraphicFramePr>
+              <p:nvPr>
+                <p:extLst>
+                  <p:ext uri="{D42A27DB-BD31-4B8C-83A1-F6EECF244321}">
+                    <p14:modId xmlns:p14="http://schemas.microsoft.com/office/powerpoint/2010/main" val="3566772328"/>
+                  </p:ext>
+                </p:extLst>
+              </p:nvPr>
+            </p:nvGraphicFramePr>
+            <p:xfrm>
+              <a:off x="7079819" y="3643614"/>
+              <a:ext cx="889018" cy="902287"/>
+            </p:xfrm>
+            <a:graphic>
+              <a:graphicData uri="http://schemas.microsoft.com/office/drawing/2017/model3d">
+                <am3d:model3d r:embed="rId2">
+                  <am3d:spPr>
+                    <a:xfrm>
+                      <a:off x="0" y="0"/>
+                      <a:ext cx="889018" cy="902287"/>
+                    </a:xfrm>
+                    <a:prstGeom prst="rect">
+                      <a:avLst/>
+                    </a:prstGeom>
+                  </am3d:spPr>
+                  <am3d:camera>
+                    <am3d:pos x="0" y="0" z="81469193"/>
+                    <am3d:up dx="0" dy="36000000" dz="0"/>
+                    <am3d:lookAt x="0" y="0" z="0"/>
+                    <am3d:perspective fov="2700000"/>
+                  </am3d:camera>
+                  <am3d:trans>
+                    <am3d:meterPerModelUnit n="1011533" d="1000000"/>
+                    <am3d:preTrans dx="0" dy="0" dz="0"/>
+                    <am3d:scale>
+                      <am3d:sx n="1000000" d="1000000"/>
+                      <am3d:sy n="1000000" d="1000000"/>
+                      <am3d:sz n="1000000" d="1000000"/>
+                    </am3d:scale>
+                    <am3d:rot ax="759035" ay="-1139075" az="-250573"/>
+                    <am3d:postTrans dx="0" dy="0" dz="0"/>
+                  </am3d:trans>
+                  <am3d:raster rName="Office3DRenderer" rVer="16.0.8326">
+                    <am3d:blip r:embed="rId3"/>
+                  </am3d:raster>
+                  <am3d:objViewport viewportSz="1539195"/>
+                  <am3d:ambientLight>
+                    <am3d:clr>
+                      <a:scrgbClr r="50000" g="50000" b="50000"/>
+                    </am3d:clr>
+                    <am3d:illuminance n="500000" d="1000000"/>
+                  </am3d:ambientLight>
+                  <am3d:ptLight rad="0">
+                    <am3d:clr>
+                      <a:scrgbClr r="100000" g="75000" b="50000"/>
+                    </am3d:clr>
+                    <am3d:intensity n="9765625" d="1000000"/>
+                    <am3d:pos x="21959998" y="70920001" z="16344003"/>
+                  </am3d:ptLight>
+                  <am3d:ptLight rad="0">
+                    <am3d:clr>
+                      <a:scrgbClr r="40000" g="60000" b="95000"/>
+                    </am3d:clr>
+                    <am3d:intensity n="12250000" d="1000000"/>
+                    <am3d:pos x="-37964106" y="51130435" z="57631972"/>
+                  </am3d:ptLight>
+                  <am3d:ptLight rad="0">
+                    <am3d:clr>
+                      <a:scrgbClr r="86837" g="72700" b="100000"/>
+                    </am3d:clr>
+                    <am3d:intensity n="3125000" d="1000000"/>
+                    <am3d:pos x="-37739122" y="58056624" z="-34769649"/>
+                  </am3d:ptLight>
+                </am3d:model3d>
+              </a:graphicData>
+            </a:graphic>
+          </p:graphicFrame>
+        </mc:Choice>
+        <mc:Fallback>
+          <p:pic>
+            <p:nvPicPr>
+              <p:cNvPr id="12" name="3D Model 11" descr="Sphere">
+                <a:extLst>
+                  <a:ext uri="{FF2B5EF4-FFF2-40B4-BE49-F238E27FC236}">
+                    <a16:creationId xmlns:a16="http://schemas.microsoft.com/office/drawing/2014/main" id="{90F451A4-7A12-4E63-F962-84D178A24768}"/>
+                  </a:ext>
+                </a:extLst>
+              </p:cNvPr>
+              <p:cNvPicPr>
+                <a:picLocks noGrp="1" noRot="1" noChangeAspect="1" noMove="1" noResize="1" noEditPoints="1" noAdjustHandles="1" noChangeArrowheads="1" noChangeShapeType="1" noCrop="1"/>
+              </p:cNvPicPr>
+              <p:nvPr/>
+            </p:nvPicPr>
+            <p:blipFill>
+              <a:blip r:embed="rId3"/>
+              <a:stretch>
+                <a:fillRect/>
+              </a:stretch>
+            </p:blipFill>
+            <p:spPr>
+              <a:xfrm>
+                <a:off x="7079819" y="3643614"/>
+                <a:ext cx="889018" cy="902287"/>
+              </a:xfrm>
+              <a:prstGeom prst="rect">
+                <a:avLst/>
+              </a:prstGeom>
+            </p:spPr>
+          </p:pic>
+        </mc:Fallback>
+      </mc:AlternateContent>
+      <mc:AlternateContent xmlns:mc="http://schemas.openxmlformats.org/markup-compatibility/2006">
+        <mc:Choice xmlns:am3d="http://schemas.microsoft.com/office/drawing/2017/model3d" Requires="am3d">
+          <p:graphicFrame>
+            <p:nvGraphicFramePr>
+              <p:cNvPr id="13" name="3D Model 12" descr="Sphere">
+                <a:extLst>
+                  <a:ext uri="{FF2B5EF4-FFF2-40B4-BE49-F238E27FC236}">
+                    <a16:creationId xmlns:a16="http://schemas.microsoft.com/office/drawing/2014/main" id="{3271ED97-CE9D-EC76-6DDB-4803F9D64C60}"/>
+                  </a:ext>
+                </a:extLst>
+              </p:cNvPr>
+              <p:cNvGraphicFramePr>
+                <a:graphicFrameLocks noChangeAspect="1"/>
+              </p:cNvGraphicFramePr>
+              <p:nvPr>
+                <p:extLst>
+                  <p:ext uri="{D42A27DB-BD31-4B8C-83A1-F6EECF244321}">
+                    <p14:modId xmlns:p14="http://schemas.microsoft.com/office/powerpoint/2010/main" val="110343850"/>
+                  </p:ext>
+                </p:extLst>
+              </p:nvPr>
+            </p:nvGraphicFramePr>
+            <p:xfrm>
+              <a:off x="6211815" y="3784279"/>
+              <a:ext cx="889018" cy="902287"/>
+            </p:xfrm>
+            <a:graphic>
+              <a:graphicData uri="http://schemas.microsoft.com/office/drawing/2017/model3d">
+                <am3d:model3d r:embed="rId2">
+                  <am3d:spPr>
+                    <a:xfrm>
+                      <a:off x="0" y="0"/>
+                      <a:ext cx="889018" cy="902287"/>
+                    </a:xfrm>
+                    <a:prstGeom prst="rect">
+                      <a:avLst/>
+                    </a:prstGeom>
+                  </am3d:spPr>
+                  <am3d:camera>
+                    <am3d:pos x="0" y="0" z="81469193"/>
+                    <am3d:up dx="0" dy="36000000" dz="0"/>
+                    <am3d:lookAt x="0" y="0" z="0"/>
+                    <am3d:perspective fov="2700000"/>
+                  </am3d:camera>
+                  <am3d:trans>
+                    <am3d:meterPerModelUnit n="1011533" d="1000000"/>
+                    <am3d:preTrans dx="0" dy="0" dz="0"/>
+                    <am3d:scale>
+                      <am3d:sx n="1000000" d="1000000"/>
+                      <am3d:sy n="1000000" d="1000000"/>
+                      <am3d:sz n="1000000" d="1000000"/>
+                    </am3d:scale>
+                    <am3d:rot ax="759035" ay="-1139075" az="-250573"/>
+                    <am3d:postTrans dx="0" dy="0" dz="0"/>
+                  </am3d:trans>
+                  <am3d:raster rName="Office3DRenderer" rVer="16.0.8326">
+                    <am3d:blip r:embed="rId3"/>
+                  </am3d:raster>
+                  <am3d:objViewport viewportSz="1539195"/>
+                  <am3d:ambientLight>
+                    <am3d:clr>
+                      <a:scrgbClr r="50000" g="50000" b="50000"/>
+                    </am3d:clr>
+                    <am3d:illuminance n="500000" d="1000000"/>
+                  </am3d:ambientLight>
+                  <am3d:ptLight rad="0">
+                    <am3d:clr>
+                      <a:scrgbClr r="100000" g="75000" b="50000"/>
+                    </am3d:clr>
+                    <am3d:intensity n="9765625" d="1000000"/>
+                    <am3d:pos x="21959998" y="70920001" z="16344003"/>
+                  </am3d:ptLight>
+                  <am3d:ptLight rad="0">
+                    <am3d:clr>
+                      <a:scrgbClr r="40000" g="60000" b="95000"/>
+                    </am3d:clr>
+                    <am3d:intensity n="12250000" d="1000000"/>
+                    <am3d:pos x="-37964106" y="51130435" z="57631972"/>
+                  </am3d:ptLight>
+                  <am3d:ptLight rad="0">
+                    <am3d:clr>
+                      <a:scrgbClr r="86837" g="72700" b="100000"/>
+                    </am3d:clr>
+                    <am3d:intensity n="3125000" d="1000000"/>
+                    <am3d:pos x="-37739122" y="58056624" z="-34769649"/>
+                  </am3d:ptLight>
+                </am3d:model3d>
+              </a:graphicData>
+            </a:graphic>
+          </p:graphicFrame>
+        </mc:Choice>
+        <mc:Fallback>
+          <p:pic>
+            <p:nvPicPr>
+              <p:cNvPr id="13" name="3D Model 12" descr="Sphere">
+                <a:extLst>
+                  <a:ext uri="{FF2B5EF4-FFF2-40B4-BE49-F238E27FC236}">
+                    <a16:creationId xmlns:a16="http://schemas.microsoft.com/office/drawing/2014/main" id="{3271ED97-CE9D-EC76-6DDB-4803F9D64C60}"/>
+                  </a:ext>
+                </a:extLst>
+              </p:cNvPr>
+              <p:cNvPicPr>
+                <a:picLocks noGrp="1" noRot="1" noChangeAspect="1" noMove="1" noResize="1" noEditPoints="1" noAdjustHandles="1" noChangeArrowheads="1" noChangeShapeType="1" noCrop="1"/>
+              </p:cNvPicPr>
+              <p:nvPr/>
+            </p:nvPicPr>
+            <p:blipFill>
+              <a:blip r:embed="rId3"/>
+              <a:stretch>
+                <a:fillRect/>
+              </a:stretch>
+            </p:blipFill>
+            <p:spPr>
+              <a:xfrm>
+                <a:off x="6211815" y="3784279"/>
+                <a:ext cx="889018" cy="902287"/>
+              </a:xfrm>
+              <a:prstGeom prst="rect">
+                <a:avLst/>
+              </a:prstGeom>
+            </p:spPr>
+          </p:pic>
+        </mc:Fallback>
+      </mc:AlternateContent>
+      <mc:AlternateContent xmlns:mc="http://schemas.openxmlformats.org/markup-compatibility/2006">
+        <mc:Choice xmlns:am3d="http://schemas.microsoft.com/office/drawing/2017/model3d" Requires="am3d">
+          <p:graphicFrame>
+            <p:nvGraphicFramePr>
+              <p:cNvPr id="14" name="3D Model 13" descr="Sphere">
+                <a:extLst>
+                  <a:ext uri="{FF2B5EF4-FFF2-40B4-BE49-F238E27FC236}">
+                    <a16:creationId xmlns:a16="http://schemas.microsoft.com/office/drawing/2014/main" id="{64BE510A-BEF8-197F-6494-8D008C1BFA9F}"/>
+                  </a:ext>
+                </a:extLst>
+              </p:cNvPr>
+              <p:cNvGraphicFramePr>
+                <a:graphicFrameLocks noChangeAspect="1"/>
+              </p:cNvGraphicFramePr>
+              <p:nvPr>
+                <p:extLst>
+                  <p:ext uri="{D42A27DB-BD31-4B8C-83A1-F6EECF244321}">
+                    <p14:modId xmlns:p14="http://schemas.microsoft.com/office/powerpoint/2010/main" val="1911144282"/>
+                  </p:ext>
+                </p:extLst>
+              </p:nvPr>
+            </p:nvGraphicFramePr>
+            <p:xfrm>
+              <a:off x="6244083" y="4783832"/>
+              <a:ext cx="889018" cy="902287"/>
+            </p:xfrm>
+            <a:graphic>
+              <a:graphicData uri="http://schemas.microsoft.com/office/drawing/2017/model3d">
+                <am3d:model3d r:embed="rId2">
+                  <am3d:spPr>
+                    <a:xfrm>
+                      <a:off x="0" y="0"/>
+                      <a:ext cx="889018" cy="902287"/>
+                    </a:xfrm>
+                    <a:prstGeom prst="rect">
+                      <a:avLst/>
+                    </a:prstGeom>
+                  </am3d:spPr>
+                  <am3d:camera>
+                    <am3d:pos x="0" y="0" z="81469193"/>
+                    <am3d:up dx="0" dy="36000000" dz="0"/>
+                    <am3d:lookAt x="0" y="0" z="0"/>
+                    <am3d:perspective fov="2700000"/>
+                  </am3d:camera>
+                  <am3d:trans>
+                    <am3d:meterPerModelUnit n="1011533" d="1000000"/>
+                    <am3d:preTrans dx="0" dy="0" dz="0"/>
+                    <am3d:scale>
+                      <am3d:sx n="1000000" d="1000000"/>
+                      <am3d:sy n="1000000" d="1000000"/>
+                      <am3d:sz n="1000000" d="1000000"/>
+                    </am3d:scale>
+                    <am3d:rot ax="759035" ay="-1139075" az="-250573"/>
+                    <am3d:postTrans dx="0" dy="0" dz="0"/>
+                  </am3d:trans>
+                  <am3d:raster rName="Office3DRenderer" rVer="16.0.8326">
+                    <am3d:blip r:embed="rId3"/>
+                  </am3d:raster>
+                  <am3d:objViewport viewportSz="1539195"/>
+                  <am3d:ambientLight>
+                    <am3d:clr>
+                      <a:scrgbClr r="50000" g="50000" b="50000"/>
+                    </am3d:clr>
+                    <am3d:illuminance n="500000" d="1000000"/>
+                  </am3d:ambientLight>
+                  <am3d:ptLight rad="0">
+                    <am3d:clr>
+                      <a:scrgbClr r="100000" g="75000" b="50000"/>
+                    </am3d:clr>
+                    <am3d:intensity n="9765625" d="1000000"/>
+                    <am3d:pos x="21959998" y="70920001" z="16344003"/>
+                  </am3d:ptLight>
+                  <am3d:ptLight rad="0">
+                    <am3d:clr>
+                      <a:scrgbClr r="40000" g="60000" b="95000"/>
+                    </am3d:clr>
+                    <am3d:intensity n="12250000" d="1000000"/>
+                    <am3d:pos x="-37964106" y="51130435" z="57631972"/>
+                  </am3d:ptLight>
+                  <am3d:ptLight rad="0">
+                    <am3d:clr>
+                      <a:scrgbClr r="86837" g="72700" b="100000"/>
+                    </am3d:clr>
+                    <am3d:intensity n="3125000" d="1000000"/>
+                    <am3d:pos x="-37739122" y="58056624" z="-34769649"/>
+                  </am3d:ptLight>
+                </am3d:model3d>
+              </a:graphicData>
+            </a:graphic>
+          </p:graphicFrame>
+        </mc:Choice>
+        <mc:Fallback>
+          <p:pic>
+            <p:nvPicPr>
+              <p:cNvPr id="14" name="3D Model 13" descr="Sphere">
+                <a:extLst>
+                  <a:ext uri="{FF2B5EF4-FFF2-40B4-BE49-F238E27FC236}">
+                    <a16:creationId xmlns:a16="http://schemas.microsoft.com/office/drawing/2014/main" id="{64BE510A-BEF8-197F-6494-8D008C1BFA9F}"/>
+                  </a:ext>
+                </a:extLst>
+              </p:cNvPr>
+              <p:cNvPicPr>
+                <a:picLocks noGrp="1" noRot="1" noChangeAspect="1" noMove="1" noResize="1" noEditPoints="1" noAdjustHandles="1" noChangeArrowheads="1" noChangeShapeType="1" noCrop="1"/>
+              </p:cNvPicPr>
+              <p:nvPr/>
+            </p:nvPicPr>
+            <p:blipFill>
+              <a:blip r:embed="rId3"/>
+              <a:stretch>
+                <a:fillRect/>
+              </a:stretch>
+            </p:blipFill>
+            <p:spPr>
+              <a:xfrm>
+                <a:off x="6244083" y="4783832"/>
+                <a:ext cx="889018" cy="902287"/>
+              </a:xfrm>
+              <a:prstGeom prst="rect">
+                <a:avLst/>
+              </a:prstGeom>
+            </p:spPr>
+          </p:pic>
+        </mc:Fallback>
+      </mc:AlternateContent>
+      <mc:AlternateContent xmlns:mc="http://schemas.openxmlformats.org/markup-compatibility/2006">
+        <mc:Choice xmlns:am3d="http://schemas.microsoft.com/office/drawing/2017/model3d" Requires="am3d">
+          <p:graphicFrame>
+            <p:nvGraphicFramePr>
+              <p:cNvPr id="15" name="3D Model 14" descr="Sphere">
+                <a:extLst>
+                  <a:ext uri="{FF2B5EF4-FFF2-40B4-BE49-F238E27FC236}">
+                    <a16:creationId xmlns:a16="http://schemas.microsoft.com/office/drawing/2014/main" id="{B8ABC38D-8FB0-0609-395E-D35D0A77FE17}"/>
+                  </a:ext>
+                </a:extLst>
+              </p:cNvPr>
+              <p:cNvGraphicFramePr>
+                <a:graphicFrameLocks noChangeAspect="1"/>
+              </p:cNvGraphicFramePr>
+              <p:nvPr>
+                <p:extLst>
+                  <p:ext uri="{D42A27DB-BD31-4B8C-83A1-F6EECF244321}">
+                    <p14:modId xmlns:p14="http://schemas.microsoft.com/office/powerpoint/2010/main" val="1334392046"/>
+                  </p:ext>
+                </p:extLst>
+              </p:nvPr>
+            </p:nvGraphicFramePr>
+            <p:xfrm>
+              <a:off x="7098455" y="4565823"/>
+              <a:ext cx="889018" cy="902287"/>
+            </p:xfrm>
+            <a:graphic>
+              <a:graphicData uri="http://schemas.microsoft.com/office/drawing/2017/model3d">
+                <am3d:model3d r:embed="rId2">
+                  <am3d:spPr>
+                    <a:xfrm>
+                      <a:off x="0" y="0"/>
+                      <a:ext cx="889018" cy="902287"/>
+                    </a:xfrm>
+                    <a:prstGeom prst="rect">
+                      <a:avLst/>
+                    </a:prstGeom>
+                  </am3d:spPr>
+                  <am3d:camera>
+                    <am3d:pos x="0" y="0" z="81469193"/>
+                    <am3d:up dx="0" dy="36000000" dz="0"/>
+                    <am3d:lookAt x="0" y="0" z="0"/>
+                    <am3d:perspective fov="2700000"/>
+                  </am3d:camera>
+                  <am3d:trans>
+                    <am3d:meterPerModelUnit n="1011533" d="1000000"/>
+                    <am3d:preTrans dx="0" dy="0" dz="0"/>
+                    <am3d:scale>
+                      <am3d:sx n="1000000" d="1000000"/>
+                      <am3d:sy n="1000000" d="1000000"/>
+                      <am3d:sz n="1000000" d="1000000"/>
+                    </am3d:scale>
+                    <am3d:rot ax="759035" ay="-1139075" az="-250573"/>
+                    <am3d:postTrans dx="0" dy="0" dz="0"/>
+                  </am3d:trans>
+                  <am3d:raster rName="Office3DRenderer" rVer="16.0.8326">
+                    <am3d:blip r:embed="rId3"/>
+                  </am3d:raster>
+                  <am3d:objViewport viewportSz="1539195"/>
+                  <am3d:ambientLight>
+                    <am3d:clr>
+                      <a:scrgbClr r="50000" g="50000" b="50000"/>
+                    </am3d:clr>
+                    <am3d:illuminance n="500000" d="1000000"/>
+                  </am3d:ambientLight>
+                  <am3d:ptLight rad="0">
+                    <am3d:clr>
+                      <a:scrgbClr r="100000" g="75000" b="50000"/>
+                    </am3d:clr>
+                    <am3d:intensity n="9765625" d="1000000"/>
+                    <am3d:pos x="21959998" y="70920001" z="16344003"/>
+                  </am3d:ptLight>
+                  <am3d:ptLight rad="0">
+                    <am3d:clr>
+                      <a:scrgbClr r="40000" g="60000" b="95000"/>
+                    </am3d:clr>
+                    <am3d:intensity n="12250000" d="1000000"/>
+                    <am3d:pos x="-37964106" y="51130435" z="57631972"/>
+                  </am3d:ptLight>
+                  <am3d:ptLight rad="0">
+                    <am3d:clr>
+                      <a:scrgbClr r="86837" g="72700" b="100000"/>
+                    </am3d:clr>
+                    <am3d:intensity n="3125000" d="1000000"/>
+                    <am3d:pos x="-37739122" y="58056624" z="-34769649"/>
+                  </am3d:ptLight>
+                </am3d:model3d>
+              </a:graphicData>
+            </a:graphic>
+          </p:graphicFrame>
+        </mc:Choice>
+        <mc:Fallback>
+          <p:pic>
+            <p:nvPicPr>
+              <p:cNvPr id="15" name="3D Model 14" descr="Sphere">
+                <a:extLst>
+                  <a:ext uri="{FF2B5EF4-FFF2-40B4-BE49-F238E27FC236}">
+                    <a16:creationId xmlns:a16="http://schemas.microsoft.com/office/drawing/2014/main" id="{B8ABC38D-8FB0-0609-395E-D35D0A77FE17}"/>
+                  </a:ext>
+                </a:extLst>
+              </p:cNvPr>
+              <p:cNvPicPr>
+                <a:picLocks noGrp="1" noRot="1" noChangeAspect="1" noMove="1" noResize="1" noEditPoints="1" noAdjustHandles="1" noChangeArrowheads="1" noChangeShapeType="1" noCrop="1"/>
+              </p:cNvPicPr>
+              <p:nvPr/>
+            </p:nvPicPr>
+            <p:blipFill>
+              <a:blip r:embed="rId3"/>
+              <a:stretch>
+                <a:fillRect/>
+              </a:stretch>
+            </p:blipFill>
+            <p:spPr>
+              <a:xfrm>
+                <a:off x="7098455" y="4565823"/>
+                <a:ext cx="889018" cy="902287"/>
+              </a:xfrm>
+              <a:prstGeom prst="rect">
+                <a:avLst/>
+              </a:prstGeom>
+            </p:spPr>
+          </p:pic>
+        </mc:Fallback>
+      </mc:AlternateContent>
+      <p:cxnSp>
+        <p:nvCxnSpPr>
+          <p:cNvPr id="20" name="Straight Connector 19">
             <a:extLst>
               <a:ext uri="{FF2B5EF4-FFF2-40B4-BE49-F238E27FC236}">
-                <a16:creationId xmlns:a16="http://schemas.microsoft.com/office/drawing/2014/main" id="{DA4FBE79-AAB7-13F1-695E-678F6055FF76}"/>
+                <a16:creationId xmlns:a16="http://schemas.microsoft.com/office/drawing/2014/main" id="{8A0B050B-7C8E-BE09-D5AB-73EDE1E794AE}"/>
               </a:ext>
             </a:extLst>
           </p:cNvPr>
-          <p:cNvSpPr txBox="1"/>
+          <p:cNvCxnSpPr>
+            <a:cxnSpLocks/>
+            <a:stCxn id="13" idx="0"/>
+            <a:endCxn id="6" idx="0"/>
+          </p:cNvCxnSpPr>
           <p:nvPr/>
-        </p:nvSpPr>
+        </p:nvCxnSpPr>
+        <p:spPr>
+          <a:xfrm flipH="1" flipV="1">
+            <a:off x="5995906" y="3648637"/>
+            <a:ext cx="660418" cy="135642"/>
+          </a:xfrm>
+          <a:prstGeom prst="line">
+            <a:avLst/>
+          </a:prstGeom>
+          <a:ln w="22225">
+            <a:solidFill>
+              <a:schemeClr val="tx1"/>
+            </a:solidFill>
+            <a:headEnd type="none" w="med" len="med"/>
+            <a:tailEnd type="none" w="med" len="med"/>
+          </a:ln>
+          <a:effectLst/>
+        </p:spPr>
+        <p:style>
+          <a:lnRef idx="2">
+            <a:schemeClr val="accent1"/>
+          </a:lnRef>
+          <a:fillRef idx="0">
+            <a:schemeClr val="accent1"/>
+          </a:fillRef>
+          <a:effectRef idx="1">
+            <a:schemeClr val="accent1"/>
+          </a:effectRef>
+          <a:fontRef idx="minor">
+            <a:schemeClr val="tx1"/>
+          </a:fontRef>
+        </p:style>
+      </p:cxnSp>
+      <p:cxnSp>
+        <p:nvCxnSpPr>
+          <p:cNvPr id="23" name="Straight Connector 22">
+            <a:extLst>
+              <a:ext uri="{FF2B5EF4-FFF2-40B4-BE49-F238E27FC236}">
+                <a16:creationId xmlns:a16="http://schemas.microsoft.com/office/drawing/2014/main" id="{58F887E3-CEB6-AEF6-2384-AC419AE20C25}"/>
+              </a:ext>
+            </a:extLst>
+          </p:cNvPr>
+          <p:cNvCxnSpPr>
+            <a:cxnSpLocks/>
+            <a:stCxn id="12" idx="0"/>
+            <a:endCxn id="11" idx="0"/>
+          </p:cNvCxnSpPr>
+          <p:nvPr/>
+        </p:nvCxnSpPr>
+        <p:spPr>
+          <a:xfrm flipH="1" flipV="1">
+            <a:off x="6906558" y="3562693"/>
+            <a:ext cx="617770" cy="80921"/>
+          </a:xfrm>
+          <a:prstGeom prst="line">
+            <a:avLst/>
+          </a:prstGeom>
+          <a:ln w="22225">
+            <a:solidFill>
+              <a:schemeClr val="tx1"/>
+            </a:solidFill>
+            <a:headEnd type="none" w="med" len="med"/>
+            <a:tailEnd type="none" w="med" len="med"/>
+          </a:ln>
+          <a:effectLst/>
+        </p:spPr>
+        <p:style>
+          <a:lnRef idx="2">
+            <a:schemeClr val="accent1"/>
+          </a:lnRef>
+          <a:fillRef idx="0">
+            <a:schemeClr val="accent1"/>
+          </a:fillRef>
+          <a:effectRef idx="1">
+            <a:schemeClr val="accent1"/>
+          </a:effectRef>
+          <a:fontRef idx="minor">
+            <a:schemeClr val="tx1"/>
+          </a:fontRef>
+        </p:style>
+      </p:cxnSp>
+      <p:cxnSp>
+        <p:nvCxnSpPr>
+          <p:cNvPr id="26" name="Straight Connector 25">
+            <a:extLst>
+              <a:ext uri="{FF2B5EF4-FFF2-40B4-BE49-F238E27FC236}">
+                <a16:creationId xmlns:a16="http://schemas.microsoft.com/office/drawing/2014/main" id="{F6B9F0C4-20E7-8742-34BE-731F9478C64D}"/>
+              </a:ext>
+            </a:extLst>
+          </p:cNvPr>
+          <p:cNvCxnSpPr>
+            <a:cxnSpLocks/>
+            <a:stCxn id="12" idx="0"/>
+            <a:endCxn id="13" idx="0"/>
+          </p:cNvCxnSpPr>
+          <p:nvPr/>
+        </p:nvCxnSpPr>
+        <p:spPr>
+          <a:xfrm flipH="1">
+            <a:off x="6656324" y="3643614"/>
+            <a:ext cx="868004" cy="140665"/>
+          </a:xfrm>
+          <a:prstGeom prst="line">
+            <a:avLst/>
+          </a:prstGeom>
+          <a:ln w="22225">
+            <a:solidFill>
+              <a:schemeClr val="tx1"/>
+            </a:solidFill>
+            <a:headEnd type="none" w="med" len="med"/>
+            <a:tailEnd type="none" w="med" len="med"/>
+          </a:ln>
+          <a:effectLst/>
+        </p:spPr>
+        <p:style>
+          <a:lnRef idx="2">
+            <a:schemeClr val="accent1"/>
+          </a:lnRef>
+          <a:fillRef idx="0">
+            <a:schemeClr val="accent1"/>
+          </a:fillRef>
+          <a:effectRef idx="1">
+            <a:schemeClr val="accent1"/>
+          </a:effectRef>
+          <a:fontRef idx="minor">
+            <a:schemeClr val="tx1"/>
+          </a:fontRef>
+        </p:style>
+      </p:cxnSp>
+      <p:cxnSp>
+        <p:nvCxnSpPr>
+          <p:cNvPr id="29" name="Straight Connector 28">
+            <a:extLst>
+              <a:ext uri="{FF2B5EF4-FFF2-40B4-BE49-F238E27FC236}">
+                <a16:creationId xmlns:a16="http://schemas.microsoft.com/office/drawing/2014/main" id="{7203BB87-261E-34CA-83BB-D57F89D85FE8}"/>
+              </a:ext>
+            </a:extLst>
+          </p:cNvPr>
+          <p:cNvCxnSpPr>
+            <a:cxnSpLocks/>
+            <a:stCxn id="11" idx="0"/>
+            <a:endCxn id="6" idx="0"/>
+          </p:cNvCxnSpPr>
+          <p:nvPr/>
+        </p:nvCxnSpPr>
+        <p:spPr>
+          <a:xfrm flipH="1">
+            <a:off x="5995906" y="3562693"/>
+            <a:ext cx="910652" cy="85944"/>
+          </a:xfrm>
+          <a:prstGeom prst="line">
+            <a:avLst/>
+          </a:prstGeom>
+          <a:ln w="22225">
+            <a:solidFill>
+              <a:schemeClr val="tx1"/>
+            </a:solidFill>
+            <a:headEnd type="none" w="med" len="med"/>
+            <a:tailEnd type="none" w="med" len="med"/>
+          </a:ln>
+          <a:effectLst/>
+        </p:spPr>
+        <p:style>
+          <a:lnRef idx="2">
+            <a:schemeClr val="accent1"/>
+          </a:lnRef>
+          <a:fillRef idx="0">
+            <a:schemeClr val="accent1"/>
+          </a:fillRef>
+          <a:effectRef idx="1">
+            <a:schemeClr val="accent1"/>
+          </a:effectRef>
+          <a:fontRef idx="minor">
+            <a:schemeClr val="tx1"/>
+          </a:fontRef>
+        </p:style>
+      </p:cxnSp>
+      <p:cxnSp>
+        <p:nvCxnSpPr>
+          <p:cNvPr id="40" name="Straight Connector 39">
+            <a:extLst>
+              <a:ext uri="{FF2B5EF4-FFF2-40B4-BE49-F238E27FC236}">
+                <a16:creationId xmlns:a16="http://schemas.microsoft.com/office/drawing/2014/main" id="{B68C4629-F75D-746A-ABD4-1E70FE9BDF57}"/>
+              </a:ext>
+            </a:extLst>
+          </p:cNvPr>
+          <p:cNvCxnSpPr>
+            <a:cxnSpLocks/>
+            <a:stCxn id="14" idx="2"/>
+            <a:endCxn id="13" idx="0"/>
+          </p:cNvCxnSpPr>
+          <p:nvPr/>
+        </p:nvCxnSpPr>
+        <p:spPr>
+          <a:xfrm flipH="1" flipV="1">
+            <a:off x="6656324" y="3784279"/>
+            <a:ext cx="32268" cy="1901840"/>
+          </a:xfrm>
+          <a:prstGeom prst="line">
+            <a:avLst/>
+          </a:prstGeom>
+          <a:ln w="22225">
+            <a:solidFill>
+              <a:schemeClr val="tx1"/>
+            </a:solidFill>
+            <a:headEnd type="none" w="med" len="med"/>
+            <a:tailEnd type="none" w="med" len="med"/>
+          </a:ln>
+          <a:effectLst/>
+        </p:spPr>
+        <p:style>
+          <a:lnRef idx="2">
+            <a:schemeClr val="accent1"/>
+          </a:lnRef>
+          <a:fillRef idx="0">
+            <a:schemeClr val="accent1"/>
+          </a:fillRef>
+          <a:effectRef idx="1">
+            <a:schemeClr val="accent1"/>
+          </a:effectRef>
+          <a:fontRef idx="minor">
+            <a:schemeClr val="tx1"/>
+          </a:fontRef>
+        </p:style>
+      </p:cxnSp>
+      <p:cxnSp>
+        <p:nvCxnSpPr>
+          <p:cNvPr id="43" name="Straight Connector 42">
+            <a:extLst>
+              <a:ext uri="{FF2B5EF4-FFF2-40B4-BE49-F238E27FC236}">
+                <a16:creationId xmlns:a16="http://schemas.microsoft.com/office/drawing/2014/main" id="{CDBE5FE9-E797-5E36-ACAA-C85AD81F5942}"/>
+              </a:ext>
+            </a:extLst>
+          </p:cNvPr>
+          <p:cNvCxnSpPr>
+            <a:cxnSpLocks/>
+            <a:stCxn id="15" idx="2"/>
+            <a:endCxn id="14" idx="2"/>
+          </p:cNvCxnSpPr>
+          <p:nvPr/>
+        </p:nvCxnSpPr>
+        <p:spPr>
+          <a:xfrm flipH="1">
+            <a:off x="6688592" y="5468110"/>
+            <a:ext cx="854372" cy="218009"/>
+          </a:xfrm>
+          <a:prstGeom prst="line">
+            <a:avLst/>
+          </a:prstGeom>
+          <a:ln w="22225">
+            <a:solidFill>
+              <a:schemeClr val="tx1"/>
+            </a:solidFill>
+            <a:headEnd type="none" w="med" len="med"/>
+            <a:tailEnd type="none" w="med" len="med"/>
+          </a:ln>
+          <a:effectLst/>
+        </p:spPr>
+        <p:style>
+          <a:lnRef idx="2">
+            <a:schemeClr val="accent1"/>
+          </a:lnRef>
+          <a:fillRef idx="0">
+            <a:schemeClr val="accent1"/>
+          </a:fillRef>
+          <a:effectRef idx="1">
+            <a:schemeClr val="accent1"/>
+          </a:effectRef>
+          <a:fontRef idx="minor">
+            <a:schemeClr val="tx1"/>
+          </a:fontRef>
+        </p:style>
+      </p:cxnSp>
+      <p:cxnSp>
+        <p:nvCxnSpPr>
+          <p:cNvPr id="47" name="Straight Connector 46">
+            <a:extLst>
+              <a:ext uri="{FF2B5EF4-FFF2-40B4-BE49-F238E27FC236}">
+                <a16:creationId xmlns:a16="http://schemas.microsoft.com/office/drawing/2014/main" id="{DA799DAD-C8DE-F353-721B-AC643735323A}"/>
+              </a:ext>
+            </a:extLst>
+          </p:cNvPr>
+          <p:cNvCxnSpPr>
+            <a:cxnSpLocks/>
+            <a:stCxn id="15" idx="2"/>
+            <a:endCxn id="12" idx="0"/>
+          </p:cNvCxnSpPr>
+          <p:nvPr/>
+        </p:nvCxnSpPr>
+        <p:spPr>
+          <a:xfrm flipH="1" flipV="1">
+            <a:off x="7524328" y="3643614"/>
+            <a:ext cx="18636" cy="1824496"/>
+          </a:xfrm>
+          <a:prstGeom prst="line">
+            <a:avLst/>
+          </a:prstGeom>
+          <a:ln w="22225">
+            <a:solidFill>
+              <a:schemeClr val="tx1"/>
+            </a:solidFill>
+            <a:headEnd type="none" w="med" len="med"/>
+            <a:tailEnd type="none" w="med" len="med"/>
+          </a:ln>
+          <a:effectLst/>
+        </p:spPr>
+        <p:style>
+          <a:lnRef idx="2">
+            <a:schemeClr val="accent1"/>
+          </a:lnRef>
+          <a:fillRef idx="0">
+            <a:schemeClr val="accent1"/>
+          </a:fillRef>
+          <a:effectRef idx="1">
+            <a:schemeClr val="accent1"/>
+          </a:effectRef>
+          <a:fontRef idx="minor">
+            <a:schemeClr val="tx1"/>
+          </a:fontRef>
+        </p:style>
+      </p:cxnSp>
+      <p:cxnSp>
+        <p:nvCxnSpPr>
+          <p:cNvPr id="53" name="Straight Connector 52">
+            <a:extLst>
+              <a:ext uri="{FF2B5EF4-FFF2-40B4-BE49-F238E27FC236}">
+                <a16:creationId xmlns:a16="http://schemas.microsoft.com/office/drawing/2014/main" id="{05883137-B633-F287-B18A-9AF2976BA499}"/>
+              </a:ext>
+            </a:extLst>
+          </p:cNvPr>
+          <p:cNvCxnSpPr>
+            <a:cxnSpLocks/>
+            <a:stCxn id="14" idx="2"/>
+            <a:endCxn id="8" idx="2"/>
+          </p:cNvCxnSpPr>
+          <p:nvPr/>
+        </p:nvCxnSpPr>
+        <p:spPr>
+          <a:xfrm flipH="1" flipV="1">
+            <a:off x="6016920" y="5425124"/>
+            <a:ext cx="671672" cy="260995"/>
+          </a:xfrm>
+          <a:prstGeom prst="line">
+            <a:avLst/>
+          </a:prstGeom>
+          <a:ln w="22225">
+            <a:solidFill>
+              <a:schemeClr val="tx1"/>
+            </a:solidFill>
+            <a:headEnd type="none" w="med" len="med"/>
+            <a:tailEnd type="none" w="med" len="med"/>
+          </a:ln>
+          <a:effectLst/>
+        </p:spPr>
+        <p:style>
+          <a:lnRef idx="2">
+            <a:schemeClr val="accent1"/>
+          </a:lnRef>
+          <a:fillRef idx="0">
+            <a:schemeClr val="accent1"/>
+          </a:fillRef>
+          <a:effectRef idx="1">
+            <a:schemeClr val="accent1"/>
+          </a:effectRef>
+          <a:fontRef idx="minor">
+            <a:schemeClr val="tx1"/>
+          </a:fontRef>
+        </p:style>
+      </p:cxnSp>
+      <p:cxnSp>
+        <p:nvCxnSpPr>
+          <p:cNvPr id="56" name="Straight Connector 55">
+            <a:extLst>
+              <a:ext uri="{FF2B5EF4-FFF2-40B4-BE49-F238E27FC236}">
+                <a16:creationId xmlns:a16="http://schemas.microsoft.com/office/drawing/2014/main" id="{828E667F-219D-50E6-5ADD-EC2F66DA76BB}"/>
+              </a:ext>
+            </a:extLst>
+          </p:cNvPr>
+          <p:cNvCxnSpPr>
+            <a:cxnSpLocks/>
+            <a:stCxn id="6" idx="0"/>
+            <a:endCxn id="8" idx="2"/>
+          </p:cNvCxnSpPr>
+          <p:nvPr/>
+        </p:nvCxnSpPr>
         <p:spPr>
           <a:xfrm>
-            <a:off x="2894287" y="4202320"/>
-            <a:ext cx="3541690" cy="646331"/>
+            <a:off x="5995906" y="3648637"/>
+            <a:ext cx="21014" cy="1776487"/>
           </a:xfrm>
-          <a:prstGeom prst="rect">
+          <a:prstGeom prst="line">
             <a:avLst/>
           </a:prstGeom>
-          <a:noFill/>
-          <a:ln>
+          <a:ln w="22225">
             <a:solidFill>
-              <a:srgbClr val="010000"/>
+              <a:schemeClr val="tx1"/>
             </a:solidFill>
+            <a:headEnd type="none" w="med" len="med"/>
+            <a:tailEnd type="none" w="med" len="med"/>
           </a:ln>
+          <a:effectLst/>
         </p:spPr>
-        <p:txBody>
-          <a:bodyPr wrap="square" rtlCol="0">
-            <a:spAutoFit/>
-          </a:bodyPr>
-          <a:lstStyle/>
-          <a:p>
-            <a:pPr algn="ctr"/>
-            <a:r>
-              <a:rPr lang="en-GB" b="1" dirty="0">
-                <a:latin typeface="Arial"/>
-                <a:cs typeface="Arial"/>
-              </a:rPr>
-              <a:t>Packing fraction diagram showing SAFT parameters</a:t>
-            </a:r>
-          </a:p>
-        </p:txBody>
-      </p:sp>
+        <p:style>
+          <a:lnRef idx="2">
+            <a:schemeClr val="accent1"/>
+          </a:lnRef>
+          <a:fillRef idx="0">
+            <a:schemeClr val="accent1"/>
+          </a:fillRef>
+          <a:effectRef idx="1">
+            <a:schemeClr val="accent1"/>
+          </a:effectRef>
+          <a:fontRef idx="minor">
+            <a:schemeClr val="tx1"/>
+          </a:fontRef>
+        </p:style>
+      </p:cxnSp>
+      <p:grpSp>
+        <p:nvGrpSpPr>
+          <p:cNvPr id="111" name="Group 110">
+            <a:extLst>
+              <a:ext uri="{FF2B5EF4-FFF2-40B4-BE49-F238E27FC236}">
+                <a16:creationId xmlns:a16="http://schemas.microsoft.com/office/drawing/2014/main" id="{87AAAB79-E008-D00A-AD0E-280915D8926F}"/>
+              </a:ext>
+            </a:extLst>
+          </p:cNvPr>
+          <p:cNvGrpSpPr/>
+          <p:nvPr/>
+        </p:nvGrpSpPr>
+        <p:grpSpPr>
+          <a:xfrm>
+            <a:off x="1682279" y="4985765"/>
+            <a:ext cx="718810" cy="700237"/>
+            <a:chOff x="1156527" y="4080294"/>
+            <a:chExt cx="718810" cy="700237"/>
+          </a:xfrm>
+        </p:grpSpPr>
+        <p:sp>
+          <p:nvSpPr>
+            <p:cNvPr id="112" name="Oval 111">
+              <a:extLst>
+                <a:ext uri="{FF2B5EF4-FFF2-40B4-BE49-F238E27FC236}">
+                  <a16:creationId xmlns:a16="http://schemas.microsoft.com/office/drawing/2014/main" id="{47B7A55A-19DD-CF0A-0799-5E9AAE4A6DF6}"/>
+                </a:ext>
+              </a:extLst>
+            </p:cNvPr>
+            <p:cNvSpPr/>
+            <p:nvPr/>
+          </p:nvSpPr>
+          <p:spPr>
+            <a:xfrm>
+              <a:off x="1156527" y="4080294"/>
+              <a:ext cx="718810" cy="700237"/>
+            </a:xfrm>
+            <a:prstGeom prst="ellipse">
+              <a:avLst/>
+            </a:prstGeom>
+            <a:ln/>
+          </p:spPr>
+          <p:style>
+            <a:lnRef idx="2">
+              <a:schemeClr val="accent1">
+                <a:shade val="50000"/>
+              </a:schemeClr>
+            </a:lnRef>
+            <a:fillRef idx="1">
+              <a:schemeClr val="accent1"/>
+            </a:fillRef>
+            <a:effectRef idx="0">
+              <a:schemeClr val="accent1"/>
+            </a:effectRef>
+            <a:fontRef idx="minor">
+              <a:schemeClr val="lt1"/>
+            </a:fontRef>
+          </p:style>
+          <p:txBody>
+            <a:bodyPr rtlCol="0" anchor="ctr"/>
+            <a:lstStyle/>
+            <a:p>
+              <a:pPr algn="ctr"/>
+              <a:endParaRPr lang="en-GB"/>
+            </a:p>
+          </p:txBody>
+        </p:sp>
+        <mc:AlternateContent xmlns:mc="http://schemas.openxmlformats.org/markup-compatibility/2006">
+          <mc:Choice xmlns:a14="http://schemas.microsoft.com/office/drawing/2010/main" Requires="a14">
+            <p:sp>
+              <p:nvSpPr>
+                <p:cNvPr id="113" name="TextBox 112">
+                  <a:extLst>
+                    <a:ext uri="{FF2B5EF4-FFF2-40B4-BE49-F238E27FC236}">
+                      <a16:creationId xmlns:a16="http://schemas.microsoft.com/office/drawing/2014/main" id="{D5D7FA28-6B67-7945-EDB8-8406C45BC2D4}"/>
+                    </a:ext>
+                  </a:extLst>
+                </p:cNvPr>
+                <p:cNvSpPr txBox="1"/>
+                <p:nvPr/>
+              </p:nvSpPr>
+              <p:spPr>
+                <a:xfrm>
+                  <a:off x="1371097" y="4111495"/>
+                  <a:ext cx="345514" cy="369332"/>
+                </a:xfrm>
+                <a:prstGeom prst="rect">
+                  <a:avLst/>
+                </a:prstGeom>
+                <a:noFill/>
+              </p:spPr>
+              <p:txBody>
+                <a:bodyPr wrap="square" rtlCol="0">
+                  <a:spAutoFit/>
+                </a:bodyPr>
+                <a:lstStyle/>
+                <a:p>
+                  <a:pPr algn="ctr"/>
+                  <a14:m>
+                    <m:oMathPara xmlns:m="http://schemas.openxmlformats.org/officeDocument/2006/math">
+                      <m:oMathParaPr>
+                        <m:jc m:val="centerGroup"/>
+                      </m:oMathParaPr>
+                      <m:oMath xmlns:m="http://schemas.openxmlformats.org/officeDocument/2006/math">
+                        <m:r>
+                          <a:rPr lang="en-GB" b="0" i="1" smtClean="0">
+                            <a:latin typeface="Cambria Math" panose="02040503050406030204" pitchFamily="18" charset="0"/>
+                            <a:cs typeface="Arial"/>
+                          </a:rPr>
+                          <m:t>𝜎</m:t>
+                        </m:r>
+                      </m:oMath>
+                    </m:oMathPara>
+                  </a14:m>
+                  <a:endParaRPr lang="en-GB" dirty="0">
+                    <a:latin typeface="Arial"/>
+                    <a:cs typeface="Arial"/>
+                  </a:endParaRPr>
+                </a:p>
+              </p:txBody>
+            </p:sp>
+          </mc:Choice>
+          <mc:Fallback>
+            <p:sp>
+              <p:nvSpPr>
+                <p:cNvPr id="113" name="TextBox 112">
+                  <a:extLst>
+                    <a:ext uri="{FF2B5EF4-FFF2-40B4-BE49-F238E27FC236}">
+                      <a16:creationId xmlns:a16="http://schemas.microsoft.com/office/drawing/2014/main" id="{D5D7FA28-6B67-7945-EDB8-8406C45BC2D4}"/>
+                    </a:ext>
+                  </a:extLst>
+                </p:cNvPr>
+                <p:cNvSpPr txBox="1">
+                  <a:spLocks noRot="1" noChangeAspect="1" noMove="1" noResize="1" noEditPoints="1" noAdjustHandles="1" noChangeArrowheads="1" noChangeShapeType="1" noTextEdit="1"/>
+                </p:cNvSpPr>
+                <p:nvPr/>
+              </p:nvSpPr>
+              <p:spPr>
+                <a:xfrm>
+                  <a:off x="1371097" y="4111495"/>
+                  <a:ext cx="345514" cy="369332"/>
+                </a:xfrm>
+                <a:prstGeom prst="rect">
+                  <a:avLst/>
+                </a:prstGeom>
+                <a:blipFill>
+                  <a:blip r:embed="rId4"/>
+                  <a:stretch>
+                    <a:fillRect/>
+                  </a:stretch>
+                </a:blipFill>
+              </p:spPr>
+              <p:txBody>
+                <a:bodyPr/>
+                <a:lstStyle/>
+                <a:p>
+                  <a:r>
+                    <a:rPr lang="en-GB">
+                      <a:noFill/>
+                    </a:rPr>
+                    <a:t> </a:t>
+                  </a:r>
+                </a:p>
+              </p:txBody>
+            </p:sp>
+          </mc:Fallback>
+        </mc:AlternateContent>
+        <p:cxnSp>
+          <p:nvCxnSpPr>
+            <p:cNvPr id="114" name="Straight Arrow Connector 113">
+              <a:extLst>
+                <a:ext uri="{FF2B5EF4-FFF2-40B4-BE49-F238E27FC236}">
+                  <a16:creationId xmlns:a16="http://schemas.microsoft.com/office/drawing/2014/main" id="{C7B006F7-37DC-97E1-CF84-F8376F1DA046}"/>
+                </a:ext>
+              </a:extLst>
+            </p:cNvPr>
+            <p:cNvCxnSpPr>
+              <a:cxnSpLocks/>
+              <a:stCxn id="112" idx="2"/>
+              <a:endCxn id="112" idx="6"/>
+            </p:cNvCxnSpPr>
+            <p:nvPr/>
+          </p:nvCxnSpPr>
+          <p:spPr>
+            <a:xfrm>
+              <a:off x="1156527" y="4430413"/>
+              <a:ext cx="718810" cy="0"/>
+            </a:xfrm>
+            <a:prstGeom prst="straightConnector1">
+              <a:avLst/>
+            </a:prstGeom>
+            <a:ln>
+              <a:headEnd type="triangle"/>
+              <a:tailEnd type="triangle"/>
+            </a:ln>
+          </p:spPr>
+          <p:style>
+            <a:lnRef idx="3">
+              <a:schemeClr val="accent2"/>
+            </a:lnRef>
+            <a:fillRef idx="0">
+              <a:schemeClr val="accent2"/>
+            </a:fillRef>
+            <a:effectRef idx="2">
+              <a:schemeClr val="accent2"/>
+            </a:effectRef>
+            <a:fontRef idx="minor">
+              <a:schemeClr val="tx1"/>
+            </a:fontRef>
+          </p:style>
+        </p:cxnSp>
+      </p:grpSp>
+      <p:grpSp>
+        <p:nvGrpSpPr>
+          <p:cNvPr id="115" name="Group 114">
+            <a:extLst>
+              <a:ext uri="{FF2B5EF4-FFF2-40B4-BE49-F238E27FC236}">
+                <a16:creationId xmlns:a16="http://schemas.microsoft.com/office/drawing/2014/main" id="{381C0E1E-212F-87B3-9B44-102D176F77FE}"/>
+              </a:ext>
+            </a:extLst>
+          </p:cNvPr>
+          <p:cNvGrpSpPr/>
+          <p:nvPr/>
+        </p:nvGrpSpPr>
+        <p:grpSpPr>
+          <a:xfrm>
+            <a:off x="1057822" y="4114861"/>
+            <a:ext cx="718810" cy="700237"/>
+            <a:chOff x="1156527" y="4080294"/>
+            <a:chExt cx="718810" cy="700237"/>
+          </a:xfrm>
+        </p:grpSpPr>
+        <p:sp>
+          <p:nvSpPr>
+            <p:cNvPr id="116" name="Oval 115">
+              <a:extLst>
+                <a:ext uri="{FF2B5EF4-FFF2-40B4-BE49-F238E27FC236}">
+                  <a16:creationId xmlns:a16="http://schemas.microsoft.com/office/drawing/2014/main" id="{773C7068-E151-160C-C9C5-CFCCAE70A47C}"/>
+                </a:ext>
+              </a:extLst>
+            </p:cNvPr>
+            <p:cNvSpPr/>
+            <p:nvPr/>
+          </p:nvSpPr>
+          <p:spPr>
+            <a:xfrm>
+              <a:off x="1156527" y="4080294"/>
+              <a:ext cx="718810" cy="700237"/>
+            </a:xfrm>
+            <a:prstGeom prst="ellipse">
+              <a:avLst/>
+            </a:prstGeom>
+            <a:ln/>
+          </p:spPr>
+          <p:style>
+            <a:lnRef idx="2">
+              <a:schemeClr val="accent1">
+                <a:shade val="50000"/>
+              </a:schemeClr>
+            </a:lnRef>
+            <a:fillRef idx="1">
+              <a:schemeClr val="accent1"/>
+            </a:fillRef>
+            <a:effectRef idx="0">
+              <a:schemeClr val="accent1"/>
+            </a:effectRef>
+            <a:fontRef idx="minor">
+              <a:schemeClr val="lt1"/>
+            </a:fontRef>
+          </p:style>
+          <p:txBody>
+            <a:bodyPr rtlCol="0" anchor="ctr"/>
+            <a:lstStyle/>
+            <a:p>
+              <a:pPr algn="ctr"/>
+              <a:endParaRPr lang="en-GB"/>
+            </a:p>
+          </p:txBody>
+        </p:sp>
+        <mc:AlternateContent xmlns:mc="http://schemas.openxmlformats.org/markup-compatibility/2006">
+          <mc:Choice xmlns:a14="http://schemas.microsoft.com/office/drawing/2010/main" Requires="a14">
+            <p:sp>
+              <p:nvSpPr>
+                <p:cNvPr id="117" name="TextBox 116">
+                  <a:extLst>
+                    <a:ext uri="{FF2B5EF4-FFF2-40B4-BE49-F238E27FC236}">
+                      <a16:creationId xmlns:a16="http://schemas.microsoft.com/office/drawing/2014/main" id="{130B65E1-A17F-B00B-6ABC-C076A1D82187}"/>
+                    </a:ext>
+                  </a:extLst>
+                </p:cNvPr>
+                <p:cNvSpPr txBox="1"/>
+                <p:nvPr/>
+              </p:nvSpPr>
+              <p:spPr>
+                <a:xfrm>
+                  <a:off x="1371097" y="4111495"/>
+                  <a:ext cx="345514" cy="369332"/>
+                </a:xfrm>
+                <a:prstGeom prst="rect">
+                  <a:avLst/>
+                </a:prstGeom>
+                <a:noFill/>
+              </p:spPr>
+              <p:txBody>
+                <a:bodyPr wrap="square" rtlCol="0">
+                  <a:spAutoFit/>
+                </a:bodyPr>
+                <a:lstStyle/>
+                <a:p>
+                  <a:pPr algn="ctr"/>
+                  <a14:m>
+                    <m:oMathPara xmlns:m="http://schemas.openxmlformats.org/officeDocument/2006/math">
+                      <m:oMathParaPr>
+                        <m:jc m:val="centerGroup"/>
+                      </m:oMathParaPr>
+                      <m:oMath xmlns:m="http://schemas.openxmlformats.org/officeDocument/2006/math">
+                        <m:r>
+                          <a:rPr lang="en-GB" b="0" i="1" smtClean="0">
+                            <a:latin typeface="Cambria Math" panose="02040503050406030204" pitchFamily="18" charset="0"/>
+                            <a:cs typeface="Arial"/>
+                          </a:rPr>
+                          <m:t>𝜎</m:t>
+                        </m:r>
+                      </m:oMath>
+                    </m:oMathPara>
+                  </a14:m>
+                  <a:endParaRPr lang="en-GB" dirty="0">
+                    <a:latin typeface="Arial"/>
+                    <a:cs typeface="Arial"/>
+                  </a:endParaRPr>
+                </a:p>
+              </p:txBody>
+            </p:sp>
+          </mc:Choice>
+          <mc:Fallback>
+            <p:sp>
+              <p:nvSpPr>
+                <p:cNvPr id="117" name="TextBox 116">
+                  <a:extLst>
+                    <a:ext uri="{FF2B5EF4-FFF2-40B4-BE49-F238E27FC236}">
+                      <a16:creationId xmlns:a16="http://schemas.microsoft.com/office/drawing/2014/main" id="{130B65E1-A17F-B00B-6ABC-C076A1D82187}"/>
+                    </a:ext>
+                  </a:extLst>
+                </p:cNvPr>
+                <p:cNvSpPr txBox="1">
+                  <a:spLocks noRot="1" noChangeAspect="1" noMove="1" noResize="1" noEditPoints="1" noAdjustHandles="1" noChangeArrowheads="1" noChangeShapeType="1" noTextEdit="1"/>
+                </p:cNvSpPr>
+                <p:nvPr/>
+              </p:nvSpPr>
+              <p:spPr>
+                <a:xfrm>
+                  <a:off x="1371097" y="4111495"/>
+                  <a:ext cx="345514" cy="369332"/>
+                </a:xfrm>
+                <a:prstGeom prst="rect">
+                  <a:avLst/>
+                </a:prstGeom>
+                <a:blipFill>
+                  <a:blip r:embed="rId5"/>
+                  <a:stretch>
+                    <a:fillRect/>
+                  </a:stretch>
+                </a:blipFill>
+              </p:spPr>
+              <p:txBody>
+                <a:bodyPr/>
+                <a:lstStyle/>
+                <a:p>
+                  <a:r>
+                    <a:rPr lang="en-GB">
+                      <a:noFill/>
+                    </a:rPr>
+                    <a:t> </a:t>
+                  </a:r>
+                </a:p>
+              </p:txBody>
+            </p:sp>
+          </mc:Fallback>
+        </mc:AlternateContent>
+        <p:cxnSp>
+          <p:nvCxnSpPr>
+            <p:cNvPr id="118" name="Straight Arrow Connector 117">
+              <a:extLst>
+                <a:ext uri="{FF2B5EF4-FFF2-40B4-BE49-F238E27FC236}">
+                  <a16:creationId xmlns:a16="http://schemas.microsoft.com/office/drawing/2014/main" id="{2FBF597C-61AA-5DC2-4D52-28AE63C0D005}"/>
+                </a:ext>
+              </a:extLst>
+            </p:cNvPr>
+            <p:cNvCxnSpPr>
+              <a:cxnSpLocks/>
+              <a:stCxn id="116" idx="2"/>
+              <a:endCxn id="116" idx="6"/>
+            </p:cNvCxnSpPr>
+            <p:nvPr/>
+          </p:nvCxnSpPr>
+          <p:spPr>
+            <a:xfrm>
+              <a:off x="1156527" y="4430413"/>
+              <a:ext cx="718810" cy="0"/>
+            </a:xfrm>
+            <a:prstGeom prst="straightConnector1">
+              <a:avLst/>
+            </a:prstGeom>
+            <a:ln>
+              <a:headEnd type="triangle"/>
+              <a:tailEnd type="triangle"/>
+            </a:ln>
+          </p:spPr>
+          <p:style>
+            <a:lnRef idx="3">
+              <a:schemeClr val="accent2"/>
+            </a:lnRef>
+            <a:fillRef idx="0">
+              <a:schemeClr val="accent2"/>
+            </a:fillRef>
+            <a:effectRef idx="2">
+              <a:schemeClr val="accent2"/>
+            </a:effectRef>
+            <a:fontRef idx="minor">
+              <a:schemeClr val="tx1"/>
+            </a:fontRef>
+          </p:style>
+        </p:cxnSp>
+      </p:grpSp>
+      <p:grpSp>
+        <p:nvGrpSpPr>
+          <p:cNvPr id="119" name="Group 118">
+            <a:extLst>
+              <a:ext uri="{FF2B5EF4-FFF2-40B4-BE49-F238E27FC236}">
+                <a16:creationId xmlns:a16="http://schemas.microsoft.com/office/drawing/2014/main" id="{478E9E69-243B-B892-67E2-2C512FC35494}"/>
+              </a:ext>
+            </a:extLst>
+          </p:cNvPr>
+          <p:cNvGrpSpPr/>
+          <p:nvPr/>
+        </p:nvGrpSpPr>
+        <p:grpSpPr>
+          <a:xfrm>
+            <a:off x="2117080" y="4301128"/>
+            <a:ext cx="718810" cy="700237"/>
+            <a:chOff x="1156527" y="4080294"/>
+            <a:chExt cx="718810" cy="700237"/>
+          </a:xfrm>
+        </p:grpSpPr>
+        <p:sp>
+          <p:nvSpPr>
+            <p:cNvPr id="120" name="Oval 119">
+              <a:extLst>
+                <a:ext uri="{FF2B5EF4-FFF2-40B4-BE49-F238E27FC236}">
+                  <a16:creationId xmlns:a16="http://schemas.microsoft.com/office/drawing/2014/main" id="{CFA68E18-A40B-8D48-A667-A55CCEF90DBD}"/>
+                </a:ext>
+              </a:extLst>
+            </p:cNvPr>
+            <p:cNvSpPr/>
+            <p:nvPr/>
+          </p:nvSpPr>
+          <p:spPr>
+            <a:xfrm>
+              <a:off x="1156527" y="4080294"/>
+              <a:ext cx="718810" cy="700237"/>
+            </a:xfrm>
+            <a:prstGeom prst="ellipse">
+              <a:avLst/>
+            </a:prstGeom>
+            <a:ln/>
+          </p:spPr>
+          <p:style>
+            <a:lnRef idx="2">
+              <a:schemeClr val="accent1">
+                <a:shade val="50000"/>
+              </a:schemeClr>
+            </a:lnRef>
+            <a:fillRef idx="1">
+              <a:schemeClr val="accent1"/>
+            </a:fillRef>
+            <a:effectRef idx="0">
+              <a:schemeClr val="accent1"/>
+            </a:effectRef>
+            <a:fontRef idx="minor">
+              <a:schemeClr val="lt1"/>
+            </a:fontRef>
+          </p:style>
+          <p:txBody>
+            <a:bodyPr rtlCol="0" anchor="ctr"/>
+            <a:lstStyle/>
+            <a:p>
+              <a:pPr algn="ctr"/>
+              <a:endParaRPr lang="en-GB"/>
+            </a:p>
+          </p:txBody>
+        </p:sp>
+        <mc:AlternateContent xmlns:mc="http://schemas.openxmlformats.org/markup-compatibility/2006">
+          <mc:Choice xmlns:a14="http://schemas.microsoft.com/office/drawing/2010/main" Requires="a14">
+            <p:sp>
+              <p:nvSpPr>
+                <p:cNvPr id="121" name="TextBox 120">
+                  <a:extLst>
+                    <a:ext uri="{FF2B5EF4-FFF2-40B4-BE49-F238E27FC236}">
+                      <a16:creationId xmlns:a16="http://schemas.microsoft.com/office/drawing/2014/main" id="{35B19AEF-DD62-3FCA-DBB1-EA7F6CDAF951}"/>
+                    </a:ext>
+                  </a:extLst>
+                </p:cNvPr>
+                <p:cNvSpPr txBox="1"/>
+                <p:nvPr/>
+              </p:nvSpPr>
+              <p:spPr>
+                <a:xfrm>
+                  <a:off x="1371097" y="4111495"/>
+                  <a:ext cx="345514" cy="369332"/>
+                </a:xfrm>
+                <a:prstGeom prst="rect">
+                  <a:avLst/>
+                </a:prstGeom>
+                <a:noFill/>
+              </p:spPr>
+              <p:txBody>
+                <a:bodyPr wrap="square" rtlCol="0">
+                  <a:spAutoFit/>
+                </a:bodyPr>
+                <a:lstStyle/>
+                <a:p>
+                  <a:pPr algn="ctr"/>
+                  <a14:m>
+                    <m:oMathPara xmlns:m="http://schemas.openxmlformats.org/officeDocument/2006/math">
+                      <m:oMathParaPr>
+                        <m:jc m:val="centerGroup"/>
+                      </m:oMathParaPr>
+                      <m:oMath xmlns:m="http://schemas.openxmlformats.org/officeDocument/2006/math">
+                        <m:r>
+                          <a:rPr lang="en-GB" b="0" i="1" smtClean="0">
+                            <a:latin typeface="Cambria Math" panose="02040503050406030204" pitchFamily="18" charset="0"/>
+                            <a:cs typeface="Arial"/>
+                          </a:rPr>
+                          <m:t>𝜎</m:t>
+                        </m:r>
+                      </m:oMath>
+                    </m:oMathPara>
+                  </a14:m>
+                  <a:endParaRPr lang="en-GB" dirty="0">
+                    <a:latin typeface="Arial"/>
+                    <a:cs typeface="Arial"/>
+                  </a:endParaRPr>
+                </a:p>
+              </p:txBody>
+            </p:sp>
+          </mc:Choice>
+          <mc:Fallback>
+            <p:sp>
+              <p:nvSpPr>
+                <p:cNvPr id="121" name="TextBox 120">
+                  <a:extLst>
+                    <a:ext uri="{FF2B5EF4-FFF2-40B4-BE49-F238E27FC236}">
+                      <a16:creationId xmlns:a16="http://schemas.microsoft.com/office/drawing/2014/main" id="{35B19AEF-DD62-3FCA-DBB1-EA7F6CDAF951}"/>
+                    </a:ext>
+                  </a:extLst>
+                </p:cNvPr>
+                <p:cNvSpPr txBox="1">
+                  <a:spLocks noRot="1" noChangeAspect="1" noMove="1" noResize="1" noEditPoints="1" noAdjustHandles="1" noChangeArrowheads="1" noChangeShapeType="1" noTextEdit="1"/>
+                </p:cNvSpPr>
+                <p:nvPr/>
+              </p:nvSpPr>
+              <p:spPr>
+                <a:xfrm>
+                  <a:off x="1371097" y="4111495"/>
+                  <a:ext cx="345514" cy="369332"/>
+                </a:xfrm>
+                <a:prstGeom prst="rect">
+                  <a:avLst/>
+                </a:prstGeom>
+                <a:blipFill>
+                  <a:blip r:embed="rId6"/>
+                  <a:stretch>
+                    <a:fillRect/>
+                  </a:stretch>
+                </a:blipFill>
+              </p:spPr>
+              <p:txBody>
+                <a:bodyPr/>
+                <a:lstStyle/>
+                <a:p>
+                  <a:r>
+                    <a:rPr lang="en-GB">
+                      <a:noFill/>
+                    </a:rPr>
+                    <a:t> </a:t>
+                  </a:r>
+                </a:p>
+              </p:txBody>
+            </p:sp>
+          </mc:Fallback>
+        </mc:AlternateContent>
+        <p:cxnSp>
+          <p:nvCxnSpPr>
+            <p:cNvPr id="122" name="Straight Arrow Connector 121">
+              <a:extLst>
+                <a:ext uri="{FF2B5EF4-FFF2-40B4-BE49-F238E27FC236}">
+                  <a16:creationId xmlns:a16="http://schemas.microsoft.com/office/drawing/2014/main" id="{E63CFD4F-C740-4D84-40F9-00FCE78424AA}"/>
+                </a:ext>
+              </a:extLst>
+            </p:cNvPr>
+            <p:cNvCxnSpPr>
+              <a:cxnSpLocks/>
+              <a:stCxn id="120" idx="2"/>
+              <a:endCxn id="120" idx="6"/>
+            </p:cNvCxnSpPr>
+            <p:nvPr/>
+          </p:nvCxnSpPr>
+          <p:spPr>
+            <a:xfrm>
+              <a:off x="1156527" y="4430413"/>
+              <a:ext cx="718810" cy="0"/>
+            </a:xfrm>
+            <a:prstGeom prst="straightConnector1">
+              <a:avLst/>
+            </a:prstGeom>
+            <a:ln>
+              <a:headEnd type="triangle"/>
+              <a:tailEnd type="triangle"/>
+            </a:ln>
+          </p:spPr>
+          <p:style>
+            <a:lnRef idx="3">
+              <a:schemeClr val="accent2"/>
+            </a:lnRef>
+            <a:fillRef idx="0">
+              <a:schemeClr val="accent2"/>
+            </a:fillRef>
+            <a:effectRef idx="2">
+              <a:schemeClr val="accent2"/>
+            </a:effectRef>
+            <a:fontRef idx="minor">
+              <a:schemeClr val="tx1"/>
+            </a:fontRef>
+          </p:style>
+        </p:cxnSp>
+      </p:grpSp>
     </p:spTree>
     <p:extLst>
       <p:ext uri="{BB962C8B-B14F-4D97-AF65-F5344CB8AC3E}">
@@ -9435,8 +12117,8 @@
           </a:p>
         </p:txBody>
       </p:sp>
-      <mc:AlternateContent xmlns:mc="http://schemas.openxmlformats.org/markup-compatibility/2006" xmlns:a14="http://schemas.microsoft.com/office/drawing/2010/main">
-        <mc:Choice Requires="a14">
+      <mc:AlternateContent xmlns:mc="http://schemas.openxmlformats.org/markup-compatibility/2006">
+        <mc:Choice xmlns:a14="http://schemas.microsoft.com/office/drawing/2010/main" Requires="a14">
           <p:sp>
             <p:nvSpPr>
               <p:cNvPr id="3" name="Content Placeholder 2">
@@ -9468,113 +12150,318 @@
                 <a14:m>
                   <m:oMath xmlns:m="http://schemas.openxmlformats.org/officeDocument/2006/math">
                     <m:r>
-                      <a:rPr lang="en-GB" b="0" i="1" smtClean="0">
+                      <a:rPr lang="en-GB" b="0" i="1">
                         <a:latin typeface="Cambria Math" panose="02040503050406030204" pitchFamily="18" charset="0"/>
                       </a:rPr>
                       <m:t>𝜂</m:t>
                     </m:r>
                     <m:r>
-                      <a:rPr lang="en-GB" b="0" i="1" smtClean="0">
+                      <a:rPr lang="en-GB" b="0" i="1">
                         <a:latin typeface="Cambria Math" panose="02040503050406030204" pitchFamily="18" charset="0"/>
                       </a:rPr>
                       <m:t>=</m:t>
                     </m:r>
-                    <m:f>
-                      <m:fPr>
+                    <m:sSub>
+                      <m:sSubPr>
                         <m:ctrlPr>
                           <a:rPr lang="en-GB" b="0" i="1" smtClean="0">
                             <a:latin typeface="Cambria Math" panose="02040503050406030204" pitchFamily="18" charset="0"/>
                           </a:rPr>
                         </m:ctrlPr>
-                      </m:fPr>
-                      <m:num>
-                        <m:f>
-                          <m:fPr>
+                      </m:sSubPr>
+                      <m:e>
+                        <m:r>
+                          <a:rPr lang="en-GB" b="0" i="1" smtClean="0">
+                            <a:latin typeface="Cambria Math" panose="02040503050406030204" pitchFamily="18" charset="0"/>
+                          </a:rPr>
+                          <m:t>𝑁</m:t>
+                        </m:r>
+                      </m:e>
+                      <m:sub>
+                        <m:r>
+                          <a:rPr lang="en-GB" b="0" i="1" smtClean="0">
+                            <a:latin typeface="Cambria Math" panose="02040503050406030204" pitchFamily="18" charset="0"/>
+                          </a:rPr>
+                          <m:t>𝐴</m:t>
+                        </m:r>
+                      </m:sub>
+                    </m:sSub>
+                    <m:r>
+                      <a:rPr lang="en-GB" b="0" i="1" smtClean="0">
+                        <a:latin typeface="Cambria Math" panose="02040503050406030204" pitchFamily="18" charset="0"/>
+                      </a:rPr>
+                      <m:t>⋅</m:t>
+                    </m:r>
+                    <m:limLow>
+                      <m:limLowPr>
+                        <m:ctrlPr>
+                          <a:rPr lang="en-GB" b="0" i="1" smtClean="0">
+                            <a:latin typeface="Cambria Math" panose="02040503050406030204" pitchFamily="18" charset="0"/>
+                          </a:rPr>
+                        </m:ctrlPr>
+                      </m:limLowPr>
+                      <m:e>
+                        <m:groupChr>
+                          <m:groupChrPr>
+                            <m:chr m:val="⏟"/>
                             <m:ctrlPr>
                               <a:rPr lang="en-GB" b="0" i="1" smtClean="0">
                                 <a:latin typeface="Cambria Math" panose="02040503050406030204" pitchFamily="18" charset="0"/>
                               </a:rPr>
                             </m:ctrlPr>
-                          </m:fPr>
-                          <m:num>
+                          </m:groupChrPr>
+                          <m:e>
+                            <m:f>
+                              <m:fPr>
+                                <m:ctrlPr>
+                                  <a:rPr lang="en-GB" b="0" i="1">
+                                    <a:latin typeface="Cambria Math" panose="02040503050406030204" pitchFamily="18" charset="0"/>
+                                  </a:rPr>
+                                </m:ctrlPr>
+                              </m:fPr>
+                              <m:num>
+                                <m:r>
+                                  <a:rPr lang="en-GB" b="0" i="1">
+                                    <a:latin typeface="Cambria Math" panose="02040503050406030204" pitchFamily="18" charset="0"/>
+                                  </a:rPr>
+                                  <m:t>4</m:t>
+                                </m:r>
+                              </m:num>
+                              <m:den>
+                                <m:r>
+                                  <a:rPr lang="en-GB" b="0" i="1">
+                                    <a:latin typeface="Cambria Math" panose="02040503050406030204" pitchFamily="18" charset="0"/>
+                                  </a:rPr>
+                                  <m:t>3</m:t>
+                                </m:r>
+                              </m:den>
+                            </m:f>
+                            <m:r>
+                              <a:rPr lang="en-GB" b="0" i="1">
+                                <a:latin typeface="Cambria Math" panose="02040503050406030204" pitchFamily="18" charset="0"/>
+                              </a:rPr>
+                              <m:t>𝜋</m:t>
+                            </m:r>
+                            <m:sSup>
+                              <m:sSupPr>
+                                <m:ctrlPr>
+                                  <a:rPr lang="en-GB" b="0" i="1">
+                                    <a:latin typeface="Cambria Math" panose="02040503050406030204" pitchFamily="18" charset="0"/>
+                                  </a:rPr>
+                                </m:ctrlPr>
+                              </m:sSupPr>
+                              <m:e>
+                                <m:d>
+                                  <m:dPr>
+                                    <m:ctrlPr>
+                                      <a:rPr lang="en-GB" b="0" i="1">
+                                        <a:latin typeface="Cambria Math" panose="02040503050406030204" pitchFamily="18" charset="0"/>
+                                      </a:rPr>
+                                    </m:ctrlPr>
+                                  </m:dPr>
+                                  <m:e>
+                                    <m:f>
+                                      <m:fPr>
+                                        <m:ctrlPr>
+                                          <a:rPr lang="en-GB" b="0" i="1">
+                                            <a:latin typeface="Cambria Math" panose="02040503050406030204" pitchFamily="18" charset="0"/>
+                                          </a:rPr>
+                                        </m:ctrlPr>
+                                      </m:fPr>
+                                      <m:num>
+                                        <m:r>
+                                          <a:rPr lang="en-GB" b="0" i="1">
+                                            <a:latin typeface="Cambria Math" panose="02040503050406030204" pitchFamily="18" charset="0"/>
+                                          </a:rPr>
+                                          <m:t>𝜎</m:t>
+                                        </m:r>
+                                      </m:num>
+                                      <m:den>
+                                        <m:r>
+                                          <a:rPr lang="en-GB" b="0" i="1">
+                                            <a:latin typeface="Cambria Math" panose="02040503050406030204" pitchFamily="18" charset="0"/>
+                                          </a:rPr>
+                                          <m:t>2</m:t>
+                                        </m:r>
+                                      </m:den>
+                                    </m:f>
+                                  </m:e>
+                                </m:d>
+                              </m:e>
+                              <m:sup>
+                                <m:r>
+                                  <a:rPr lang="en-GB" b="0" i="1">
+                                    <a:latin typeface="Cambria Math" panose="02040503050406030204" pitchFamily="18" charset="0"/>
+                                  </a:rPr>
+                                  <m:t>3</m:t>
+                                </m:r>
+                              </m:sup>
+                            </m:sSup>
+                          </m:e>
+                        </m:groupChr>
+                      </m:e>
+                      <m:lim>
+                        <m:eqArr>
+                          <m:eqArrPr>
+                            <m:ctrlPr>
+                              <a:rPr lang="en-GB" b="0" i="0" smtClean="0">
+                                <a:latin typeface="Cambria Math" panose="02040503050406030204" pitchFamily="18" charset="0"/>
+                              </a:rPr>
+                            </m:ctrlPr>
+                          </m:eqArrPr>
+                          <m:e>
+                            <m:r>
+                              <m:rPr>
+                                <m:sty m:val="p"/>
+                              </m:rPr>
+                              <a:rPr lang="en-GB" b="0" i="0" smtClean="0">
+                                <a:latin typeface="Cambria Math" panose="02040503050406030204" pitchFamily="18" charset="0"/>
+                              </a:rPr>
+                              <m:t>Volume</m:t>
+                            </m:r>
+                            <m:r>
+                              <a:rPr lang="en-GB" b="0" i="0" smtClean="0">
+                                <a:latin typeface="Cambria Math" panose="02040503050406030204" pitchFamily="18" charset="0"/>
+                              </a:rPr>
+                              <m:t> </m:t>
+                            </m:r>
+                            <m:r>
+                              <m:rPr>
+                                <m:sty m:val="p"/>
+                              </m:rPr>
+                              <a:rPr lang="en-GB" b="0" i="0" smtClean="0">
+                                <a:latin typeface="Cambria Math" panose="02040503050406030204" pitchFamily="18" charset="0"/>
+                              </a:rPr>
+                              <m:t>of</m:t>
+                            </m:r>
+                          </m:e>
+                          <m:e>
                             <m:r>
                               <a:rPr lang="en-GB" b="0" i="1" smtClean="0">
                                 <a:latin typeface="Cambria Math" panose="02040503050406030204" pitchFamily="18" charset="0"/>
                               </a:rPr>
-                              <m:t>𝜋</m:t>
+                              <m:t>1 </m:t>
                             </m:r>
-                          </m:num>
-                          <m:den>
                             <m:r>
-                              <a:rPr lang="en-GB" b="0" i="1" smtClean="0">
+                              <m:rPr>
+                                <m:sty m:val="p"/>
+                              </m:rPr>
+                              <a:rPr lang="en-GB" b="0" i="0" smtClean="0">
                                 <a:latin typeface="Cambria Math" panose="02040503050406030204" pitchFamily="18" charset="0"/>
                               </a:rPr>
-                              <m:t>6</m:t>
+                              <m:t>molecule</m:t>
                             </m:r>
-                          </m:den>
-                        </m:f>
-                        <m:sSub>
-                          <m:sSubPr>
+                          </m:e>
+                        </m:eqArr>
+                      </m:lim>
+                    </m:limLow>
+                    <m:r>
+                      <a:rPr lang="en-GB" b="0" i="1">
+                        <a:latin typeface="Cambria Math" panose="02040503050406030204" pitchFamily="18" charset="0"/>
+                      </a:rPr>
+                      <m:t>⋅</m:t>
+                    </m:r>
+                    <m:limLow>
+                      <m:limLowPr>
+                        <m:ctrlPr>
+                          <a:rPr lang="en-GB" b="0" i="1" smtClean="0">
+                            <a:latin typeface="Cambria Math" panose="02040503050406030204" pitchFamily="18" charset="0"/>
+                          </a:rPr>
+                        </m:ctrlPr>
+                      </m:limLowPr>
+                      <m:e>
+                        <m:groupChr>
+                          <m:groupChrPr>
+                            <m:chr m:val="⏟"/>
                             <m:ctrlPr>
                               <a:rPr lang="en-GB" b="0" i="1" smtClean="0">
                                 <a:latin typeface="Cambria Math" panose="02040503050406030204" pitchFamily="18" charset="0"/>
                               </a:rPr>
                             </m:ctrlPr>
-                          </m:sSubPr>
+                          </m:groupChrPr>
                           <m:e>
+                            <m:f>
+                              <m:fPr>
+                                <m:ctrlPr>
+                                  <a:rPr lang="en-GB" b="0" i="1">
+                                    <a:latin typeface="Cambria Math" panose="02040503050406030204" pitchFamily="18" charset="0"/>
+                                  </a:rPr>
+                                </m:ctrlPr>
+                              </m:fPr>
+                              <m:num>
+                                <m:r>
+                                  <a:rPr lang="en-GB" b="0" i="1">
+                                    <a:latin typeface="Cambria Math" panose="02040503050406030204" pitchFamily="18" charset="0"/>
+                                  </a:rPr>
+                                  <m:t>1</m:t>
+                                </m:r>
+                              </m:num>
+                              <m:den>
+                                <m:r>
+                                  <a:rPr lang="en-GB" b="0" i="1">
+                                    <a:latin typeface="Cambria Math" panose="02040503050406030204" pitchFamily="18" charset="0"/>
+                                  </a:rPr>
+                                  <m:t>𝑉</m:t>
+                                </m:r>
+                              </m:den>
+                            </m:f>
+                          </m:e>
+                        </m:groupChr>
+                      </m:e>
+                      <m:lim>
+                        <m:eqArr>
+                          <m:eqArrPr>
+                            <m:ctrlPr>
+                              <a:rPr lang="en-GB" b="0" i="0" smtClean="0">
+                                <a:latin typeface="Cambria Math" panose="02040503050406030204" pitchFamily="18" charset="0"/>
+                              </a:rPr>
+                            </m:ctrlPr>
+                          </m:eqArrPr>
+                          <m:e>
+                            <m:r>
+                              <m:rPr>
+                                <m:sty m:val="p"/>
+                              </m:rPr>
+                              <a:rPr lang="en-GB" b="0" i="0" smtClean="0">
+                                <a:latin typeface="Cambria Math" panose="02040503050406030204" pitchFamily="18" charset="0"/>
+                              </a:rPr>
+                              <m:t>Volume</m:t>
+                            </m:r>
                             <m:r>
                               <a:rPr lang="en-GB" b="0" i="1" smtClean="0">
                                 <a:latin typeface="Cambria Math" panose="02040503050406030204" pitchFamily="18" charset="0"/>
                               </a:rPr>
-                              <m:t>𝑁</m:t>
+                              <m:t> </m:t>
+                            </m:r>
+                            <m:r>
+                              <m:rPr>
+                                <m:sty m:val="p"/>
+                              </m:rPr>
+                              <a:rPr lang="en-GB" b="0" i="0" smtClean="0">
+                                <a:latin typeface="Cambria Math" panose="02040503050406030204" pitchFamily="18" charset="0"/>
+                              </a:rPr>
+                              <m:t>of</m:t>
                             </m:r>
                           </m:e>
-                          <m:sub>
+                          <m:e>
                             <m:r>
-                              <a:rPr lang="en-GB" b="0" i="1" smtClean="0">
+                              <m:rPr>
+                                <m:sty m:val="p"/>
+                              </m:rPr>
+                              <a:rPr lang="en-GB" b="0" i="0" smtClean="0">
                                 <a:latin typeface="Cambria Math" panose="02040503050406030204" pitchFamily="18" charset="0"/>
                               </a:rPr>
-                              <m:t>𝐴</m:t>
-                            </m:r>
-                          </m:sub>
-                        </m:sSub>
-                        <m:sSup>
-                          <m:sSupPr>
-                            <m:ctrlPr>
-                              <a:rPr lang="en-GB" b="0" i="1" smtClean="0">
-                                <a:latin typeface="Cambria Math" panose="02040503050406030204" pitchFamily="18" charset="0"/>
-                              </a:rPr>
-                            </m:ctrlPr>
-                          </m:sSupPr>
-                          <m:e>
-                            <m:r>
-                              <a:rPr lang="en-GB" b="0" i="1" smtClean="0">
-                                <a:latin typeface="Cambria Math" panose="02040503050406030204" pitchFamily="18" charset="0"/>
-                              </a:rPr>
-                              <m:t>𝜎</m:t>
+                              <m:t>vessel</m:t>
                             </m:r>
                           </m:e>
-                          <m:sup>
-                            <m:r>
-                              <a:rPr lang="en-GB" b="0" i="1" smtClean="0">
-                                <a:latin typeface="Cambria Math" panose="02040503050406030204" pitchFamily="18" charset="0"/>
-                              </a:rPr>
-                              <m:t>3</m:t>
-                            </m:r>
-                          </m:sup>
-                        </m:sSup>
-                      </m:num>
-                      <m:den>
-                        <m:r>
-                          <a:rPr lang="en-GB" b="0" i="1" smtClean="0">
-                            <a:latin typeface="Cambria Math" panose="02040503050406030204" pitchFamily="18" charset="0"/>
-                          </a:rPr>
-                          <m:t>𝑉</m:t>
-                        </m:r>
-                      </m:den>
-                    </m:f>
+                        </m:eqArr>
+                      </m:lim>
+                    </m:limLow>
                   </m:oMath>
                 </a14:m>
+                <a:br>
+                  <a:rPr lang="en-GB" b="0" dirty="0"/>
+                </a:br>
                 <a:endParaRPr lang="en-GB" b="0" dirty="0"/>
               </a:p>
               <a:p>
@@ -9731,7 +12618,7 @@
             </p:txBody>
           </p:sp>
         </mc:Choice>
-        <mc:Fallback xmlns="">
+        <mc:Fallback>
           <p:sp>
             <p:nvSpPr>
               <p:cNvPr id="3" name="Content Placeholder 2">
@@ -10405,7 +13292,7 @@
           <a:p>
             <a:r>
               <a:rPr lang="en-GB" b="0" dirty="0"/>
-              <a:t>In this section, we will see how to </a:t>
+              <a:t>In this section, we will see how to solve </a:t>
             </a:r>
           </a:p>
           <a:p>

--- a/Part 3 - Solving the problems/Powerpoint Slides/3-1_Pressure_and_Volume_Solvers.pptx
+++ b/Part 3 - Solving the problems/Powerpoint Slides/3-1_Pressure_and_Volume_Solvers.pptx
@@ -164,7 +164,7 @@
 <file path=ppt/revisionInfo.xml><?xml version="1.0" encoding="utf-8"?>
 <p1510:revInfo xmlns:a="http://schemas.openxmlformats.org/drawingml/2006/main" xmlns:r="http://schemas.openxmlformats.org/officeDocument/2006/relationships" xmlns:p1510="http://schemas.microsoft.com/office/powerpoint/2015/10/main">
   <p1510:revLst>
-    <p1510:client id="{A0EBB6DF-39E8-4546-93EF-C190D1C84A44}" v="250" dt="2022-08-17T23:15:20.450"/>
+    <p1510:client id="{A0EBB6DF-39E8-4546-93EF-C190D1C84A44}" v="296" dt="2022-08-20T21:18:26.716"/>
   </p1510:revLst>
 </p1510:revInfo>
 </file>
@@ -174,7 +174,7 @@
   <pc:docChgLst>
     <pc:chgData name="Luc Paoli" userId="28bcbf778cf7ff89" providerId="LiveId" clId="{A0EBB6DF-39E8-4546-93EF-C190D1C84A44}"/>
     <pc:docChg chg="undo redo custSel addSld delSld modSld">
-      <pc:chgData name="Luc Paoli" userId="28bcbf778cf7ff89" providerId="LiveId" clId="{A0EBB6DF-39E8-4546-93EF-C190D1C84A44}" dt="2022-08-17T23:17:25.390" v="519" actId="2696"/>
+      <pc:chgData name="Luc Paoli" userId="28bcbf778cf7ff89" providerId="LiveId" clId="{A0EBB6DF-39E8-4546-93EF-C190D1C84A44}" dt="2022-08-20T21:19:29.595" v="789" actId="2696"/>
       <pc:docMkLst>
         <pc:docMk/>
       </pc:docMkLst>
@@ -217,17 +217,25 @@
         </pc:picChg>
       </pc:sldChg>
       <pc:sldChg chg="addSp delSp modSp mod">
-        <pc:chgData name="Luc Paoli" userId="28bcbf778cf7ff89" providerId="LiveId" clId="{A0EBB6DF-39E8-4546-93EF-C190D1C84A44}" dt="2022-08-17T23:12:33.500" v="325"/>
+        <pc:chgData name="Luc Paoli" userId="28bcbf778cf7ff89" providerId="LiveId" clId="{A0EBB6DF-39E8-4546-93EF-C190D1C84A44}" dt="2022-08-20T21:18:00.920" v="778" actId="1076"/>
         <pc:sldMkLst>
           <pc:docMk/>
           <pc:sldMk cId="3665419169" sldId="377"/>
         </pc:sldMkLst>
         <pc:spChg chg="mod">
-          <ac:chgData name="Luc Paoli" userId="28bcbf778cf7ff89" providerId="LiveId" clId="{A0EBB6DF-39E8-4546-93EF-C190D1C84A44}" dt="2022-08-17T21:12:33.715" v="147" actId="1076"/>
+          <ac:chgData name="Luc Paoli" userId="28bcbf778cf7ff89" providerId="LiveId" clId="{A0EBB6DF-39E8-4546-93EF-C190D1C84A44}" dt="2022-08-18T22:57:43.099" v="638" actId="20577"/>
           <ac:spMkLst>
             <pc:docMk/>
             <pc:sldMk cId="3665419169" sldId="377"/>
             <ac:spMk id="3" creationId="{9A4582D4-38AB-20E6-B74F-29380ECD1176}"/>
+          </ac:spMkLst>
+        </pc:spChg>
+        <pc:spChg chg="add mod">
+          <ac:chgData name="Luc Paoli" userId="28bcbf778cf7ff89" providerId="LiveId" clId="{A0EBB6DF-39E8-4546-93EF-C190D1C84A44}" dt="2022-08-18T22:55:49.379" v="547" actId="164"/>
+          <ac:spMkLst>
+            <pc:docMk/>
+            <pc:sldMk cId="3665419169" sldId="377"/>
+            <ac:spMk id="7" creationId="{49CD3056-1707-D2E8-49BD-25AA16CC01E8}"/>
           </ac:spMkLst>
         </pc:spChg>
         <pc:spChg chg="del mod">
@@ -238,6 +246,190 @@
             <ac:spMk id="7" creationId="{DA4FBE79-AAB7-13F1-695E-678F6055FF76}"/>
           </ac:spMkLst>
         </pc:spChg>
+        <pc:spChg chg="mod ord">
+          <ac:chgData name="Luc Paoli" userId="28bcbf778cf7ff89" providerId="LiveId" clId="{A0EBB6DF-39E8-4546-93EF-C190D1C84A44}" dt="2022-08-18T22:56:57.390" v="583" actId="1076"/>
+          <ac:spMkLst>
+            <pc:docMk/>
+            <pc:sldMk cId="3665419169" sldId="377"/>
+            <ac:spMk id="16" creationId="{1353CB83-A354-3C10-E3C3-84656829CF54}"/>
+          </ac:spMkLst>
+        </pc:spChg>
+        <pc:spChg chg="mod">
+          <ac:chgData name="Luc Paoli" userId="28bcbf778cf7ff89" providerId="LiveId" clId="{A0EBB6DF-39E8-4546-93EF-C190D1C84A44}" dt="2022-08-20T21:17:58.015" v="777" actId="1076"/>
+          <ac:spMkLst>
+            <pc:docMk/>
+            <pc:sldMk cId="3665419169" sldId="377"/>
+            <ac:spMk id="17" creationId="{5621F928-5A31-63E1-A71E-63FC1E76A8A4}"/>
+          </ac:spMkLst>
+        </pc:spChg>
+        <pc:spChg chg="mod">
+          <ac:chgData name="Luc Paoli" userId="28bcbf778cf7ff89" providerId="LiveId" clId="{A0EBB6DF-39E8-4546-93EF-C190D1C84A44}" dt="2022-08-18T22:55:06.320" v="523"/>
+          <ac:spMkLst>
+            <pc:docMk/>
+            <pc:sldMk cId="3665419169" sldId="377"/>
+            <ac:spMk id="21" creationId="{17ABD71B-42EF-9B44-F17A-ECB9E9CBB9E9}"/>
+          </ac:spMkLst>
+        </pc:spChg>
+        <pc:spChg chg="mod">
+          <ac:chgData name="Luc Paoli" userId="28bcbf778cf7ff89" providerId="LiveId" clId="{A0EBB6DF-39E8-4546-93EF-C190D1C84A44}" dt="2022-08-18T22:55:06.320" v="523"/>
+          <ac:spMkLst>
+            <pc:docMk/>
+            <pc:sldMk cId="3665419169" sldId="377"/>
+            <ac:spMk id="22" creationId="{B998773E-2B40-09EF-AC08-EF5E040D232F}"/>
+          </ac:spMkLst>
+        </pc:spChg>
+        <pc:spChg chg="mod">
+          <ac:chgData name="Luc Paoli" userId="28bcbf778cf7ff89" providerId="LiveId" clId="{A0EBB6DF-39E8-4546-93EF-C190D1C84A44}" dt="2022-08-18T22:55:06.320" v="523"/>
+          <ac:spMkLst>
+            <pc:docMk/>
+            <pc:sldMk cId="3665419169" sldId="377"/>
+            <ac:spMk id="27" creationId="{5A911665-1F22-2323-E3F7-B7D5BB5F6E79}"/>
+          </ac:spMkLst>
+        </pc:spChg>
+        <pc:spChg chg="mod">
+          <ac:chgData name="Luc Paoli" userId="28bcbf778cf7ff89" providerId="LiveId" clId="{A0EBB6DF-39E8-4546-93EF-C190D1C84A44}" dt="2022-08-18T22:55:06.320" v="523"/>
+          <ac:spMkLst>
+            <pc:docMk/>
+            <pc:sldMk cId="3665419169" sldId="377"/>
+            <ac:spMk id="28" creationId="{1860F7B2-1337-A71D-C357-315DA8B7325A}"/>
+          </ac:spMkLst>
+        </pc:spChg>
+        <pc:spChg chg="mod">
+          <ac:chgData name="Luc Paoli" userId="28bcbf778cf7ff89" providerId="LiveId" clId="{A0EBB6DF-39E8-4546-93EF-C190D1C84A44}" dt="2022-08-18T22:57:04.150" v="584" actId="1076"/>
+          <ac:spMkLst>
+            <pc:docMk/>
+            <pc:sldMk cId="3665419169" sldId="377"/>
+            <ac:spMk id="33" creationId="{676D5862-827C-7EBB-EDE1-BF3A300A1AF9}"/>
+          </ac:spMkLst>
+        </pc:spChg>
+        <pc:spChg chg="mod">
+          <ac:chgData name="Luc Paoli" userId="28bcbf778cf7ff89" providerId="LiveId" clId="{A0EBB6DF-39E8-4546-93EF-C190D1C84A44}" dt="2022-08-18T22:56:50.278" v="579" actId="1076"/>
+          <ac:spMkLst>
+            <pc:docMk/>
+            <pc:sldMk cId="3665419169" sldId="377"/>
+            <ac:spMk id="34" creationId="{03B6A4CA-4793-2A7B-19B9-4F7E2C184FA0}"/>
+          </ac:spMkLst>
+        </pc:spChg>
+        <pc:spChg chg="mod">
+          <ac:chgData name="Luc Paoli" userId="28bcbf778cf7ff89" providerId="LiveId" clId="{A0EBB6DF-39E8-4546-93EF-C190D1C84A44}" dt="2022-08-18T22:55:28.560" v="533"/>
+          <ac:spMkLst>
+            <pc:docMk/>
+            <pc:sldMk cId="3665419169" sldId="377"/>
+            <ac:spMk id="37" creationId="{4C40BB4C-D51F-05D8-A462-9509F442574C}"/>
+          </ac:spMkLst>
+        </pc:spChg>
+        <pc:spChg chg="mod">
+          <ac:chgData name="Luc Paoli" userId="28bcbf778cf7ff89" providerId="LiveId" clId="{A0EBB6DF-39E8-4546-93EF-C190D1C84A44}" dt="2022-08-18T22:55:28.560" v="533"/>
+          <ac:spMkLst>
+            <pc:docMk/>
+            <pc:sldMk cId="3665419169" sldId="377"/>
+            <ac:spMk id="38" creationId="{20A33611-1424-C231-0D7D-B566AEBA0183}"/>
+          </ac:spMkLst>
+        </pc:spChg>
+        <pc:spChg chg="mod">
+          <ac:chgData name="Luc Paoli" userId="28bcbf778cf7ff89" providerId="LiveId" clId="{A0EBB6DF-39E8-4546-93EF-C190D1C84A44}" dt="2022-08-18T22:55:30.910" v="535"/>
+          <ac:spMkLst>
+            <pc:docMk/>
+            <pc:sldMk cId="3665419169" sldId="377"/>
+            <ac:spMk id="42" creationId="{1D1275F8-B321-7653-3251-72BCA822756D}"/>
+          </ac:spMkLst>
+        </pc:spChg>
+        <pc:spChg chg="mod">
+          <ac:chgData name="Luc Paoli" userId="28bcbf778cf7ff89" providerId="LiveId" clId="{A0EBB6DF-39E8-4546-93EF-C190D1C84A44}" dt="2022-08-20T21:18:00.920" v="778" actId="1076"/>
+          <ac:spMkLst>
+            <pc:docMk/>
+            <pc:sldMk cId="3665419169" sldId="377"/>
+            <ac:spMk id="44" creationId="{E13751CB-6EAD-D747-5E84-6AA4CFC681B4}"/>
+          </ac:spMkLst>
+        </pc:spChg>
+        <pc:spChg chg="mod">
+          <ac:chgData name="Luc Paoli" userId="28bcbf778cf7ff89" providerId="LiveId" clId="{A0EBB6DF-39E8-4546-93EF-C190D1C84A44}" dt="2022-08-18T22:56:47.640" v="578" actId="1076"/>
+          <ac:spMkLst>
+            <pc:docMk/>
+            <pc:sldMk cId="3665419169" sldId="377"/>
+            <ac:spMk id="48" creationId="{AD193655-2524-F65D-6D8F-79CB2A941D13}"/>
+          </ac:spMkLst>
+        </pc:spChg>
+        <pc:spChg chg="mod">
+          <ac:chgData name="Luc Paoli" userId="28bcbf778cf7ff89" providerId="LiveId" clId="{A0EBB6DF-39E8-4546-93EF-C190D1C84A44}" dt="2022-08-18T22:55:37.080" v="539"/>
+          <ac:spMkLst>
+            <pc:docMk/>
+            <pc:sldMk cId="3665419169" sldId="377"/>
+            <ac:spMk id="49" creationId="{5B63B079-F38E-0624-370D-75770FA7EACE}"/>
+          </ac:spMkLst>
+        </pc:spChg>
+        <pc:spChg chg="mod">
+          <ac:chgData name="Luc Paoli" userId="28bcbf778cf7ff89" providerId="LiveId" clId="{A0EBB6DF-39E8-4546-93EF-C190D1C84A44}" dt="2022-08-18T22:55:39.480" v="541"/>
+          <ac:spMkLst>
+            <pc:docMk/>
+            <pc:sldMk cId="3665419169" sldId="377"/>
+            <ac:spMk id="52" creationId="{A85CCC9B-61B5-3FDB-89C5-0FF4A03778E7}"/>
+          </ac:spMkLst>
+        </pc:spChg>
+        <pc:spChg chg="mod">
+          <ac:chgData name="Luc Paoli" userId="28bcbf778cf7ff89" providerId="LiveId" clId="{A0EBB6DF-39E8-4546-93EF-C190D1C84A44}" dt="2022-08-18T22:55:39.480" v="541"/>
+          <ac:spMkLst>
+            <pc:docMk/>
+            <pc:sldMk cId="3665419169" sldId="377"/>
+            <ac:spMk id="54" creationId="{B1227CED-AF4A-6402-2D64-307DDE8384B2}"/>
+          </ac:spMkLst>
+        </pc:spChg>
+        <pc:spChg chg="mod">
+          <ac:chgData name="Luc Paoli" userId="28bcbf778cf7ff89" providerId="LiveId" clId="{A0EBB6DF-39E8-4546-93EF-C190D1C84A44}" dt="2022-08-18T22:55:41.489" v="543"/>
+          <ac:spMkLst>
+            <pc:docMk/>
+            <pc:sldMk cId="3665419169" sldId="377"/>
+            <ac:spMk id="58" creationId="{592F4636-7C88-E841-8B06-823A6D72AEA6}"/>
+          </ac:spMkLst>
+        </pc:spChg>
+        <pc:spChg chg="mod">
+          <ac:chgData name="Luc Paoli" userId="28bcbf778cf7ff89" providerId="LiveId" clId="{A0EBB6DF-39E8-4546-93EF-C190D1C84A44}" dt="2022-08-18T22:55:41.489" v="543"/>
+          <ac:spMkLst>
+            <pc:docMk/>
+            <pc:sldMk cId="3665419169" sldId="377"/>
+            <ac:spMk id="59" creationId="{A3FD357B-9FC9-D981-BDC3-EDAB4FC3CE21}"/>
+          </ac:spMkLst>
+        </pc:spChg>
+        <pc:spChg chg="mod">
+          <ac:chgData name="Luc Paoli" userId="28bcbf778cf7ff89" providerId="LiveId" clId="{A0EBB6DF-39E8-4546-93EF-C190D1C84A44}" dt="2022-08-18T22:55:43.450" v="545"/>
+          <ac:spMkLst>
+            <pc:docMk/>
+            <pc:sldMk cId="3665419169" sldId="377"/>
+            <ac:spMk id="62" creationId="{85BFF00E-7063-EB33-C846-BCA007921039}"/>
+          </ac:spMkLst>
+        </pc:spChg>
+        <pc:spChg chg="mod">
+          <ac:chgData name="Luc Paoli" userId="28bcbf778cf7ff89" providerId="LiveId" clId="{A0EBB6DF-39E8-4546-93EF-C190D1C84A44}" dt="2022-08-18T22:55:43.450" v="545"/>
+          <ac:spMkLst>
+            <pc:docMk/>
+            <pc:sldMk cId="3665419169" sldId="377"/>
+            <ac:spMk id="63" creationId="{04745D18-A990-EB6D-D3CF-4248D8A88342}"/>
+          </ac:spMkLst>
+        </pc:spChg>
+        <pc:spChg chg="add mod">
+          <ac:chgData name="Luc Paoli" userId="28bcbf778cf7ff89" providerId="LiveId" clId="{A0EBB6DF-39E8-4546-93EF-C190D1C84A44}" dt="2022-08-18T22:56:13.890" v="553" actId="1076"/>
+          <ac:spMkLst>
+            <pc:docMk/>
+            <pc:sldMk cId="3665419169" sldId="377"/>
+            <ac:spMk id="67" creationId="{D9655010-DCF9-4AC2-18E0-8CBD2A2E5FF4}"/>
+          </ac:spMkLst>
+        </pc:spChg>
+        <pc:spChg chg="add mod">
+          <ac:chgData name="Luc Paoli" userId="28bcbf778cf7ff89" providerId="LiveId" clId="{A0EBB6DF-39E8-4546-93EF-C190D1C84A44}" dt="2022-08-18T22:57:07.626" v="586" actId="1076"/>
+          <ac:spMkLst>
+            <pc:docMk/>
+            <pc:sldMk cId="3665419169" sldId="377"/>
+            <ac:spMk id="68" creationId="{E475A339-F31A-95C5-00C5-714639695513}"/>
+          </ac:spMkLst>
+        </pc:spChg>
+        <pc:spChg chg="add mod">
+          <ac:chgData name="Luc Paoli" userId="28bcbf778cf7ff89" providerId="LiveId" clId="{A0EBB6DF-39E8-4546-93EF-C190D1C84A44}" dt="2022-08-19T12:56:05.993" v="776" actId="20577"/>
+          <ac:spMkLst>
+            <pc:docMk/>
+            <pc:sldMk cId="3665419169" sldId="377"/>
+            <ac:spMk id="76" creationId="{507552B8-DC2B-3958-903F-ABC42591B1DF}"/>
+          </ac:spMkLst>
+        </pc:spChg>
         <pc:spChg chg="add del mod">
           <ac:chgData name="Luc Paoli" userId="28bcbf778cf7ff89" providerId="LiveId" clId="{A0EBB6DF-39E8-4546-93EF-C190D1C84A44}" dt="2022-08-17T23:12:29.460" v="322" actId="478"/>
           <ac:spMkLst>
@@ -247,7 +439,7 @@
           </ac:spMkLst>
         </pc:spChg>
         <pc:spChg chg="add mod ord">
-          <ac:chgData name="Luc Paoli" userId="28bcbf778cf7ff89" providerId="LiveId" clId="{A0EBB6DF-39E8-4546-93EF-C190D1C84A44}" dt="2022-08-17T21:16:47.353" v="241" actId="167"/>
+          <ac:chgData name="Luc Paoli" userId="28bcbf778cf7ff89" providerId="LiveId" clId="{A0EBB6DF-39E8-4546-93EF-C190D1C84A44}" dt="2022-08-18T22:55:12.330" v="527" actId="164"/>
           <ac:spMkLst>
             <pc:docMk/>
             <pc:sldMk cId="3665419169" sldId="377"/>
@@ -391,6 +583,102 @@
           </ac:spMkLst>
         </pc:spChg>
         <pc:grpChg chg="add mod">
+          <ac:chgData name="Luc Paoli" userId="28bcbf778cf7ff89" providerId="LiveId" clId="{A0EBB6DF-39E8-4546-93EF-C190D1C84A44}" dt="2022-08-18T22:55:49.379" v="547" actId="164"/>
+          <ac:grpSpMkLst>
+            <pc:docMk/>
+            <pc:sldMk cId="3665419169" sldId="377"/>
+            <ac:grpSpMk id="9" creationId="{7A585353-A2F1-9E99-111C-481ACE9BE282}"/>
+          </ac:grpSpMkLst>
+        </pc:grpChg>
+        <pc:grpChg chg="add mod">
+          <ac:chgData name="Luc Paoli" userId="28bcbf778cf7ff89" providerId="LiveId" clId="{A0EBB6DF-39E8-4546-93EF-C190D1C84A44}" dt="2022-08-18T22:55:49.379" v="547" actId="164"/>
+          <ac:grpSpMkLst>
+            <pc:docMk/>
+            <pc:sldMk cId="3665419169" sldId="377"/>
+            <ac:grpSpMk id="19" creationId="{67F5BEE3-5D49-F46F-66DD-F4B958156EA3}"/>
+          </ac:grpSpMkLst>
+        </pc:grpChg>
+        <pc:grpChg chg="add mod">
+          <ac:chgData name="Luc Paoli" userId="28bcbf778cf7ff89" providerId="LiveId" clId="{A0EBB6DF-39E8-4546-93EF-C190D1C84A44}" dt="2022-08-18T22:55:49.379" v="547" actId="164"/>
+          <ac:grpSpMkLst>
+            <pc:docMk/>
+            <pc:sldMk cId="3665419169" sldId="377"/>
+            <ac:grpSpMk id="25" creationId="{8EA10ECE-0479-41BF-D7AE-93FB8DB4BB03}"/>
+          </ac:grpSpMkLst>
+        </pc:grpChg>
+        <pc:grpChg chg="add mod">
+          <ac:chgData name="Luc Paoli" userId="28bcbf778cf7ff89" providerId="LiveId" clId="{A0EBB6DF-39E8-4546-93EF-C190D1C84A44}" dt="2022-08-18T22:55:15.153" v="528" actId="1076"/>
+          <ac:grpSpMkLst>
+            <pc:docMk/>
+            <pc:sldMk cId="3665419169" sldId="377"/>
+            <ac:grpSpMk id="31" creationId="{9038A6A3-B8FF-A578-1BFD-8786271A46D1}"/>
+          </ac:grpSpMkLst>
+        </pc:grpChg>
+        <pc:grpChg chg="add mod">
+          <ac:chgData name="Luc Paoli" userId="28bcbf778cf7ff89" providerId="LiveId" clId="{A0EBB6DF-39E8-4546-93EF-C190D1C84A44}" dt="2022-08-18T22:55:49.379" v="547" actId="164"/>
+          <ac:grpSpMkLst>
+            <pc:docMk/>
+            <pc:sldMk cId="3665419169" sldId="377"/>
+            <ac:grpSpMk id="32" creationId="{CC7E533C-8BA9-6AFC-70CF-6CE0912A3D2E}"/>
+          </ac:grpSpMkLst>
+        </pc:grpChg>
+        <pc:grpChg chg="add mod">
+          <ac:chgData name="Luc Paoli" userId="28bcbf778cf7ff89" providerId="LiveId" clId="{A0EBB6DF-39E8-4546-93EF-C190D1C84A44}" dt="2022-08-18T22:55:49.379" v="547" actId="164"/>
+          <ac:grpSpMkLst>
+            <pc:docMk/>
+            <pc:sldMk cId="3665419169" sldId="377"/>
+            <ac:grpSpMk id="36" creationId="{2007AFF3-4C77-4B6B-E392-321BB26372A7}"/>
+          </ac:grpSpMkLst>
+        </pc:grpChg>
+        <pc:grpChg chg="add mod">
+          <ac:chgData name="Luc Paoli" userId="28bcbf778cf7ff89" providerId="LiveId" clId="{A0EBB6DF-39E8-4546-93EF-C190D1C84A44}" dt="2022-08-18T22:55:49.379" v="547" actId="164"/>
+          <ac:grpSpMkLst>
+            <pc:docMk/>
+            <pc:sldMk cId="3665419169" sldId="377"/>
+            <ac:grpSpMk id="41" creationId="{D68037E4-F9C0-284A-724E-BD96C0236A92}"/>
+          </ac:grpSpMkLst>
+        </pc:grpChg>
+        <pc:grpChg chg="add mod">
+          <ac:chgData name="Luc Paoli" userId="28bcbf778cf7ff89" providerId="LiveId" clId="{A0EBB6DF-39E8-4546-93EF-C190D1C84A44}" dt="2022-08-18T22:55:49.379" v="547" actId="164"/>
+          <ac:grpSpMkLst>
+            <pc:docMk/>
+            <pc:sldMk cId="3665419169" sldId="377"/>
+            <ac:grpSpMk id="46" creationId="{D7E14FCD-B46B-2273-50C3-4DFA9FDC78DC}"/>
+          </ac:grpSpMkLst>
+        </pc:grpChg>
+        <pc:grpChg chg="add mod">
+          <ac:chgData name="Luc Paoli" userId="28bcbf778cf7ff89" providerId="LiveId" clId="{A0EBB6DF-39E8-4546-93EF-C190D1C84A44}" dt="2022-08-18T22:55:49.379" v="547" actId="164"/>
+          <ac:grpSpMkLst>
+            <pc:docMk/>
+            <pc:sldMk cId="3665419169" sldId="377"/>
+            <ac:grpSpMk id="51" creationId="{FE0D6C65-942E-A0E9-226F-0FEC5387F13E}"/>
+          </ac:grpSpMkLst>
+        </pc:grpChg>
+        <pc:grpChg chg="add mod">
+          <ac:chgData name="Luc Paoli" userId="28bcbf778cf7ff89" providerId="LiveId" clId="{A0EBB6DF-39E8-4546-93EF-C190D1C84A44}" dt="2022-08-18T22:55:49.379" v="547" actId="164"/>
+          <ac:grpSpMkLst>
+            <pc:docMk/>
+            <pc:sldMk cId="3665419169" sldId="377"/>
+            <ac:grpSpMk id="57" creationId="{96D37290-1994-A81E-62BA-8A6E4BB6BD82}"/>
+          </ac:grpSpMkLst>
+        </pc:grpChg>
+        <pc:grpChg chg="add mod">
+          <ac:chgData name="Luc Paoli" userId="28bcbf778cf7ff89" providerId="LiveId" clId="{A0EBB6DF-39E8-4546-93EF-C190D1C84A44}" dt="2022-08-18T22:55:49.379" v="547" actId="164"/>
+          <ac:grpSpMkLst>
+            <pc:docMk/>
+            <pc:sldMk cId="3665419169" sldId="377"/>
+            <ac:grpSpMk id="61" creationId="{E64BF561-2ACD-7292-C246-D7BE3E32AEF1}"/>
+          </ac:grpSpMkLst>
+        </pc:grpChg>
+        <pc:grpChg chg="add mod">
+          <ac:chgData name="Luc Paoli" userId="28bcbf778cf7ff89" providerId="LiveId" clId="{A0EBB6DF-39E8-4546-93EF-C190D1C84A44}" dt="2022-08-18T22:55:51.817" v="548" actId="1076"/>
+          <ac:grpSpMkLst>
+            <pc:docMk/>
+            <pc:sldMk cId="3665419169" sldId="377"/>
+            <ac:grpSpMk id="66" creationId="{FB652314-638B-95C0-BCAC-950E71D24A07}"/>
+          </ac:grpSpMkLst>
+        </pc:grpChg>
+        <pc:grpChg chg="add mod">
           <ac:chgData name="Luc Paoli" userId="28bcbf778cf7ff89" providerId="LiveId" clId="{A0EBB6DF-39E8-4546-93EF-C190D1C84A44}" dt="2022-08-17T21:16:28.955" v="234" actId="164"/>
           <ac:grpSpMkLst>
             <pc:docMk/>
@@ -431,7 +719,7 @@
           </ac:grpSpMkLst>
         </pc:grpChg>
         <pc:grpChg chg="add mod">
-          <ac:chgData name="Luc Paoli" userId="28bcbf778cf7ff89" providerId="LiveId" clId="{A0EBB6DF-39E8-4546-93EF-C190D1C84A44}" dt="2022-08-17T23:11:59.522" v="313" actId="1076"/>
+          <ac:chgData name="Luc Paoli" userId="28bcbf778cf7ff89" providerId="LiveId" clId="{A0EBB6DF-39E8-4546-93EF-C190D1C84A44}" dt="2022-08-18T22:55:12.330" v="527" actId="164"/>
           <ac:grpSpMkLst>
             <pc:docMk/>
             <pc:sldMk cId="3665419169" sldId="377"/>
@@ -439,7 +727,7 @@
           </ac:grpSpMkLst>
         </pc:grpChg>
         <pc:grpChg chg="add mod">
-          <ac:chgData name="Luc Paoli" userId="28bcbf778cf7ff89" providerId="LiveId" clId="{A0EBB6DF-39E8-4546-93EF-C190D1C84A44}" dt="2022-08-17T23:12:10.470" v="321" actId="1076"/>
+          <ac:chgData name="Luc Paoli" userId="28bcbf778cf7ff89" providerId="LiveId" clId="{A0EBB6DF-39E8-4546-93EF-C190D1C84A44}" dt="2022-08-18T22:55:12.330" v="527" actId="164"/>
           <ac:grpSpMkLst>
             <pc:docMk/>
             <pc:sldMk cId="3665419169" sldId="377"/>
@@ -447,23 +735,23 @@
           </ac:grpSpMkLst>
         </pc:grpChg>
         <pc:grpChg chg="add mod">
-          <ac:chgData name="Luc Paoli" userId="28bcbf778cf7ff89" providerId="LiveId" clId="{A0EBB6DF-39E8-4546-93EF-C190D1C84A44}" dt="2022-08-17T23:12:08.470" v="320" actId="1076"/>
+          <ac:chgData name="Luc Paoli" userId="28bcbf778cf7ff89" providerId="LiveId" clId="{A0EBB6DF-39E8-4546-93EF-C190D1C84A44}" dt="2022-08-18T22:55:12.330" v="527" actId="164"/>
           <ac:grpSpMkLst>
             <pc:docMk/>
             <pc:sldMk cId="3665419169" sldId="377"/>
             <ac:grpSpMk id="119" creationId="{478E9E69-243B-B892-67E2-2C512FC35494}"/>
           </ac:grpSpMkLst>
         </pc:grpChg>
-        <pc:graphicFrameChg chg="add mod modGraphic">
-          <ac:chgData name="Luc Paoli" userId="28bcbf778cf7ff89" providerId="LiveId" clId="{A0EBB6DF-39E8-4546-93EF-C190D1C84A44}" dt="2022-08-17T21:12:37.485" v="148" actId="1076"/>
+        <pc:graphicFrameChg chg="add del mod modGraphic">
+          <ac:chgData name="Luc Paoli" userId="28bcbf778cf7ff89" providerId="LiveId" clId="{A0EBB6DF-39E8-4546-93EF-C190D1C84A44}" dt="2022-08-18T22:55:03.450" v="522" actId="478"/>
           <ac:graphicFrameMkLst>
             <pc:docMk/>
             <pc:sldMk cId="3665419169" sldId="377"/>
             <ac:graphicFrameMk id="6" creationId="{C63D2365-4D6E-C0FD-3557-39D5971CC828}"/>
           </ac:graphicFrameMkLst>
         </pc:graphicFrameChg>
-        <pc:graphicFrameChg chg="add mod">
-          <ac:chgData name="Luc Paoli" userId="28bcbf778cf7ff89" providerId="LiveId" clId="{A0EBB6DF-39E8-4546-93EF-C190D1C84A44}" dt="2022-08-17T21:12:37.485" v="148" actId="1076"/>
+        <pc:graphicFrameChg chg="add del mod">
+          <ac:chgData name="Luc Paoli" userId="28bcbf778cf7ff89" providerId="LiveId" clId="{A0EBB6DF-39E8-4546-93EF-C190D1C84A44}" dt="2022-08-18T22:55:03.450" v="522" actId="478"/>
           <ac:graphicFrameMkLst>
             <pc:docMk/>
             <pc:sldMk cId="3665419169" sldId="377"/>
@@ -478,32 +766,32 @@
             <ac:graphicFrameMk id="9" creationId="{49B259D3-FC57-B585-8002-3C6A49C77B2D}"/>
           </ac:graphicFrameMkLst>
         </pc:graphicFrameChg>
-        <pc:graphicFrameChg chg="add mod ord">
-          <ac:chgData name="Luc Paoli" userId="28bcbf778cf7ff89" providerId="LiveId" clId="{A0EBB6DF-39E8-4546-93EF-C190D1C84A44}" dt="2022-08-17T21:12:37.485" v="148" actId="1076"/>
+        <pc:graphicFrameChg chg="add del mod ord">
+          <ac:chgData name="Luc Paoli" userId="28bcbf778cf7ff89" providerId="LiveId" clId="{A0EBB6DF-39E8-4546-93EF-C190D1C84A44}" dt="2022-08-18T22:55:03.450" v="522" actId="478"/>
           <ac:graphicFrameMkLst>
             <pc:docMk/>
             <pc:sldMk cId="3665419169" sldId="377"/>
             <ac:graphicFrameMk id="10" creationId="{41ACB4B2-324D-F587-B617-095D9B2461C2}"/>
           </ac:graphicFrameMkLst>
         </pc:graphicFrameChg>
-        <pc:graphicFrameChg chg="add mod ord">
-          <ac:chgData name="Luc Paoli" userId="28bcbf778cf7ff89" providerId="LiveId" clId="{A0EBB6DF-39E8-4546-93EF-C190D1C84A44}" dt="2022-08-17T21:12:37.485" v="148" actId="1076"/>
+        <pc:graphicFrameChg chg="add del mod ord">
+          <ac:chgData name="Luc Paoli" userId="28bcbf778cf7ff89" providerId="LiveId" clId="{A0EBB6DF-39E8-4546-93EF-C190D1C84A44}" dt="2022-08-18T22:55:03.450" v="522" actId="478"/>
           <ac:graphicFrameMkLst>
             <pc:docMk/>
             <pc:sldMk cId="3665419169" sldId="377"/>
             <ac:graphicFrameMk id="11" creationId="{F3ED6FE2-21A4-D3EE-6B7B-5984BA83C8A7}"/>
           </ac:graphicFrameMkLst>
         </pc:graphicFrameChg>
-        <pc:graphicFrameChg chg="add mod ord">
-          <ac:chgData name="Luc Paoli" userId="28bcbf778cf7ff89" providerId="LiveId" clId="{A0EBB6DF-39E8-4546-93EF-C190D1C84A44}" dt="2022-08-17T21:12:37.485" v="148" actId="1076"/>
+        <pc:graphicFrameChg chg="add del mod ord">
+          <ac:chgData name="Luc Paoli" userId="28bcbf778cf7ff89" providerId="LiveId" clId="{A0EBB6DF-39E8-4546-93EF-C190D1C84A44}" dt="2022-08-18T22:55:03.450" v="522" actId="478"/>
           <ac:graphicFrameMkLst>
             <pc:docMk/>
             <pc:sldMk cId="3665419169" sldId="377"/>
             <ac:graphicFrameMk id="12" creationId="{90F451A4-7A12-4E63-F962-84D178A24768}"/>
           </ac:graphicFrameMkLst>
         </pc:graphicFrameChg>
-        <pc:graphicFrameChg chg="add mod ord">
-          <ac:chgData name="Luc Paoli" userId="28bcbf778cf7ff89" providerId="LiveId" clId="{A0EBB6DF-39E8-4546-93EF-C190D1C84A44}" dt="2022-08-17T21:12:37.485" v="148" actId="1076"/>
+        <pc:graphicFrameChg chg="add del mod ord">
+          <ac:chgData name="Luc Paoli" userId="28bcbf778cf7ff89" providerId="LiveId" clId="{A0EBB6DF-39E8-4546-93EF-C190D1C84A44}" dt="2022-08-18T22:55:03.450" v="522" actId="478"/>
           <ac:graphicFrameMkLst>
             <pc:docMk/>
             <pc:sldMk cId="3665419169" sldId="377"/>
@@ -511,15 +799,15 @@
           </ac:graphicFrameMkLst>
         </pc:graphicFrameChg>
         <pc:graphicFrameChg chg="add del mod ord">
-          <ac:chgData name="Luc Paoli" userId="28bcbf778cf7ff89" providerId="LiveId" clId="{A0EBB6DF-39E8-4546-93EF-C190D1C84A44}" dt="2022-08-17T21:12:37.485" v="148" actId="1076"/>
+          <ac:chgData name="Luc Paoli" userId="28bcbf778cf7ff89" providerId="LiveId" clId="{A0EBB6DF-39E8-4546-93EF-C190D1C84A44}" dt="2022-08-18T22:55:03.450" v="522" actId="478"/>
           <ac:graphicFrameMkLst>
             <pc:docMk/>
             <pc:sldMk cId="3665419169" sldId="377"/>
             <ac:graphicFrameMk id="14" creationId="{64BE510A-BEF8-197F-6494-8D008C1BFA9F}"/>
           </ac:graphicFrameMkLst>
         </pc:graphicFrameChg>
-        <pc:graphicFrameChg chg="add mod ord">
-          <ac:chgData name="Luc Paoli" userId="28bcbf778cf7ff89" providerId="LiveId" clId="{A0EBB6DF-39E8-4546-93EF-C190D1C84A44}" dt="2022-08-17T21:12:37.485" v="148" actId="1076"/>
+        <pc:graphicFrameChg chg="add del mod ord">
+          <ac:chgData name="Luc Paoli" userId="28bcbf778cf7ff89" providerId="LiveId" clId="{A0EBB6DF-39E8-4546-93EF-C190D1C84A44}" dt="2022-08-18T22:55:03.450" v="522" actId="478"/>
           <ac:graphicFrameMkLst>
             <pc:docMk/>
             <pc:sldMk cId="3665419169" sldId="377"/>
@@ -534,80 +822,160 @@
             <ac:cxnSpMk id="17" creationId="{10579C3A-2167-3399-3A15-4ADFB9295A98}"/>
           </ac:cxnSpMkLst>
         </pc:cxnChg>
-        <pc:cxnChg chg="add mod">
-          <ac:chgData name="Luc Paoli" userId="28bcbf778cf7ff89" providerId="LiveId" clId="{A0EBB6DF-39E8-4546-93EF-C190D1C84A44}" dt="2022-08-17T21:12:37.485" v="148" actId="1076"/>
+        <pc:cxnChg chg="mod">
+          <ac:chgData name="Luc Paoli" userId="28bcbf778cf7ff89" providerId="LiveId" clId="{A0EBB6DF-39E8-4546-93EF-C190D1C84A44}" dt="2022-08-18T22:56:57.390" v="583" actId="1076"/>
+          <ac:cxnSpMkLst>
+            <pc:docMk/>
+            <pc:sldMk cId="3665419169" sldId="377"/>
+            <ac:cxnSpMk id="18" creationId="{EBD2EA9E-2D78-88F3-E9EC-D2F103408613}"/>
+          </ac:cxnSpMkLst>
+        </pc:cxnChg>
+        <pc:cxnChg chg="add del mod">
+          <ac:chgData name="Luc Paoli" userId="28bcbf778cf7ff89" providerId="LiveId" clId="{A0EBB6DF-39E8-4546-93EF-C190D1C84A44}" dt="2022-08-18T22:55:03.450" v="522" actId="478"/>
           <ac:cxnSpMkLst>
             <pc:docMk/>
             <pc:sldMk cId="3665419169" sldId="377"/>
             <ac:cxnSpMk id="20" creationId="{8A0B050B-7C8E-BE09-D5AB-73EDE1E794AE}"/>
           </ac:cxnSpMkLst>
         </pc:cxnChg>
-        <pc:cxnChg chg="add mod">
-          <ac:chgData name="Luc Paoli" userId="28bcbf778cf7ff89" providerId="LiveId" clId="{A0EBB6DF-39E8-4546-93EF-C190D1C84A44}" dt="2022-08-17T21:12:37.485" v="148" actId="1076"/>
+        <pc:cxnChg chg="add del mod">
+          <ac:chgData name="Luc Paoli" userId="28bcbf778cf7ff89" providerId="LiveId" clId="{A0EBB6DF-39E8-4546-93EF-C190D1C84A44}" dt="2022-08-18T22:55:03.450" v="522" actId="478"/>
           <ac:cxnSpMkLst>
             <pc:docMk/>
             <pc:sldMk cId="3665419169" sldId="377"/>
             <ac:cxnSpMk id="23" creationId="{58F887E3-CEB6-AEF6-2384-AC419AE20C25}"/>
           </ac:cxnSpMkLst>
         </pc:cxnChg>
-        <pc:cxnChg chg="add mod">
-          <ac:chgData name="Luc Paoli" userId="28bcbf778cf7ff89" providerId="LiveId" clId="{A0EBB6DF-39E8-4546-93EF-C190D1C84A44}" dt="2022-08-17T21:12:37.485" v="148" actId="1076"/>
+        <pc:cxnChg chg="mod">
+          <ac:chgData name="Luc Paoli" userId="28bcbf778cf7ff89" providerId="LiveId" clId="{A0EBB6DF-39E8-4546-93EF-C190D1C84A44}" dt="2022-08-18T22:55:06.320" v="523"/>
+          <ac:cxnSpMkLst>
+            <pc:docMk/>
+            <pc:sldMk cId="3665419169" sldId="377"/>
+            <ac:cxnSpMk id="24" creationId="{DEDC6F22-5B1B-C5C6-E4E5-BA9B751BE815}"/>
+          </ac:cxnSpMkLst>
+        </pc:cxnChg>
+        <pc:cxnChg chg="add del mod">
+          <ac:chgData name="Luc Paoli" userId="28bcbf778cf7ff89" providerId="LiveId" clId="{A0EBB6DF-39E8-4546-93EF-C190D1C84A44}" dt="2022-08-18T22:55:03.450" v="522" actId="478"/>
           <ac:cxnSpMkLst>
             <pc:docMk/>
             <pc:sldMk cId="3665419169" sldId="377"/>
             <ac:cxnSpMk id="26" creationId="{F6B9F0C4-20E7-8742-34BE-731F9478C64D}"/>
           </ac:cxnSpMkLst>
         </pc:cxnChg>
-        <pc:cxnChg chg="add mod">
-          <ac:chgData name="Luc Paoli" userId="28bcbf778cf7ff89" providerId="LiveId" clId="{A0EBB6DF-39E8-4546-93EF-C190D1C84A44}" dt="2022-08-17T21:12:37.485" v="148" actId="1076"/>
+        <pc:cxnChg chg="add del mod">
+          <ac:chgData name="Luc Paoli" userId="28bcbf778cf7ff89" providerId="LiveId" clId="{A0EBB6DF-39E8-4546-93EF-C190D1C84A44}" dt="2022-08-18T22:55:03.450" v="522" actId="478"/>
           <ac:cxnSpMkLst>
             <pc:docMk/>
             <pc:sldMk cId="3665419169" sldId="377"/>
             <ac:cxnSpMk id="29" creationId="{7203BB87-261E-34CA-83BB-D57F89D85FE8}"/>
           </ac:cxnSpMkLst>
         </pc:cxnChg>
-        <pc:cxnChg chg="add mod">
-          <ac:chgData name="Luc Paoli" userId="28bcbf778cf7ff89" providerId="LiveId" clId="{A0EBB6DF-39E8-4546-93EF-C190D1C84A44}" dt="2022-08-17T21:12:37.485" v="148" actId="1076"/>
+        <pc:cxnChg chg="mod">
+          <ac:chgData name="Luc Paoli" userId="28bcbf778cf7ff89" providerId="LiveId" clId="{A0EBB6DF-39E8-4546-93EF-C190D1C84A44}" dt="2022-08-18T22:55:06.320" v="523"/>
+          <ac:cxnSpMkLst>
+            <pc:docMk/>
+            <pc:sldMk cId="3665419169" sldId="377"/>
+            <ac:cxnSpMk id="30" creationId="{5D5B87C1-A4E2-41AB-4BEF-1373C9AFA574}"/>
+          </ac:cxnSpMkLst>
+        </pc:cxnChg>
+        <pc:cxnChg chg="mod">
+          <ac:chgData name="Luc Paoli" userId="28bcbf778cf7ff89" providerId="LiveId" clId="{A0EBB6DF-39E8-4546-93EF-C190D1C84A44}" dt="2022-08-18T22:57:04.150" v="584" actId="1076"/>
+          <ac:cxnSpMkLst>
+            <pc:docMk/>
+            <pc:sldMk cId="3665419169" sldId="377"/>
+            <ac:cxnSpMk id="35" creationId="{404DBC48-E251-F137-FA5A-1CB380813129}"/>
+          </ac:cxnSpMkLst>
+        </pc:cxnChg>
+        <pc:cxnChg chg="mod">
+          <ac:chgData name="Luc Paoli" userId="28bcbf778cf7ff89" providerId="LiveId" clId="{A0EBB6DF-39E8-4546-93EF-C190D1C84A44}" dt="2022-08-18T22:55:28.560" v="533"/>
+          <ac:cxnSpMkLst>
+            <pc:docMk/>
+            <pc:sldMk cId="3665419169" sldId="377"/>
+            <ac:cxnSpMk id="39" creationId="{AE17CBF2-78AC-205C-7438-C09022D056E7}"/>
+          </ac:cxnSpMkLst>
+        </pc:cxnChg>
+        <pc:cxnChg chg="add del mod">
+          <ac:chgData name="Luc Paoli" userId="28bcbf778cf7ff89" providerId="LiveId" clId="{A0EBB6DF-39E8-4546-93EF-C190D1C84A44}" dt="2022-08-18T22:55:03.450" v="522" actId="478"/>
           <ac:cxnSpMkLst>
             <pc:docMk/>
             <pc:sldMk cId="3665419169" sldId="377"/>
             <ac:cxnSpMk id="40" creationId="{B68C4629-F75D-746A-ABD4-1E70FE9BDF57}"/>
           </ac:cxnSpMkLst>
         </pc:cxnChg>
-        <pc:cxnChg chg="add mod">
-          <ac:chgData name="Luc Paoli" userId="28bcbf778cf7ff89" providerId="LiveId" clId="{A0EBB6DF-39E8-4546-93EF-C190D1C84A44}" dt="2022-08-17T21:12:37.485" v="148" actId="1076"/>
+        <pc:cxnChg chg="add del mod">
+          <ac:chgData name="Luc Paoli" userId="28bcbf778cf7ff89" providerId="LiveId" clId="{A0EBB6DF-39E8-4546-93EF-C190D1C84A44}" dt="2022-08-18T22:55:03.450" v="522" actId="478"/>
           <ac:cxnSpMkLst>
             <pc:docMk/>
             <pc:sldMk cId="3665419169" sldId="377"/>
             <ac:cxnSpMk id="43" creationId="{CDBE5FE9-E797-5E36-ACAA-C85AD81F5942}"/>
           </ac:cxnSpMkLst>
         </pc:cxnChg>
-        <pc:cxnChg chg="add mod">
-          <ac:chgData name="Luc Paoli" userId="28bcbf778cf7ff89" providerId="LiveId" clId="{A0EBB6DF-39E8-4546-93EF-C190D1C84A44}" dt="2022-08-17T21:12:37.485" v="148" actId="1076"/>
+        <pc:cxnChg chg="mod">
+          <ac:chgData name="Luc Paoli" userId="28bcbf778cf7ff89" providerId="LiveId" clId="{A0EBB6DF-39E8-4546-93EF-C190D1C84A44}" dt="2022-08-18T22:55:30.910" v="535"/>
+          <ac:cxnSpMkLst>
+            <pc:docMk/>
+            <pc:sldMk cId="3665419169" sldId="377"/>
+            <ac:cxnSpMk id="45" creationId="{CF742B58-90F6-CF0F-CD7C-10BE929425E9}"/>
+          </ac:cxnSpMkLst>
+        </pc:cxnChg>
+        <pc:cxnChg chg="add del mod">
+          <ac:chgData name="Luc Paoli" userId="28bcbf778cf7ff89" providerId="LiveId" clId="{A0EBB6DF-39E8-4546-93EF-C190D1C84A44}" dt="2022-08-18T22:55:03.450" v="522" actId="478"/>
           <ac:cxnSpMkLst>
             <pc:docMk/>
             <pc:sldMk cId="3665419169" sldId="377"/>
             <ac:cxnSpMk id="47" creationId="{DA799DAD-C8DE-F353-721B-AC643735323A}"/>
           </ac:cxnSpMkLst>
         </pc:cxnChg>
-        <pc:cxnChg chg="add mod">
-          <ac:chgData name="Luc Paoli" userId="28bcbf778cf7ff89" providerId="LiveId" clId="{A0EBB6DF-39E8-4546-93EF-C190D1C84A44}" dt="2022-08-17T21:12:37.485" v="148" actId="1076"/>
+        <pc:cxnChg chg="mod">
+          <ac:chgData name="Luc Paoli" userId="28bcbf778cf7ff89" providerId="LiveId" clId="{A0EBB6DF-39E8-4546-93EF-C190D1C84A44}" dt="2022-08-18T22:56:47.640" v="578" actId="1076"/>
+          <ac:cxnSpMkLst>
+            <pc:docMk/>
+            <pc:sldMk cId="3665419169" sldId="377"/>
+            <ac:cxnSpMk id="50" creationId="{D6AA66BC-8908-BC6D-4CBA-645046B83264}"/>
+          </ac:cxnSpMkLst>
+        </pc:cxnChg>
+        <pc:cxnChg chg="add del mod">
+          <ac:chgData name="Luc Paoli" userId="28bcbf778cf7ff89" providerId="LiveId" clId="{A0EBB6DF-39E8-4546-93EF-C190D1C84A44}" dt="2022-08-18T22:55:03.450" v="522" actId="478"/>
           <ac:cxnSpMkLst>
             <pc:docMk/>
             <pc:sldMk cId="3665419169" sldId="377"/>
             <ac:cxnSpMk id="53" creationId="{05883137-B633-F287-B18A-9AF2976BA499}"/>
           </ac:cxnSpMkLst>
         </pc:cxnChg>
-        <pc:cxnChg chg="add mod">
-          <ac:chgData name="Luc Paoli" userId="28bcbf778cf7ff89" providerId="LiveId" clId="{A0EBB6DF-39E8-4546-93EF-C190D1C84A44}" dt="2022-08-17T21:12:37.485" v="148" actId="1076"/>
+        <pc:cxnChg chg="mod">
+          <ac:chgData name="Luc Paoli" userId="28bcbf778cf7ff89" providerId="LiveId" clId="{A0EBB6DF-39E8-4546-93EF-C190D1C84A44}" dt="2022-08-18T22:55:39.480" v="541"/>
+          <ac:cxnSpMkLst>
+            <pc:docMk/>
+            <pc:sldMk cId="3665419169" sldId="377"/>
+            <ac:cxnSpMk id="55" creationId="{C90A7011-DF6F-7360-5B02-8D0412E3ADAD}"/>
+          </ac:cxnSpMkLst>
+        </pc:cxnChg>
+        <pc:cxnChg chg="add del mod">
+          <ac:chgData name="Luc Paoli" userId="28bcbf778cf7ff89" providerId="LiveId" clId="{A0EBB6DF-39E8-4546-93EF-C190D1C84A44}" dt="2022-08-18T22:55:03.450" v="522" actId="478"/>
           <ac:cxnSpMkLst>
             <pc:docMk/>
             <pc:sldMk cId="3665419169" sldId="377"/>
             <ac:cxnSpMk id="56" creationId="{828E667F-219D-50E6-5ADD-EC2F66DA76BB}"/>
           </ac:cxnSpMkLst>
         </pc:cxnChg>
-        <pc:cxnChg chg="add mod ord">
-          <ac:chgData name="Luc Paoli" userId="28bcbf778cf7ff89" providerId="LiveId" clId="{A0EBB6DF-39E8-4546-93EF-C190D1C84A44}" dt="2022-08-17T21:12:37.485" v="148" actId="1076"/>
+        <pc:cxnChg chg="mod">
+          <ac:chgData name="Luc Paoli" userId="28bcbf778cf7ff89" providerId="LiveId" clId="{A0EBB6DF-39E8-4546-93EF-C190D1C84A44}" dt="2022-08-18T22:55:41.489" v="543"/>
+          <ac:cxnSpMkLst>
+            <pc:docMk/>
+            <pc:sldMk cId="3665419169" sldId="377"/>
+            <ac:cxnSpMk id="60" creationId="{58841C3E-6D35-6063-EEF4-2EDB3E8C9703}"/>
+          </ac:cxnSpMkLst>
+        </pc:cxnChg>
+        <pc:cxnChg chg="mod">
+          <ac:chgData name="Luc Paoli" userId="28bcbf778cf7ff89" providerId="LiveId" clId="{A0EBB6DF-39E8-4546-93EF-C190D1C84A44}" dt="2022-08-18T22:55:43.450" v="545"/>
+          <ac:cxnSpMkLst>
+            <pc:docMk/>
+            <pc:sldMk cId="3665419169" sldId="377"/>
+            <ac:cxnSpMk id="64" creationId="{700700C7-F899-94CA-76C7-957A4D510833}"/>
+          </ac:cxnSpMkLst>
+        </pc:cxnChg>
+        <pc:cxnChg chg="add del mod ord">
+          <ac:chgData name="Luc Paoli" userId="28bcbf778cf7ff89" providerId="LiveId" clId="{A0EBB6DF-39E8-4546-93EF-C190D1C84A44}" dt="2022-08-18T22:55:03.450" v="522" actId="478"/>
           <ac:cxnSpMkLst>
             <pc:docMk/>
             <pc:sldMk cId="3665419169" sldId="377"/>
@@ -670,6 +1038,21 @@
             <ac:cxnSpMk id="122" creationId="{E63CFD4F-C740-4D84-40F9-00FCE78424AA}"/>
           </ac:cxnSpMkLst>
         </pc:cxnChg>
+      </pc:sldChg>
+      <pc:sldChg chg="modSp mod">
+        <pc:chgData name="Luc Paoli" userId="28bcbf778cf7ff89" providerId="LiveId" clId="{A0EBB6DF-39E8-4546-93EF-C190D1C84A44}" dt="2022-08-19T09:43:11.916" v="771" actId="20577"/>
+        <pc:sldMkLst>
+          <pc:docMk/>
+          <pc:sldMk cId="285842640" sldId="378"/>
+        </pc:sldMkLst>
+        <pc:spChg chg="mod">
+          <ac:chgData name="Luc Paoli" userId="28bcbf778cf7ff89" providerId="LiveId" clId="{A0EBB6DF-39E8-4546-93EF-C190D1C84A44}" dt="2022-08-19T09:43:11.916" v="771" actId="20577"/>
+          <ac:spMkLst>
+            <pc:docMk/>
+            <pc:sldMk cId="285842640" sldId="378"/>
+            <ac:spMk id="3" creationId="{CF2FE4F1-86CF-42C8-4532-3ADE0F1FF112}"/>
+          </ac:spMkLst>
+        </pc:spChg>
       </pc:sldChg>
       <pc:sldChg chg="modSp mod">
         <pc:chgData name="Luc Paoli" userId="28bcbf778cf7ff89" providerId="LiveId" clId="{A0EBB6DF-39E8-4546-93EF-C190D1C84A44}" dt="2022-08-17T23:14:55.610" v="447" actId="20577"/>
@@ -700,6 +1083,509 @@
             <ac:spMk id="3" creationId="{72421A2F-1B3F-23EB-C59D-B0BB9D90FCB2}"/>
           </ac:spMkLst>
         </pc:spChg>
+      </pc:sldChg>
+      <pc:sldChg chg="addSp delSp modSp new del mod">
+        <pc:chgData name="Luc Paoli" userId="28bcbf778cf7ff89" providerId="LiveId" clId="{A0EBB6DF-39E8-4546-93EF-C190D1C84A44}" dt="2022-08-20T21:19:29.595" v="789" actId="2696"/>
+        <pc:sldMkLst>
+          <pc:docMk/>
+          <pc:sldMk cId="3676534027" sldId="383"/>
+        </pc:sldMkLst>
+        <pc:spChg chg="del">
+          <ac:chgData name="Luc Paoli" userId="28bcbf778cf7ff89" providerId="LiveId" clId="{A0EBB6DF-39E8-4546-93EF-C190D1C84A44}" dt="2022-08-20T21:18:36.788" v="788" actId="478"/>
+          <ac:spMkLst>
+            <pc:docMk/>
+            <pc:sldMk cId="3676534027" sldId="383"/>
+            <ac:spMk id="2" creationId="{6A6DDB1E-9359-4E46-400D-051445706C4E}"/>
+          </ac:spMkLst>
+        </pc:spChg>
+        <pc:spChg chg="del">
+          <ac:chgData name="Luc Paoli" userId="28bcbf778cf7ff89" providerId="LiveId" clId="{A0EBB6DF-39E8-4546-93EF-C190D1C84A44}" dt="2022-08-20T21:18:21.323" v="780" actId="478"/>
+          <ac:spMkLst>
+            <pc:docMk/>
+            <pc:sldMk cId="3676534027" sldId="383"/>
+            <ac:spMk id="3" creationId="{7F860DC6-DDE3-DBD2-18B4-6DFD540BBF5A}"/>
+          </ac:spMkLst>
+        </pc:spChg>
+        <pc:spChg chg="mod">
+          <ac:chgData name="Luc Paoli" userId="28bcbf778cf7ff89" providerId="LiveId" clId="{A0EBB6DF-39E8-4546-93EF-C190D1C84A44}" dt="2022-08-20T21:18:21.574" v="781"/>
+          <ac:spMkLst>
+            <pc:docMk/>
+            <pc:sldMk cId="3676534027" sldId="383"/>
+            <ac:spMk id="7" creationId="{BAB7F12E-22DE-8AA2-75D9-85B0E5FA4BFF}"/>
+          </ac:spMkLst>
+        </pc:spChg>
+        <pc:spChg chg="mod">
+          <ac:chgData name="Luc Paoli" userId="28bcbf778cf7ff89" providerId="LiveId" clId="{A0EBB6DF-39E8-4546-93EF-C190D1C84A44}" dt="2022-08-20T21:18:21.574" v="781"/>
+          <ac:spMkLst>
+            <pc:docMk/>
+            <pc:sldMk cId="3676534027" sldId="383"/>
+            <ac:spMk id="11" creationId="{6BA80E48-403D-BCBF-E766-13D63F3869C6}"/>
+          </ac:spMkLst>
+        </pc:spChg>
+        <pc:spChg chg="mod">
+          <ac:chgData name="Luc Paoli" userId="28bcbf778cf7ff89" providerId="LiveId" clId="{A0EBB6DF-39E8-4546-93EF-C190D1C84A44}" dt="2022-08-20T21:18:21.574" v="781"/>
+          <ac:spMkLst>
+            <pc:docMk/>
+            <pc:sldMk cId="3676534027" sldId="383"/>
+            <ac:spMk id="12" creationId="{345EA3A5-D983-5F5D-9C5A-673987F0E4FF}"/>
+          </ac:spMkLst>
+        </pc:spChg>
+        <pc:spChg chg="mod">
+          <ac:chgData name="Luc Paoli" userId="28bcbf778cf7ff89" providerId="LiveId" clId="{A0EBB6DF-39E8-4546-93EF-C190D1C84A44}" dt="2022-08-20T21:18:21.574" v="781"/>
+          <ac:spMkLst>
+            <pc:docMk/>
+            <pc:sldMk cId="3676534027" sldId="383"/>
+            <ac:spMk id="14" creationId="{B3F095AE-8549-DE1C-941C-4BBA71DE885D}"/>
+          </ac:spMkLst>
+        </pc:spChg>
+        <pc:spChg chg="mod">
+          <ac:chgData name="Luc Paoli" userId="28bcbf778cf7ff89" providerId="LiveId" clId="{A0EBB6DF-39E8-4546-93EF-C190D1C84A44}" dt="2022-08-20T21:18:21.574" v="781"/>
+          <ac:spMkLst>
+            <pc:docMk/>
+            <pc:sldMk cId="3676534027" sldId="383"/>
+            <ac:spMk id="15" creationId="{35A896C0-5098-1FB7-5D36-BA0082C1F856}"/>
+          </ac:spMkLst>
+        </pc:spChg>
+        <pc:spChg chg="mod">
+          <ac:chgData name="Luc Paoli" userId="28bcbf778cf7ff89" providerId="LiveId" clId="{A0EBB6DF-39E8-4546-93EF-C190D1C84A44}" dt="2022-08-20T21:18:21.574" v="781"/>
+          <ac:spMkLst>
+            <pc:docMk/>
+            <pc:sldMk cId="3676534027" sldId="383"/>
+            <ac:spMk id="17" creationId="{E4EA8C68-E9A6-3D1E-273D-19E6CF190C7D}"/>
+          </ac:spMkLst>
+        </pc:spChg>
+        <pc:spChg chg="mod">
+          <ac:chgData name="Luc Paoli" userId="28bcbf778cf7ff89" providerId="LiveId" clId="{A0EBB6DF-39E8-4546-93EF-C190D1C84A44}" dt="2022-08-20T21:18:21.574" v="781"/>
+          <ac:spMkLst>
+            <pc:docMk/>
+            <pc:sldMk cId="3676534027" sldId="383"/>
+            <ac:spMk id="18" creationId="{96082264-7AD2-9A7E-5D03-40C724C7649F}"/>
+          </ac:spMkLst>
+        </pc:spChg>
+        <pc:spChg chg="mod">
+          <ac:chgData name="Luc Paoli" userId="28bcbf778cf7ff89" providerId="LiveId" clId="{A0EBB6DF-39E8-4546-93EF-C190D1C84A44}" dt="2022-08-20T21:18:21.574" v="781"/>
+          <ac:spMkLst>
+            <pc:docMk/>
+            <pc:sldMk cId="3676534027" sldId="383"/>
+            <ac:spMk id="21" creationId="{C9EA159E-97AD-A161-0DCE-21B737D8DA66}"/>
+          </ac:spMkLst>
+        </pc:spChg>
+        <pc:spChg chg="mod">
+          <ac:chgData name="Luc Paoli" userId="28bcbf778cf7ff89" providerId="LiveId" clId="{A0EBB6DF-39E8-4546-93EF-C190D1C84A44}" dt="2022-08-20T21:18:21.574" v="781"/>
+          <ac:spMkLst>
+            <pc:docMk/>
+            <pc:sldMk cId="3676534027" sldId="383"/>
+            <ac:spMk id="32" creationId="{C26665FF-5F7B-62F9-AAD1-57F5D72192E4}"/>
+          </ac:spMkLst>
+        </pc:spChg>
+        <pc:spChg chg="mod">
+          <ac:chgData name="Luc Paoli" userId="28bcbf778cf7ff89" providerId="LiveId" clId="{A0EBB6DF-39E8-4546-93EF-C190D1C84A44}" dt="2022-08-20T21:18:21.574" v="781"/>
+          <ac:spMkLst>
+            <pc:docMk/>
+            <pc:sldMk cId="3676534027" sldId="383"/>
+            <ac:spMk id="33" creationId="{9C71B585-DD59-3DE1-31F3-7BAAC36A1DF0}"/>
+          </ac:spMkLst>
+        </pc:spChg>
+        <pc:spChg chg="mod">
+          <ac:chgData name="Luc Paoli" userId="28bcbf778cf7ff89" providerId="LiveId" clId="{A0EBB6DF-39E8-4546-93EF-C190D1C84A44}" dt="2022-08-20T21:18:21.574" v="781"/>
+          <ac:spMkLst>
+            <pc:docMk/>
+            <pc:sldMk cId="3676534027" sldId="383"/>
+            <ac:spMk id="35" creationId="{DAB5025D-AFBB-C1EA-AD2D-A146C7E9F602}"/>
+          </ac:spMkLst>
+        </pc:spChg>
+        <pc:spChg chg="mod">
+          <ac:chgData name="Luc Paoli" userId="28bcbf778cf7ff89" providerId="LiveId" clId="{A0EBB6DF-39E8-4546-93EF-C190D1C84A44}" dt="2022-08-20T21:18:21.574" v="781"/>
+          <ac:spMkLst>
+            <pc:docMk/>
+            <pc:sldMk cId="3676534027" sldId="383"/>
+            <ac:spMk id="36" creationId="{D42B39CE-7833-5161-9C25-0C35AA1BC52C}"/>
+          </ac:spMkLst>
+        </pc:spChg>
+        <pc:spChg chg="mod">
+          <ac:chgData name="Luc Paoli" userId="28bcbf778cf7ff89" providerId="LiveId" clId="{A0EBB6DF-39E8-4546-93EF-C190D1C84A44}" dt="2022-08-20T21:18:21.574" v="781"/>
+          <ac:spMkLst>
+            <pc:docMk/>
+            <pc:sldMk cId="3676534027" sldId="383"/>
+            <ac:spMk id="38" creationId="{C398D3DC-A04B-62ED-5D20-0ED3150475B7}"/>
+          </ac:spMkLst>
+        </pc:spChg>
+        <pc:spChg chg="mod">
+          <ac:chgData name="Luc Paoli" userId="28bcbf778cf7ff89" providerId="LiveId" clId="{A0EBB6DF-39E8-4546-93EF-C190D1C84A44}" dt="2022-08-20T21:18:21.574" v="781"/>
+          <ac:spMkLst>
+            <pc:docMk/>
+            <pc:sldMk cId="3676534027" sldId="383"/>
+            <ac:spMk id="39" creationId="{CF18DC7B-793D-BA54-E78F-4C14EFDC22E6}"/>
+          </ac:spMkLst>
+        </pc:spChg>
+        <pc:spChg chg="mod">
+          <ac:chgData name="Luc Paoli" userId="28bcbf778cf7ff89" providerId="LiveId" clId="{A0EBB6DF-39E8-4546-93EF-C190D1C84A44}" dt="2022-08-20T21:18:21.574" v="781"/>
+          <ac:spMkLst>
+            <pc:docMk/>
+            <pc:sldMk cId="3676534027" sldId="383"/>
+            <ac:spMk id="41" creationId="{505E7C9A-62D6-3284-88B7-25897EEF0AE9}"/>
+          </ac:spMkLst>
+        </pc:spChg>
+        <pc:spChg chg="mod">
+          <ac:chgData name="Luc Paoli" userId="28bcbf778cf7ff89" providerId="LiveId" clId="{A0EBB6DF-39E8-4546-93EF-C190D1C84A44}" dt="2022-08-20T21:18:21.574" v="781"/>
+          <ac:spMkLst>
+            <pc:docMk/>
+            <pc:sldMk cId="3676534027" sldId="383"/>
+            <ac:spMk id="42" creationId="{BCDACE4F-6505-0F7A-ED80-8BB998E350F0}"/>
+          </ac:spMkLst>
+        </pc:spChg>
+        <pc:spChg chg="mod">
+          <ac:chgData name="Luc Paoli" userId="28bcbf778cf7ff89" providerId="LiveId" clId="{A0EBB6DF-39E8-4546-93EF-C190D1C84A44}" dt="2022-08-20T21:18:21.574" v="781"/>
+          <ac:spMkLst>
+            <pc:docMk/>
+            <pc:sldMk cId="3676534027" sldId="383"/>
+            <ac:spMk id="44" creationId="{178FDD7A-52F5-AA5E-4B5B-ADF150D2A913}"/>
+          </ac:spMkLst>
+        </pc:spChg>
+        <pc:spChg chg="mod">
+          <ac:chgData name="Luc Paoli" userId="28bcbf778cf7ff89" providerId="LiveId" clId="{A0EBB6DF-39E8-4546-93EF-C190D1C84A44}" dt="2022-08-20T21:18:21.574" v="781"/>
+          <ac:spMkLst>
+            <pc:docMk/>
+            <pc:sldMk cId="3676534027" sldId="383"/>
+            <ac:spMk id="45" creationId="{473C31F8-5467-7468-16D5-41766A9871EF}"/>
+          </ac:spMkLst>
+        </pc:spChg>
+        <pc:spChg chg="mod">
+          <ac:chgData name="Luc Paoli" userId="28bcbf778cf7ff89" providerId="LiveId" clId="{A0EBB6DF-39E8-4546-93EF-C190D1C84A44}" dt="2022-08-20T21:18:21.574" v="781"/>
+          <ac:spMkLst>
+            <pc:docMk/>
+            <pc:sldMk cId="3676534027" sldId="383"/>
+            <ac:spMk id="47" creationId="{591899E7-F44D-5723-3001-57F2520CA9FC}"/>
+          </ac:spMkLst>
+        </pc:spChg>
+        <pc:spChg chg="mod">
+          <ac:chgData name="Luc Paoli" userId="28bcbf778cf7ff89" providerId="LiveId" clId="{A0EBB6DF-39E8-4546-93EF-C190D1C84A44}" dt="2022-08-20T21:18:21.574" v="781"/>
+          <ac:spMkLst>
+            <pc:docMk/>
+            <pc:sldMk cId="3676534027" sldId="383"/>
+            <ac:spMk id="48" creationId="{17F10531-90C5-E088-CD3B-F34A6BD1C43E}"/>
+          </ac:spMkLst>
+        </pc:spChg>
+        <pc:spChg chg="mod">
+          <ac:chgData name="Luc Paoli" userId="28bcbf778cf7ff89" providerId="LiveId" clId="{A0EBB6DF-39E8-4546-93EF-C190D1C84A44}" dt="2022-08-20T21:18:21.574" v="781"/>
+          <ac:spMkLst>
+            <pc:docMk/>
+            <pc:sldMk cId="3676534027" sldId="383"/>
+            <ac:spMk id="50" creationId="{64965727-7748-D762-85C9-01EF7F7F7AED}"/>
+          </ac:spMkLst>
+        </pc:spChg>
+        <pc:spChg chg="mod">
+          <ac:chgData name="Luc Paoli" userId="28bcbf778cf7ff89" providerId="LiveId" clId="{A0EBB6DF-39E8-4546-93EF-C190D1C84A44}" dt="2022-08-20T21:18:21.574" v="781"/>
+          <ac:spMkLst>
+            <pc:docMk/>
+            <pc:sldMk cId="3676534027" sldId="383"/>
+            <ac:spMk id="51" creationId="{1D3C9658-C170-6032-6C81-66915D2F86CA}"/>
+          </ac:spMkLst>
+        </pc:spChg>
+        <pc:spChg chg="mod">
+          <ac:chgData name="Luc Paoli" userId="28bcbf778cf7ff89" providerId="LiveId" clId="{A0EBB6DF-39E8-4546-93EF-C190D1C84A44}" dt="2022-08-20T21:18:21.574" v="781"/>
+          <ac:spMkLst>
+            <pc:docMk/>
+            <pc:sldMk cId="3676534027" sldId="383"/>
+            <ac:spMk id="53" creationId="{0048E152-5F82-8F42-5922-3B0E7A955BC0}"/>
+          </ac:spMkLst>
+        </pc:spChg>
+        <pc:spChg chg="mod">
+          <ac:chgData name="Luc Paoli" userId="28bcbf778cf7ff89" providerId="LiveId" clId="{A0EBB6DF-39E8-4546-93EF-C190D1C84A44}" dt="2022-08-20T21:18:21.574" v="781"/>
+          <ac:spMkLst>
+            <pc:docMk/>
+            <pc:sldMk cId="3676534027" sldId="383"/>
+            <ac:spMk id="54" creationId="{BF9E97E8-AD63-8B36-E6B1-AAAD2F06BFF4}"/>
+          </ac:spMkLst>
+        </pc:spChg>
+        <pc:spChg chg="mod">
+          <ac:chgData name="Luc Paoli" userId="28bcbf778cf7ff89" providerId="LiveId" clId="{A0EBB6DF-39E8-4546-93EF-C190D1C84A44}" dt="2022-08-20T21:18:21.574" v="781"/>
+          <ac:spMkLst>
+            <pc:docMk/>
+            <pc:sldMk cId="3676534027" sldId="383"/>
+            <ac:spMk id="56" creationId="{6971FCB6-4631-F41A-01E9-395CFB9C2F94}"/>
+          </ac:spMkLst>
+        </pc:spChg>
+        <pc:spChg chg="mod">
+          <ac:chgData name="Luc Paoli" userId="28bcbf778cf7ff89" providerId="LiveId" clId="{A0EBB6DF-39E8-4546-93EF-C190D1C84A44}" dt="2022-08-20T21:18:21.574" v="781"/>
+          <ac:spMkLst>
+            <pc:docMk/>
+            <pc:sldMk cId="3676534027" sldId="383"/>
+            <ac:spMk id="57" creationId="{D44E960A-D00B-1D24-B3C5-54ECE72E93F0}"/>
+          </ac:spMkLst>
+        </pc:spChg>
+        <pc:spChg chg="mod">
+          <ac:chgData name="Luc Paoli" userId="28bcbf778cf7ff89" providerId="LiveId" clId="{A0EBB6DF-39E8-4546-93EF-C190D1C84A44}" dt="2022-08-20T21:18:21.574" v="781"/>
+          <ac:spMkLst>
+            <pc:docMk/>
+            <pc:sldMk cId="3676534027" sldId="383"/>
+            <ac:spMk id="59" creationId="{71A6207B-7D34-DCF4-3E3C-16A3FD396E4D}"/>
+          </ac:spMkLst>
+        </pc:spChg>
+        <pc:spChg chg="mod">
+          <ac:chgData name="Luc Paoli" userId="28bcbf778cf7ff89" providerId="LiveId" clId="{A0EBB6DF-39E8-4546-93EF-C190D1C84A44}" dt="2022-08-20T21:18:21.574" v="781"/>
+          <ac:spMkLst>
+            <pc:docMk/>
+            <pc:sldMk cId="3676534027" sldId="383"/>
+            <ac:spMk id="60" creationId="{CD787BFC-1D37-950D-7A8E-285CDFD3B8E8}"/>
+          </ac:spMkLst>
+        </pc:spChg>
+        <pc:spChg chg="add mod">
+          <ac:chgData name="Luc Paoli" userId="28bcbf778cf7ff89" providerId="LiveId" clId="{A0EBB6DF-39E8-4546-93EF-C190D1C84A44}" dt="2022-08-20T21:18:26.716" v="782" actId="164"/>
+          <ac:spMkLst>
+            <pc:docMk/>
+            <pc:sldMk cId="3676534027" sldId="383"/>
+            <ac:spMk id="62" creationId="{836AB3BA-C6AC-E3A7-22C0-14F6561A601C}"/>
+          </ac:spMkLst>
+        </pc:spChg>
+        <pc:spChg chg="add mod">
+          <ac:chgData name="Luc Paoli" userId="28bcbf778cf7ff89" providerId="LiveId" clId="{A0EBB6DF-39E8-4546-93EF-C190D1C84A44}" dt="2022-08-20T21:18:26.716" v="782" actId="164"/>
+          <ac:spMkLst>
+            <pc:docMk/>
+            <pc:sldMk cId="3676534027" sldId="383"/>
+            <ac:spMk id="63" creationId="{EDC17BA2-D6B2-023A-C9D1-6856AFDEA666}"/>
+          </ac:spMkLst>
+        </pc:spChg>
+        <pc:spChg chg="add mod">
+          <ac:chgData name="Luc Paoli" userId="28bcbf778cf7ff89" providerId="LiveId" clId="{A0EBB6DF-39E8-4546-93EF-C190D1C84A44}" dt="2022-08-20T21:18:26.716" v="782" actId="164"/>
+          <ac:spMkLst>
+            <pc:docMk/>
+            <pc:sldMk cId="3676534027" sldId="383"/>
+            <ac:spMk id="64" creationId="{B12B6D94-0AC3-7282-43BB-B21517166BFC}"/>
+          </ac:spMkLst>
+        </pc:spChg>
+        <pc:grpChg chg="add mod">
+          <ac:chgData name="Luc Paoli" userId="28bcbf778cf7ff89" providerId="LiveId" clId="{A0EBB6DF-39E8-4546-93EF-C190D1C84A44}" dt="2022-08-20T21:18:26.716" v="782" actId="164"/>
+          <ac:grpSpMkLst>
+            <pc:docMk/>
+            <pc:sldMk cId="3676534027" sldId="383"/>
+            <ac:grpSpMk id="6" creationId="{B8D9ADDC-D533-0BBB-BF9D-EDE81399C633}"/>
+          </ac:grpSpMkLst>
+        </pc:grpChg>
+        <pc:grpChg chg="mod">
+          <ac:chgData name="Luc Paoli" userId="28bcbf778cf7ff89" providerId="LiveId" clId="{A0EBB6DF-39E8-4546-93EF-C190D1C84A44}" dt="2022-08-20T21:18:21.574" v="781"/>
+          <ac:grpSpMkLst>
+            <pc:docMk/>
+            <pc:sldMk cId="3676534027" sldId="383"/>
+            <ac:grpSpMk id="8" creationId="{B48A891D-F00A-CB15-550C-65972F15E3FB}"/>
+          </ac:grpSpMkLst>
+        </pc:grpChg>
+        <pc:grpChg chg="mod">
+          <ac:chgData name="Luc Paoli" userId="28bcbf778cf7ff89" providerId="LiveId" clId="{A0EBB6DF-39E8-4546-93EF-C190D1C84A44}" dt="2022-08-20T21:18:21.574" v="781"/>
+          <ac:grpSpMkLst>
+            <pc:docMk/>
+            <pc:sldMk cId="3676534027" sldId="383"/>
+            <ac:grpSpMk id="9" creationId="{CC1AD65A-7784-E69E-4D88-D7DD88215C48}"/>
+          </ac:grpSpMkLst>
+        </pc:grpChg>
+        <pc:grpChg chg="mod">
+          <ac:chgData name="Luc Paoli" userId="28bcbf778cf7ff89" providerId="LiveId" clId="{A0EBB6DF-39E8-4546-93EF-C190D1C84A44}" dt="2022-08-20T21:18:21.574" v="781"/>
+          <ac:grpSpMkLst>
+            <pc:docMk/>
+            <pc:sldMk cId="3676534027" sldId="383"/>
+            <ac:grpSpMk id="10" creationId="{9B180660-239C-C614-F3ED-B99C1EEEB1BE}"/>
+          </ac:grpSpMkLst>
+        </pc:grpChg>
+        <pc:grpChg chg="add mod">
+          <ac:chgData name="Luc Paoli" userId="28bcbf778cf7ff89" providerId="LiveId" clId="{A0EBB6DF-39E8-4546-93EF-C190D1C84A44}" dt="2022-08-20T21:18:26.716" v="782" actId="164"/>
+          <ac:grpSpMkLst>
+            <pc:docMk/>
+            <pc:sldMk cId="3676534027" sldId="383"/>
+            <ac:grpSpMk id="20" creationId="{76B869F1-9414-C643-1BE9-E94A4FE4B3E6}"/>
+          </ac:grpSpMkLst>
+        </pc:grpChg>
+        <pc:grpChg chg="mod">
+          <ac:chgData name="Luc Paoli" userId="28bcbf778cf7ff89" providerId="LiveId" clId="{A0EBB6DF-39E8-4546-93EF-C190D1C84A44}" dt="2022-08-20T21:18:21.574" v="781"/>
+          <ac:grpSpMkLst>
+            <pc:docMk/>
+            <pc:sldMk cId="3676534027" sldId="383"/>
+            <ac:grpSpMk id="22" creationId="{A4EA838D-06F7-3091-5EBE-0063986A208F}"/>
+          </ac:grpSpMkLst>
+        </pc:grpChg>
+        <pc:grpChg chg="mod">
+          <ac:chgData name="Luc Paoli" userId="28bcbf778cf7ff89" providerId="LiveId" clId="{A0EBB6DF-39E8-4546-93EF-C190D1C84A44}" dt="2022-08-20T21:18:21.574" v="781"/>
+          <ac:grpSpMkLst>
+            <pc:docMk/>
+            <pc:sldMk cId="3676534027" sldId="383"/>
+            <ac:grpSpMk id="23" creationId="{929B3AC3-2D7C-6753-2FFD-54267E6C44C0}"/>
+          </ac:grpSpMkLst>
+        </pc:grpChg>
+        <pc:grpChg chg="mod">
+          <ac:chgData name="Luc Paoli" userId="28bcbf778cf7ff89" providerId="LiveId" clId="{A0EBB6DF-39E8-4546-93EF-C190D1C84A44}" dt="2022-08-20T21:18:21.574" v="781"/>
+          <ac:grpSpMkLst>
+            <pc:docMk/>
+            <pc:sldMk cId="3676534027" sldId="383"/>
+            <ac:grpSpMk id="24" creationId="{62D158F1-67FF-DB39-0682-A7267C209706}"/>
+          </ac:grpSpMkLst>
+        </pc:grpChg>
+        <pc:grpChg chg="mod">
+          <ac:chgData name="Luc Paoli" userId="28bcbf778cf7ff89" providerId="LiveId" clId="{A0EBB6DF-39E8-4546-93EF-C190D1C84A44}" dt="2022-08-20T21:18:21.574" v="781"/>
+          <ac:grpSpMkLst>
+            <pc:docMk/>
+            <pc:sldMk cId="3676534027" sldId="383"/>
+            <ac:grpSpMk id="25" creationId="{047A5102-AD52-A538-973B-5059A68C9FD1}"/>
+          </ac:grpSpMkLst>
+        </pc:grpChg>
+        <pc:grpChg chg="mod">
+          <ac:chgData name="Luc Paoli" userId="28bcbf778cf7ff89" providerId="LiveId" clId="{A0EBB6DF-39E8-4546-93EF-C190D1C84A44}" dt="2022-08-20T21:18:21.574" v="781"/>
+          <ac:grpSpMkLst>
+            <pc:docMk/>
+            <pc:sldMk cId="3676534027" sldId="383"/>
+            <ac:grpSpMk id="26" creationId="{67D707E4-ECF4-9451-85F2-F83DA3D78025}"/>
+          </ac:grpSpMkLst>
+        </pc:grpChg>
+        <pc:grpChg chg="mod">
+          <ac:chgData name="Luc Paoli" userId="28bcbf778cf7ff89" providerId="LiveId" clId="{A0EBB6DF-39E8-4546-93EF-C190D1C84A44}" dt="2022-08-20T21:18:21.574" v="781"/>
+          <ac:grpSpMkLst>
+            <pc:docMk/>
+            <pc:sldMk cId="3676534027" sldId="383"/>
+            <ac:grpSpMk id="27" creationId="{87A5D3FB-C279-D8C0-2F79-D51282C93757}"/>
+          </ac:grpSpMkLst>
+        </pc:grpChg>
+        <pc:grpChg chg="mod">
+          <ac:chgData name="Luc Paoli" userId="28bcbf778cf7ff89" providerId="LiveId" clId="{A0EBB6DF-39E8-4546-93EF-C190D1C84A44}" dt="2022-08-20T21:18:21.574" v="781"/>
+          <ac:grpSpMkLst>
+            <pc:docMk/>
+            <pc:sldMk cId="3676534027" sldId="383"/>
+            <ac:grpSpMk id="28" creationId="{36AD51FB-5AC5-90B9-FA01-A307CE1A2B77}"/>
+          </ac:grpSpMkLst>
+        </pc:grpChg>
+        <pc:grpChg chg="mod">
+          <ac:chgData name="Luc Paoli" userId="28bcbf778cf7ff89" providerId="LiveId" clId="{A0EBB6DF-39E8-4546-93EF-C190D1C84A44}" dt="2022-08-20T21:18:21.574" v="781"/>
+          <ac:grpSpMkLst>
+            <pc:docMk/>
+            <pc:sldMk cId="3676534027" sldId="383"/>
+            <ac:grpSpMk id="29" creationId="{7D3ECC60-5F71-868C-93C5-C8EB35696964}"/>
+          </ac:grpSpMkLst>
+        </pc:grpChg>
+        <pc:grpChg chg="mod">
+          <ac:chgData name="Luc Paoli" userId="28bcbf778cf7ff89" providerId="LiveId" clId="{A0EBB6DF-39E8-4546-93EF-C190D1C84A44}" dt="2022-08-20T21:18:21.574" v="781"/>
+          <ac:grpSpMkLst>
+            <pc:docMk/>
+            <pc:sldMk cId="3676534027" sldId="383"/>
+            <ac:grpSpMk id="30" creationId="{E864608D-0590-2FAE-7C7F-93579E3DEDFF}"/>
+          </ac:grpSpMkLst>
+        </pc:grpChg>
+        <pc:grpChg chg="mod">
+          <ac:chgData name="Luc Paoli" userId="28bcbf778cf7ff89" providerId="LiveId" clId="{A0EBB6DF-39E8-4546-93EF-C190D1C84A44}" dt="2022-08-20T21:18:21.574" v="781"/>
+          <ac:grpSpMkLst>
+            <pc:docMk/>
+            <pc:sldMk cId="3676534027" sldId="383"/>
+            <ac:grpSpMk id="31" creationId="{DD2CD4A4-C1A0-2B8B-E3EF-D1D4304B8114}"/>
+          </ac:grpSpMkLst>
+        </pc:grpChg>
+        <pc:grpChg chg="add mod">
+          <ac:chgData name="Luc Paoli" userId="28bcbf778cf7ff89" providerId="LiveId" clId="{A0EBB6DF-39E8-4546-93EF-C190D1C84A44}" dt="2022-08-20T21:18:35.473" v="787" actId="1076"/>
+          <ac:grpSpMkLst>
+            <pc:docMk/>
+            <pc:sldMk cId="3676534027" sldId="383"/>
+            <ac:grpSpMk id="65" creationId="{68127262-7EE4-F5D5-0EE3-98DF9FF80085}"/>
+          </ac:grpSpMkLst>
+        </pc:grpChg>
+        <pc:cxnChg chg="mod">
+          <ac:chgData name="Luc Paoli" userId="28bcbf778cf7ff89" providerId="LiveId" clId="{A0EBB6DF-39E8-4546-93EF-C190D1C84A44}" dt="2022-08-20T21:18:21.574" v="781"/>
+          <ac:cxnSpMkLst>
+            <pc:docMk/>
+            <pc:sldMk cId="3676534027" sldId="383"/>
+            <ac:cxnSpMk id="13" creationId="{B73C9935-436D-9B2B-CCB0-A1FCA8670DCB}"/>
+          </ac:cxnSpMkLst>
+        </pc:cxnChg>
+        <pc:cxnChg chg="mod">
+          <ac:chgData name="Luc Paoli" userId="28bcbf778cf7ff89" providerId="LiveId" clId="{A0EBB6DF-39E8-4546-93EF-C190D1C84A44}" dt="2022-08-20T21:18:21.574" v="781"/>
+          <ac:cxnSpMkLst>
+            <pc:docMk/>
+            <pc:sldMk cId="3676534027" sldId="383"/>
+            <ac:cxnSpMk id="16" creationId="{3969A418-B96E-7E25-FD16-46DFDE58AF9C}"/>
+          </ac:cxnSpMkLst>
+        </pc:cxnChg>
+        <pc:cxnChg chg="mod">
+          <ac:chgData name="Luc Paoli" userId="28bcbf778cf7ff89" providerId="LiveId" clId="{A0EBB6DF-39E8-4546-93EF-C190D1C84A44}" dt="2022-08-20T21:18:21.574" v="781"/>
+          <ac:cxnSpMkLst>
+            <pc:docMk/>
+            <pc:sldMk cId="3676534027" sldId="383"/>
+            <ac:cxnSpMk id="19" creationId="{94858952-4442-5563-0329-B754D8BD853F}"/>
+          </ac:cxnSpMkLst>
+        </pc:cxnChg>
+        <pc:cxnChg chg="mod">
+          <ac:chgData name="Luc Paoli" userId="28bcbf778cf7ff89" providerId="LiveId" clId="{A0EBB6DF-39E8-4546-93EF-C190D1C84A44}" dt="2022-08-20T21:18:21.574" v="781"/>
+          <ac:cxnSpMkLst>
+            <pc:docMk/>
+            <pc:sldMk cId="3676534027" sldId="383"/>
+            <ac:cxnSpMk id="34" creationId="{0AA9F17B-64B3-6ADD-9947-776E89833398}"/>
+          </ac:cxnSpMkLst>
+        </pc:cxnChg>
+        <pc:cxnChg chg="mod">
+          <ac:chgData name="Luc Paoli" userId="28bcbf778cf7ff89" providerId="LiveId" clId="{A0EBB6DF-39E8-4546-93EF-C190D1C84A44}" dt="2022-08-20T21:18:21.574" v="781"/>
+          <ac:cxnSpMkLst>
+            <pc:docMk/>
+            <pc:sldMk cId="3676534027" sldId="383"/>
+            <ac:cxnSpMk id="37" creationId="{F4BD028E-7E66-F596-84FB-EC4097D9D268}"/>
+          </ac:cxnSpMkLst>
+        </pc:cxnChg>
+        <pc:cxnChg chg="mod">
+          <ac:chgData name="Luc Paoli" userId="28bcbf778cf7ff89" providerId="LiveId" clId="{A0EBB6DF-39E8-4546-93EF-C190D1C84A44}" dt="2022-08-20T21:18:21.574" v="781"/>
+          <ac:cxnSpMkLst>
+            <pc:docMk/>
+            <pc:sldMk cId="3676534027" sldId="383"/>
+            <ac:cxnSpMk id="40" creationId="{1701F7D3-6347-B63D-2EEF-BB6AF2C51EED}"/>
+          </ac:cxnSpMkLst>
+        </pc:cxnChg>
+        <pc:cxnChg chg="mod">
+          <ac:chgData name="Luc Paoli" userId="28bcbf778cf7ff89" providerId="LiveId" clId="{A0EBB6DF-39E8-4546-93EF-C190D1C84A44}" dt="2022-08-20T21:18:21.574" v="781"/>
+          <ac:cxnSpMkLst>
+            <pc:docMk/>
+            <pc:sldMk cId="3676534027" sldId="383"/>
+            <ac:cxnSpMk id="43" creationId="{3A159088-333E-F9F4-89E9-38A441A4902A}"/>
+          </ac:cxnSpMkLst>
+        </pc:cxnChg>
+        <pc:cxnChg chg="mod">
+          <ac:chgData name="Luc Paoli" userId="28bcbf778cf7ff89" providerId="LiveId" clId="{A0EBB6DF-39E8-4546-93EF-C190D1C84A44}" dt="2022-08-20T21:18:21.574" v="781"/>
+          <ac:cxnSpMkLst>
+            <pc:docMk/>
+            <pc:sldMk cId="3676534027" sldId="383"/>
+            <ac:cxnSpMk id="46" creationId="{46F2A4B6-C543-5BAE-F8B6-66062152C091}"/>
+          </ac:cxnSpMkLst>
+        </pc:cxnChg>
+        <pc:cxnChg chg="mod">
+          <ac:chgData name="Luc Paoli" userId="28bcbf778cf7ff89" providerId="LiveId" clId="{A0EBB6DF-39E8-4546-93EF-C190D1C84A44}" dt="2022-08-20T21:18:21.574" v="781"/>
+          <ac:cxnSpMkLst>
+            <pc:docMk/>
+            <pc:sldMk cId="3676534027" sldId="383"/>
+            <ac:cxnSpMk id="49" creationId="{48D0CC42-2A02-7478-C3C3-5CF34EC000B9}"/>
+          </ac:cxnSpMkLst>
+        </pc:cxnChg>
+        <pc:cxnChg chg="mod">
+          <ac:chgData name="Luc Paoli" userId="28bcbf778cf7ff89" providerId="LiveId" clId="{A0EBB6DF-39E8-4546-93EF-C190D1C84A44}" dt="2022-08-20T21:18:21.574" v="781"/>
+          <ac:cxnSpMkLst>
+            <pc:docMk/>
+            <pc:sldMk cId="3676534027" sldId="383"/>
+            <ac:cxnSpMk id="52" creationId="{2015178A-46B3-0A78-B028-5F28252DEA08}"/>
+          </ac:cxnSpMkLst>
+        </pc:cxnChg>
+        <pc:cxnChg chg="mod">
+          <ac:chgData name="Luc Paoli" userId="28bcbf778cf7ff89" providerId="LiveId" clId="{A0EBB6DF-39E8-4546-93EF-C190D1C84A44}" dt="2022-08-20T21:18:21.574" v="781"/>
+          <ac:cxnSpMkLst>
+            <pc:docMk/>
+            <pc:sldMk cId="3676534027" sldId="383"/>
+            <ac:cxnSpMk id="55" creationId="{A9E17D88-D455-D414-6D8A-1B1DF754FCBF}"/>
+          </ac:cxnSpMkLst>
+        </pc:cxnChg>
+        <pc:cxnChg chg="mod">
+          <ac:chgData name="Luc Paoli" userId="28bcbf778cf7ff89" providerId="LiveId" clId="{A0EBB6DF-39E8-4546-93EF-C190D1C84A44}" dt="2022-08-20T21:18:21.574" v="781"/>
+          <ac:cxnSpMkLst>
+            <pc:docMk/>
+            <pc:sldMk cId="3676534027" sldId="383"/>
+            <ac:cxnSpMk id="58" creationId="{74C60101-9AA9-3FA6-8586-9C690ACFE5E1}"/>
+          </ac:cxnSpMkLst>
+        </pc:cxnChg>
+        <pc:cxnChg chg="mod">
+          <ac:chgData name="Luc Paoli" userId="28bcbf778cf7ff89" providerId="LiveId" clId="{A0EBB6DF-39E8-4546-93EF-C190D1C84A44}" dt="2022-08-20T21:18:21.574" v="781"/>
+          <ac:cxnSpMkLst>
+            <pc:docMk/>
+            <pc:sldMk cId="3676534027" sldId="383"/>
+            <ac:cxnSpMk id="61" creationId="{9E84B77D-F9B5-41FF-3A49-50373F7FBEE6}"/>
+          </ac:cxnSpMkLst>
+        </pc:cxnChg>
       </pc:sldChg>
     </pc:docChg>
   </pc:docChgLst>
@@ -2571,7 +3457,7 @@
           <a:p>
             <a:fld id="{6D2CC9D1-B559-0843-AD36-897B157130C2}" type="datetimeFigureOut">
               <a:rPr lang="en-US" smtClean="0"/>
-              <a:t>8/17/2022</a:t>
+              <a:t>8/20/2022</a:t>
             </a:fld>
             <a:endParaRPr lang="en-US"/>
           </a:p>
@@ -2738,7 +3624,7 @@
             <a:fld id="{21E07F8B-42E5-8848-9418-61648E606395}" type="datetimeFigureOut">
               <a:rPr lang="en-US" smtClean="0"/>
               <a:pPr/>
-              <a:t>8/17/2022</a:t>
+              <a:t>8/20/2022</a:t>
             </a:fld>
             <a:endParaRPr lang="en-US"/>
           </a:p>
@@ -9779,347 +10665,6 @@
       </p:grpSpPr>
       <p:sp>
         <p:nvSpPr>
-          <p:cNvPr id="85" name="Rectangle 84">
-            <a:extLst>
-              <a:ext uri="{FF2B5EF4-FFF2-40B4-BE49-F238E27FC236}">
-                <a16:creationId xmlns:a16="http://schemas.microsoft.com/office/drawing/2014/main" id="{1288AB23-C720-9452-0E85-5564C022A22A}"/>
-              </a:ext>
-            </a:extLst>
-          </p:cNvPr>
-          <p:cNvSpPr/>
-          <p:nvPr/>
-        </p:nvSpPr>
-        <p:spPr>
-          <a:xfrm>
-            <a:off x="979678" y="3896070"/>
-            <a:ext cx="1920240" cy="1901840"/>
-          </a:xfrm>
-          <a:prstGeom prst="rect">
-            <a:avLst/>
-          </a:prstGeom>
-          <a:ln/>
-        </p:spPr>
-        <p:style>
-          <a:lnRef idx="2">
-            <a:schemeClr val="dk1"/>
-          </a:lnRef>
-          <a:fillRef idx="1">
-            <a:schemeClr val="lt1"/>
-          </a:fillRef>
-          <a:effectRef idx="0">
-            <a:schemeClr val="dk1"/>
-          </a:effectRef>
-          <a:fontRef idx="minor">
-            <a:schemeClr val="dk1"/>
-          </a:fontRef>
-        </p:style>
-        <p:txBody>
-          <a:bodyPr rtlCol="0" anchor="ctr"/>
-          <a:lstStyle/>
-          <a:p>
-            <a:pPr algn="ctr"/>
-            <a:endParaRPr lang="en-GB"/>
-          </a:p>
-        </p:txBody>
-      </p:sp>
-      <p:cxnSp>
-        <p:nvCxnSpPr>
-          <p:cNvPr id="65" name="Straight Connector 64">
-            <a:extLst>
-              <a:ext uri="{FF2B5EF4-FFF2-40B4-BE49-F238E27FC236}">
-                <a16:creationId xmlns:a16="http://schemas.microsoft.com/office/drawing/2014/main" id="{FEAA3ABC-135F-6F77-A04F-72B436AB9BCD}"/>
-              </a:ext>
-            </a:extLst>
-          </p:cNvPr>
-          <p:cNvCxnSpPr>
-            <a:cxnSpLocks/>
-            <a:stCxn id="10" idx="2"/>
-            <a:endCxn id="11" idx="0"/>
-          </p:cNvCxnSpPr>
-          <p:nvPr/>
-        </p:nvCxnSpPr>
-        <p:spPr>
-          <a:xfrm flipV="1">
-            <a:off x="6892527" y="3562693"/>
-            <a:ext cx="14031" cy="1735441"/>
-          </a:xfrm>
-          <a:prstGeom prst="line">
-            <a:avLst/>
-          </a:prstGeom>
-          <a:ln w="22225">
-            <a:solidFill>
-              <a:schemeClr val="tx1"/>
-            </a:solidFill>
-            <a:headEnd type="none" w="med" len="med"/>
-            <a:tailEnd type="none" w="med" len="med"/>
-          </a:ln>
-          <a:effectLst/>
-        </p:spPr>
-        <p:style>
-          <a:lnRef idx="2">
-            <a:schemeClr val="accent1"/>
-          </a:lnRef>
-          <a:fillRef idx="0">
-            <a:schemeClr val="accent1"/>
-          </a:fillRef>
-          <a:effectRef idx="1">
-            <a:schemeClr val="accent1"/>
-          </a:effectRef>
-          <a:fontRef idx="minor">
-            <a:schemeClr val="tx1"/>
-          </a:fontRef>
-        </p:style>
-      </p:cxnSp>
-      <mc:AlternateContent xmlns:mc="http://schemas.openxmlformats.org/markup-compatibility/2006">
-        <mc:Choice xmlns:am3d="http://schemas.microsoft.com/office/drawing/2017/model3d" Requires="am3d">
-          <p:graphicFrame>
-            <p:nvGraphicFramePr>
-              <p:cNvPr id="10" name="3D Model 9" descr="Sphere">
-                <a:extLst>
-                  <a:ext uri="{FF2B5EF4-FFF2-40B4-BE49-F238E27FC236}">
-                    <a16:creationId xmlns:a16="http://schemas.microsoft.com/office/drawing/2014/main" id="{41ACB4B2-324D-F587-B617-095D9B2461C2}"/>
-                  </a:ext>
-                </a:extLst>
-              </p:cNvPr>
-              <p:cNvGraphicFramePr>
-                <a:graphicFrameLocks noChangeAspect="1"/>
-              </p:cNvGraphicFramePr>
-              <p:nvPr>
-                <p:extLst>
-                  <p:ext uri="{D42A27DB-BD31-4B8C-83A1-F6EECF244321}">
-                    <p14:modId xmlns:p14="http://schemas.microsoft.com/office/powerpoint/2010/main" val="2051470770"/>
-                  </p:ext>
-                </p:extLst>
-              </p:nvPr>
-            </p:nvGraphicFramePr>
-            <p:xfrm>
-              <a:off x="6448018" y="4395847"/>
-              <a:ext cx="889018" cy="902287"/>
-            </p:xfrm>
-            <a:graphic>
-              <a:graphicData uri="http://schemas.microsoft.com/office/drawing/2017/model3d">
-                <am3d:model3d r:embed="rId2">
-                  <am3d:spPr>
-                    <a:xfrm>
-                      <a:off x="0" y="0"/>
-                      <a:ext cx="889018" cy="902287"/>
-                    </a:xfrm>
-                    <a:prstGeom prst="rect">
-                      <a:avLst/>
-                    </a:prstGeom>
-                  </am3d:spPr>
-                  <am3d:camera>
-                    <am3d:pos x="0" y="0" z="81469193"/>
-                    <am3d:up dx="0" dy="36000000" dz="0"/>
-                    <am3d:lookAt x="0" y="0" z="0"/>
-                    <am3d:perspective fov="2700000"/>
-                  </am3d:camera>
-                  <am3d:trans>
-                    <am3d:meterPerModelUnit n="1011533" d="1000000"/>
-                    <am3d:preTrans dx="0" dy="0" dz="0"/>
-                    <am3d:scale>
-                      <am3d:sx n="1000000" d="1000000"/>
-                      <am3d:sy n="1000000" d="1000000"/>
-                      <am3d:sz n="1000000" d="1000000"/>
-                    </am3d:scale>
-                    <am3d:rot ax="759035" ay="-1139075" az="-250573"/>
-                    <am3d:postTrans dx="0" dy="0" dz="0"/>
-                  </am3d:trans>
-                  <am3d:raster rName="Office3DRenderer" rVer="16.0.8326">
-                    <am3d:blip r:embed="rId3"/>
-                  </am3d:raster>
-                  <am3d:objViewport viewportSz="1539195"/>
-                  <am3d:ambientLight>
-                    <am3d:clr>
-                      <a:scrgbClr r="50000" g="50000" b="50000"/>
-                    </am3d:clr>
-                    <am3d:illuminance n="500000" d="1000000"/>
-                  </am3d:ambientLight>
-                  <am3d:ptLight rad="0">
-                    <am3d:clr>
-                      <a:scrgbClr r="100000" g="75000" b="50000"/>
-                    </am3d:clr>
-                    <am3d:intensity n="9765625" d="1000000"/>
-                    <am3d:pos x="21959998" y="70920001" z="16344003"/>
-                  </am3d:ptLight>
-                  <am3d:ptLight rad="0">
-                    <am3d:clr>
-                      <a:scrgbClr r="40000" g="60000" b="95000"/>
-                    </am3d:clr>
-                    <am3d:intensity n="12250000" d="1000000"/>
-                    <am3d:pos x="-37964106" y="51130435" z="57631972"/>
-                  </am3d:ptLight>
-                  <am3d:ptLight rad="0">
-                    <am3d:clr>
-                      <a:scrgbClr r="86837" g="72700" b="100000"/>
-                    </am3d:clr>
-                    <am3d:intensity n="3125000" d="1000000"/>
-                    <am3d:pos x="-37739122" y="58056624" z="-34769649"/>
-                  </am3d:ptLight>
-                </am3d:model3d>
-              </a:graphicData>
-            </a:graphic>
-          </p:graphicFrame>
-        </mc:Choice>
-        <mc:Fallback>
-          <p:pic>
-            <p:nvPicPr>
-              <p:cNvPr id="10" name="3D Model 9" descr="Sphere">
-                <a:extLst>
-                  <a:ext uri="{FF2B5EF4-FFF2-40B4-BE49-F238E27FC236}">
-                    <a16:creationId xmlns:a16="http://schemas.microsoft.com/office/drawing/2014/main" id="{41ACB4B2-324D-F587-B617-095D9B2461C2}"/>
-                  </a:ext>
-                </a:extLst>
-              </p:cNvPr>
-              <p:cNvPicPr>
-                <a:picLocks noGrp="1" noRot="1" noChangeAspect="1" noMove="1" noResize="1" noEditPoints="1" noAdjustHandles="1" noChangeArrowheads="1" noChangeShapeType="1" noCrop="1"/>
-              </p:cNvPicPr>
-              <p:nvPr/>
-            </p:nvPicPr>
-            <p:blipFill>
-              <a:blip r:embed="rId3"/>
-              <a:stretch>
-                <a:fillRect/>
-              </a:stretch>
-            </p:blipFill>
-            <p:spPr>
-              <a:xfrm>
-                <a:off x="6448018" y="4395847"/>
-                <a:ext cx="889018" cy="902287"/>
-              </a:xfrm>
-              <a:prstGeom prst="rect">
-                <a:avLst/>
-              </a:prstGeom>
-            </p:spPr>
-          </p:pic>
-        </mc:Fallback>
-      </mc:AlternateContent>
-      <mc:AlternateContent xmlns:mc="http://schemas.openxmlformats.org/markup-compatibility/2006">
-        <mc:Choice xmlns:am3d="http://schemas.microsoft.com/office/drawing/2017/model3d" Requires="am3d">
-          <p:graphicFrame>
-            <p:nvGraphicFramePr>
-              <p:cNvPr id="11" name="3D Model 10" descr="Sphere">
-                <a:extLst>
-                  <a:ext uri="{FF2B5EF4-FFF2-40B4-BE49-F238E27FC236}">
-                    <a16:creationId xmlns:a16="http://schemas.microsoft.com/office/drawing/2014/main" id="{F3ED6FE2-21A4-D3EE-6B7B-5984BA83C8A7}"/>
-                  </a:ext>
-                </a:extLst>
-              </p:cNvPr>
-              <p:cNvGraphicFramePr>
-                <a:graphicFrameLocks noChangeAspect="1"/>
-              </p:cNvGraphicFramePr>
-              <p:nvPr>
-                <p:extLst>
-                  <p:ext uri="{D42A27DB-BD31-4B8C-83A1-F6EECF244321}">
-                    <p14:modId xmlns:p14="http://schemas.microsoft.com/office/powerpoint/2010/main" val="688939626"/>
-                  </p:ext>
-                </p:extLst>
-              </p:nvPr>
-            </p:nvGraphicFramePr>
-            <p:xfrm>
-              <a:off x="6462049" y="3562693"/>
-              <a:ext cx="889018" cy="902287"/>
-            </p:xfrm>
-            <a:graphic>
-              <a:graphicData uri="http://schemas.microsoft.com/office/drawing/2017/model3d">
-                <am3d:model3d r:embed="rId2">
-                  <am3d:spPr>
-                    <a:xfrm>
-                      <a:off x="0" y="0"/>
-                      <a:ext cx="889018" cy="902287"/>
-                    </a:xfrm>
-                    <a:prstGeom prst="rect">
-                      <a:avLst/>
-                    </a:prstGeom>
-                  </am3d:spPr>
-                  <am3d:camera>
-                    <am3d:pos x="0" y="0" z="81469193"/>
-                    <am3d:up dx="0" dy="36000000" dz="0"/>
-                    <am3d:lookAt x="0" y="0" z="0"/>
-                    <am3d:perspective fov="2700000"/>
-                  </am3d:camera>
-                  <am3d:trans>
-                    <am3d:meterPerModelUnit n="1011533" d="1000000"/>
-                    <am3d:preTrans dx="0" dy="0" dz="0"/>
-                    <am3d:scale>
-                      <am3d:sx n="1000000" d="1000000"/>
-                      <am3d:sy n="1000000" d="1000000"/>
-                      <am3d:sz n="1000000" d="1000000"/>
-                    </am3d:scale>
-                    <am3d:rot ax="759035" ay="-1139075" az="-250573"/>
-                    <am3d:postTrans dx="0" dy="0" dz="0"/>
-                  </am3d:trans>
-                  <am3d:raster rName="Office3DRenderer" rVer="16.0.8326">
-                    <am3d:blip r:embed="rId3"/>
-                  </am3d:raster>
-                  <am3d:objViewport viewportSz="1539195"/>
-                  <am3d:ambientLight>
-                    <am3d:clr>
-                      <a:scrgbClr r="50000" g="50000" b="50000"/>
-                    </am3d:clr>
-                    <am3d:illuminance n="500000" d="1000000"/>
-                  </am3d:ambientLight>
-                  <am3d:ptLight rad="0">
-                    <am3d:clr>
-                      <a:scrgbClr r="100000" g="75000" b="50000"/>
-                    </am3d:clr>
-                    <am3d:intensity n="9765625" d="1000000"/>
-                    <am3d:pos x="21959998" y="70920001" z="16344003"/>
-                  </am3d:ptLight>
-                  <am3d:ptLight rad="0">
-                    <am3d:clr>
-                      <a:scrgbClr r="40000" g="60000" b="95000"/>
-                    </am3d:clr>
-                    <am3d:intensity n="12250000" d="1000000"/>
-                    <am3d:pos x="-37964106" y="51130435" z="57631972"/>
-                  </am3d:ptLight>
-                  <am3d:ptLight rad="0">
-                    <am3d:clr>
-                      <a:scrgbClr r="86837" g="72700" b="100000"/>
-                    </am3d:clr>
-                    <am3d:intensity n="3125000" d="1000000"/>
-                    <am3d:pos x="-37739122" y="58056624" z="-34769649"/>
-                  </am3d:ptLight>
-                </am3d:model3d>
-              </a:graphicData>
-            </a:graphic>
-          </p:graphicFrame>
-        </mc:Choice>
-        <mc:Fallback>
-          <p:pic>
-            <p:nvPicPr>
-              <p:cNvPr id="11" name="3D Model 10" descr="Sphere">
-                <a:extLst>
-                  <a:ext uri="{FF2B5EF4-FFF2-40B4-BE49-F238E27FC236}">
-                    <a16:creationId xmlns:a16="http://schemas.microsoft.com/office/drawing/2014/main" id="{F3ED6FE2-21A4-D3EE-6B7B-5984BA83C8A7}"/>
-                  </a:ext>
-                </a:extLst>
-              </p:cNvPr>
-              <p:cNvPicPr>
-                <a:picLocks noGrp="1" noRot="1" noChangeAspect="1" noMove="1" noResize="1" noEditPoints="1" noAdjustHandles="1" noChangeArrowheads="1" noChangeShapeType="1" noCrop="1"/>
-              </p:cNvPicPr>
-              <p:nvPr/>
-            </p:nvPicPr>
-            <p:blipFill>
-              <a:blip r:embed="rId3"/>
-              <a:stretch>
-                <a:fillRect/>
-              </a:stretch>
-            </p:blipFill>
-            <p:spPr>
-              <a:xfrm>
-                <a:off x="6462049" y="3562693"/>
-                <a:ext cx="889018" cy="902287"/>
-              </a:xfrm>
-              <a:prstGeom prst="rect">
-                <a:avLst/>
-              </a:prstGeom>
-            </p:spPr>
-          </p:pic>
-        </mc:Fallback>
-      </mc:AlternateContent>
-      <p:sp>
-        <p:nvSpPr>
           <p:cNvPr id="2" name="Title 1">
             <a:extLst>
               <a:ext uri="{FF2B5EF4-FFF2-40B4-BE49-F238E27FC236}">
@@ -10146,43 +10691,104 @@
           </a:p>
         </p:txBody>
       </p:sp>
-      <p:sp>
-        <p:nvSpPr>
-          <p:cNvPr id="3" name="Content Placeholder 2">
-            <a:extLst>
-              <a:ext uri="{FF2B5EF4-FFF2-40B4-BE49-F238E27FC236}">
-                <a16:creationId xmlns:a16="http://schemas.microsoft.com/office/drawing/2014/main" id="{9A4582D4-38AB-20E6-B74F-29380ECD1176}"/>
-              </a:ext>
-            </a:extLst>
-          </p:cNvPr>
-          <p:cNvSpPr>
-            <a:spLocks noGrp="1"/>
-          </p:cNvSpPr>
-          <p:nvPr>
-            <p:ph idx="1"/>
-          </p:nvPr>
-        </p:nvSpPr>
-        <p:spPr>
-          <a:xfrm>
-            <a:off x="457199" y="1600200"/>
-            <a:ext cx="8415867" cy="1595633"/>
-          </a:xfrm>
-        </p:spPr>
-        <p:txBody>
-          <a:bodyPr/>
-          <a:lstStyle/>
-          <a:p>
-            <a:r>
-              <a:rPr lang="en-GB" b="0" dirty="0"/>
-              <a:t>The packing fraction is defined as </a:t>
-            </a:r>
-            <a:r>
-              <a:rPr lang="en-GB" dirty="0"/>
-              <a:t>fraction of volume in a unit cell taken up by fluid molecules</a:t>
-            </a:r>
-          </a:p>
-        </p:txBody>
-      </p:sp>
+      <mc:AlternateContent xmlns:mc="http://schemas.openxmlformats.org/markup-compatibility/2006" xmlns:a14="http://schemas.microsoft.com/office/drawing/2010/main">
+        <mc:Choice Requires="a14">
+          <p:sp>
+            <p:nvSpPr>
+              <p:cNvPr id="3" name="Content Placeholder 2">
+                <a:extLst>
+                  <a:ext uri="{FF2B5EF4-FFF2-40B4-BE49-F238E27FC236}">
+                    <a16:creationId xmlns:a16="http://schemas.microsoft.com/office/drawing/2014/main" id="{9A4582D4-38AB-20E6-B74F-29380ECD1176}"/>
+                  </a:ext>
+                </a:extLst>
+              </p:cNvPr>
+              <p:cNvSpPr>
+                <a:spLocks noGrp="1"/>
+              </p:cNvSpPr>
+              <p:nvPr>
+                <p:ph idx="1"/>
+              </p:nvPr>
+            </p:nvSpPr>
+            <p:spPr>
+              <a:xfrm>
+                <a:off x="457199" y="1600200"/>
+                <a:ext cx="8415867" cy="1595633"/>
+              </a:xfrm>
+            </p:spPr>
+            <p:txBody>
+              <a:bodyPr/>
+              <a:lstStyle/>
+              <a:p>
+                <a:r>
+                  <a:rPr lang="en-GB" b="0" dirty="0"/>
+                  <a:t>The packing fraction (</a:t>
+                </a:r>
+                <a14:m>
+                  <m:oMath xmlns:m="http://schemas.openxmlformats.org/officeDocument/2006/math">
+                    <m:r>
+                      <a:rPr lang="en-GB" b="0" i="1" smtClean="0">
+                        <a:latin typeface="Cambria Math" panose="02040503050406030204" pitchFamily="18" charset="0"/>
+                      </a:rPr>
+                      <m:t>𝜂</m:t>
+                    </m:r>
+                  </m:oMath>
+                </a14:m>
+                <a:r>
+                  <a:rPr lang="en-GB" b="0" dirty="0"/>
+                  <a:t>) is defined as </a:t>
+                </a:r>
+                <a:r>
+                  <a:rPr lang="en-GB" dirty="0"/>
+                  <a:t>fraction of volume in a unit cell taken up by fluid molecules</a:t>
+                </a:r>
+              </a:p>
+            </p:txBody>
+          </p:sp>
+        </mc:Choice>
+        <mc:Fallback xmlns="">
+          <p:sp>
+            <p:nvSpPr>
+              <p:cNvPr id="3" name="Content Placeholder 2">
+                <a:extLst>
+                  <a:ext uri="{FF2B5EF4-FFF2-40B4-BE49-F238E27FC236}">
+                    <a16:creationId xmlns:a16="http://schemas.microsoft.com/office/drawing/2014/main" id="{9A4582D4-38AB-20E6-B74F-29380ECD1176}"/>
+                  </a:ext>
+                </a:extLst>
+              </p:cNvPr>
+              <p:cNvSpPr>
+                <a:spLocks noGrp="1" noRot="1" noChangeAspect="1" noMove="1" noResize="1" noEditPoints="1" noAdjustHandles="1" noChangeArrowheads="1" noChangeShapeType="1" noTextEdit="1"/>
+              </p:cNvSpPr>
+              <p:nvPr>
+                <p:ph idx="1"/>
+              </p:nvPr>
+            </p:nvSpPr>
+            <p:spPr>
+              <a:xfrm>
+                <a:off x="457199" y="1600200"/>
+                <a:ext cx="8415867" cy="1595633"/>
+              </a:xfrm>
+              <a:blipFill>
+                <a:blip r:embed="rId2"/>
+                <a:stretch>
+                  <a:fillRect l="-1303" t="-4215" r="-72"/>
+                </a:stretch>
+              </a:blipFill>
+            </p:spPr>
+            <p:txBody>
+              <a:bodyPr/>
+              <a:lstStyle/>
+              <a:p>
+                <a:r>
+                  <a:rPr lang="en-GB">
+                    <a:noFill/>
+                  </a:rPr>
+                  <a:t> </a:t>
+                </a:r>
+              </a:p>
+            </p:txBody>
+          </p:sp>
+        </mc:Fallback>
+      </mc:AlternateContent>
       <p:sp>
         <p:nvSpPr>
           <p:cNvPr id="4" name="Footer Placeholder 3">
@@ -10247,1188 +10853,12 @@
           </a:p>
         </p:txBody>
       </p:sp>
-      <mc:AlternateContent xmlns:mc="http://schemas.openxmlformats.org/markup-compatibility/2006">
-        <mc:Choice xmlns:am3d="http://schemas.microsoft.com/office/drawing/2017/model3d" Requires="am3d">
-          <p:graphicFrame>
-            <p:nvGraphicFramePr>
-              <p:cNvPr id="6" name="3D Model 5" descr="Sphere">
-                <a:extLst>
-                  <a:ext uri="{FF2B5EF4-FFF2-40B4-BE49-F238E27FC236}">
-                    <a16:creationId xmlns:a16="http://schemas.microsoft.com/office/drawing/2014/main" id="{C63D2365-4D6E-C0FD-3557-39D5971CC828}"/>
-                  </a:ext>
-                </a:extLst>
-              </p:cNvPr>
-              <p:cNvGraphicFramePr>
-                <a:graphicFrameLocks noChangeAspect="1"/>
-              </p:cNvGraphicFramePr>
-              <p:nvPr>
-                <p:extLst>
-                  <p:ext uri="{D42A27DB-BD31-4B8C-83A1-F6EECF244321}">
-                    <p14:modId xmlns:p14="http://schemas.microsoft.com/office/powerpoint/2010/main" val="710492924"/>
-                  </p:ext>
-                </p:extLst>
-              </p:nvPr>
-            </p:nvGraphicFramePr>
-            <p:xfrm>
-              <a:off x="5551397" y="3648637"/>
-              <a:ext cx="889018" cy="902287"/>
-            </p:xfrm>
-            <a:graphic>
-              <a:graphicData uri="http://schemas.microsoft.com/office/drawing/2017/model3d">
-                <am3d:model3d r:embed="rId2">
-                  <am3d:spPr>
-                    <a:xfrm>
-                      <a:off x="0" y="0"/>
-                      <a:ext cx="889018" cy="902287"/>
-                    </a:xfrm>
-                    <a:prstGeom prst="rect">
-                      <a:avLst/>
-                    </a:prstGeom>
-                  </am3d:spPr>
-                  <am3d:camera>
-                    <am3d:pos x="0" y="0" z="81469193"/>
-                    <am3d:up dx="0" dy="36000000" dz="0"/>
-                    <am3d:lookAt x="0" y="0" z="0"/>
-                    <am3d:perspective fov="2700000"/>
-                  </am3d:camera>
-                  <am3d:trans>
-                    <am3d:meterPerModelUnit n="1011533" d="1000000"/>
-                    <am3d:preTrans dx="0" dy="0" dz="0"/>
-                    <am3d:scale>
-                      <am3d:sx n="1000000" d="1000000"/>
-                      <am3d:sy n="1000000" d="1000000"/>
-                      <am3d:sz n="1000000" d="1000000"/>
-                    </am3d:scale>
-                    <am3d:rot ax="759035" ay="-1139075" az="-250573"/>
-                    <am3d:postTrans dx="0" dy="0" dz="0"/>
-                  </am3d:trans>
-                  <am3d:raster rName="Office3DRenderer" rVer="16.0.8326">
-                    <am3d:blip r:embed="rId3"/>
-                  </am3d:raster>
-                  <am3d:objViewport viewportSz="1539195"/>
-                  <am3d:ambientLight>
-                    <am3d:clr>
-                      <a:scrgbClr r="50000" g="50000" b="50000"/>
-                    </am3d:clr>
-                    <am3d:illuminance n="500000" d="1000000"/>
-                  </am3d:ambientLight>
-                  <am3d:ptLight rad="0">
-                    <am3d:clr>
-                      <a:scrgbClr r="100000" g="75000" b="50000"/>
-                    </am3d:clr>
-                    <am3d:intensity n="9765625" d="1000000"/>
-                    <am3d:pos x="21959998" y="70920001" z="16344003"/>
-                  </am3d:ptLight>
-                  <am3d:ptLight rad="0">
-                    <am3d:clr>
-                      <a:scrgbClr r="40000" g="60000" b="95000"/>
-                    </am3d:clr>
-                    <am3d:intensity n="12250000" d="1000000"/>
-                    <am3d:pos x="-37964106" y="51130435" z="57631972"/>
-                  </am3d:ptLight>
-                  <am3d:ptLight rad="0">
-                    <am3d:clr>
-                      <a:scrgbClr r="86837" g="72700" b="100000"/>
-                    </am3d:clr>
-                    <am3d:intensity n="3125000" d="1000000"/>
-                    <am3d:pos x="-37739122" y="58056624" z="-34769649"/>
-                  </am3d:ptLight>
-                </am3d:model3d>
-              </a:graphicData>
-            </a:graphic>
-          </p:graphicFrame>
-        </mc:Choice>
-        <mc:Fallback>
-          <p:pic>
-            <p:nvPicPr>
-              <p:cNvPr id="6" name="3D Model 5" descr="Sphere">
-                <a:extLst>
-                  <a:ext uri="{FF2B5EF4-FFF2-40B4-BE49-F238E27FC236}">
-                    <a16:creationId xmlns:a16="http://schemas.microsoft.com/office/drawing/2014/main" id="{C63D2365-4D6E-C0FD-3557-39D5971CC828}"/>
-                  </a:ext>
-                </a:extLst>
-              </p:cNvPr>
-              <p:cNvPicPr>
-                <a:picLocks noGrp="1" noRot="1" noChangeAspect="1" noMove="1" noResize="1" noEditPoints="1" noAdjustHandles="1" noChangeArrowheads="1" noChangeShapeType="1" noCrop="1"/>
-              </p:cNvPicPr>
-              <p:nvPr/>
-            </p:nvPicPr>
-            <p:blipFill>
-              <a:blip r:embed="rId3"/>
-              <a:stretch>
-                <a:fillRect/>
-              </a:stretch>
-            </p:blipFill>
-            <p:spPr>
-              <a:xfrm>
-                <a:off x="5551397" y="3648637"/>
-                <a:ext cx="889018" cy="902287"/>
-              </a:xfrm>
-              <a:prstGeom prst="rect">
-                <a:avLst/>
-              </a:prstGeom>
-            </p:spPr>
-          </p:pic>
-        </mc:Fallback>
-      </mc:AlternateContent>
-      <mc:AlternateContent xmlns:mc="http://schemas.openxmlformats.org/markup-compatibility/2006">
-        <mc:Choice xmlns:am3d="http://schemas.microsoft.com/office/drawing/2017/model3d" Requires="am3d">
-          <p:graphicFrame>
-            <p:nvGraphicFramePr>
-              <p:cNvPr id="8" name="3D Model 7" descr="Sphere">
-                <a:extLst>
-                  <a:ext uri="{FF2B5EF4-FFF2-40B4-BE49-F238E27FC236}">
-                    <a16:creationId xmlns:a16="http://schemas.microsoft.com/office/drawing/2014/main" id="{8B8D7F02-B7E4-98BC-6E08-F0C148E14559}"/>
-                  </a:ext>
-                </a:extLst>
-              </p:cNvPr>
-              <p:cNvGraphicFramePr>
-                <a:graphicFrameLocks noChangeAspect="1"/>
-              </p:cNvGraphicFramePr>
-              <p:nvPr>
-                <p:extLst>
-                  <p:ext uri="{D42A27DB-BD31-4B8C-83A1-F6EECF244321}">
-                    <p14:modId xmlns:p14="http://schemas.microsoft.com/office/powerpoint/2010/main" val="1848917720"/>
-                  </p:ext>
-                </p:extLst>
-              </p:nvPr>
-            </p:nvGraphicFramePr>
-            <p:xfrm>
-              <a:off x="5572411" y="4522837"/>
-              <a:ext cx="889018" cy="902287"/>
-            </p:xfrm>
-            <a:graphic>
-              <a:graphicData uri="http://schemas.microsoft.com/office/drawing/2017/model3d">
-                <am3d:model3d r:embed="rId2">
-                  <am3d:spPr>
-                    <a:xfrm>
-                      <a:off x="0" y="0"/>
-                      <a:ext cx="889018" cy="902287"/>
-                    </a:xfrm>
-                    <a:prstGeom prst="rect">
-                      <a:avLst/>
-                    </a:prstGeom>
-                  </am3d:spPr>
-                  <am3d:camera>
-                    <am3d:pos x="0" y="0" z="81469193"/>
-                    <am3d:up dx="0" dy="36000000" dz="0"/>
-                    <am3d:lookAt x="0" y="0" z="0"/>
-                    <am3d:perspective fov="2700000"/>
-                  </am3d:camera>
-                  <am3d:trans>
-                    <am3d:meterPerModelUnit n="1011533" d="1000000"/>
-                    <am3d:preTrans dx="0" dy="0" dz="0"/>
-                    <am3d:scale>
-                      <am3d:sx n="1000000" d="1000000"/>
-                      <am3d:sy n="1000000" d="1000000"/>
-                      <am3d:sz n="1000000" d="1000000"/>
-                    </am3d:scale>
-                    <am3d:rot ax="759035" ay="-1139075" az="-250573"/>
-                    <am3d:postTrans dx="0" dy="0" dz="0"/>
-                  </am3d:trans>
-                  <am3d:raster rName="Office3DRenderer" rVer="16.0.8326">
-                    <am3d:blip r:embed="rId3"/>
-                  </am3d:raster>
-                  <am3d:objViewport viewportSz="1539195"/>
-                  <am3d:ambientLight>
-                    <am3d:clr>
-                      <a:scrgbClr r="50000" g="50000" b="50000"/>
-                    </am3d:clr>
-                    <am3d:illuminance n="500000" d="1000000"/>
-                  </am3d:ambientLight>
-                  <am3d:ptLight rad="0">
-                    <am3d:clr>
-                      <a:scrgbClr r="100000" g="75000" b="50000"/>
-                    </am3d:clr>
-                    <am3d:intensity n="9765625" d="1000000"/>
-                    <am3d:pos x="21959998" y="70920001" z="16344003"/>
-                  </am3d:ptLight>
-                  <am3d:ptLight rad="0">
-                    <am3d:clr>
-                      <a:scrgbClr r="40000" g="60000" b="95000"/>
-                    </am3d:clr>
-                    <am3d:intensity n="12250000" d="1000000"/>
-                    <am3d:pos x="-37964106" y="51130435" z="57631972"/>
-                  </am3d:ptLight>
-                  <am3d:ptLight rad="0">
-                    <am3d:clr>
-                      <a:scrgbClr r="86837" g="72700" b="100000"/>
-                    </am3d:clr>
-                    <am3d:intensity n="3125000" d="1000000"/>
-                    <am3d:pos x="-37739122" y="58056624" z="-34769649"/>
-                  </am3d:ptLight>
-                </am3d:model3d>
-              </a:graphicData>
-            </a:graphic>
-          </p:graphicFrame>
-        </mc:Choice>
-        <mc:Fallback>
-          <p:pic>
-            <p:nvPicPr>
-              <p:cNvPr id="8" name="3D Model 7" descr="Sphere">
-                <a:extLst>
-                  <a:ext uri="{FF2B5EF4-FFF2-40B4-BE49-F238E27FC236}">
-                    <a16:creationId xmlns:a16="http://schemas.microsoft.com/office/drawing/2014/main" id="{8B8D7F02-B7E4-98BC-6E08-F0C148E14559}"/>
-                  </a:ext>
-                </a:extLst>
-              </p:cNvPr>
-              <p:cNvPicPr>
-                <a:picLocks noGrp="1" noRot="1" noChangeAspect="1" noMove="1" noResize="1" noEditPoints="1" noAdjustHandles="1" noChangeArrowheads="1" noChangeShapeType="1" noCrop="1"/>
-              </p:cNvPicPr>
-              <p:nvPr/>
-            </p:nvPicPr>
-            <p:blipFill>
-              <a:blip r:embed="rId3"/>
-              <a:stretch>
-                <a:fillRect/>
-              </a:stretch>
-            </p:blipFill>
-            <p:spPr>
-              <a:xfrm>
-                <a:off x="5572411" y="4522837"/>
-                <a:ext cx="889018" cy="902287"/>
-              </a:xfrm>
-              <a:prstGeom prst="rect">
-                <a:avLst/>
-              </a:prstGeom>
-            </p:spPr>
-          </p:pic>
-        </mc:Fallback>
-      </mc:AlternateContent>
-      <mc:AlternateContent xmlns:mc="http://schemas.openxmlformats.org/markup-compatibility/2006">
-        <mc:Choice xmlns:am3d="http://schemas.microsoft.com/office/drawing/2017/model3d" Requires="am3d">
-          <p:graphicFrame>
-            <p:nvGraphicFramePr>
-              <p:cNvPr id="12" name="3D Model 11" descr="Sphere">
-                <a:extLst>
-                  <a:ext uri="{FF2B5EF4-FFF2-40B4-BE49-F238E27FC236}">
-                    <a16:creationId xmlns:a16="http://schemas.microsoft.com/office/drawing/2014/main" id="{90F451A4-7A12-4E63-F962-84D178A24768}"/>
-                  </a:ext>
-                </a:extLst>
-              </p:cNvPr>
-              <p:cNvGraphicFramePr>
-                <a:graphicFrameLocks noChangeAspect="1"/>
-              </p:cNvGraphicFramePr>
-              <p:nvPr>
-                <p:extLst>
-                  <p:ext uri="{D42A27DB-BD31-4B8C-83A1-F6EECF244321}">
-                    <p14:modId xmlns:p14="http://schemas.microsoft.com/office/powerpoint/2010/main" val="3566772328"/>
-                  </p:ext>
-                </p:extLst>
-              </p:nvPr>
-            </p:nvGraphicFramePr>
-            <p:xfrm>
-              <a:off x="7079819" y="3643614"/>
-              <a:ext cx="889018" cy="902287"/>
-            </p:xfrm>
-            <a:graphic>
-              <a:graphicData uri="http://schemas.microsoft.com/office/drawing/2017/model3d">
-                <am3d:model3d r:embed="rId2">
-                  <am3d:spPr>
-                    <a:xfrm>
-                      <a:off x="0" y="0"/>
-                      <a:ext cx="889018" cy="902287"/>
-                    </a:xfrm>
-                    <a:prstGeom prst="rect">
-                      <a:avLst/>
-                    </a:prstGeom>
-                  </am3d:spPr>
-                  <am3d:camera>
-                    <am3d:pos x="0" y="0" z="81469193"/>
-                    <am3d:up dx="0" dy="36000000" dz="0"/>
-                    <am3d:lookAt x="0" y="0" z="0"/>
-                    <am3d:perspective fov="2700000"/>
-                  </am3d:camera>
-                  <am3d:trans>
-                    <am3d:meterPerModelUnit n="1011533" d="1000000"/>
-                    <am3d:preTrans dx="0" dy="0" dz="0"/>
-                    <am3d:scale>
-                      <am3d:sx n="1000000" d="1000000"/>
-                      <am3d:sy n="1000000" d="1000000"/>
-                      <am3d:sz n="1000000" d="1000000"/>
-                    </am3d:scale>
-                    <am3d:rot ax="759035" ay="-1139075" az="-250573"/>
-                    <am3d:postTrans dx="0" dy="0" dz="0"/>
-                  </am3d:trans>
-                  <am3d:raster rName="Office3DRenderer" rVer="16.0.8326">
-                    <am3d:blip r:embed="rId3"/>
-                  </am3d:raster>
-                  <am3d:objViewport viewportSz="1539195"/>
-                  <am3d:ambientLight>
-                    <am3d:clr>
-                      <a:scrgbClr r="50000" g="50000" b="50000"/>
-                    </am3d:clr>
-                    <am3d:illuminance n="500000" d="1000000"/>
-                  </am3d:ambientLight>
-                  <am3d:ptLight rad="0">
-                    <am3d:clr>
-                      <a:scrgbClr r="100000" g="75000" b="50000"/>
-                    </am3d:clr>
-                    <am3d:intensity n="9765625" d="1000000"/>
-                    <am3d:pos x="21959998" y="70920001" z="16344003"/>
-                  </am3d:ptLight>
-                  <am3d:ptLight rad="0">
-                    <am3d:clr>
-                      <a:scrgbClr r="40000" g="60000" b="95000"/>
-                    </am3d:clr>
-                    <am3d:intensity n="12250000" d="1000000"/>
-                    <am3d:pos x="-37964106" y="51130435" z="57631972"/>
-                  </am3d:ptLight>
-                  <am3d:ptLight rad="0">
-                    <am3d:clr>
-                      <a:scrgbClr r="86837" g="72700" b="100000"/>
-                    </am3d:clr>
-                    <am3d:intensity n="3125000" d="1000000"/>
-                    <am3d:pos x="-37739122" y="58056624" z="-34769649"/>
-                  </am3d:ptLight>
-                </am3d:model3d>
-              </a:graphicData>
-            </a:graphic>
-          </p:graphicFrame>
-        </mc:Choice>
-        <mc:Fallback>
-          <p:pic>
-            <p:nvPicPr>
-              <p:cNvPr id="12" name="3D Model 11" descr="Sphere">
-                <a:extLst>
-                  <a:ext uri="{FF2B5EF4-FFF2-40B4-BE49-F238E27FC236}">
-                    <a16:creationId xmlns:a16="http://schemas.microsoft.com/office/drawing/2014/main" id="{90F451A4-7A12-4E63-F962-84D178A24768}"/>
-                  </a:ext>
-                </a:extLst>
-              </p:cNvPr>
-              <p:cNvPicPr>
-                <a:picLocks noGrp="1" noRot="1" noChangeAspect="1" noMove="1" noResize="1" noEditPoints="1" noAdjustHandles="1" noChangeArrowheads="1" noChangeShapeType="1" noCrop="1"/>
-              </p:cNvPicPr>
-              <p:nvPr/>
-            </p:nvPicPr>
-            <p:blipFill>
-              <a:blip r:embed="rId3"/>
-              <a:stretch>
-                <a:fillRect/>
-              </a:stretch>
-            </p:blipFill>
-            <p:spPr>
-              <a:xfrm>
-                <a:off x="7079819" y="3643614"/>
-                <a:ext cx="889018" cy="902287"/>
-              </a:xfrm>
-              <a:prstGeom prst="rect">
-                <a:avLst/>
-              </a:prstGeom>
-            </p:spPr>
-          </p:pic>
-        </mc:Fallback>
-      </mc:AlternateContent>
-      <mc:AlternateContent xmlns:mc="http://schemas.openxmlformats.org/markup-compatibility/2006">
-        <mc:Choice xmlns:am3d="http://schemas.microsoft.com/office/drawing/2017/model3d" Requires="am3d">
-          <p:graphicFrame>
-            <p:nvGraphicFramePr>
-              <p:cNvPr id="13" name="3D Model 12" descr="Sphere">
-                <a:extLst>
-                  <a:ext uri="{FF2B5EF4-FFF2-40B4-BE49-F238E27FC236}">
-                    <a16:creationId xmlns:a16="http://schemas.microsoft.com/office/drawing/2014/main" id="{3271ED97-CE9D-EC76-6DDB-4803F9D64C60}"/>
-                  </a:ext>
-                </a:extLst>
-              </p:cNvPr>
-              <p:cNvGraphicFramePr>
-                <a:graphicFrameLocks noChangeAspect="1"/>
-              </p:cNvGraphicFramePr>
-              <p:nvPr>
-                <p:extLst>
-                  <p:ext uri="{D42A27DB-BD31-4B8C-83A1-F6EECF244321}">
-                    <p14:modId xmlns:p14="http://schemas.microsoft.com/office/powerpoint/2010/main" val="110343850"/>
-                  </p:ext>
-                </p:extLst>
-              </p:nvPr>
-            </p:nvGraphicFramePr>
-            <p:xfrm>
-              <a:off x="6211815" y="3784279"/>
-              <a:ext cx="889018" cy="902287"/>
-            </p:xfrm>
-            <a:graphic>
-              <a:graphicData uri="http://schemas.microsoft.com/office/drawing/2017/model3d">
-                <am3d:model3d r:embed="rId2">
-                  <am3d:spPr>
-                    <a:xfrm>
-                      <a:off x="0" y="0"/>
-                      <a:ext cx="889018" cy="902287"/>
-                    </a:xfrm>
-                    <a:prstGeom prst="rect">
-                      <a:avLst/>
-                    </a:prstGeom>
-                  </am3d:spPr>
-                  <am3d:camera>
-                    <am3d:pos x="0" y="0" z="81469193"/>
-                    <am3d:up dx="0" dy="36000000" dz="0"/>
-                    <am3d:lookAt x="0" y="0" z="0"/>
-                    <am3d:perspective fov="2700000"/>
-                  </am3d:camera>
-                  <am3d:trans>
-                    <am3d:meterPerModelUnit n="1011533" d="1000000"/>
-                    <am3d:preTrans dx="0" dy="0" dz="0"/>
-                    <am3d:scale>
-                      <am3d:sx n="1000000" d="1000000"/>
-                      <am3d:sy n="1000000" d="1000000"/>
-                      <am3d:sz n="1000000" d="1000000"/>
-                    </am3d:scale>
-                    <am3d:rot ax="759035" ay="-1139075" az="-250573"/>
-                    <am3d:postTrans dx="0" dy="0" dz="0"/>
-                  </am3d:trans>
-                  <am3d:raster rName="Office3DRenderer" rVer="16.0.8326">
-                    <am3d:blip r:embed="rId3"/>
-                  </am3d:raster>
-                  <am3d:objViewport viewportSz="1539195"/>
-                  <am3d:ambientLight>
-                    <am3d:clr>
-                      <a:scrgbClr r="50000" g="50000" b="50000"/>
-                    </am3d:clr>
-                    <am3d:illuminance n="500000" d="1000000"/>
-                  </am3d:ambientLight>
-                  <am3d:ptLight rad="0">
-                    <am3d:clr>
-                      <a:scrgbClr r="100000" g="75000" b="50000"/>
-                    </am3d:clr>
-                    <am3d:intensity n="9765625" d="1000000"/>
-                    <am3d:pos x="21959998" y="70920001" z="16344003"/>
-                  </am3d:ptLight>
-                  <am3d:ptLight rad="0">
-                    <am3d:clr>
-                      <a:scrgbClr r="40000" g="60000" b="95000"/>
-                    </am3d:clr>
-                    <am3d:intensity n="12250000" d="1000000"/>
-                    <am3d:pos x="-37964106" y="51130435" z="57631972"/>
-                  </am3d:ptLight>
-                  <am3d:ptLight rad="0">
-                    <am3d:clr>
-                      <a:scrgbClr r="86837" g="72700" b="100000"/>
-                    </am3d:clr>
-                    <am3d:intensity n="3125000" d="1000000"/>
-                    <am3d:pos x="-37739122" y="58056624" z="-34769649"/>
-                  </am3d:ptLight>
-                </am3d:model3d>
-              </a:graphicData>
-            </a:graphic>
-          </p:graphicFrame>
-        </mc:Choice>
-        <mc:Fallback>
-          <p:pic>
-            <p:nvPicPr>
-              <p:cNvPr id="13" name="3D Model 12" descr="Sphere">
-                <a:extLst>
-                  <a:ext uri="{FF2B5EF4-FFF2-40B4-BE49-F238E27FC236}">
-                    <a16:creationId xmlns:a16="http://schemas.microsoft.com/office/drawing/2014/main" id="{3271ED97-CE9D-EC76-6DDB-4803F9D64C60}"/>
-                  </a:ext>
-                </a:extLst>
-              </p:cNvPr>
-              <p:cNvPicPr>
-                <a:picLocks noGrp="1" noRot="1" noChangeAspect="1" noMove="1" noResize="1" noEditPoints="1" noAdjustHandles="1" noChangeArrowheads="1" noChangeShapeType="1" noCrop="1"/>
-              </p:cNvPicPr>
-              <p:nvPr/>
-            </p:nvPicPr>
-            <p:blipFill>
-              <a:blip r:embed="rId3"/>
-              <a:stretch>
-                <a:fillRect/>
-              </a:stretch>
-            </p:blipFill>
-            <p:spPr>
-              <a:xfrm>
-                <a:off x="6211815" y="3784279"/>
-                <a:ext cx="889018" cy="902287"/>
-              </a:xfrm>
-              <a:prstGeom prst="rect">
-                <a:avLst/>
-              </a:prstGeom>
-            </p:spPr>
-          </p:pic>
-        </mc:Fallback>
-      </mc:AlternateContent>
-      <mc:AlternateContent xmlns:mc="http://schemas.openxmlformats.org/markup-compatibility/2006">
-        <mc:Choice xmlns:am3d="http://schemas.microsoft.com/office/drawing/2017/model3d" Requires="am3d">
-          <p:graphicFrame>
-            <p:nvGraphicFramePr>
-              <p:cNvPr id="14" name="3D Model 13" descr="Sphere">
-                <a:extLst>
-                  <a:ext uri="{FF2B5EF4-FFF2-40B4-BE49-F238E27FC236}">
-                    <a16:creationId xmlns:a16="http://schemas.microsoft.com/office/drawing/2014/main" id="{64BE510A-BEF8-197F-6494-8D008C1BFA9F}"/>
-                  </a:ext>
-                </a:extLst>
-              </p:cNvPr>
-              <p:cNvGraphicFramePr>
-                <a:graphicFrameLocks noChangeAspect="1"/>
-              </p:cNvGraphicFramePr>
-              <p:nvPr>
-                <p:extLst>
-                  <p:ext uri="{D42A27DB-BD31-4B8C-83A1-F6EECF244321}">
-                    <p14:modId xmlns:p14="http://schemas.microsoft.com/office/powerpoint/2010/main" val="1911144282"/>
-                  </p:ext>
-                </p:extLst>
-              </p:nvPr>
-            </p:nvGraphicFramePr>
-            <p:xfrm>
-              <a:off x="6244083" y="4783832"/>
-              <a:ext cx="889018" cy="902287"/>
-            </p:xfrm>
-            <a:graphic>
-              <a:graphicData uri="http://schemas.microsoft.com/office/drawing/2017/model3d">
-                <am3d:model3d r:embed="rId2">
-                  <am3d:spPr>
-                    <a:xfrm>
-                      <a:off x="0" y="0"/>
-                      <a:ext cx="889018" cy="902287"/>
-                    </a:xfrm>
-                    <a:prstGeom prst="rect">
-                      <a:avLst/>
-                    </a:prstGeom>
-                  </am3d:spPr>
-                  <am3d:camera>
-                    <am3d:pos x="0" y="0" z="81469193"/>
-                    <am3d:up dx="0" dy="36000000" dz="0"/>
-                    <am3d:lookAt x="0" y="0" z="0"/>
-                    <am3d:perspective fov="2700000"/>
-                  </am3d:camera>
-                  <am3d:trans>
-                    <am3d:meterPerModelUnit n="1011533" d="1000000"/>
-                    <am3d:preTrans dx="0" dy="0" dz="0"/>
-                    <am3d:scale>
-                      <am3d:sx n="1000000" d="1000000"/>
-                      <am3d:sy n="1000000" d="1000000"/>
-                      <am3d:sz n="1000000" d="1000000"/>
-                    </am3d:scale>
-                    <am3d:rot ax="759035" ay="-1139075" az="-250573"/>
-                    <am3d:postTrans dx="0" dy="0" dz="0"/>
-                  </am3d:trans>
-                  <am3d:raster rName="Office3DRenderer" rVer="16.0.8326">
-                    <am3d:blip r:embed="rId3"/>
-                  </am3d:raster>
-                  <am3d:objViewport viewportSz="1539195"/>
-                  <am3d:ambientLight>
-                    <am3d:clr>
-                      <a:scrgbClr r="50000" g="50000" b="50000"/>
-                    </am3d:clr>
-                    <am3d:illuminance n="500000" d="1000000"/>
-                  </am3d:ambientLight>
-                  <am3d:ptLight rad="0">
-                    <am3d:clr>
-                      <a:scrgbClr r="100000" g="75000" b="50000"/>
-                    </am3d:clr>
-                    <am3d:intensity n="9765625" d="1000000"/>
-                    <am3d:pos x="21959998" y="70920001" z="16344003"/>
-                  </am3d:ptLight>
-                  <am3d:ptLight rad="0">
-                    <am3d:clr>
-                      <a:scrgbClr r="40000" g="60000" b="95000"/>
-                    </am3d:clr>
-                    <am3d:intensity n="12250000" d="1000000"/>
-                    <am3d:pos x="-37964106" y="51130435" z="57631972"/>
-                  </am3d:ptLight>
-                  <am3d:ptLight rad="0">
-                    <am3d:clr>
-                      <a:scrgbClr r="86837" g="72700" b="100000"/>
-                    </am3d:clr>
-                    <am3d:intensity n="3125000" d="1000000"/>
-                    <am3d:pos x="-37739122" y="58056624" z="-34769649"/>
-                  </am3d:ptLight>
-                </am3d:model3d>
-              </a:graphicData>
-            </a:graphic>
-          </p:graphicFrame>
-        </mc:Choice>
-        <mc:Fallback>
-          <p:pic>
-            <p:nvPicPr>
-              <p:cNvPr id="14" name="3D Model 13" descr="Sphere">
-                <a:extLst>
-                  <a:ext uri="{FF2B5EF4-FFF2-40B4-BE49-F238E27FC236}">
-                    <a16:creationId xmlns:a16="http://schemas.microsoft.com/office/drawing/2014/main" id="{64BE510A-BEF8-197F-6494-8D008C1BFA9F}"/>
-                  </a:ext>
-                </a:extLst>
-              </p:cNvPr>
-              <p:cNvPicPr>
-                <a:picLocks noGrp="1" noRot="1" noChangeAspect="1" noMove="1" noResize="1" noEditPoints="1" noAdjustHandles="1" noChangeArrowheads="1" noChangeShapeType="1" noCrop="1"/>
-              </p:cNvPicPr>
-              <p:nvPr/>
-            </p:nvPicPr>
-            <p:blipFill>
-              <a:blip r:embed="rId3"/>
-              <a:stretch>
-                <a:fillRect/>
-              </a:stretch>
-            </p:blipFill>
-            <p:spPr>
-              <a:xfrm>
-                <a:off x="6244083" y="4783832"/>
-                <a:ext cx="889018" cy="902287"/>
-              </a:xfrm>
-              <a:prstGeom prst="rect">
-                <a:avLst/>
-              </a:prstGeom>
-            </p:spPr>
-          </p:pic>
-        </mc:Fallback>
-      </mc:AlternateContent>
-      <mc:AlternateContent xmlns:mc="http://schemas.openxmlformats.org/markup-compatibility/2006">
-        <mc:Choice xmlns:am3d="http://schemas.microsoft.com/office/drawing/2017/model3d" Requires="am3d">
-          <p:graphicFrame>
-            <p:nvGraphicFramePr>
-              <p:cNvPr id="15" name="3D Model 14" descr="Sphere">
-                <a:extLst>
-                  <a:ext uri="{FF2B5EF4-FFF2-40B4-BE49-F238E27FC236}">
-                    <a16:creationId xmlns:a16="http://schemas.microsoft.com/office/drawing/2014/main" id="{B8ABC38D-8FB0-0609-395E-D35D0A77FE17}"/>
-                  </a:ext>
-                </a:extLst>
-              </p:cNvPr>
-              <p:cNvGraphicFramePr>
-                <a:graphicFrameLocks noChangeAspect="1"/>
-              </p:cNvGraphicFramePr>
-              <p:nvPr>
-                <p:extLst>
-                  <p:ext uri="{D42A27DB-BD31-4B8C-83A1-F6EECF244321}">
-                    <p14:modId xmlns:p14="http://schemas.microsoft.com/office/powerpoint/2010/main" val="1334392046"/>
-                  </p:ext>
-                </p:extLst>
-              </p:nvPr>
-            </p:nvGraphicFramePr>
-            <p:xfrm>
-              <a:off x="7098455" y="4565823"/>
-              <a:ext cx="889018" cy="902287"/>
-            </p:xfrm>
-            <a:graphic>
-              <a:graphicData uri="http://schemas.microsoft.com/office/drawing/2017/model3d">
-                <am3d:model3d r:embed="rId2">
-                  <am3d:spPr>
-                    <a:xfrm>
-                      <a:off x="0" y="0"/>
-                      <a:ext cx="889018" cy="902287"/>
-                    </a:xfrm>
-                    <a:prstGeom prst="rect">
-                      <a:avLst/>
-                    </a:prstGeom>
-                  </am3d:spPr>
-                  <am3d:camera>
-                    <am3d:pos x="0" y="0" z="81469193"/>
-                    <am3d:up dx="0" dy="36000000" dz="0"/>
-                    <am3d:lookAt x="0" y="0" z="0"/>
-                    <am3d:perspective fov="2700000"/>
-                  </am3d:camera>
-                  <am3d:trans>
-                    <am3d:meterPerModelUnit n="1011533" d="1000000"/>
-                    <am3d:preTrans dx="0" dy="0" dz="0"/>
-                    <am3d:scale>
-                      <am3d:sx n="1000000" d="1000000"/>
-                      <am3d:sy n="1000000" d="1000000"/>
-                      <am3d:sz n="1000000" d="1000000"/>
-                    </am3d:scale>
-                    <am3d:rot ax="759035" ay="-1139075" az="-250573"/>
-                    <am3d:postTrans dx="0" dy="0" dz="0"/>
-                  </am3d:trans>
-                  <am3d:raster rName="Office3DRenderer" rVer="16.0.8326">
-                    <am3d:blip r:embed="rId3"/>
-                  </am3d:raster>
-                  <am3d:objViewport viewportSz="1539195"/>
-                  <am3d:ambientLight>
-                    <am3d:clr>
-                      <a:scrgbClr r="50000" g="50000" b="50000"/>
-                    </am3d:clr>
-                    <am3d:illuminance n="500000" d="1000000"/>
-                  </am3d:ambientLight>
-                  <am3d:ptLight rad="0">
-                    <am3d:clr>
-                      <a:scrgbClr r="100000" g="75000" b="50000"/>
-                    </am3d:clr>
-                    <am3d:intensity n="9765625" d="1000000"/>
-                    <am3d:pos x="21959998" y="70920001" z="16344003"/>
-                  </am3d:ptLight>
-                  <am3d:ptLight rad="0">
-                    <am3d:clr>
-                      <a:scrgbClr r="40000" g="60000" b="95000"/>
-                    </am3d:clr>
-                    <am3d:intensity n="12250000" d="1000000"/>
-                    <am3d:pos x="-37964106" y="51130435" z="57631972"/>
-                  </am3d:ptLight>
-                  <am3d:ptLight rad="0">
-                    <am3d:clr>
-                      <a:scrgbClr r="86837" g="72700" b="100000"/>
-                    </am3d:clr>
-                    <am3d:intensity n="3125000" d="1000000"/>
-                    <am3d:pos x="-37739122" y="58056624" z="-34769649"/>
-                  </am3d:ptLight>
-                </am3d:model3d>
-              </a:graphicData>
-            </a:graphic>
-          </p:graphicFrame>
-        </mc:Choice>
-        <mc:Fallback>
-          <p:pic>
-            <p:nvPicPr>
-              <p:cNvPr id="15" name="3D Model 14" descr="Sphere">
-                <a:extLst>
-                  <a:ext uri="{FF2B5EF4-FFF2-40B4-BE49-F238E27FC236}">
-                    <a16:creationId xmlns:a16="http://schemas.microsoft.com/office/drawing/2014/main" id="{B8ABC38D-8FB0-0609-395E-D35D0A77FE17}"/>
-                  </a:ext>
-                </a:extLst>
-              </p:cNvPr>
-              <p:cNvPicPr>
-                <a:picLocks noGrp="1" noRot="1" noChangeAspect="1" noMove="1" noResize="1" noEditPoints="1" noAdjustHandles="1" noChangeArrowheads="1" noChangeShapeType="1" noCrop="1"/>
-              </p:cNvPicPr>
-              <p:nvPr/>
-            </p:nvPicPr>
-            <p:blipFill>
-              <a:blip r:embed="rId3"/>
-              <a:stretch>
-                <a:fillRect/>
-              </a:stretch>
-            </p:blipFill>
-            <p:spPr>
-              <a:xfrm>
-                <a:off x="7098455" y="4565823"/>
-                <a:ext cx="889018" cy="902287"/>
-              </a:xfrm>
-              <a:prstGeom prst="rect">
-                <a:avLst/>
-              </a:prstGeom>
-            </p:spPr>
-          </p:pic>
-        </mc:Fallback>
-      </mc:AlternateContent>
-      <p:cxnSp>
-        <p:nvCxnSpPr>
-          <p:cNvPr id="20" name="Straight Connector 19">
+      <p:grpSp>
+        <p:nvGrpSpPr>
+          <p:cNvPr id="31" name="Group 30">
             <a:extLst>
               <a:ext uri="{FF2B5EF4-FFF2-40B4-BE49-F238E27FC236}">
-                <a16:creationId xmlns:a16="http://schemas.microsoft.com/office/drawing/2014/main" id="{8A0B050B-7C8E-BE09-D5AB-73EDE1E794AE}"/>
-              </a:ext>
-            </a:extLst>
-          </p:cNvPr>
-          <p:cNvCxnSpPr>
-            <a:cxnSpLocks/>
-            <a:stCxn id="13" idx="0"/>
-            <a:endCxn id="6" idx="0"/>
-          </p:cNvCxnSpPr>
-          <p:nvPr/>
-        </p:nvCxnSpPr>
-        <p:spPr>
-          <a:xfrm flipH="1" flipV="1">
-            <a:off x="5995906" y="3648637"/>
-            <a:ext cx="660418" cy="135642"/>
-          </a:xfrm>
-          <a:prstGeom prst="line">
-            <a:avLst/>
-          </a:prstGeom>
-          <a:ln w="22225">
-            <a:solidFill>
-              <a:schemeClr val="tx1"/>
-            </a:solidFill>
-            <a:headEnd type="none" w="med" len="med"/>
-            <a:tailEnd type="none" w="med" len="med"/>
-          </a:ln>
-          <a:effectLst/>
-        </p:spPr>
-        <p:style>
-          <a:lnRef idx="2">
-            <a:schemeClr val="accent1"/>
-          </a:lnRef>
-          <a:fillRef idx="0">
-            <a:schemeClr val="accent1"/>
-          </a:fillRef>
-          <a:effectRef idx="1">
-            <a:schemeClr val="accent1"/>
-          </a:effectRef>
-          <a:fontRef idx="minor">
-            <a:schemeClr val="tx1"/>
-          </a:fontRef>
-        </p:style>
-      </p:cxnSp>
-      <p:cxnSp>
-        <p:nvCxnSpPr>
-          <p:cNvPr id="23" name="Straight Connector 22">
-            <a:extLst>
-              <a:ext uri="{FF2B5EF4-FFF2-40B4-BE49-F238E27FC236}">
-                <a16:creationId xmlns:a16="http://schemas.microsoft.com/office/drawing/2014/main" id="{58F887E3-CEB6-AEF6-2384-AC419AE20C25}"/>
-              </a:ext>
-            </a:extLst>
-          </p:cNvPr>
-          <p:cNvCxnSpPr>
-            <a:cxnSpLocks/>
-            <a:stCxn id="12" idx="0"/>
-            <a:endCxn id="11" idx="0"/>
-          </p:cNvCxnSpPr>
-          <p:nvPr/>
-        </p:nvCxnSpPr>
-        <p:spPr>
-          <a:xfrm flipH="1" flipV="1">
-            <a:off x="6906558" y="3562693"/>
-            <a:ext cx="617770" cy="80921"/>
-          </a:xfrm>
-          <a:prstGeom prst="line">
-            <a:avLst/>
-          </a:prstGeom>
-          <a:ln w="22225">
-            <a:solidFill>
-              <a:schemeClr val="tx1"/>
-            </a:solidFill>
-            <a:headEnd type="none" w="med" len="med"/>
-            <a:tailEnd type="none" w="med" len="med"/>
-          </a:ln>
-          <a:effectLst/>
-        </p:spPr>
-        <p:style>
-          <a:lnRef idx="2">
-            <a:schemeClr val="accent1"/>
-          </a:lnRef>
-          <a:fillRef idx="0">
-            <a:schemeClr val="accent1"/>
-          </a:fillRef>
-          <a:effectRef idx="1">
-            <a:schemeClr val="accent1"/>
-          </a:effectRef>
-          <a:fontRef idx="minor">
-            <a:schemeClr val="tx1"/>
-          </a:fontRef>
-        </p:style>
-      </p:cxnSp>
-      <p:cxnSp>
-        <p:nvCxnSpPr>
-          <p:cNvPr id="26" name="Straight Connector 25">
-            <a:extLst>
-              <a:ext uri="{FF2B5EF4-FFF2-40B4-BE49-F238E27FC236}">
-                <a16:creationId xmlns:a16="http://schemas.microsoft.com/office/drawing/2014/main" id="{F6B9F0C4-20E7-8742-34BE-731F9478C64D}"/>
-              </a:ext>
-            </a:extLst>
-          </p:cNvPr>
-          <p:cNvCxnSpPr>
-            <a:cxnSpLocks/>
-            <a:stCxn id="12" idx="0"/>
-            <a:endCxn id="13" idx="0"/>
-          </p:cNvCxnSpPr>
-          <p:nvPr/>
-        </p:nvCxnSpPr>
-        <p:spPr>
-          <a:xfrm flipH="1">
-            <a:off x="6656324" y="3643614"/>
-            <a:ext cx="868004" cy="140665"/>
-          </a:xfrm>
-          <a:prstGeom prst="line">
-            <a:avLst/>
-          </a:prstGeom>
-          <a:ln w="22225">
-            <a:solidFill>
-              <a:schemeClr val="tx1"/>
-            </a:solidFill>
-            <a:headEnd type="none" w="med" len="med"/>
-            <a:tailEnd type="none" w="med" len="med"/>
-          </a:ln>
-          <a:effectLst/>
-        </p:spPr>
-        <p:style>
-          <a:lnRef idx="2">
-            <a:schemeClr val="accent1"/>
-          </a:lnRef>
-          <a:fillRef idx="0">
-            <a:schemeClr val="accent1"/>
-          </a:fillRef>
-          <a:effectRef idx="1">
-            <a:schemeClr val="accent1"/>
-          </a:effectRef>
-          <a:fontRef idx="minor">
-            <a:schemeClr val="tx1"/>
-          </a:fontRef>
-        </p:style>
-      </p:cxnSp>
-      <p:cxnSp>
-        <p:nvCxnSpPr>
-          <p:cNvPr id="29" name="Straight Connector 28">
-            <a:extLst>
-              <a:ext uri="{FF2B5EF4-FFF2-40B4-BE49-F238E27FC236}">
-                <a16:creationId xmlns:a16="http://schemas.microsoft.com/office/drawing/2014/main" id="{7203BB87-261E-34CA-83BB-D57F89D85FE8}"/>
-              </a:ext>
-            </a:extLst>
-          </p:cNvPr>
-          <p:cNvCxnSpPr>
-            <a:cxnSpLocks/>
-            <a:stCxn id="11" idx="0"/>
-            <a:endCxn id="6" idx="0"/>
-          </p:cNvCxnSpPr>
-          <p:nvPr/>
-        </p:nvCxnSpPr>
-        <p:spPr>
-          <a:xfrm flipH="1">
-            <a:off x="5995906" y="3562693"/>
-            <a:ext cx="910652" cy="85944"/>
-          </a:xfrm>
-          <a:prstGeom prst="line">
-            <a:avLst/>
-          </a:prstGeom>
-          <a:ln w="22225">
-            <a:solidFill>
-              <a:schemeClr val="tx1"/>
-            </a:solidFill>
-            <a:headEnd type="none" w="med" len="med"/>
-            <a:tailEnd type="none" w="med" len="med"/>
-          </a:ln>
-          <a:effectLst/>
-        </p:spPr>
-        <p:style>
-          <a:lnRef idx="2">
-            <a:schemeClr val="accent1"/>
-          </a:lnRef>
-          <a:fillRef idx="0">
-            <a:schemeClr val="accent1"/>
-          </a:fillRef>
-          <a:effectRef idx="1">
-            <a:schemeClr val="accent1"/>
-          </a:effectRef>
-          <a:fontRef idx="minor">
-            <a:schemeClr val="tx1"/>
-          </a:fontRef>
-        </p:style>
-      </p:cxnSp>
-      <p:cxnSp>
-        <p:nvCxnSpPr>
-          <p:cNvPr id="40" name="Straight Connector 39">
-            <a:extLst>
-              <a:ext uri="{FF2B5EF4-FFF2-40B4-BE49-F238E27FC236}">
-                <a16:creationId xmlns:a16="http://schemas.microsoft.com/office/drawing/2014/main" id="{B68C4629-F75D-746A-ABD4-1E70FE9BDF57}"/>
-              </a:ext>
-            </a:extLst>
-          </p:cNvPr>
-          <p:cNvCxnSpPr>
-            <a:cxnSpLocks/>
-            <a:stCxn id="14" idx="2"/>
-            <a:endCxn id="13" idx="0"/>
-          </p:cNvCxnSpPr>
-          <p:nvPr/>
-        </p:nvCxnSpPr>
-        <p:spPr>
-          <a:xfrm flipH="1" flipV="1">
-            <a:off x="6656324" y="3784279"/>
-            <a:ext cx="32268" cy="1901840"/>
-          </a:xfrm>
-          <a:prstGeom prst="line">
-            <a:avLst/>
-          </a:prstGeom>
-          <a:ln w="22225">
-            <a:solidFill>
-              <a:schemeClr val="tx1"/>
-            </a:solidFill>
-            <a:headEnd type="none" w="med" len="med"/>
-            <a:tailEnd type="none" w="med" len="med"/>
-          </a:ln>
-          <a:effectLst/>
-        </p:spPr>
-        <p:style>
-          <a:lnRef idx="2">
-            <a:schemeClr val="accent1"/>
-          </a:lnRef>
-          <a:fillRef idx="0">
-            <a:schemeClr val="accent1"/>
-          </a:fillRef>
-          <a:effectRef idx="1">
-            <a:schemeClr val="accent1"/>
-          </a:effectRef>
-          <a:fontRef idx="minor">
-            <a:schemeClr val="tx1"/>
-          </a:fontRef>
-        </p:style>
-      </p:cxnSp>
-      <p:cxnSp>
-        <p:nvCxnSpPr>
-          <p:cNvPr id="43" name="Straight Connector 42">
-            <a:extLst>
-              <a:ext uri="{FF2B5EF4-FFF2-40B4-BE49-F238E27FC236}">
-                <a16:creationId xmlns:a16="http://schemas.microsoft.com/office/drawing/2014/main" id="{CDBE5FE9-E797-5E36-ACAA-C85AD81F5942}"/>
-              </a:ext>
-            </a:extLst>
-          </p:cNvPr>
-          <p:cNvCxnSpPr>
-            <a:cxnSpLocks/>
-            <a:stCxn id="15" idx="2"/>
-            <a:endCxn id="14" idx="2"/>
-          </p:cNvCxnSpPr>
-          <p:nvPr/>
-        </p:nvCxnSpPr>
-        <p:spPr>
-          <a:xfrm flipH="1">
-            <a:off x="6688592" y="5468110"/>
-            <a:ext cx="854372" cy="218009"/>
-          </a:xfrm>
-          <a:prstGeom prst="line">
-            <a:avLst/>
-          </a:prstGeom>
-          <a:ln w="22225">
-            <a:solidFill>
-              <a:schemeClr val="tx1"/>
-            </a:solidFill>
-            <a:headEnd type="none" w="med" len="med"/>
-            <a:tailEnd type="none" w="med" len="med"/>
-          </a:ln>
-          <a:effectLst/>
-        </p:spPr>
-        <p:style>
-          <a:lnRef idx="2">
-            <a:schemeClr val="accent1"/>
-          </a:lnRef>
-          <a:fillRef idx="0">
-            <a:schemeClr val="accent1"/>
-          </a:fillRef>
-          <a:effectRef idx="1">
-            <a:schemeClr val="accent1"/>
-          </a:effectRef>
-          <a:fontRef idx="minor">
-            <a:schemeClr val="tx1"/>
-          </a:fontRef>
-        </p:style>
-      </p:cxnSp>
-      <p:cxnSp>
-        <p:nvCxnSpPr>
-          <p:cNvPr id="47" name="Straight Connector 46">
-            <a:extLst>
-              <a:ext uri="{FF2B5EF4-FFF2-40B4-BE49-F238E27FC236}">
-                <a16:creationId xmlns:a16="http://schemas.microsoft.com/office/drawing/2014/main" id="{DA799DAD-C8DE-F353-721B-AC643735323A}"/>
-              </a:ext>
-            </a:extLst>
-          </p:cNvPr>
-          <p:cNvCxnSpPr>
-            <a:cxnSpLocks/>
-            <a:stCxn id="15" idx="2"/>
-            <a:endCxn id="12" idx="0"/>
-          </p:cNvCxnSpPr>
-          <p:nvPr/>
-        </p:nvCxnSpPr>
-        <p:spPr>
-          <a:xfrm flipH="1" flipV="1">
-            <a:off x="7524328" y="3643614"/>
-            <a:ext cx="18636" cy="1824496"/>
-          </a:xfrm>
-          <a:prstGeom prst="line">
-            <a:avLst/>
-          </a:prstGeom>
-          <a:ln w="22225">
-            <a:solidFill>
-              <a:schemeClr val="tx1"/>
-            </a:solidFill>
-            <a:headEnd type="none" w="med" len="med"/>
-            <a:tailEnd type="none" w="med" len="med"/>
-          </a:ln>
-          <a:effectLst/>
-        </p:spPr>
-        <p:style>
-          <a:lnRef idx="2">
-            <a:schemeClr val="accent1"/>
-          </a:lnRef>
-          <a:fillRef idx="0">
-            <a:schemeClr val="accent1"/>
-          </a:fillRef>
-          <a:effectRef idx="1">
-            <a:schemeClr val="accent1"/>
-          </a:effectRef>
-          <a:fontRef idx="minor">
-            <a:schemeClr val="tx1"/>
-          </a:fontRef>
-        </p:style>
-      </p:cxnSp>
-      <p:cxnSp>
-        <p:nvCxnSpPr>
-          <p:cNvPr id="53" name="Straight Connector 52">
-            <a:extLst>
-              <a:ext uri="{FF2B5EF4-FFF2-40B4-BE49-F238E27FC236}">
-                <a16:creationId xmlns:a16="http://schemas.microsoft.com/office/drawing/2014/main" id="{05883137-B633-F287-B18A-9AF2976BA499}"/>
-              </a:ext>
-            </a:extLst>
-          </p:cNvPr>
-          <p:cNvCxnSpPr>
-            <a:cxnSpLocks/>
-            <a:stCxn id="14" idx="2"/>
-            <a:endCxn id="8" idx="2"/>
-          </p:cNvCxnSpPr>
-          <p:nvPr/>
-        </p:nvCxnSpPr>
-        <p:spPr>
-          <a:xfrm flipH="1" flipV="1">
-            <a:off x="6016920" y="5425124"/>
-            <a:ext cx="671672" cy="260995"/>
-          </a:xfrm>
-          <a:prstGeom prst="line">
-            <a:avLst/>
-          </a:prstGeom>
-          <a:ln w="22225">
-            <a:solidFill>
-              <a:schemeClr val="tx1"/>
-            </a:solidFill>
-            <a:headEnd type="none" w="med" len="med"/>
-            <a:tailEnd type="none" w="med" len="med"/>
-          </a:ln>
-          <a:effectLst/>
-        </p:spPr>
-        <p:style>
-          <a:lnRef idx="2">
-            <a:schemeClr val="accent1"/>
-          </a:lnRef>
-          <a:fillRef idx="0">
-            <a:schemeClr val="accent1"/>
-          </a:fillRef>
-          <a:effectRef idx="1">
-            <a:schemeClr val="accent1"/>
-          </a:effectRef>
-          <a:fontRef idx="minor">
-            <a:schemeClr val="tx1"/>
-          </a:fontRef>
-        </p:style>
-      </p:cxnSp>
-      <p:cxnSp>
-        <p:nvCxnSpPr>
-          <p:cNvPr id="56" name="Straight Connector 55">
-            <a:extLst>
-              <a:ext uri="{FF2B5EF4-FFF2-40B4-BE49-F238E27FC236}">
-                <a16:creationId xmlns:a16="http://schemas.microsoft.com/office/drawing/2014/main" id="{828E667F-219D-50E6-5ADD-EC2F66DA76BB}"/>
-              </a:ext>
-            </a:extLst>
-          </p:cNvPr>
-          <p:cNvCxnSpPr>
-            <a:cxnSpLocks/>
-            <a:stCxn id="6" idx="0"/>
-            <a:endCxn id="8" idx="2"/>
-          </p:cNvCxnSpPr>
-          <p:nvPr/>
-        </p:nvCxnSpPr>
-        <p:spPr>
-          <a:xfrm>
-            <a:off x="5995906" y="3648637"/>
-            <a:ext cx="21014" cy="1776487"/>
-          </a:xfrm>
-          <a:prstGeom prst="line">
-            <a:avLst/>
-          </a:prstGeom>
-          <a:ln w="22225">
-            <a:solidFill>
-              <a:schemeClr val="tx1"/>
-            </a:solidFill>
-            <a:headEnd type="none" w="med" len="med"/>
-            <a:tailEnd type="none" w="med" len="med"/>
-          </a:ln>
-          <a:effectLst/>
-        </p:spPr>
-        <p:style>
-          <a:lnRef idx="2">
-            <a:schemeClr val="accent1"/>
-          </a:lnRef>
-          <a:fillRef idx="0">
-            <a:schemeClr val="accent1"/>
-          </a:fillRef>
-          <a:effectRef idx="1">
-            <a:schemeClr val="accent1"/>
-          </a:effectRef>
-          <a:fontRef idx="minor">
-            <a:schemeClr val="tx1"/>
-          </a:fontRef>
-        </p:style>
-      </p:cxnSp>
-      <p:grpSp>
-        <p:nvGrpSpPr>
-          <p:cNvPr id="111" name="Group 110">
-            <a:extLst>
-              <a:ext uri="{FF2B5EF4-FFF2-40B4-BE49-F238E27FC236}">
-                <a16:creationId xmlns:a16="http://schemas.microsoft.com/office/drawing/2014/main" id="{87AAAB79-E008-D00A-AD0E-280915D8926F}"/>
+                <a16:creationId xmlns:a16="http://schemas.microsoft.com/office/drawing/2014/main" id="{9038A6A3-B8FF-A578-1BFD-8786271A46D1}"/>
               </a:ext>
             </a:extLst>
           </p:cNvPr>
@@ -11437,18 +10867,18 @@
         </p:nvGrpSpPr>
         <p:grpSpPr>
           <a:xfrm>
-            <a:off x="1682279" y="4985765"/>
-            <a:ext cx="718810" cy="700237"/>
-            <a:chOff x="1156527" y="4080294"/>
-            <a:chExt cx="718810" cy="700237"/>
+            <a:off x="1440969" y="3740818"/>
+            <a:ext cx="1920240" cy="1901840"/>
+            <a:chOff x="979678" y="3896070"/>
+            <a:chExt cx="1920240" cy="1901840"/>
           </a:xfrm>
         </p:grpSpPr>
         <p:sp>
           <p:nvSpPr>
-            <p:cNvPr id="112" name="Oval 111">
+            <p:cNvPr id="85" name="Rectangle 84">
               <a:extLst>
                 <a:ext uri="{FF2B5EF4-FFF2-40B4-BE49-F238E27FC236}">
-                  <a16:creationId xmlns:a16="http://schemas.microsoft.com/office/drawing/2014/main" id="{47B7A55A-19DD-CF0A-0799-5E9AAE4A6DF6}"/>
+                  <a16:creationId xmlns:a16="http://schemas.microsoft.com/office/drawing/2014/main" id="{1288AB23-C720-9452-0E85-5564C022A22A}"/>
                 </a:ext>
               </a:extLst>
             </p:cNvPr>
@@ -11457,28 +10887,26 @@
           </p:nvSpPr>
           <p:spPr>
             <a:xfrm>
-              <a:off x="1156527" y="4080294"/>
-              <a:ext cx="718810" cy="700237"/>
+              <a:off x="979678" y="3896070"/>
+              <a:ext cx="1920240" cy="1901840"/>
             </a:xfrm>
-            <a:prstGeom prst="ellipse">
+            <a:prstGeom prst="rect">
               <a:avLst/>
             </a:prstGeom>
             <a:ln/>
           </p:spPr>
           <p:style>
             <a:lnRef idx="2">
-              <a:schemeClr val="accent1">
-                <a:shade val="50000"/>
-              </a:schemeClr>
+              <a:schemeClr val="dk1"/>
             </a:lnRef>
             <a:fillRef idx="1">
-              <a:schemeClr val="accent1"/>
+              <a:schemeClr val="lt1"/>
             </a:fillRef>
             <a:effectRef idx="0">
-              <a:schemeClr val="accent1"/>
+              <a:schemeClr val="dk1"/>
             </a:effectRef>
             <a:fontRef idx="minor">
-              <a:schemeClr val="lt1"/>
+              <a:schemeClr val="dk1"/>
             </a:fontRef>
           </p:style>
           <p:txBody>
@@ -11490,157 +10918,649 @@
             </a:p>
           </p:txBody>
         </p:sp>
-        <mc:AlternateContent xmlns:mc="http://schemas.openxmlformats.org/markup-compatibility/2006">
-          <mc:Choice xmlns:a14="http://schemas.microsoft.com/office/drawing/2010/main" Requires="a14">
-            <p:sp>
-              <p:nvSpPr>
-                <p:cNvPr id="113" name="TextBox 112">
-                  <a:extLst>
-                    <a:ext uri="{FF2B5EF4-FFF2-40B4-BE49-F238E27FC236}">
-                      <a16:creationId xmlns:a16="http://schemas.microsoft.com/office/drawing/2014/main" id="{D5D7FA28-6B67-7945-EDB8-8406C45BC2D4}"/>
-                    </a:ext>
-                  </a:extLst>
-                </p:cNvPr>
-                <p:cNvSpPr txBox="1"/>
-                <p:nvPr/>
-              </p:nvSpPr>
-              <p:spPr>
-                <a:xfrm>
-                  <a:off x="1371097" y="4111495"/>
-                  <a:ext cx="345514" cy="369332"/>
-                </a:xfrm>
-                <a:prstGeom prst="rect">
-                  <a:avLst/>
-                </a:prstGeom>
-                <a:noFill/>
-              </p:spPr>
-              <p:txBody>
-                <a:bodyPr wrap="square" rtlCol="0">
-                  <a:spAutoFit/>
-                </a:bodyPr>
-                <a:lstStyle/>
-                <a:p>
-                  <a:pPr algn="ctr"/>
-                  <a14:m>
-                    <m:oMathPara xmlns:m="http://schemas.openxmlformats.org/officeDocument/2006/math">
-                      <m:oMathParaPr>
-                        <m:jc m:val="centerGroup"/>
-                      </m:oMathParaPr>
-                      <m:oMath xmlns:m="http://schemas.openxmlformats.org/officeDocument/2006/math">
-                        <m:r>
-                          <a:rPr lang="en-GB" b="0" i="1" smtClean="0">
-                            <a:latin typeface="Cambria Math" panose="02040503050406030204" pitchFamily="18" charset="0"/>
-                            <a:cs typeface="Arial"/>
-                          </a:rPr>
-                          <m:t>𝜎</m:t>
-                        </m:r>
-                      </m:oMath>
-                    </m:oMathPara>
-                  </a14:m>
-                  <a:endParaRPr lang="en-GB" dirty="0">
-                    <a:latin typeface="Arial"/>
-                    <a:cs typeface="Arial"/>
-                  </a:endParaRPr>
-                </a:p>
-              </p:txBody>
-            </p:sp>
-          </mc:Choice>
-          <mc:Fallback>
-            <p:sp>
-              <p:nvSpPr>
-                <p:cNvPr id="113" name="TextBox 112">
-                  <a:extLst>
-                    <a:ext uri="{FF2B5EF4-FFF2-40B4-BE49-F238E27FC236}">
-                      <a16:creationId xmlns:a16="http://schemas.microsoft.com/office/drawing/2014/main" id="{D5D7FA28-6B67-7945-EDB8-8406C45BC2D4}"/>
-                    </a:ext>
-                  </a:extLst>
-                </p:cNvPr>
-                <p:cNvSpPr txBox="1">
-                  <a:spLocks noRot="1" noChangeAspect="1" noMove="1" noResize="1" noEditPoints="1" noAdjustHandles="1" noChangeArrowheads="1" noChangeShapeType="1" noTextEdit="1"/>
-                </p:cNvSpPr>
-                <p:nvPr/>
-              </p:nvSpPr>
-              <p:spPr>
-                <a:xfrm>
-                  <a:off x="1371097" y="4111495"/>
-                  <a:ext cx="345514" cy="369332"/>
-                </a:xfrm>
-                <a:prstGeom prst="rect">
-                  <a:avLst/>
-                </a:prstGeom>
-                <a:blipFill>
-                  <a:blip r:embed="rId4"/>
-                  <a:stretch>
-                    <a:fillRect/>
-                  </a:stretch>
-                </a:blipFill>
-              </p:spPr>
-              <p:txBody>
-                <a:bodyPr/>
-                <a:lstStyle/>
-                <a:p>
-                  <a:r>
-                    <a:rPr lang="en-GB">
-                      <a:noFill/>
-                    </a:rPr>
-                    <a:t> </a:t>
-                  </a:r>
-                </a:p>
-              </p:txBody>
-            </p:sp>
-          </mc:Fallback>
-        </mc:AlternateContent>
-        <p:cxnSp>
-          <p:nvCxnSpPr>
-            <p:cNvPr id="114" name="Straight Arrow Connector 113">
+        <p:grpSp>
+          <p:nvGrpSpPr>
+            <p:cNvPr id="111" name="Group 110">
               <a:extLst>
                 <a:ext uri="{FF2B5EF4-FFF2-40B4-BE49-F238E27FC236}">
-                  <a16:creationId xmlns:a16="http://schemas.microsoft.com/office/drawing/2014/main" id="{C7B006F7-37DC-97E1-CF84-F8376F1DA046}"/>
+                  <a16:creationId xmlns:a16="http://schemas.microsoft.com/office/drawing/2014/main" id="{87AAAB79-E008-D00A-AD0E-280915D8926F}"/>
                 </a:ext>
               </a:extLst>
             </p:cNvPr>
-            <p:cNvCxnSpPr>
-              <a:cxnSpLocks/>
-              <a:stCxn id="112" idx="2"/>
-              <a:endCxn id="112" idx="6"/>
-            </p:cNvCxnSpPr>
+            <p:cNvGrpSpPr/>
             <p:nvPr/>
-          </p:nvCxnSpPr>
-          <p:spPr>
+          </p:nvGrpSpPr>
+          <p:grpSpPr>
             <a:xfrm>
-              <a:off x="1156527" y="4430413"/>
-              <a:ext cx="718810" cy="0"/>
+              <a:off x="1682279" y="4985765"/>
+              <a:ext cx="718810" cy="700237"/>
+              <a:chOff x="1156527" y="4080294"/>
+              <a:chExt cx="718810" cy="700237"/>
             </a:xfrm>
-            <a:prstGeom prst="straightConnector1">
-              <a:avLst/>
-            </a:prstGeom>
-            <a:ln>
-              <a:headEnd type="triangle"/>
-              <a:tailEnd type="triangle"/>
-            </a:ln>
-          </p:spPr>
-          <p:style>
-            <a:lnRef idx="3">
-              <a:schemeClr val="accent2"/>
-            </a:lnRef>
-            <a:fillRef idx="0">
-              <a:schemeClr val="accent2"/>
-            </a:fillRef>
-            <a:effectRef idx="2">
-              <a:schemeClr val="accent2"/>
-            </a:effectRef>
-            <a:fontRef idx="minor">
-              <a:schemeClr val="tx1"/>
-            </a:fontRef>
-          </p:style>
-        </p:cxnSp>
+          </p:grpSpPr>
+          <p:sp>
+            <p:nvSpPr>
+              <p:cNvPr id="112" name="Oval 111">
+                <a:extLst>
+                  <a:ext uri="{FF2B5EF4-FFF2-40B4-BE49-F238E27FC236}">
+                    <a16:creationId xmlns:a16="http://schemas.microsoft.com/office/drawing/2014/main" id="{47B7A55A-19DD-CF0A-0799-5E9AAE4A6DF6}"/>
+                  </a:ext>
+                </a:extLst>
+              </p:cNvPr>
+              <p:cNvSpPr/>
+              <p:nvPr/>
+            </p:nvSpPr>
+            <p:spPr>
+              <a:xfrm>
+                <a:off x="1156527" y="4080294"/>
+                <a:ext cx="718810" cy="700237"/>
+              </a:xfrm>
+              <a:prstGeom prst="ellipse">
+                <a:avLst/>
+              </a:prstGeom>
+              <a:ln/>
+            </p:spPr>
+            <p:style>
+              <a:lnRef idx="2">
+                <a:schemeClr val="accent1">
+                  <a:shade val="50000"/>
+                </a:schemeClr>
+              </a:lnRef>
+              <a:fillRef idx="1">
+                <a:schemeClr val="accent1"/>
+              </a:fillRef>
+              <a:effectRef idx="0">
+                <a:schemeClr val="accent1"/>
+              </a:effectRef>
+              <a:fontRef idx="minor">
+                <a:schemeClr val="lt1"/>
+              </a:fontRef>
+            </p:style>
+            <p:txBody>
+              <a:bodyPr rtlCol="0" anchor="ctr"/>
+              <a:lstStyle/>
+              <a:p>
+                <a:pPr algn="ctr"/>
+                <a:endParaRPr lang="en-GB"/>
+              </a:p>
+            </p:txBody>
+          </p:sp>
+          <mc:AlternateContent xmlns:mc="http://schemas.openxmlformats.org/markup-compatibility/2006" xmlns:a14="http://schemas.microsoft.com/office/drawing/2010/main">
+            <mc:Choice Requires="a14">
+              <p:sp>
+                <p:nvSpPr>
+                  <p:cNvPr id="113" name="TextBox 112">
+                    <a:extLst>
+                      <a:ext uri="{FF2B5EF4-FFF2-40B4-BE49-F238E27FC236}">
+                        <a16:creationId xmlns:a16="http://schemas.microsoft.com/office/drawing/2014/main" id="{D5D7FA28-6B67-7945-EDB8-8406C45BC2D4}"/>
+                      </a:ext>
+                    </a:extLst>
+                  </p:cNvPr>
+                  <p:cNvSpPr txBox="1"/>
+                  <p:nvPr/>
+                </p:nvSpPr>
+                <p:spPr>
+                  <a:xfrm>
+                    <a:off x="1371097" y="4111495"/>
+                    <a:ext cx="345514" cy="369332"/>
+                  </a:xfrm>
+                  <a:prstGeom prst="rect">
+                    <a:avLst/>
+                  </a:prstGeom>
+                  <a:noFill/>
+                </p:spPr>
+                <p:txBody>
+                  <a:bodyPr wrap="square" rtlCol="0">
+                    <a:spAutoFit/>
+                  </a:bodyPr>
+                  <a:lstStyle/>
+                  <a:p>
+                    <a:pPr algn="ctr"/>
+                    <a14:m>
+                      <m:oMathPara xmlns:m="http://schemas.openxmlformats.org/officeDocument/2006/math">
+                        <m:oMathParaPr>
+                          <m:jc m:val="centerGroup"/>
+                        </m:oMathParaPr>
+                        <m:oMath xmlns:m="http://schemas.openxmlformats.org/officeDocument/2006/math">
+                          <m:r>
+                            <a:rPr lang="en-GB" b="0" i="1" smtClean="0">
+                              <a:latin typeface="Cambria Math" panose="02040503050406030204" pitchFamily="18" charset="0"/>
+                              <a:cs typeface="Arial"/>
+                            </a:rPr>
+                            <m:t>𝜎</m:t>
+                          </m:r>
+                        </m:oMath>
+                      </m:oMathPara>
+                    </a14:m>
+                    <a:endParaRPr lang="en-GB" dirty="0">
+                      <a:latin typeface="Arial"/>
+                      <a:cs typeface="Arial"/>
+                    </a:endParaRPr>
+                  </a:p>
+                </p:txBody>
+              </p:sp>
+            </mc:Choice>
+            <mc:Fallback xmlns="">
+              <p:sp>
+                <p:nvSpPr>
+                  <p:cNvPr id="113" name="TextBox 112">
+                    <a:extLst>
+                      <a:ext uri="{FF2B5EF4-FFF2-40B4-BE49-F238E27FC236}">
+                        <a16:creationId xmlns:a16="http://schemas.microsoft.com/office/drawing/2014/main" id="{D5D7FA28-6B67-7945-EDB8-8406C45BC2D4}"/>
+                      </a:ext>
+                    </a:extLst>
+                  </p:cNvPr>
+                  <p:cNvSpPr txBox="1">
+                    <a:spLocks noRot="1" noChangeAspect="1" noMove="1" noResize="1" noEditPoints="1" noAdjustHandles="1" noChangeArrowheads="1" noChangeShapeType="1" noTextEdit="1"/>
+                  </p:cNvSpPr>
+                  <p:nvPr/>
+                </p:nvSpPr>
+                <p:spPr>
+                  <a:xfrm>
+                    <a:off x="1371097" y="4111495"/>
+                    <a:ext cx="345514" cy="369332"/>
+                  </a:xfrm>
+                  <a:prstGeom prst="rect">
+                    <a:avLst/>
+                  </a:prstGeom>
+                  <a:blipFill>
+                    <a:blip r:embed="rId4"/>
+                    <a:stretch>
+                      <a:fillRect/>
+                    </a:stretch>
+                  </a:blipFill>
+                </p:spPr>
+                <p:txBody>
+                  <a:bodyPr/>
+                  <a:lstStyle/>
+                  <a:p>
+                    <a:r>
+                      <a:rPr lang="en-GB">
+                        <a:noFill/>
+                      </a:rPr>
+                      <a:t> </a:t>
+                    </a:r>
+                  </a:p>
+                </p:txBody>
+              </p:sp>
+            </mc:Fallback>
+          </mc:AlternateContent>
+          <p:cxnSp>
+            <p:nvCxnSpPr>
+              <p:cNvPr id="114" name="Straight Arrow Connector 113">
+                <a:extLst>
+                  <a:ext uri="{FF2B5EF4-FFF2-40B4-BE49-F238E27FC236}">
+                    <a16:creationId xmlns:a16="http://schemas.microsoft.com/office/drawing/2014/main" id="{C7B006F7-37DC-97E1-CF84-F8376F1DA046}"/>
+                  </a:ext>
+                </a:extLst>
+              </p:cNvPr>
+              <p:cNvCxnSpPr>
+                <a:cxnSpLocks/>
+                <a:stCxn id="112" idx="2"/>
+                <a:endCxn id="112" idx="6"/>
+              </p:cNvCxnSpPr>
+              <p:nvPr/>
+            </p:nvCxnSpPr>
+            <p:spPr>
+              <a:xfrm>
+                <a:off x="1156527" y="4430413"/>
+                <a:ext cx="718810" cy="0"/>
+              </a:xfrm>
+              <a:prstGeom prst="straightConnector1">
+                <a:avLst/>
+              </a:prstGeom>
+              <a:ln>
+                <a:headEnd type="triangle"/>
+                <a:tailEnd type="triangle"/>
+              </a:ln>
+            </p:spPr>
+            <p:style>
+              <a:lnRef idx="3">
+                <a:schemeClr val="accent2"/>
+              </a:lnRef>
+              <a:fillRef idx="0">
+                <a:schemeClr val="accent2"/>
+              </a:fillRef>
+              <a:effectRef idx="2">
+                <a:schemeClr val="accent2"/>
+              </a:effectRef>
+              <a:fontRef idx="minor">
+                <a:schemeClr val="tx1"/>
+              </a:fontRef>
+            </p:style>
+          </p:cxnSp>
+        </p:grpSp>
+        <p:grpSp>
+          <p:nvGrpSpPr>
+            <p:cNvPr id="115" name="Group 114">
+              <a:extLst>
+                <a:ext uri="{FF2B5EF4-FFF2-40B4-BE49-F238E27FC236}">
+                  <a16:creationId xmlns:a16="http://schemas.microsoft.com/office/drawing/2014/main" id="{381C0E1E-212F-87B3-9B44-102D176F77FE}"/>
+                </a:ext>
+              </a:extLst>
+            </p:cNvPr>
+            <p:cNvGrpSpPr/>
+            <p:nvPr/>
+          </p:nvGrpSpPr>
+          <p:grpSpPr>
+            <a:xfrm>
+              <a:off x="1057822" y="4114861"/>
+              <a:ext cx="718810" cy="700237"/>
+              <a:chOff x="1156527" y="4080294"/>
+              <a:chExt cx="718810" cy="700237"/>
+            </a:xfrm>
+          </p:grpSpPr>
+          <p:sp>
+            <p:nvSpPr>
+              <p:cNvPr id="116" name="Oval 115">
+                <a:extLst>
+                  <a:ext uri="{FF2B5EF4-FFF2-40B4-BE49-F238E27FC236}">
+                    <a16:creationId xmlns:a16="http://schemas.microsoft.com/office/drawing/2014/main" id="{773C7068-E151-160C-C9C5-CFCCAE70A47C}"/>
+                  </a:ext>
+                </a:extLst>
+              </p:cNvPr>
+              <p:cNvSpPr/>
+              <p:nvPr/>
+            </p:nvSpPr>
+            <p:spPr>
+              <a:xfrm>
+                <a:off x="1156527" y="4080294"/>
+                <a:ext cx="718810" cy="700237"/>
+              </a:xfrm>
+              <a:prstGeom prst="ellipse">
+                <a:avLst/>
+              </a:prstGeom>
+              <a:ln/>
+            </p:spPr>
+            <p:style>
+              <a:lnRef idx="2">
+                <a:schemeClr val="accent1">
+                  <a:shade val="50000"/>
+                </a:schemeClr>
+              </a:lnRef>
+              <a:fillRef idx="1">
+                <a:schemeClr val="accent1"/>
+              </a:fillRef>
+              <a:effectRef idx="0">
+                <a:schemeClr val="accent1"/>
+              </a:effectRef>
+              <a:fontRef idx="minor">
+                <a:schemeClr val="lt1"/>
+              </a:fontRef>
+            </p:style>
+            <p:txBody>
+              <a:bodyPr rtlCol="0" anchor="ctr"/>
+              <a:lstStyle/>
+              <a:p>
+                <a:pPr algn="ctr"/>
+                <a:endParaRPr lang="en-GB"/>
+              </a:p>
+            </p:txBody>
+          </p:sp>
+          <mc:AlternateContent xmlns:mc="http://schemas.openxmlformats.org/markup-compatibility/2006" xmlns:a14="http://schemas.microsoft.com/office/drawing/2010/main">
+            <mc:Choice Requires="a14">
+              <p:sp>
+                <p:nvSpPr>
+                  <p:cNvPr id="117" name="TextBox 116">
+                    <a:extLst>
+                      <a:ext uri="{FF2B5EF4-FFF2-40B4-BE49-F238E27FC236}">
+                        <a16:creationId xmlns:a16="http://schemas.microsoft.com/office/drawing/2014/main" id="{130B65E1-A17F-B00B-6ABC-C076A1D82187}"/>
+                      </a:ext>
+                    </a:extLst>
+                  </p:cNvPr>
+                  <p:cNvSpPr txBox="1"/>
+                  <p:nvPr/>
+                </p:nvSpPr>
+                <p:spPr>
+                  <a:xfrm>
+                    <a:off x="1371097" y="4111495"/>
+                    <a:ext cx="345514" cy="369332"/>
+                  </a:xfrm>
+                  <a:prstGeom prst="rect">
+                    <a:avLst/>
+                  </a:prstGeom>
+                  <a:noFill/>
+                </p:spPr>
+                <p:txBody>
+                  <a:bodyPr wrap="square" rtlCol="0">
+                    <a:spAutoFit/>
+                  </a:bodyPr>
+                  <a:lstStyle/>
+                  <a:p>
+                    <a:pPr algn="ctr"/>
+                    <a14:m>
+                      <m:oMathPara xmlns:m="http://schemas.openxmlformats.org/officeDocument/2006/math">
+                        <m:oMathParaPr>
+                          <m:jc m:val="centerGroup"/>
+                        </m:oMathParaPr>
+                        <m:oMath xmlns:m="http://schemas.openxmlformats.org/officeDocument/2006/math">
+                          <m:r>
+                            <a:rPr lang="en-GB" b="0" i="1" smtClean="0">
+                              <a:latin typeface="Cambria Math" panose="02040503050406030204" pitchFamily="18" charset="0"/>
+                              <a:cs typeface="Arial"/>
+                            </a:rPr>
+                            <m:t>𝜎</m:t>
+                          </m:r>
+                        </m:oMath>
+                      </m:oMathPara>
+                    </a14:m>
+                    <a:endParaRPr lang="en-GB" dirty="0">
+                      <a:latin typeface="Arial"/>
+                      <a:cs typeface="Arial"/>
+                    </a:endParaRPr>
+                  </a:p>
+                </p:txBody>
+              </p:sp>
+            </mc:Choice>
+            <mc:Fallback xmlns="">
+              <p:sp>
+                <p:nvSpPr>
+                  <p:cNvPr id="117" name="TextBox 116">
+                    <a:extLst>
+                      <a:ext uri="{FF2B5EF4-FFF2-40B4-BE49-F238E27FC236}">
+                        <a16:creationId xmlns:a16="http://schemas.microsoft.com/office/drawing/2014/main" id="{130B65E1-A17F-B00B-6ABC-C076A1D82187}"/>
+                      </a:ext>
+                    </a:extLst>
+                  </p:cNvPr>
+                  <p:cNvSpPr txBox="1">
+                    <a:spLocks noRot="1" noChangeAspect="1" noMove="1" noResize="1" noEditPoints="1" noAdjustHandles="1" noChangeArrowheads="1" noChangeShapeType="1" noTextEdit="1"/>
+                  </p:cNvSpPr>
+                  <p:nvPr/>
+                </p:nvSpPr>
+                <p:spPr>
+                  <a:xfrm>
+                    <a:off x="1371097" y="4111495"/>
+                    <a:ext cx="345514" cy="369332"/>
+                  </a:xfrm>
+                  <a:prstGeom prst="rect">
+                    <a:avLst/>
+                  </a:prstGeom>
+                  <a:blipFill>
+                    <a:blip r:embed="rId5"/>
+                    <a:stretch>
+                      <a:fillRect/>
+                    </a:stretch>
+                  </a:blipFill>
+                </p:spPr>
+                <p:txBody>
+                  <a:bodyPr/>
+                  <a:lstStyle/>
+                  <a:p>
+                    <a:r>
+                      <a:rPr lang="en-GB">
+                        <a:noFill/>
+                      </a:rPr>
+                      <a:t> </a:t>
+                    </a:r>
+                  </a:p>
+                </p:txBody>
+              </p:sp>
+            </mc:Fallback>
+          </mc:AlternateContent>
+          <p:cxnSp>
+            <p:nvCxnSpPr>
+              <p:cNvPr id="118" name="Straight Arrow Connector 117">
+                <a:extLst>
+                  <a:ext uri="{FF2B5EF4-FFF2-40B4-BE49-F238E27FC236}">
+                    <a16:creationId xmlns:a16="http://schemas.microsoft.com/office/drawing/2014/main" id="{2FBF597C-61AA-5DC2-4D52-28AE63C0D005}"/>
+                  </a:ext>
+                </a:extLst>
+              </p:cNvPr>
+              <p:cNvCxnSpPr>
+                <a:cxnSpLocks/>
+                <a:stCxn id="116" idx="2"/>
+                <a:endCxn id="116" idx="6"/>
+              </p:cNvCxnSpPr>
+              <p:nvPr/>
+            </p:nvCxnSpPr>
+            <p:spPr>
+              <a:xfrm>
+                <a:off x="1156527" y="4430413"/>
+                <a:ext cx="718810" cy="0"/>
+              </a:xfrm>
+              <a:prstGeom prst="straightConnector1">
+                <a:avLst/>
+              </a:prstGeom>
+              <a:ln>
+                <a:headEnd type="triangle"/>
+                <a:tailEnd type="triangle"/>
+              </a:ln>
+            </p:spPr>
+            <p:style>
+              <a:lnRef idx="3">
+                <a:schemeClr val="accent2"/>
+              </a:lnRef>
+              <a:fillRef idx="0">
+                <a:schemeClr val="accent2"/>
+              </a:fillRef>
+              <a:effectRef idx="2">
+                <a:schemeClr val="accent2"/>
+              </a:effectRef>
+              <a:fontRef idx="minor">
+                <a:schemeClr val="tx1"/>
+              </a:fontRef>
+            </p:style>
+          </p:cxnSp>
+        </p:grpSp>
+        <p:grpSp>
+          <p:nvGrpSpPr>
+            <p:cNvPr id="119" name="Group 118">
+              <a:extLst>
+                <a:ext uri="{FF2B5EF4-FFF2-40B4-BE49-F238E27FC236}">
+                  <a16:creationId xmlns:a16="http://schemas.microsoft.com/office/drawing/2014/main" id="{478E9E69-243B-B892-67E2-2C512FC35494}"/>
+                </a:ext>
+              </a:extLst>
+            </p:cNvPr>
+            <p:cNvGrpSpPr/>
+            <p:nvPr/>
+          </p:nvGrpSpPr>
+          <p:grpSpPr>
+            <a:xfrm>
+              <a:off x="2117080" y="4301128"/>
+              <a:ext cx="718810" cy="700237"/>
+              <a:chOff x="1156527" y="4080294"/>
+              <a:chExt cx="718810" cy="700237"/>
+            </a:xfrm>
+          </p:grpSpPr>
+          <p:sp>
+            <p:nvSpPr>
+              <p:cNvPr id="120" name="Oval 119">
+                <a:extLst>
+                  <a:ext uri="{FF2B5EF4-FFF2-40B4-BE49-F238E27FC236}">
+                    <a16:creationId xmlns:a16="http://schemas.microsoft.com/office/drawing/2014/main" id="{CFA68E18-A40B-8D48-A667-A55CCEF90DBD}"/>
+                  </a:ext>
+                </a:extLst>
+              </p:cNvPr>
+              <p:cNvSpPr/>
+              <p:nvPr/>
+            </p:nvSpPr>
+            <p:spPr>
+              <a:xfrm>
+                <a:off x="1156527" y="4080294"/>
+                <a:ext cx="718810" cy="700237"/>
+              </a:xfrm>
+              <a:prstGeom prst="ellipse">
+                <a:avLst/>
+              </a:prstGeom>
+              <a:ln/>
+            </p:spPr>
+            <p:style>
+              <a:lnRef idx="2">
+                <a:schemeClr val="accent1">
+                  <a:shade val="50000"/>
+                </a:schemeClr>
+              </a:lnRef>
+              <a:fillRef idx="1">
+                <a:schemeClr val="accent1"/>
+              </a:fillRef>
+              <a:effectRef idx="0">
+                <a:schemeClr val="accent1"/>
+              </a:effectRef>
+              <a:fontRef idx="minor">
+                <a:schemeClr val="lt1"/>
+              </a:fontRef>
+            </p:style>
+            <p:txBody>
+              <a:bodyPr rtlCol="0" anchor="ctr"/>
+              <a:lstStyle/>
+              <a:p>
+                <a:pPr algn="ctr"/>
+                <a:endParaRPr lang="en-GB"/>
+              </a:p>
+            </p:txBody>
+          </p:sp>
+          <mc:AlternateContent xmlns:mc="http://schemas.openxmlformats.org/markup-compatibility/2006" xmlns:a14="http://schemas.microsoft.com/office/drawing/2010/main">
+            <mc:Choice Requires="a14">
+              <p:sp>
+                <p:nvSpPr>
+                  <p:cNvPr id="121" name="TextBox 120">
+                    <a:extLst>
+                      <a:ext uri="{FF2B5EF4-FFF2-40B4-BE49-F238E27FC236}">
+                        <a16:creationId xmlns:a16="http://schemas.microsoft.com/office/drawing/2014/main" id="{35B19AEF-DD62-3FCA-DBB1-EA7F6CDAF951}"/>
+                      </a:ext>
+                    </a:extLst>
+                  </p:cNvPr>
+                  <p:cNvSpPr txBox="1"/>
+                  <p:nvPr/>
+                </p:nvSpPr>
+                <p:spPr>
+                  <a:xfrm>
+                    <a:off x="1371097" y="4111495"/>
+                    <a:ext cx="345514" cy="369332"/>
+                  </a:xfrm>
+                  <a:prstGeom prst="rect">
+                    <a:avLst/>
+                  </a:prstGeom>
+                  <a:noFill/>
+                </p:spPr>
+                <p:txBody>
+                  <a:bodyPr wrap="square" rtlCol="0">
+                    <a:spAutoFit/>
+                  </a:bodyPr>
+                  <a:lstStyle/>
+                  <a:p>
+                    <a:pPr algn="ctr"/>
+                    <a14:m>
+                      <m:oMathPara xmlns:m="http://schemas.openxmlformats.org/officeDocument/2006/math">
+                        <m:oMathParaPr>
+                          <m:jc m:val="centerGroup"/>
+                        </m:oMathParaPr>
+                        <m:oMath xmlns:m="http://schemas.openxmlformats.org/officeDocument/2006/math">
+                          <m:r>
+                            <a:rPr lang="en-GB" b="0" i="1" smtClean="0">
+                              <a:latin typeface="Cambria Math" panose="02040503050406030204" pitchFamily="18" charset="0"/>
+                              <a:cs typeface="Arial"/>
+                            </a:rPr>
+                            <m:t>𝜎</m:t>
+                          </m:r>
+                        </m:oMath>
+                      </m:oMathPara>
+                    </a14:m>
+                    <a:endParaRPr lang="en-GB" dirty="0">
+                      <a:latin typeface="Arial"/>
+                      <a:cs typeface="Arial"/>
+                    </a:endParaRPr>
+                  </a:p>
+                </p:txBody>
+              </p:sp>
+            </mc:Choice>
+            <mc:Fallback xmlns="">
+              <p:sp>
+                <p:nvSpPr>
+                  <p:cNvPr id="121" name="TextBox 120">
+                    <a:extLst>
+                      <a:ext uri="{FF2B5EF4-FFF2-40B4-BE49-F238E27FC236}">
+                        <a16:creationId xmlns:a16="http://schemas.microsoft.com/office/drawing/2014/main" id="{35B19AEF-DD62-3FCA-DBB1-EA7F6CDAF951}"/>
+                      </a:ext>
+                    </a:extLst>
+                  </p:cNvPr>
+                  <p:cNvSpPr txBox="1">
+                    <a:spLocks noRot="1" noChangeAspect="1" noMove="1" noResize="1" noEditPoints="1" noAdjustHandles="1" noChangeArrowheads="1" noChangeShapeType="1" noTextEdit="1"/>
+                  </p:cNvSpPr>
+                  <p:nvPr/>
+                </p:nvSpPr>
+                <p:spPr>
+                  <a:xfrm>
+                    <a:off x="1371097" y="4111495"/>
+                    <a:ext cx="345514" cy="369332"/>
+                  </a:xfrm>
+                  <a:prstGeom prst="rect">
+                    <a:avLst/>
+                  </a:prstGeom>
+                  <a:blipFill>
+                    <a:blip r:embed="rId6"/>
+                    <a:stretch>
+                      <a:fillRect/>
+                    </a:stretch>
+                  </a:blipFill>
+                </p:spPr>
+                <p:txBody>
+                  <a:bodyPr/>
+                  <a:lstStyle/>
+                  <a:p>
+                    <a:r>
+                      <a:rPr lang="en-GB">
+                        <a:noFill/>
+                      </a:rPr>
+                      <a:t> </a:t>
+                    </a:r>
+                  </a:p>
+                </p:txBody>
+              </p:sp>
+            </mc:Fallback>
+          </mc:AlternateContent>
+          <p:cxnSp>
+            <p:nvCxnSpPr>
+              <p:cNvPr id="122" name="Straight Arrow Connector 121">
+                <a:extLst>
+                  <a:ext uri="{FF2B5EF4-FFF2-40B4-BE49-F238E27FC236}">
+                    <a16:creationId xmlns:a16="http://schemas.microsoft.com/office/drawing/2014/main" id="{E63CFD4F-C740-4D84-40F9-00FCE78424AA}"/>
+                  </a:ext>
+                </a:extLst>
+              </p:cNvPr>
+              <p:cNvCxnSpPr>
+                <a:cxnSpLocks/>
+                <a:stCxn id="120" idx="2"/>
+                <a:endCxn id="120" idx="6"/>
+              </p:cNvCxnSpPr>
+              <p:nvPr/>
+            </p:nvCxnSpPr>
+            <p:spPr>
+              <a:xfrm>
+                <a:off x="1156527" y="4430413"/>
+                <a:ext cx="718810" cy="0"/>
+              </a:xfrm>
+              <a:prstGeom prst="straightConnector1">
+                <a:avLst/>
+              </a:prstGeom>
+              <a:ln>
+                <a:headEnd type="triangle"/>
+                <a:tailEnd type="triangle"/>
+              </a:ln>
+            </p:spPr>
+            <p:style>
+              <a:lnRef idx="3">
+                <a:schemeClr val="accent2"/>
+              </a:lnRef>
+              <a:fillRef idx="0">
+                <a:schemeClr val="accent2"/>
+              </a:fillRef>
+              <a:effectRef idx="2">
+                <a:schemeClr val="accent2"/>
+              </a:effectRef>
+              <a:fontRef idx="minor">
+                <a:schemeClr val="tx1"/>
+              </a:fontRef>
+            </p:style>
+          </p:cxnSp>
+        </p:grpSp>
       </p:grpSp>
       <p:grpSp>
         <p:nvGrpSpPr>
-          <p:cNvPr id="115" name="Group 114">
+          <p:cNvPr id="66" name="Group 65">
             <a:extLst>
               <a:ext uri="{FF2B5EF4-FFF2-40B4-BE49-F238E27FC236}">
-                <a16:creationId xmlns:a16="http://schemas.microsoft.com/office/drawing/2014/main" id="{381C0E1E-212F-87B3-9B44-102D176F77FE}"/>
+                <a16:creationId xmlns:a16="http://schemas.microsoft.com/office/drawing/2014/main" id="{FB652314-638B-95C0-BCAC-950E71D24A07}"/>
               </a:ext>
             </a:extLst>
           </p:cNvPr>
@@ -11649,18 +11569,18 @@
         </p:nvGrpSpPr>
         <p:grpSpPr>
           <a:xfrm>
-            <a:off x="1057822" y="4114861"/>
-            <a:ext cx="718810" cy="700237"/>
-            <a:chOff x="1156527" y="4080294"/>
-            <a:chExt cx="718810" cy="700237"/>
+            <a:off x="6112555" y="3704602"/>
+            <a:ext cx="1920240" cy="1910487"/>
+            <a:chOff x="5965139" y="3740818"/>
+            <a:chExt cx="1920240" cy="1910487"/>
           </a:xfrm>
         </p:grpSpPr>
         <p:sp>
           <p:nvSpPr>
-            <p:cNvPr id="116" name="Oval 115">
+            <p:cNvPr id="7" name="Rectangle 6">
               <a:extLst>
                 <a:ext uri="{FF2B5EF4-FFF2-40B4-BE49-F238E27FC236}">
-                  <a16:creationId xmlns:a16="http://schemas.microsoft.com/office/drawing/2014/main" id="{773C7068-E151-160C-C9C5-CFCCAE70A47C}"/>
+                  <a16:creationId xmlns:a16="http://schemas.microsoft.com/office/drawing/2014/main" id="{49CD3056-1707-D2E8-49BD-25AA16CC01E8}"/>
                 </a:ext>
               </a:extLst>
             </p:cNvPr>
@@ -11669,28 +11589,26 @@
           </p:nvSpPr>
           <p:spPr>
             <a:xfrm>
-              <a:off x="1156527" y="4080294"/>
-              <a:ext cx="718810" cy="700237"/>
+              <a:off x="5965139" y="3740818"/>
+              <a:ext cx="1920240" cy="1901840"/>
             </a:xfrm>
-            <a:prstGeom prst="ellipse">
+            <a:prstGeom prst="rect">
               <a:avLst/>
             </a:prstGeom>
             <a:ln/>
           </p:spPr>
           <p:style>
             <a:lnRef idx="2">
-              <a:schemeClr val="accent1">
-                <a:shade val="50000"/>
-              </a:schemeClr>
+              <a:schemeClr val="dk1"/>
             </a:lnRef>
             <a:fillRef idx="1">
-              <a:schemeClr val="accent1"/>
+              <a:schemeClr val="lt1"/>
             </a:fillRef>
             <a:effectRef idx="0">
-              <a:schemeClr val="accent1"/>
+              <a:schemeClr val="dk1"/>
             </a:effectRef>
             <a:fontRef idx="minor">
-              <a:schemeClr val="lt1"/>
+              <a:schemeClr val="dk1"/>
             </a:fontRef>
           </p:style>
           <p:txBody>
@@ -11702,363 +11620,2320 @@
             </a:p>
           </p:txBody>
         </p:sp>
-        <mc:AlternateContent xmlns:mc="http://schemas.openxmlformats.org/markup-compatibility/2006">
-          <mc:Choice xmlns:a14="http://schemas.microsoft.com/office/drawing/2010/main" Requires="a14">
-            <p:sp>
-              <p:nvSpPr>
-                <p:cNvPr id="117" name="TextBox 116">
-                  <a:extLst>
-                    <a:ext uri="{FF2B5EF4-FFF2-40B4-BE49-F238E27FC236}">
-                      <a16:creationId xmlns:a16="http://schemas.microsoft.com/office/drawing/2014/main" id="{130B65E1-A17F-B00B-6ABC-C076A1D82187}"/>
-                    </a:ext>
-                  </a:extLst>
-                </p:cNvPr>
-                <p:cNvSpPr txBox="1"/>
-                <p:nvPr/>
-              </p:nvSpPr>
-              <p:spPr>
-                <a:xfrm>
-                  <a:off x="1371097" y="4111495"/>
-                  <a:ext cx="345514" cy="369332"/>
-                </a:xfrm>
-                <a:prstGeom prst="rect">
-                  <a:avLst/>
-                </a:prstGeom>
-                <a:noFill/>
-              </p:spPr>
-              <p:txBody>
-                <a:bodyPr wrap="square" rtlCol="0">
-                  <a:spAutoFit/>
-                </a:bodyPr>
-                <a:lstStyle/>
-                <a:p>
-                  <a:pPr algn="ctr"/>
-                  <a14:m>
-                    <m:oMathPara xmlns:m="http://schemas.openxmlformats.org/officeDocument/2006/math">
-                      <m:oMathParaPr>
-                        <m:jc m:val="centerGroup"/>
-                      </m:oMathParaPr>
-                      <m:oMath xmlns:m="http://schemas.openxmlformats.org/officeDocument/2006/math">
-                        <m:r>
-                          <a:rPr lang="en-GB" b="0" i="1" smtClean="0">
-                            <a:latin typeface="Cambria Math" panose="02040503050406030204" pitchFamily="18" charset="0"/>
-                            <a:cs typeface="Arial"/>
-                          </a:rPr>
-                          <m:t>𝜎</m:t>
-                        </m:r>
-                      </m:oMath>
-                    </m:oMathPara>
-                  </a14:m>
-                  <a:endParaRPr lang="en-GB" dirty="0">
-                    <a:latin typeface="Arial"/>
-                    <a:cs typeface="Arial"/>
-                  </a:endParaRPr>
-                </a:p>
-              </p:txBody>
-            </p:sp>
-          </mc:Choice>
-          <mc:Fallback>
-            <p:sp>
-              <p:nvSpPr>
-                <p:cNvPr id="117" name="TextBox 116">
-                  <a:extLst>
-                    <a:ext uri="{FF2B5EF4-FFF2-40B4-BE49-F238E27FC236}">
-                      <a16:creationId xmlns:a16="http://schemas.microsoft.com/office/drawing/2014/main" id="{130B65E1-A17F-B00B-6ABC-C076A1D82187}"/>
-                    </a:ext>
-                  </a:extLst>
-                </p:cNvPr>
-                <p:cNvSpPr txBox="1">
-                  <a:spLocks noRot="1" noChangeAspect="1" noMove="1" noResize="1" noEditPoints="1" noAdjustHandles="1" noChangeArrowheads="1" noChangeShapeType="1" noTextEdit="1"/>
-                </p:cNvSpPr>
-                <p:nvPr/>
-              </p:nvSpPr>
-              <p:spPr>
-                <a:xfrm>
-                  <a:off x="1371097" y="4111495"/>
-                  <a:ext cx="345514" cy="369332"/>
-                </a:xfrm>
-                <a:prstGeom prst="rect">
-                  <a:avLst/>
-                </a:prstGeom>
-                <a:blipFill>
-                  <a:blip r:embed="rId5"/>
-                  <a:stretch>
-                    <a:fillRect/>
-                  </a:stretch>
-                </a:blipFill>
-              </p:spPr>
-              <p:txBody>
-                <a:bodyPr/>
-                <a:lstStyle/>
-                <a:p>
-                  <a:r>
-                    <a:rPr lang="en-GB">
-                      <a:noFill/>
-                    </a:rPr>
-                    <a:t> </a:t>
-                  </a:r>
-                </a:p>
-              </p:txBody>
-            </p:sp>
-          </mc:Fallback>
-        </mc:AlternateContent>
-        <p:cxnSp>
-          <p:nvCxnSpPr>
-            <p:cNvPr id="118" name="Straight Arrow Connector 117">
+        <p:grpSp>
+          <p:nvGrpSpPr>
+            <p:cNvPr id="9" name="Group 8">
               <a:extLst>
                 <a:ext uri="{FF2B5EF4-FFF2-40B4-BE49-F238E27FC236}">
-                  <a16:creationId xmlns:a16="http://schemas.microsoft.com/office/drawing/2014/main" id="{2FBF597C-61AA-5DC2-4D52-28AE63C0D005}"/>
+                  <a16:creationId xmlns:a16="http://schemas.microsoft.com/office/drawing/2014/main" id="{7A585353-A2F1-9E99-111C-481ACE9BE282}"/>
                 </a:ext>
               </a:extLst>
             </p:cNvPr>
-            <p:cNvCxnSpPr>
-              <a:cxnSpLocks/>
-              <a:stCxn id="116" idx="2"/>
-              <a:endCxn id="116" idx="6"/>
-            </p:cNvCxnSpPr>
+            <p:cNvGrpSpPr/>
             <p:nvPr/>
-          </p:nvCxnSpPr>
-          <p:spPr>
+          </p:nvGrpSpPr>
+          <p:grpSpPr>
             <a:xfrm>
-              <a:off x="1156527" y="4430413"/>
-              <a:ext cx="718810" cy="0"/>
+              <a:off x="5972687" y="4917143"/>
+              <a:ext cx="718810" cy="700237"/>
+              <a:chOff x="775349" y="4072310"/>
+              <a:chExt cx="718810" cy="700237"/>
             </a:xfrm>
-            <a:prstGeom prst="straightConnector1">
-              <a:avLst/>
-            </a:prstGeom>
-            <a:ln>
-              <a:headEnd type="triangle"/>
-              <a:tailEnd type="triangle"/>
-            </a:ln>
-          </p:spPr>
-          <p:style>
-            <a:lnRef idx="3">
-              <a:schemeClr val="accent2"/>
-            </a:lnRef>
-            <a:fillRef idx="0">
-              <a:schemeClr val="accent2"/>
-            </a:fillRef>
-            <a:effectRef idx="2">
-              <a:schemeClr val="accent2"/>
-            </a:effectRef>
-            <a:fontRef idx="minor">
-              <a:schemeClr val="tx1"/>
-            </a:fontRef>
-          </p:style>
-        </p:cxnSp>
+          </p:grpSpPr>
+          <p:sp>
+            <p:nvSpPr>
+              <p:cNvPr id="16" name="Oval 15">
+                <a:extLst>
+                  <a:ext uri="{FF2B5EF4-FFF2-40B4-BE49-F238E27FC236}">
+                    <a16:creationId xmlns:a16="http://schemas.microsoft.com/office/drawing/2014/main" id="{1353CB83-A354-3C10-E3C3-84656829CF54}"/>
+                  </a:ext>
+                </a:extLst>
+              </p:cNvPr>
+              <p:cNvSpPr/>
+              <p:nvPr/>
+            </p:nvSpPr>
+            <p:spPr>
+              <a:xfrm>
+                <a:off x="775349" y="4072310"/>
+                <a:ext cx="718810" cy="700237"/>
+              </a:xfrm>
+              <a:prstGeom prst="ellipse">
+                <a:avLst/>
+              </a:prstGeom>
+              <a:ln/>
+            </p:spPr>
+            <p:style>
+              <a:lnRef idx="2">
+                <a:schemeClr val="accent1">
+                  <a:shade val="50000"/>
+                </a:schemeClr>
+              </a:lnRef>
+              <a:fillRef idx="1">
+                <a:schemeClr val="accent1"/>
+              </a:fillRef>
+              <a:effectRef idx="0">
+                <a:schemeClr val="accent1"/>
+              </a:effectRef>
+              <a:fontRef idx="minor">
+                <a:schemeClr val="lt1"/>
+              </a:fontRef>
+            </p:style>
+            <p:txBody>
+              <a:bodyPr rtlCol="0" anchor="ctr"/>
+              <a:lstStyle/>
+              <a:p>
+                <a:pPr algn="ctr"/>
+                <a:endParaRPr lang="en-GB"/>
+              </a:p>
+            </p:txBody>
+          </p:sp>
+          <mc:AlternateContent xmlns:mc="http://schemas.openxmlformats.org/markup-compatibility/2006">
+            <mc:Choice xmlns:a14="http://schemas.microsoft.com/office/drawing/2010/main" Requires="a14">
+              <p:sp>
+                <p:nvSpPr>
+                  <p:cNvPr id="17" name="TextBox 16">
+                    <a:extLst>
+                      <a:ext uri="{FF2B5EF4-FFF2-40B4-BE49-F238E27FC236}">
+                        <a16:creationId xmlns:a16="http://schemas.microsoft.com/office/drawing/2014/main" id="{5621F928-5A31-63E1-A71E-63FC1E76A8A4}"/>
+                      </a:ext>
+                    </a:extLst>
+                  </p:cNvPr>
+                  <p:cNvSpPr txBox="1"/>
+                  <p:nvPr/>
+                </p:nvSpPr>
+                <p:spPr>
+                  <a:xfrm>
+                    <a:off x="943391" y="4338319"/>
+                    <a:ext cx="345514" cy="369332"/>
+                  </a:xfrm>
+                  <a:prstGeom prst="rect">
+                    <a:avLst/>
+                  </a:prstGeom>
+                  <a:noFill/>
+                </p:spPr>
+                <p:txBody>
+                  <a:bodyPr wrap="square" rtlCol="0">
+                    <a:spAutoFit/>
+                  </a:bodyPr>
+                  <a:lstStyle/>
+                  <a:p>
+                    <a:pPr algn="ctr"/>
+                    <a14:m>
+                      <m:oMathPara xmlns:m="http://schemas.openxmlformats.org/officeDocument/2006/math">
+                        <m:oMathParaPr>
+                          <m:jc m:val="centerGroup"/>
+                        </m:oMathParaPr>
+                        <m:oMath xmlns:m="http://schemas.openxmlformats.org/officeDocument/2006/math">
+                          <m:r>
+                            <a:rPr lang="en-GB" b="0" i="1" smtClean="0">
+                              <a:latin typeface="Cambria Math" panose="02040503050406030204" pitchFamily="18" charset="0"/>
+                              <a:cs typeface="Arial"/>
+                            </a:rPr>
+                            <m:t>𝜎</m:t>
+                          </m:r>
+                        </m:oMath>
+                      </m:oMathPara>
+                    </a14:m>
+                    <a:endParaRPr lang="en-GB" dirty="0">
+                      <a:latin typeface="Arial"/>
+                      <a:cs typeface="Arial"/>
+                    </a:endParaRPr>
+                  </a:p>
+                </p:txBody>
+              </p:sp>
+            </mc:Choice>
+            <mc:Fallback>
+              <p:sp>
+                <p:nvSpPr>
+                  <p:cNvPr id="17" name="TextBox 16">
+                    <a:extLst>
+                      <a:ext uri="{FF2B5EF4-FFF2-40B4-BE49-F238E27FC236}">
+                        <a16:creationId xmlns:a16="http://schemas.microsoft.com/office/drawing/2014/main" id="{5621F928-5A31-63E1-A71E-63FC1E76A8A4}"/>
+                      </a:ext>
+                    </a:extLst>
+                  </p:cNvPr>
+                  <p:cNvSpPr txBox="1">
+                    <a:spLocks noRot="1" noChangeAspect="1" noMove="1" noResize="1" noEditPoints="1" noAdjustHandles="1" noChangeArrowheads="1" noChangeShapeType="1" noTextEdit="1"/>
+                  </p:cNvSpPr>
+                  <p:nvPr/>
+                </p:nvSpPr>
+                <p:spPr>
+                  <a:xfrm>
+                    <a:off x="943391" y="4338319"/>
+                    <a:ext cx="345514" cy="369332"/>
+                  </a:xfrm>
+                  <a:prstGeom prst="rect">
+                    <a:avLst/>
+                  </a:prstGeom>
+                  <a:blipFill>
+                    <a:blip r:embed="rId7"/>
+                    <a:stretch>
+                      <a:fillRect/>
+                    </a:stretch>
+                  </a:blipFill>
+                </p:spPr>
+                <p:txBody>
+                  <a:bodyPr/>
+                  <a:lstStyle/>
+                  <a:p>
+                    <a:r>
+                      <a:rPr lang="en-GB">
+                        <a:noFill/>
+                      </a:rPr>
+                      <a:t> </a:t>
+                    </a:r>
+                  </a:p>
+                </p:txBody>
+              </p:sp>
+            </mc:Fallback>
+          </mc:AlternateContent>
+          <p:cxnSp>
+            <p:nvCxnSpPr>
+              <p:cNvPr id="18" name="Straight Arrow Connector 17">
+                <a:extLst>
+                  <a:ext uri="{FF2B5EF4-FFF2-40B4-BE49-F238E27FC236}">
+                    <a16:creationId xmlns:a16="http://schemas.microsoft.com/office/drawing/2014/main" id="{EBD2EA9E-2D78-88F3-E9EC-D2F103408613}"/>
+                  </a:ext>
+                </a:extLst>
+              </p:cNvPr>
+              <p:cNvCxnSpPr>
+                <a:cxnSpLocks/>
+                <a:stCxn id="16" idx="2"/>
+                <a:endCxn id="16" idx="6"/>
+              </p:cNvCxnSpPr>
+              <p:nvPr/>
+            </p:nvCxnSpPr>
+            <p:spPr>
+              <a:xfrm>
+                <a:off x="775349" y="4422429"/>
+                <a:ext cx="718810" cy="0"/>
+              </a:xfrm>
+              <a:prstGeom prst="straightConnector1">
+                <a:avLst/>
+              </a:prstGeom>
+              <a:ln>
+                <a:headEnd type="triangle"/>
+                <a:tailEnd type="triangle"/>
+              </a:ln>
+            </p:spPr>
+            <p:style>
+              <a:lnRef idx="3">
+                <a:schemeClr val="accent2"/>
+              </a:lnRef>
+              <a:fillRef idx="0">
+                <a:schemeClr val="accent2"/>
+              </a:fillRef>
+              <a:effectRef idx="2">
+                <a:schemeClr val="accent2"/>
+              </a:effectRef>
+              <a:fontRef idx="minor">
+                <a:schemeClr val="tx1"/>
+              </a:fontRef>
+            </p:style>
+          </p:cxnSp>
+        </p:grpSp>
+        <p:grpSp>
+          <p:nvGrpSpPr>
+            <p:cNvPr id="19" name="Group 18">
+              <a:extLst>
+                <a:ext uri="{FF2B5EF4-FFF2-40B4-BE49-F238E27FC236}">
+                  <a16:creationId xmlns:a16="http://schemas.microsoft.com/office/drawing/2014/main" id="{67F5BEE3-5D49-F46F-66DD-F4B958156EA3}"/>
+                </a:ext>
+              </a:extLst>
+            </p:cNvPr>
+            <p:cNvGrpSpPr/>
+            <p:nvPr/>
+          </p:nvGrpSpPr>
+          <p:grpSpPr>
+            <a:xfrm>
+              <a:off x="6575376" y="4472373"/>
+              <a:ext cx="718810" cy="700237"/>
+              <a:chOff x="1156527" y="4080294"/>
+              <a:chExt cx="718810" cy="700237"/>
+            </a:xfrm>
+          </p:grpSpPr>
+          <p:sp>
+            <p:nvSpPr>
+              <p:cNvPr id="21" name="Oval 20">
+                <a:extLst>
+                  <a:ext uri="{FF2B5EF4-FFF2-40B4-BE49-F238E27FC236}">
+                    <a16:creationId xmlns:a16="http://schemas.microsoft.com/office/drawing/2014/main" id="{17ABD71B-42EF-9B44-F17A-ECB9E9CBB9E9}"/>
+                  </a:ext>
+                </a:extLst>
+              </p:cNvPr>
+              <p:cNvSpPr/>
+              <p:nvPr/>
+            </p:nvSpPr>
+            <p:spPr>
+              <a:xfrm>
+                <a:off x="1156527" y="4080294"/>
+                <a:ext cx="718810" cy="700237"/>
+              </a:xfrm>
+              <a:prstGeom prst="ellipse">
+                <a:avLst/>
+              </a:prstGeom>
+              <a:ln/>
+            </p:spPr>
+            <p:style>
+              <a:lnRef idx="2">
+                <a:schemeClr val="accent1">
+                  <a:shade val="50000"/>
+                </a:schemeClr>
+              </a:lnRef>
+              <a:fillRef idx="1">
+                <a:schemeClr val="accent1"/>
+              </a:fillRef>
+              <a:effectRef idx="0">
+                <a:schemeClr val="accent1"/>
+              </a:effectRef>
+              <a:fontRef idx="minor">
+                <a:schemeClr val="lt1"/>
+              </a:fontRef>
+            </p:style>
+            <p:txBody>
+              <a:bodyPr rtlCol="0" anchor="ctr"/>
+              <a:lstStyle/>
+              <a:p>
+                <a:pPr algn="ctr"/>
+                <a:endParaRPr lang="en-GB"/>
+              </a:p>
+            </p:txBody>
+          </p:sp>
+          <mc:AlternateContent xmlns:mc="http://schemas.openxmlformats.org/markup-compatibility/2006" xmlns:a14="http://schemas.microsoft.com/office/drawing/2010/main">
+            <mc:Choice Requires="a14">
+              <p:sp>
+                <p:nvSpPr>
+                  <p:cNvPr id="22" name="TextBox 21">
+                    <a:extLst>
+                      <a:ext uri="{FF2B5EF4-FFF2-40B4-BE49-F238E27FC236}">
+                        <a16:creationId xmlns:a16="http://schemas.microsoft.com/office/drawing/2014/main" id="{B998773E-2B40-09EF-AC08-EF5E040D232F}"/>
+                      </a:ext>
+                    </a:extLst>
+                  </p:cNvPr>
+                  <p:cNvSpPr txBox="1"/>
+                  <p:nvPr/>
+                </p:nvSpPr>
+                <p:spPr>
+                  <a:xfrm>
+                    <a:off x="1371097" y="4111495"/>
+                    <a:ext cx="345514" cy="369332"/>
+                  </a:xfrm>
+                  <a:prstGeom prst="rect">
+                    <a:avLst/>
+                  </a:prstGeom>
+                  <a:noFill/>
+                </p:spPr>
+                <p:txBody>
+                  <a:bodyPr wrap="square" rtlCol="0">
+                    <a:spAutoFit/>
+                  </a:bodyPr>
+                  <a:lstStyle/>
+                  <a:p>
+                    <a:pPr algn="ctr"/>
+                    <a14:m>
+                      <m:oMathPara xmlns:m="http://schemas.openxmlformats.org/officeDocument/2006/math">
+                        <m:oMathParaPr>
+                          <m:jc m:val="centerGroup"/>
+                        </m:oMathParaPr>
+                        <m:oMath xmlns:m="http://schemas.openxmlformats.org/officeDocument/2006/math">
+                          <m:r>
+                            <a:rPr lang="en-GB" b="0" i="1" smtClean="0">
+                              <a:latin typeface="Cambria Math" panose="02040503050406030204" pitchFamily="18" charset="0"/>
+                              <a:cs typeface="Arial"/>
+                            </a:rPr>
+                            <m:t>𝜎</m:t>
+                          </m:r>
+                        </m:oMath>
+                      </m:oMathPara>
+                    </a14:m>
+                    <a:endParaRPr lang="en-GB" dirty="0">
+                      <a:latin typeface="Arial"/>
+                      <a:cs typeface="Arial"/>
+                    </a:endParaRPr>
+                  </a:p>
+                </p:txBody>
+              </p:sp>
+            </mc:Choice>
+            <mc:Fallback xmlns="">
+              <p:sp>
+                <p:nvSpPr>
+                  <p:cNvPr id="117" name="TextBox 116">
+                    <a:extLst>
+                      <a:ext uri="{FF2B5EF4-FFF2-40B4-BE49-F238E27FC236}">
+                        <a16:creationId xmlns:a16="http://schemas.microsoft.com/office/drawing/2014/main" id="{130B65E1-A17F-B00B-6ABC-C076A1D82187}"/>
+                      </a:ext>
+                    </a:extLst>
+                  </p:cNvPr>
+                  <p:cNvSpPr txBox="1">
+                    <a:spLocks noRot="1" noChangeAspect="1" noMove="1" noResize="1" noEditPoints="1" noAdjustHandles="1" noChangeArrowheads="1" noChangeShapeType="1" noTextEdit="1"/>
+                  </p:cNvSpPr>
+                  <p:nvPr/>
+                </p:nvSpPr>
+                <p:spPr>
+                  <a:xfrm>
+                    <a:off x="1371097" y="4111495"/>
+                    <a:ext cx="345514" cy="369332"/>
+                  </a:xfrm>
+                  <a:prstGeom prst="rect">
+                    <a:avLst/>
+                  </a:prstGeom>
+                  <a:blipFill>
+                    <a:blip r:embed="rId5"/>
+                    <a:stretch>
+                      <a:fillRect/>
+                    </a:stretch>
+                  </a:blipFill>
+                </p:spPr>
+                <p:txBody>
+                  <a:bodyPr/>
+                  <a:lstStyle/>
+                  <a:p>
+                    <a:r>
+                      <a:rPr lang="en-GB">
+                        <a:noFill/>
+                      </a:rPr>
+                      <a:t> </a:t>
+                    </a:r>
+                  </a:p>
+                </p:txBody>
+              </p:sp>
+            </mc:Fallback>
+          </mc:AlternateContent>
+          <p:cxnSp>
+            <p:nvCxnSpPr>
+              <p:cNvPr id="24" name="Straight Arrow Connector 23">
+                <a:extLst>
+                  <a:ext uri="{FF2B5EF4-FFF2-40B4-BE49-F238E27FC236}">
+                    <a16:creationId xmlns:a16="http://schemas.microsoft.com/office/drawing/2014/main" id="{DEDC6F22-5B1B-C5C6-E4E5-BA9B751BE815}"/>
+                  </a:ext>
+                </a:extLst>
+              </p:cNvPr>
+              <p:cNvCxnSpPr>
+                <a:cxnSpLocks/>
+                <a:stCxn id="21" idx="2"/>
+                <a:endCxn id="21" idx="6"/>
+              </p:cNvCxnSpPr>
+              <p:nvPr/>
+            </p:nvCxnSpPr>
+            <p:spPr>
+              <a:xfrm>
+                <a:off x="1156527" y="4430413"/>
+                <a:ext cx="718810" cy="0"/>
+              </a:xfrm>
+              <a:prstGeom prst="straightConnector1">
+                <a:avLst/>
+              </a:prstGeom>
+              <a:ln>
+                <a:headEnd type="triangle"/>
+                <a:tailEnd type="triangle"/>
+              </a:ln>
+            </p:spPr>
+            <p:style>
+              <a:lnRef idx="3">
+                <a:schemeClr val="accent2"/>
+              </a:lnRef>
+              <a:fillRef idx="0">
+                <a:schemeClr val="accent2"/>
+              </a:fillRef>
+              <a:effectRef idx="2">
+                <a:schemeClr val="accent2"/>
+              </a:effectRef>
+              <a:fontRef idx="minor">
+                <a:schemeClr val="tx1"/>
+              </a:fontRef>
+            </p:style>
+          </p:cxnSp>
+        </p:grpSp>
+        <p:grpSp>
+          <p:nvGrpSpPr>
+            <p:cNvPr id="25" name="Group 24">
+              <a:extLst>
+                <a:ext uri="{FF2B5EF4-FFF2-40B4-BE49-F238E27FC236}">
+                  <a16:creationId xmlns:a16="http://schemas.microsoft.com/office/drawing/2014/main" id="{8EA10ECE-0479-41BF-D7AE-93FB8DB4BB03}"/>
+                </a:ext>
+              </a:extLst>
+            </p:cNvPr>
+            <p:cNvGrpSpPr/>
+            <p:nvPr/>
+          </p:nvGrpSpPr>
+          <p:grpSpPr>
+            <a:xfrm>
+              <a:off x="7132151" y="4473902"/>
+              <a:ext cx="718810" cy="700237"/>
+              <a:chOff x="1156527" y="4080294"/>
+              <a:chExt cx="718810" cy="700237"/>
+            </a:xfrm>
+          </p:grpSpPr>
+          <p:sp>
+            <p:nvSpPr>
+              <p:cNvPr id="27" name="Oval 26">
+                <a:extLst>
+                  <a:ext uri="{FF2B5EF4-FFF2-40B4-BE49-F238E27FC236}">
+                    <a16:creationId xmlns:a16="http://schemas.microsoft.com/office/drawing/2014/main" id="{5A911665-1F22-2323-E3F7-B7D5BB5F6E79}"/>
+                  </a:ext>
+                </a:extLst>
+              </p:cNvPr>
+              <p:cNvSpPr/>
+              <p:nvPr/>
+            </p:nvSpPr>
+            <p:spPr>
+              <a:xfrm>
+                <a:off x="1156527" y="4080294"/>
+                <a:ext cx="718810" cy="700237"/>
+              </a:xfrm>
+              <a:prstGeom prst="ellipse">
+                <a:avLst/>
+              </a:prstGeom>
+              <a:ln/>
+            </p:spPr>
+            <p:style>
+              <a:lnRef idx="2">
+                <a:schemeClr val="accent1">
+                  <a:shade val="50000"/>
+                </a:schemeClr>
+              </a:lnRef>
+              <a:fillRef idx="1">
+                <a:schemeClr val="accent1"/>
+              </a:fillRef>
+              <a:effectRef idx="0">
+                <a:schemeClr val="accent1"/>
+              </a:effectRef>
+              <a:fontRef idx="minor">
+                <a:schemeClr val="lt1"/>
+              </a:fontRef>
+            </p:style>
+            <p:txBody>
+              <a:bodyPr rtlCol="0" anchor="ctr"/>
+              <a:lstStyle/>
+              <a:p>
+                <a:pPr algn="ctr"/>
+                <a:endParaRPr lang="en-GB"/>
+              </a:p>
+            </p:txBody>
+          </p:sp>
+          <mc:AlternateContent xmlns:mc="http://schemas.openxmlformats.org/markup-compatibility/2006" xmlns:a14="http://schemas.microsoft.com/office/drawing/2010/main">
+            <mc:Choice Requires="a14">
+              <p:sp>
+                <p:nvSpPr>
+                  <p:cNvPr id="28" name="TextBox 27">
+                    <a:extLst>
+                      <a:ext uri="{FF2B5EF4-FFF2-40B4-BE49-F238E27FC236}">
+                        <a16:creationId xmlns:a16="http://schemas.microsoft.com/office/drawing/2014/main" id="{1860F7B2-1337-A71D-C357-315DA8B7325A}"/>
+                      </a:ext>
+                    </a:extLst>
+                  </p:cNvPr>
+                  <p:cNvSpPr txBox="1"/>
+                  <p:nvPr/>
+                </p:nvSpPr>
+                <p:spPr>
+                  <a:xfrm>
+                    <a:off x="1371097" y="4111495"/>
+                    <a:ext cx="345514" cy="369332"/>
+                  </a:xfrm>
+                  <a:prstGeom prst="rect">
+                    <a:avLst/>
+                  </a:prstGeom>
+                  <a:noFill/>
+                </p:spPr>
+                <p:txBody>
+                  <a:bodyPr wrap="square" rtlCol="0">
+                    <a:spAutoFit/>
+                  </a:bodyPr>
+                  <a:lstStyle/>
+                  <a:p>
+                    <a:pPr algn="ctr"/>
+                    <a14:m>
+                      <m:oMathPara xmlns:m="http://schemas.openxmlformats.org/officeDocument/2006/math">
+                        <m:oMathParaPr>
+                          <m:jc m:val="centerGroup"/>
+                        </m:oMathParaPr>
+                        <m:oMath xmlns:m="http://schemas.openxmlformats.org/officeDocument/2006/math">
+                          <m:r>
+                            <a:rPr lang="en-GB" b="0" i="1" smtClean="0">
+                              <a:latin typeface="Cambria Math" panose="02040503050406030204" pitchFamily="18" charset="0"/>
+                              <a:cs typeface="Arial"/>
+                            </a:rPr>
+                            <m:t>𝜎</m:t>
+                          </m:r>
+                        </m:oMath>
+                      </m:oMathPara>
+                    </a14:m>
+                    <a:endParaRPr lang="en-GB" dirty="0">
+                      <a:latin typeface="Arial"/>
+                      <a:cs typeface="Arial"/>
+                    </a:endParaRPr>
+                  </a:p>
+                </p:txBody>
+              </p:sp>
+            </mc:Choice>
+            <mc:Fallback xmlns="">
+              <p:sp>
+                <p:nvSpPr>
+                  <p:cNvPr id="121" name="TextBox 120">
+                    <a:extLst>
+                      <a:ext uri="{FF2B5EF4-FFF2-40B4-BE49-F238E27FC236}">
+                        <a16:creationId xmlns:a16="http://schemas.microsoft.com/office/drawing/2014/main" id="{35B19AEF-DD62-3FCA-DBB1-EA7F6CDAF951}"/>
+                      </a:ext>
+                    </a:extLst>
+                  </p:cNvPr>
+                  <p:cNvSpPr txBox="1">
+                    <a:spLocks noRot="1" noChangeAspect="1" noMove="1" noResize="1" noEditPoints="1" noAdjustHandles="1" noChangeArrowheads="1" noChangeShapeType="1" noTextEdit="1"/>
+                  </p:cNvSpPr>
+                  <p:nvPr/>
+                </p:nvSpPr>
+                <p:spPr>
+                  <a:xfrm>
+                    <a:off x="1371097" y="4111495"/>
+                    <a:ext cx="345514" cy="369332"/>
+                  </a:xfrm>
+                  <a:prstGeom prst="rect">
+                    <a:avLst/>
+                  </a:prstGeom>
+                  <a:blipFill>
+                    <a:blip r:embed="rId6"/>
+                    <a:stretch>
+                      <a:fillRect/>
+                    </a:stretch>
+                  </a:blipFill>
+                </p:spPr>
+                <p:txBody>
+                  <a:bodyPr/>
+                  <a:lstStyle/>
+                  <a:p>
+                    <a:r>
+                      <a:rPr lang="en-GB">
+                        <a:noFill/>
+                      </a:rPr>
+                      <a:t> </a:t>
+                    </a:r>
+                  </a:p>
+                </p:txBody>
+              </p:sp>
+            </mc:Fallback>
+          </mc:AlternateContent>
+          <p:cxnSp>
+            <p:nvCxnSpPr>
+              <p:cNvPr id="30" name="Straight Arrow Connector 29">
+                <a:extLst>
+                  <a:ext uri="{FF2B5EF4-FFF2-40B4-BE49-F238E27FC236}">
+                    <a16:creationId xmlns:a16="http://schemas.microsoft.com/office/drawing/2014/main" id="{5D5B87C1-A4E2-41AB-4BEF-1373C9AFA574}"/>
+                  </a:ext>
+                </a:extLst>
+              </p:cNvPr>
+              <p:cNvCxnSpPr>
+                <a:cxnSpLocks/>
+                <a:stCxn id="27" idx="2"/>
+                <a:endCxn id="27" idx="6"/>
+              </p:cNvCxnSpPr>
+              <p:nvPr/>
+            </p:nvCxnSpPr>
+            <p:spPr>
+              <a:xfrm>
+                <a:off x="1156527" y="4430413"/>
+                <a:ext cx="718810" cy="0"/>
+              </a:xfrm>
+              <a:prstGeom prst="straightConnector1">
+                <a:avLst/>
+              </a:prstGeom>
+              <a:ln>
+                <a:headEnd type="triangle"/>
+                <a:tailEnd type="triangle"/>
+              </a:ln>
+            </p:spPr>
+            <p:style>
+              <a:lnRef idx="3">
+                <a:schemeClr val="accent2"/>
+              </a:lnRef>
+              <a:fillRef idx="0">
+                <a:schemeClr val="accent2"/>
+              </a:fillRef>
+              <a:effectRef idx="2">
+                <a:schemeClr val="accent2"/>
+              </a:effectRef>
+              <a:fontRef idx="minor">
+                <a:schemeClr val="tx1"/>
+              </a:fontRef>
+            </p:style>
+          </p:cxnSp>
+        </p:grpSp>
+        <p:grpSp>
+          <p:nvGrpSpPr>
+            <p:cNvPr id="32" name="Group 31">
+              <a:extLst>
+                <a:ext uri="{FF2B5EF4-FFF2-40B4-BE49-F238E27FC236}">
+                  <a16:creationId xmlns:a16="http://schemas.microsoft.com/office/drawing/2014/main" id="{CC7E533C-8BA9-6AFC-70CF-6CE0912A3D2E}"/>
+                </a:ext>
+              </a:extLst>
+            </p:cNvPr>
+            <p:cNvGrpSpPr/>
+            <p:nvPr/>
+          </p:nvGrpSpPr>
+          <p:grpSpPr>
+            <a:xfrm>
+              <a:off x="6468731" y="4917143"/>
+              <a:ext cx="718810" cy="700237"/>
+              <a:chOff x="1658720" y="4053487"/>
+              <a:chExt cx="718810" cy="700237"/>
+            </a:xfrm>
+          </p:grpSpPr>
+          <p:sp>
+            <p:nvSpPr>
+              <p:cNvPr id="33" name="Oval 32">
+                <a:extLst>
+                  <a:ext uri="{FF2B5EF4-FFF2-40B4-BE49-F238E27FC236}">
+                    <a16:creationId xmlns:a16="http://schemas.microsoft.com/office/drawing/2014/main" id="{676D5862-827C-7EBB-EDE1-BF3A300A1AF9}"/>
+                  </a:ext>
+                </a:extLst>
+              </p:cNvPr>
+              <p:cNvSpPr/>
+              <p:nvPr/>
+            </p:nvSpPr>
+            <p:spPr>
+              <a:xfrm>
+                <a:off x="1658720" y="4053487"/>
+                <a:ext cx="718810" cy="700237"/>
+              </a:xfrm>
+              <a:prstGeom prst="ellipse">
+                <a:avLst/>
+              </a:prstGeom>
+              <a:ln/>
+            </p:spPr>
+            <p:style>
+              <a:lnRef idx="2">
+                <a:schemeClr val="accent1">
+                  <a:shade val="50000"/>
+                </a:schemeClr>
+              </a:lnRef>
+              <a:fillRef idx="1">
+                <a:schemeClr val="accent1"/>
+              </a:fillRef>
+              <a:effectRef idx="0">
+                <a:schemeClr val="accent1"/>
+              </a:effectRef>
+              <a:fontRef idx="minor">
+                <a:schemeClr val="lt1"/>
+              </a:fontRef>
+            </p:style>
+            <p:txBody>
+              <a:bodyPr rtlCol="0" anchor="ctr"/>
+              <a:lstStyle/>
+              <a:p>
+                <a:pPr algn="ctr"/>
+                <a:endParaRPr lang="en-GB" dirty="0"/>
+              </a:p>
+            </p:txBody>
+          </p:sp>
+          <mc:AlternateContent xmlns:mc="http://schemas.openxmlformats.org/markup-compatibility/2006" xmlns:a14="http://schemas.microsoft.com/office/drawing/2010/main">
+            <mc:Choice Requires="a14">
+              <p:sp>
+                <p:nvSpPr>
+                  <p:cNvPr id="34" name="TextBox 33">
+                    <a:extLst>
+                      <a:ext uri="{FF2B5EF4-FFF2-40B4-BE49-F238E27FC236}">
+                        <a16:creationId xmlns:a16="http://schemas.microsoft.com/office/drawing/2014/main" id="{03B6A4CA-4793-2A7B-19B9-4F7E2C184FA0}"/>
+                      </a:ext>
+                    </a:extLst>
+                  </p:cNvPr>
+                  <p:cNvSpPr txBox="1"/>
+                  <p:nvPr/>
+                </p:nvSpPr>
+                <p:spPr>
+                  <a:xfrm>
+                    <a:off x="1782877" y="4084025"/>
+                    <a:ext cx="345514" cy="369332"/>
+                  </a:xfrm>
+                  <a:prstGeom prst="rect">
+                    <a:avLst/>
+                  </a:prstGeom>
+                  <a:noFill/>
+                </p:spPr>
+                <p:txBody>
+                  <a:bodyPr wrap="square" rtlCol="0">
+                    <a:spAutoFit/>
+                  </a:bodyPr>
+                  <a:lstStyle/>
+                  <a:p>
+                    <a:pPr algn="ctr"/>
+                    <a14:m>
+                      <m:oMathPara xmlns:m="http://schemas.openxmlformats.org/officeDocument/2006/math">
+                        <m:oMathParaPr>
+                          <m:jc m:val="centerGroup"/>
+                        </m:oMathParaPr>
+                        <m:oMath xmlns:m="http://schemas.openxmlformats.org/officeDocument/2006/math">
+                          <m:r>
+                            <a:rPr lang="en-GB" b="0" i="1" smtClean="0">
+                              <a:latin typeface="Cambria Math" panose="02040503050406030204" pitchFamily="18" charset="0"/>
+                              <a:cs typeface="Arial"/>
+                            </a:rPr>
+                            <m:t>𝜎</m:t>
+                          </m:r>
+                        </m:oMath>
+                      </m:oMathPara>
+                    </a14:m>
+                    <a:endParaRPr lang="en-GB" dirty="0">
+                      <a:latin typeface="Arial"/>
+                      <a:cs typeface="Arial"/>
+                    </a:endParaRPr>
+                  </a:p>
+                </p:txBody>
+              </p:sp>
+            </mc:Choice>
+            <mc:Fallback xmlns="">
+              <p:sp>
+                <p:nvSpPr>
+                  <p:cNvPr id="34" name="TextBox 33">
+                    <a:extLst>
+                      <a:ext uri="{FF2B5EF4-FFF2-40B4-BE49-F238E27FC236}">
+                        <a16:creationId xmlns:a16="http://schemas.microsoft.com/office/drawing/2014/main" id="{03B6A4CA-4793-2A7B-19B9-4F7E2C184FA0}"/>
+                      </a:ext>
+                    </a:extLst>
+                  </p:cNvPr>
+                  <p:cNvSpPr txBox="1">
+                    <a:spLocks noRot="1" noChangeAspect="1" noMove="1" noResize="1" noEditPoints="1" noAdjustHandles="1" noChangeArrowheads="1" noChangeShapeType="1" noTextEdit="1"/>
+                  </p:cNvSpPr>
+                  <p:nvPr/>
+                </p:nvSpPr>
+                <p:spPr>
+                  <a:xfrm>
+                    <a:off x="1782877" y="4084025"/>
+                    <a:ext cx="345514" cy="369332"/>
+                  </a:xfrm>
+                  <a:prstGeom prst="rect">
+                    <a:avLst/>
+                  </a:prstGeom>
+                  <a:blipFill>
+                    <a:blip r:embed="rId8"/>
+                    <a:stretch>
+                      <a:fillRect/>
+                    </a:stretch>
+                  </a:blipFill>
+                </p:spPr>
+                <p:txBody>
+                  <a:bodyPr/>
+                  <a:lstStyle/>
+                  <a:p>
+                    <a:r>
+                      <a:rPr lang="en-GB">
+                        <a:noFill/>
+                      </a:rPr>
+                      <a:t> </a:t>
+                    </a:r>
+                  </a:p>
+                </p:txBody>
+              </p:sp>
+            </mc:Fallback>
+          </mc:AlternateContent>
+          <p:cxnSp>
+            <p:nvCxnSpPr>
+              <p:cNvPr id="35" name="Straight Arrow Connector 34">
+                <a:extLst>
+                  <a:ext uri="{FF2B5EF4-FFF2-40B4-BE49-F238E27FC236}">
+                    <a16:creationId xmlns:a16="http://schemas.microsoft.com/office/drawing/2014/main" id="{404DBC48-E251-F137-FA5A-1CB380813129}"/>
+                  </a:ext>
+                </a:extLst>
+              </p:cNvPr>
+              <p:cNvCxnSpPr>
+                <a:cxnSpLocks/>
+                <a:stCxn id="33" idx="2"/>
+                <a:endCxn id="33" idx="6"/>
+              </p:cNvCxnSpPr>
+              <p:nvPr/>
+            </p:nvCxnSpPr>
+            <p:spPr>
+              <a:xfrm>
+                <a:off x="1658720" y="4403606"/>
+                <a:ext cx="718810" cy="0"/>
+              </a:xfrm>
+              <a:prstGeom prst="straightConnector1">
+                <a:avLst/>
+              </a:prstGeom>
+              <a:ln>
+                <a:headEnd type="triangle"/>
+                <a:tailEnd type="triangle"/>
+              </a:ln>
+            </p:spPr>
+            <p:style>
+              <a:lnRef idx="3">
+                <a:schemeClr val="accent2"/>
+              </a:lnRef>
+              <a:fillRef idx="0">
+                <a:schemeClr val="accent2"/>
+              </a:fillRef>
+              <a:effectRef idx="2">
+                <a:schemeClr val="accent2"/>
+              </a:effectRef>
+              <a:fontRef idx="minor">
+                <a:schemeClr val="tx1"/>
+              </a:fontRef>
+            </p:style>
+          </p:cxnSp>
+        </p:grpSp>
+        <p:grpSp>
+          <p:nvGrpSpPr>
+            <p:cNvPr id="36" name="Group 35">
+              <a:extLst>
+                <a:ext uri="{FF2B5EF4-FFF2-40B4-BE49-F238E27FC236}">
+                  <a16:creationId xmlns:a16="http://schemas.microsoft.com/office/drawing/2014/main" id="{2007AFF3-4C77-4B6B-E392-321BB26372A7}"/>
+                </a:ext>
+              </a:extLst>
+            </p:cNvPr>
+            <p:cNvGrpSpPr/>
+            <p:nvPr/>
+          </p:nvGrpSpPr>
+          <p:grpSpPr>
+            <a:xfrm>
+              <a:off x="6755083" y="4925127"/>
+              <a:ext cx="718810" cy="700237"/>
+              <a:chOff x="1156527" y="4080294"/>
+              <a:chExt cx="718810" cy="700237"/>
+            </a:xfrm>
+          </p:grpSpPr>
+          <p:sp>
+            <p:nvSpPr>
+              <p:cNvPr id="37" name="Oval 36">
+                <a:extLst>
+                  <a:ext uri="{FF2B5EF4-FFF2-40B4-BE49-F238E27FC236}">
+                    <a16:creationId xmlns:a16="http://schemas.microsoft.com/office/drawing/2014/main" id="{4C40BB4C-D51F-05D8-A462-9509F442574C}"/>
+                  </a:ext>
+                </a:extLst>
+              </p:cNvPr>
+              <p:cNvSpPr/>
+              <p:nvPr/>
+            </p:nvSpPr>
+            <p:spPr>
+              <a:xfrm>
+                <a:off x="1156527" y="4080294"/>
+                <a:ext cx="718810" cy="700237"/>
+              </a:xfrm>
+              <a:prstGeom prst="ellipse">
+                <a:avLst/>
+              </a:prstGeom>
+              <a:ln/>
+            </p:spPr>
+            <p:style>
+              <a:lnRef idx="2">
+                <a:schemeClr val="accent1">
+                  <a:shade val="50000"/>
+                </a:schemeClr>
+              </a:lnRef>
+              <a:fillRef idx="1">
+                <a:schemeClr val="accent1"/>
+              </a:fillRef>
+              <a:effectRef idx="0">
+                <a:schemeClr val="accent1"/>
+              </a:effectRef>
+              <a:fontRef idx="minor">
+                <a:schemeClr val="lt1"/>
+              </a:fontRef>
+            </p:style>
+            <p:txBody>
+              <a:bodyPr rtlCol="0" anchor="ctr"/>
+              <a:lstStyle/>
+              <a:p>
+                <a:pPr algn="ctr"/>
+                <a:endParaRPr lang="en-GB"/>
+              </a:p>
+            </p:txBody>
+          </p:sp>
+          <mc:AlternateContent xmlns:mc="http://schemas.openxmlformats.org/markup-compatibility/2006" xmlns:a14="http://schemas.microsoft.com/office/drawing/2010/main">
+            <mc:Choice Requires="a14">
+              <p:sp>
+                <p:nvSpPr>
+                  <p:cNvPr id="38" name="TextBox 37">
+                    <a:extLst>
+                      <a:ext uri="{FF2B5EF4-FFF2-40B4-BE49-F238E27FC236}">
+                        <a16:creationId xmlns:a16="http://schemas.microsoft.com/office/drawing/2014/main" id="{20A33611-1424-C231-0D7D-B566AEBA0183}"/>
+                      </a:ext>
+                    </a:extLst>
+                  </p:cNvPr>
+                  <p:cNvSpPr txBox="1"/>
+                  <p:nvPr/>
+                </p:nvSpPr>
+                <p:spPr>
+                  <a:xfrm>
+                    <a:off x="1371097" y="4111495"/>
+                    <a:ext cx="345514" cy="369332"/>
+                  </a:xfrm>
+                  <a:prstGeom prst="rect">
+                    <a:avLst/>
+                  </a:prstGeom>
+                  <a:noFill/>
+                </p:spPr>
+                <p:txBody>
+                  <a:bodyPr wrap="square" rtlCol="0">
+                    <a:spAutoFit/>
+                  </a:bodyPr>
+                  <a:lstStyle/>
+                  <a:p>
+                    <a:pPr algn="ctr"/>
+                    <a14:m>
+                      <m:oMathPara xmlns:m="http://schemas.openxmlformats.org/officeDocument/2006/math">
+                        <m:oMathParaPr>
+                          <m:jc m:val="centerGroup"/>
+                        </m:oMathParaPr>
+                        <m:oMath xmlns:m="http://schemas.openxmlformats.org/officeDocument/2006/math">
+                          <m:r>
+                            <a:rPr lang="en-GB" b="0" i="1" smtClean="0">
+                              <a:latin typeface="Cambria Math" panose="02040503050406030204" pitchFamily="18" charset="0"/>
+                              <a:cs typeface="Arial"/>
+                            </a:rPr>
+                            <m:t>𝜎</m:t>
+                          </m:r>
+                        </m:oMath>
+                      </m:oMathPara>
+                    </a14:m>
+                    <a:endParaRPr lang="en-GB" dirty="0">
+                      <a:latin typeface="Arial"/>
+                      <a:cs typeface="Arial"/>
+                    </a:endParaRPr>
+                  </a:p>
+                </p:txBody>
+              </p:sp>
+            </mc:Choice>
+            <mc:Fallback xmlns="">
+              <p:sp>
+                <p:nvSpPr>
+                  <p:cNvPr id="117" name="TextBox 116">
+                    <a:extLst>
+                      <a:ext uri="{FF2B5EF4-FFF2-40B4-BE49-F238E27FC236}">
+                        <a16:creationId xmlns:a16="http://schemas.microsoft.com/office/drawing/2014/main" id="{130B65E1-A17F-B00B-6ABC-C076A1D82187}"/>
+                      </a:ext>
+                    </a:extLst>
+                  </p:cNvPr>
+                  <p:cNvSpPr txBox="1">
+                    <a:spLocks noRot="1" noChangeAspect="1" noMove="1" noResize="1" noEditPoints="1" noAdjustHandles="1" noChangeArrowheads="1" noChangeShapeType="1" noTextEdit="1"/>
+                  </p:cNvSpPr>
+                  <p:nvPr/>
+                </p:nvSpPr>
+                <p:spPr>
+                  <a:xfrm>
+                    <a:off x="1371097" y="4111495"/>
+                    <a:ext cx="345514" cy="369332"/>
+                  </a:xfrm>
+                  <a:prstGeom prst="rect">
+                    <a:avLst/>
+                  </a:prstGeom>
+                  <a:blipFill>
+                    <a:blip r:embed="rId5"/>
+                    <a:stretch>
+                      <a:fillRect/>
+                    </a:stretch>
+                  </a:blipFill>
+                </p:spPr>
+                <p:txBody>
+                  <a:bodyPr/>
+                  <a:lstStyle/>
+                  <a:p>
+                    <a:r>
+                      <a:rPr lang="en-GB">
+                        <a:noFill/>
+                      </a:rPr>
+                      <a:t> </a:t>
+                    </a:r>
+                  </a:p>
+                </p:txBody>
+              </p:sp>
+            </mc:Fallback>
+          </mc:AlternateContent>
+          <p:cxnSp>
+            <p:nvCxnSpPr>
+              <p:cNvPr id="39" name="Straight Arrow Connector 38">
+                <a:extLst>
+                  <a:ext uri="{FF2B5EF4-FFF2-40B4-BE49-F238E27FC236}">
+                    <a16:creationId xmlns:a16="http://schemas.microsoft.com/office/drawing/2014/main" id="{AE17CBF2-78AC-205C-7438-C09022D056E7}"/>
+                  </a:ext>
+                </a:extLst>
+              </p:cNvPr>
+              <p:cNvCxnSpPr>
+                <a:cxnSpLocks/>
+                <a:stCxn id="37" idx="2"/>
+                <a:endCxn id="37" idx="6"/>
+              </p:cNvCxnSpPr>
+              <p:nvPr/>
+            </p:nvCxnSpPr>
+            <p:spPr>
+              <a:xfrm>
+                <a:off x="1156527" y="4430413"/>
+                <a:ext cx="718810" cy="0"/>
+              </a:xfrm>
+              <a:prstGeom prst="straightConnector1">
+                <a:avLst/>
+              </a:prstGeom>
+              <a:ln>
+                <a:headEnd type="triangle"/>
+                <a:tailEnd type="triangle"/>
+              </a:ln>
+            </p:spPr>
+            <p:style>
+              <a:lnRef idx="3">
+                <a:schemeClr val="accent2"/>
+              </a:lnRef>
+              <a:fillRef idx="0">
+                <a:schemeClr val="accent2"/>
+              </a:fillRef>
+              <a:effectRef idx="2">
+                <a:schemeClr val="accent2"/>
+              </a:effectRef>
+              <a:fontRef idx="minor">
+                <a:schemeClr val="tx1"/>
+              </a:fontRef>
+            </p:style>
+          </p:cxnSp>
+        </p:grpSp>
+        <p:grpSp>
+          <p:nvGrpSpPr>
+            <p:cNvPr id="41" name="Group 40">
+              <a:extLst>
+                <a:ext uri="{FF2B5EF4-FFF2-40B4-BE49-F238E27FC236}">
+                  <a16:creationId xmlns:a16="http://schemas.microsoft.com/office/drawing/2014/main" id="{D68037E4-F9C0-284A-724E-BD96C0236A92}"/>
+                </a:ext>
+              </a:extLst>
+            </p:cNvPr>
+            <p:cNvGrpSpPr/>
+            <p:nvPr/>
+          </p:nvGrpSpPr>
+          <p:grpSpPr>
+            <a:xfrm>
+              <a:off x="7149360" y="4951068"/>
+              <a:ext cx="718810" cy="700237"/>
+              <a:chOff x="1156527" y="4080294"/>
+              <a:chExt cx="718810" cy="700237"/>
+            </a:xfrm>
+          </p:grpSpPr>
+          <p:sp>
+            <p:nvSpPr>
+              <p:cNvPr id="42" name="Oval 41">
+                <a:extLst>
+                  <a:ext uri="{FF2B5EF4-FFF2-40B4-BE49-F238E27FC236}">
+                    <a16:creationId xmlns:a16="http://schemas.microsoft.com/office/drawing/2014/main" id="{1D1275F8-B321-7653-3251-72BCA822756D}"/>
+                  </a:ext>
+                </a:extLst>
+              </p:cNvPr>
+              <p:cNvSpPr/>
+              <p:nvPr/>
+            </p:nvSpPr>
+            <p:spPr>
+              <a:xfrm>
+                <a:off x="1156527" y="4080294"/>
+                <a:ext cx="718810" cy="700237"/>
+              </a:xfrm>
+              <a:prstGeom prst="ellipse">
+                <a:avLst/>
+              </a:prstGeom>
+              <a:ln/>
+            </p:spPr>
+            <p:style>
+              <a:lnRef idx="2">
+                <a:schemeClr val="accent1">
+                  <a:shade val="50000"/>
+                </a:schemeClr>
+              </a:lnRef>
+              <a:fillRef idx="1">
+                <a:schemeClr val="accent1"/>
+              </a:fillRef>
+              <a:effectRef idx="0">
+                <a:schemeClr val="accent1"/>
+              </a:effectRef>
+              <a:fontRef idx="minor">
+                <a:schemeClr val="lt1"/>
+              </a:fontRef>
+            </p:style>
+            <p:txBody>
+              <a:bodyPr rtlCol="0" anchor="ctr"/>
+              <a:lstStyle/>
+              <a:p>
+                <a:pPr algn="ctr"/>
+                <a:endParaRPr lang="en-GB"/>
+              </a:p>
+            </p:txBody>
+          </p:sp>
+          <mc:AlternateContent xmlns:mc="http://schemas.openxmlformats.org/markup-compatibility/2006">
+            <mc:Choice xmlns:a14="http://schemas.microsoft.com/office/drawing/2010/main" Requires="a14">
+              <p:sp>
+                <p:nvSpPr>
+                  <p:cNvPr id="44" name="TextBox 43">
+                    <a:extLst>
+                      <a:ext uri="{FF2B5EF4-FFF2-40B4-BE49-F238E27FC236}">
+                        <a16:creationId xmlns:a16="http://schemas.microsoft.com/office/drawing/2014/main" id="{E13751CB-6EAD-D747-5E84-6AA4CFC681B4}"/>
+                      </a:ext>
+                    </a:extLst>
+                  </p:cNvPr>
+                  <p:cNvSpPr txBox="1"/>
+                  <p:nvPr/>
+                </p:nvSpPr>
+                <p:spPr>
+                  <a:xfrm>
+                    <a:off x="1382939" y="4357226"/>
+                    <a:ext cx="345514" cy="369332"/>
+                  </a:xfrm>
+                  <a:prstGeom prst="rect">
+                    <a:avLst/>
+                  </a:prstGeom>
+                  <a:noFill/>
+                </p:spPr>
+                <p:txBody>
+                  <a:bodyPr wrap="square" rtlCol="0">
+                    <a:spAutoFit/>
+                  </a:bodyPr>
+                  <a:lstStyle/>
+                  <a:p>
+                    <a:pPr algn="ctr"/>
+                    <a14:m>
+                      <m:oMathPara xmlns:m="http://schemas.openxmlformats.org/officeDocument/2006/math">
+                        <m:oMathParaPr>
+                          <m:jc m:val="centerGroup"/>
+                        </m:oMathParaPr>
+                        <m:oMath xmlns:m="http://schemas.openxmlformats.org/officeDocument/2006/math">
+                          <m:r>
+                            <a:rPr lang="en-GB" b="0" i="1" smtClean="0">
+                              <a:latin typeface="Cambria Math" panose="02040503050406030204" pitchFamily="18" charset="0"/>
+                              <a:cs typeface="Arial"/>
+                            </a:rPr>
+                            <m:t>𝜎</m:t>
+                          </m:r>
+                        </m:oMath>
+                      </m:oMathPara>
+                    </a14:m>
+                    <a:endParaRPr lang="en-GB" dirty="0">
+                      <a:latin typeface="Arial"/>
+                      <a:cs typeface="Arial"/>
+                    </a:endParaRPr>
+                  </a:p>
+                </p:txBody>
+              </p:sp>
+            </mc:Choice>
+            <mc:Fallback>
+              <p:sp>
+                <p:nvSpPr>
+                  <p:cNvPr id="44" name="TextBox 43">
+                    <a:extLst>
+                      <a:ext uri="{FF2B5EF4-FFF2-40B4-BE49-F238E27FC236}">
+                        <a16:creationId xmlns:a16="http://schemas.microsoft.com/office/drawing/2014/main" id="{E13751CB-6EAD-D747-5E84-6AA4CFC681B4}"/>
+                      </a:ext>
+                    </a:extLst>
+                  </p:cNvPr>
+                  <p:cNvSpPr txBox="1">
+                    <a:spLocks noRot="1" noChangeAspect="1" noMove="1" noResize="1" noEditPoints="1" noAdjustHandles="1" noChangeArrowheads="1" noChangeShapeType="1" noTextEdit="1"/>
+                  </p:cNvSpPr>
+                  <p:nvPr/>
+                </p:nvSpPr>
+                <p:spPr>
+                  <a:xfrm>
+                    <a:off x="1382939" y="4357226"/>
+                    <a:ext cx="345514" cy="369332"/>
+                  </a:xfrm>
+                  <a:prstGeom prst="rect">
+                    <a:avLst/>
+                  </a:prstGeom>
+                  <a:blipFill>
+                    <a:blip r:embed="rId9"/>
+                    <a:stretch>
+                      <a:fillRect/>
+                    </a:stretch>
+                  </a:blipFill>
+                </p:spPr>
+                <p:txBody>
+                  <a:bodyPr/>
+                  <a:lstStyle/>
+                  <a:p>
+                    <a:r>
+                      <a:rPr lang="en-GB">
+                        <a:noFill/>
+                      </a:rPr>
+                      <a:t> </a:t>
+                    </a:r>
+                  </a:p>
+                </p:txBody>
+              </p:sp>
+            </mc:Fallback>
+          </mc:AlternateContent>
+          <p:cxnSp>
+            <p:nvCxnSpPr>
+              <p:cNvPr id="45" name="Straight Arrow Connector 44">
+                <a:extLst>
+                  <a:ext uri="{FF2B5EF4-FFF2-40B4-BE49-F238E27FC236}">
+                    <a16:creationId xmlns:a16="http://schemas.microsoft.com/office/drawing/2014/main" id="{CF742B58-90F6-CF0F-CD7C-10BE929425E9}"/>
+                  </a:ext>
+                </a:extLst>
+              </p:cNvPr>
+              <p:cNvCxnSpPr>
+                <a:cxnSpLocks/>
+                <a:stCxn id="42" idx="2"/>
+                <a:endCxn id="42" idx="6"/>
+              </p:cNvCxnSpPr>
+              <p:nvPr/>
+            </p:nvCxnSpPr>
+            <p:spPr>
+              <a:xfrm>
+                <a:off x="1156527" y="4430413"/>
+                <a:ext cx="718810" cy="0"/>
+              </a:xfrm>
+              <a:prstGeom prst="straightConnector1">
+                <a:avLst/>
+              </a:prstGeom>
+              <a:ln>
+                <a:headEnd type="triangle"/>
+                <a:tailEnd type="triangle"/>
+              </a:ln>
+            </p:spPr>
+            <p:style>
+              <a:lnRef idx="3">
+                <a:schemeClr val="accent2"/>
+              </a:lnRef>
+              <a:fillRef idx="0">
+                <a:schemeClr val="accent2"/>
+              </a:fillRef>
+              <a:effectRef idx="2">
+                <a:schemeClr val="accent2"/>
+              </a:effectRef>
+              <a:fontRef idx="minor">
+                <a:schemeClr val="tx1"/>
+              </a:fontRef>
+            </p:style>
+          </p:cxnSp>
+        </p:grpSp>
+        <p:grpSp>
+          <p:nvGrpSpPr>
+            <p:cNvPr id="46" name="Group 45">
+              <a:extLst>
+                <a:ext uri="{FF2B5EF4-FFF2-40B4-BE49-F238E27FC236}">
+                  <a16:creationId xmlns:a16="http://schemas.microsoft.com/office/drawing/2014/main" id="{D7E14FCD-B46B-2273-50C3-4DFA9FDC78DC}"/>
+                </a:ext>
+              </a:extLst>
+            </p:cNvPr>
+            <p:cNvGrpSpPr/>
+            <p:nvPr/>
+          </p:nvGrpSpPr>
+          <p:grpSpPr>
+            <a:xfrm>
+              <a:off x="5978309" y="4424316"/>
+              <a:ext cx="718810" cy="700237"/>
+              <a:chOff x="1156527" y="4080294"/>
+              <a:chExt cx="718810" cy="700237"/>
+            </a:xfrm>
+          </p:grpSpPr>
+          <p:sp>
+            <p:nvSpPr>
+              <p:cNvPr id="48" name="Oval 47">
+                <a:extLst>
+                  <a:ext uri="{FF2B5EF4-FFF2-40B4-BE49-F238E27FC236}">
+                    <a16:creationId xmlns:a16="http://schemas.microsoft.com/office/drawing/2014/main" id="{AD193655-2524-F65D-6D8F-79CB2A941D13}"/>
+                  </a:ext>
+                </a:extLst>
+              </p:cNvPr>
+              <p:cNvSpPr/>
+              <p:nvPr/>
+            </p:nvSpPr>
+            <p:spPr>
+              <a:xfrm>
+                <a:off x="1156527" y="4080294"/>
+                <a:ext cx="718810" cy="700237"/>
+              </a:xfrm>
+              <a:prstGeom prst="ellipse">
+                <a:avLst/>
+              </a:prstGeom>
+              <a:ln/>
+            </p:spPr>
+            <p:style>
+              <a:lnRef idx="2">
+                <a:schemeClr val="accent1">
+                  <a:shade val="50000"/>
+                </a:schemeClr>
+              </a:lnRef>
+              <a:fillRef idx="1">
+                <a:schemeClr val="accent1"/>
+              </a:fillRef>
+              <a:effectRef idx="0">
+                <a:schemeClr val="accent1"/>
+              </a:effectRef>
+              <a:fontRef idx="minor">
+                <a:schemeClr val="lt1"/>
+              </a:fontRef>
+            </p:style>
+            <p:txBody>
+              <a:bodyPr rtlCol="0" anchor="ctr"/>
+              <a:lstStyle/>
+              <a:p>
+                <a:pPr algn="ctr"/>
+                <a:endParaRPr lang="en-GB"/>
+              </a:p>
+            </p:txBody>
+          </p:sp>
+          <mc:AlternateContent xmlns:mc="http://schemas.openxmlformats.org/markup-compatibility/2006" xmlns:a14="http://schemas.microsoft.com/office/drawing/2010/main">
+            <mc:Choice Requires="a14">
+              <p:sp>
+                <p:nvSpPr>
+                  <p:cNvPr id="49" name="TextBox 48">
+                    <a:extLst>
+                      <a:ext uri="{FF2B5EF4-FFF2-40B4-BE49-F238E27FC236}">
+                        <a16:creationId xmlns:a16="http://schemas.microsoft.com/office/drawing/2014/main" id="{5B63B079-F38E-0624-370D-75770FA7EACE}"/>
+                      </a:ext>
+                    </a:extLst>
+                  </p:cNvPr>
+                  <p:cNvSpPr txBox="1"/>
+                  <p:nvPr/>
+                </p:nvSpPr>
+                <p:spPr>
+                  <a:xfrm>
+                    <a:off x="1371097" y="4111495"/>
+                    <a:ext cx="345514" cy="369332"/>
+                  </a:xfrm>
+                  <a:prstGeom prst="rect">
+                    <a:avLst/>
+                  </a:prstGeom>
+                  <a:noFill/>
+                </p:spPr>
+                <p:txBody>
+                  <a:bodyPr wrap="square" rtlCol="0">
+                    <a:spAutoFit/>
+                  </a:bodyPr>
+                  <a:lstStyle/>
+                  <a:p>
+                    <a:pPr algn="ctr"/>
+                    <a14:m>
+                      <m:oMathPara xmlns:m="http://schemas.openxmlformats.org/officeDocument/2006/math">
+                        <m:oMathParaPr>
+                          <m:jc m:val="centerGroup"/>
+                        </m:oMathParaPr>
+                        <m:oMath xmlns:m="http://schemas.openxmlformats.org/officeDocument/2006/math">
+                          <m:r>
+                            <a:rPr lang="en-GB" b="0" i="1" smtClean="0">
+                              <a:latin typeface="Cambria Math" panose="02040503050406030204" pitchFamily="18" charset="0"/>
+                              <a:cs typeface="Arial"/>
+                            </a:rPr>
+                            <m:t>𝜎</m:t>
+                          </m:r>
+                        </m:oMath>
+                      </m:oMathPara>
+                    </a14:m>
+                    <a:endParaRPr lang="en-GB" dirty="0">
+                      <a:latin typeface="Arial"/>
+                      <a:cs typeface="Arial"/>
+                    </a:endParaRPr>
+                  </a:p>
+                </p:txBody>
+              </p:sp>
+            </mc:Choice>
+            <mc:Fallback xmlns="">
+              <p:sp>
+                <p:nvSpPr>
+                  <p:cNvPr id="117" name="TextBox 116">
+                    <a:extLst>
+                      <a:ext uri="{FF2B5EF4-FFF2-40B4-BE49-F238E27FC236}">
+                        <a16:creationId xmlns:a16="http://schemas.microsoft.com/office/drawing/2014/main" id="{130B65E1-A17F-B00B-6ABC-C076A1D82187}"/>
+                      </a:ext>
+                    </a:extLst>
+                  </p:cNvPr>
+                  <p:cNvSpPr txBox="1">
+                    <a:spLocks noRot="1" noChangeAspect="1" noMove="1" noResize="1" noEditPoints="1" noAdjustHandles="1" noChangeArrowheads="1" noChangeShapeType="1" noTextEdit="1"/>
+                  </p:cNvSpPr>
+                  <p:nvPr/>
+                </p:nvSpPr>
+                <p:spPr>
+                  <a:xfrm>
+                    <a:off x="1371097" y="4111495"/>
+                    <a:ext cx="345514" cy="369332"/>
+                  </a:xfrm>
+                  <a:prstGeom prst="rect">
+                    <a:avLst/>
+                  </a:prstGeom>
+                  <a:blipFill>
+                    <a:blip r:embed="rId5"/>
+                    <a:stretch>
+                      <a:fillRect/>
+                    </a:stretch>
+                  </a:blipFill>
+                </p:spPr>
+                <p:txBody>
+                  <a:bodyPr/>
+                  <a:lstStyle/>
+                  <a:p>
+                    <a:r>
+                      <a:rPr lang="en-GB">
+                        <a:noFill/>
+                      </a:rPr>
+                      <a:t> </a:t>
+                    </a:r>
+                  </a:p>
+                </p:txBody>
+              </p:sp>
+            </mc:Fallback>
+          </mc:AlternateContent>
+          <p:cxnSp>
+            <p:nvCxnSpPr>
+              <p:cNvPr id="50" name="Straight Arrow Connector 49">
+                <a:extLst>
+                  <a:ext uri="{FF2B5EF4-FFF2-40B4-BE49-F238E27FC236}">
+                    <a16:creationId xmlns:a16="http://schemas.microsoft.com/office/drawing/2014/main" id="{D6AA66BC-8908-BC6D-4CBA-645046B83264}"/>
+                  </a:ext>
+                </a:extLst>
+              </p:cNvPr>
+              <p:cNvCxnSpPr>
+                <a:cxnSpLocks/>
+                <a:stCxn id="48" idx="2"/>
+                <a:endCxn id="48" idx="6"/>
+              </p:cNvCxnSpPr>
+              <p:nvPr/>
+            </p:nvCxnSpPr>
+            <p:spPr>
+              <a:xfrm>
+                <a:off x="1156527" y="4430413"/>
+                <a:ext cx="718810" cy="0"/>
+              </a:xfrm>
+              <a:prstGeom prst="straightConnector1">
+                <a:avLst/>
+              </a:prstGeom>
+              <a:ln>
+                <a:headEnd type="triangle"/>
+                <a:tailEnd type="triangle"/>
+              </a:ln>
+            </p:spPr>
+            <p:style>
+              <a:lnRef idx="3">
+                <a:schemeClr val="accent2"/>
+              </a:lnRef>
+              <a:fillRef idx="0">
+                <a:schemeClr val="accent2"/>
+              </a:fillRef>
+              <a:effectRef idx="2">
+                <a:schemeClr val="accent2"/>
+              </a:effectRef>
+              <a:fontRef idx="minor">
+                <a:schemeClr val="tx1"/>
+              </a:fontRef>
+            </p:style>
+          </p:cxnSp>
+        </p:grpSp>
+        <p:grpSp>
+          <p:nvGrpSpPr>
+            <p:cNvPr id="51" name="Group 50">
+              <a:extLst>
+                <a:ext uri="{FF2B5EF4-FFF2-40B4-BE49-F238E27FC236}">
+                  <a16:creationId xmlns:a16="http://schemas.microsoft.com/office/drawing/2014/main" id="{FE0D6C65-942E-A0E9-226F-0FEC5387F13E}"/>
+                </a:ext>
+              </a:extLst>
+            </p:cNvPr>
+            <p:cNvGrpSpPr/>
+            <p:nvPr/>
+          </p:nvGrpSpPr>
+          <p:grpSpPr>
+            <a:xfrm>
+              <a:off x="5973803" y="3790960"/>
+              <a:ext cx="718810" cy="700237"/>
+              <a:chOff x="1156527" y="4080294"/>
+              <a:chExt cx="718810" cy="700237"/>
+            </a:xfrm>
+          </p:grpSpPr>
+          <p:sp>
+            <p:nvSpPr>
+              <p:cNvPr id="52" name="Oval 51">
+                <a:extLst>
+                  <a:ext uri="{FF2B5EF4-FFF2-40B4-BE49-F238E27FC236}">
+                    <a16:creationId xmlns:a16="http://schemas.microsoft.com/office/drawing/2014/main" id="{A85CCC9B-61B5-3FDB-89C5-0FF4A03778E7}"/>
+                  </a:ext>
+                </a:extLst>
+              </p:cNvPr>
+              <p:cNvSpPr/>
+              <p:nvPr/>
+            </p:nvSpPr>
+            <p:spPr>
+              <a:xfrm>
+                <a:off x="1156527" y="4080294"/>
+                <a:ext cx="718810" cy="700237"/>
+              </a:xfrm>
+              <a:prstGeom prst="ellipse">
+                <a:avLst/>
+              </a:prstGeom>
+              <a:ln/>
+            </p:spPr>
+            <p:style>
+              <a:lnRef idx="2">
+                <a:schemeClr val="accent1">
+                  <a:shade val="50000"/>
+                </a:schemeClr>
+              </a:lnRef>
+              <a:fillRef idx="1">
+                <a:schemeClr val="accent1"/>
+              </a:fillRef>
+              <a:effectRef idx="0">
+                <a:schemeClr val="accent1"/>
+              </a:effectRef>
+              <a:fontRef idx="minor">
+                <a:schemeClr val="lt1"/>
+              </a:fontRef>
+            </p:style>
+            <p:txBody>
+              <a:bodyPr rtlCol="0" anchor="ctr"/>
+              <a:lstStyle/>
+              <a:p>
+                <a:pPr algn="ctr"/>
+                <a:endParaRPr lang="en-GB"/>
+              </a:p>
+            </p:txBody>
+          </p:sp>
+          <mc:AlternateContent xmlns:mc="http://schemas.openxmlformats.org/markup-compatibility/2006" xmlns:a14="http://schemas.microsoft.com/office/drawing/2010/main">
+            <mc:Choice Requires="a14">
+              <p:sp>
+                <p:nvSpPr>
+                  <p:cNvPr id="54" name="TextBox 53">
+                    <a:extLst>
+                      <a:ext uri="{FF2B5EF4-FFF2-40B4-BE49-F238E27FC236}">
+                        <a16:creationId xmlns:a16="http://schemas.microsoft.com/office/drawing/2014/main" id="{B1227CED-AF4A-6402-2D64-307DDE8384B2}"/>
+                      </a:ext>
+                    </a:extLst>
+                  </p:cNvPr>
+                  <p:cNvSpPr txBox="1"/>
+                  <p:nvPr/>
+                </p:nvSpPr>
+                <p:spPr>
+                  <a:xfrm>
+                    <a:off x="1371097" y="4111495"/>
+                    <a:ext cx="345514" cy="369332"/>
+                  </a:xfrm>
+                  <a:prstGeom prst="rect">
+                    <a:avLst/>
+                  </a:prstGeom>
+                  <a:noFill/>
+                </p:spPr>
+                <p:txBody>
+                  <a:bodyPr wrap="square" rtlCol="0">
+                    <a:spAutoFit/>
+                  </a:bodyPr>
+                  <a:lstStyle/>
+                  <a:p>
+                    <a:pPr algn="ctr"/>
+                    <a14:m>
+                      <m:oMathPara xmlns:m="http://schemas.openxmlformats.org/officeDocument/2006/math">
+                        <m:oMathParaPr>
+                          <m:jc m:val="centerGroup"/>
+                        </m:oMathParaPr>
+                        <m:oMath xmlns:m="http://schemas.openxmlformats.org/officeDocument/2006/math">
+                          <m:r>
+                            <a:rPr lang="en-GB" b="0" i="1" smtClean="0">
+                              <a:latin typeface="Cambria Math" panose="02040503050406030204" pitchFamily="18" charset="0"/>
+                              <a:cs typeface="Arial"/>
+                            </a:rPr>
+                            <m:t>𝜎</m:t>
+                          </m:r>
+                        </m:oMath>
+                      </m:oMathPara>
+                    </a14:m>
+                    <a:endParaRPr lang="en-GB" dirty="0">
+                      <a:latin typeface="Arial"/>
+                      <a:cs typeface="Arial"/>
+                    </a:endParaRPr>
+                  </a:p>
+                </p:txBody>
+              </p:sp>
+            </mc:Choice>
+            <mc:Fallback xmlns="">
+              <p:sp>
+                <p:nvSpPr>
+                  <p:cNvPr id="117" name="TextBox 116">
+                    <a:extLst>
+                      <a:ext uri="{FF2B5EF4-FFF2-40B4-BE49-F238E27FC236}">
+                        <a16:creationId xmlns:a16="http://schemas.microsoft.com/office/drawing/2014/main" id="{130B65E1-A17F-B00B-6ABC-C076A1D82187}"/>
+                      </a:ext>
+                    </a:extLst>
+                  </p:cNvPr>
+                  <p:cNvSpPr txBox="1">
+                    <a:spLocks noRot="1" noChangeAspect="1" noMove="1" noResize="1" noEditPoints="1" noAdjustHandles="1" noChangeArrowheads="1" noChangeShapeType="1" noTextEdit="1"/>
+                  </p:cNvSpPr>
+                  <p:nvPr/>
+                </p:nvSpPr>
+                <p:spPr>
+                  <a:xfrm>
+                    <a:off x="1371097" y="4111495"/>
+                    <a:ext cx="345514" cy="369332"/>
+                  </a:xfrm>
+                  <a:prstGeom prst="rect">
+                    <a:avLst/>
+                  </a:prstGeom>
+                  <a:blipFill>
+                    <a:blip r:embed="rId5"/>
+                    <a:stretch>
+                      <a:fillRect/>
+                    </a:stretch>
+                  </a:blipFill>
+                </p:spPr>
+                <p:txBody>
+                  <a:bodyPr/>
+                  <a:lstStyle/>
+                  <a:p>
+                    <a:r>
+                      <a:rPr lang="en-GB">
+                        <a:noFill/>
+                      </a:rPr>
+                      <a:t> </a:t>
+                    </a:r>
+                  </a:p>
+                </p:txBody>
+              </p:sp>
+            </mc:Fallback>
+          </mc:AlternateContent>
+          <p:cxnSp>
+            <p:nvCxnSpPr>
+              <p:cNvPr id="55" name="Straight Arrow Connector 54">
+                <a:extLst>
+                  <a:ext uri="{FF2B5EF4-FFF2-40B4-BE49-F238E27FC236}">
+                    <a16:creationId xmlns:a16="http://schemas.microsoft.com/office/drawing/2014/main" id="{C90A7011-DF6F-7360-5B02-8D0412E3ADAD}"/>
+                  </a:ext>
+                </a:extLst>
+              </p:cNvPr>
+              <p:cNvCxnSpPr>
+                <a:cxnSpLocks/>
+                <a:stCxn id="52" idx="2"/>
+                <a:endCxn id="52" idx="6"/>
+              </p:cNvCxnSpPr>
+              <p:nvPr/>
+            </p:nvCxnSpPr>
+            <p:spPr>
+              <a:xfrm>
+                <a:off x="1156527" y="4430413"/>
+                <a:ext cx="718810" cy="0"/>
+              </a:xfrm>
+              <a:prstGeom prst="straightConnector1">
+                <a:avLst/>
+              </a:prstGeom>
+              <a:ln>
+                <a:headEnd type="triangle"/>
+                <a:tailEnd type="triangle"/>
+              </a:ln>
+            </p:spPr>
+            <p:style>
+              <a:lnRef idx="3">
+                <a:schemeClr val="accent2"/>
+              </a:lnRef>
+              <a:fillRef idx="0">
+                <a:schemeClr val="accent2"/>
+              </a:fillRef>
+              <a:effectRef idx="2">
+                <a:schemeClr val="accent2"/>
+              </a:effectRef>
+              <a:fontRef idx="minor">
+                <a:schemeClr val="tx1"/>
+              </a:fontRef>
+            </p:style>
+          </p:cxnSp>
+        </p:grpSp>
+        <p:grpSp>
+          <p:nvGrpSpPr>
+            <p:cNvPr id="57" name="Group 56">
+              <a:extLst>
+                <a:ext uri="{FF2B5EF4-FFF2-40B4-BE49-F238E27FC236}">
+                  <a16:creationId xmlns:a16="http://schemas.microsoft.com/office/drawing/2014/main" id="{96D37290-1994-A81E-62BA-8A6E4BB6BD82}"/>
+                </a:ext>
+              </a:extLst>
+            </p:cNvPr>
+            <p:cNvGrpSpPr/>
+            <p:nvPr/>
+          </p:nvGrpSpPr>
+          <p:grpSpPr>
+            <a:xfrm>
+              <a:off x="6547778" y="3760421"/>
+              <a:ext cx="718810" cy="700237"/>
+              <a:chOff x="1156527" y="4080294"/>
+              <a:chExt cx="718810" cy="700237"/>
+            </a:xfrm>
+          </p:grpSpPr>
+          <p:sp>
+            <p:nvSpPr>
+              <p:cNvPr id="58" name="Oval 57">
+                <a:extLst>
+                  <a:ext uri="{FF2B5EF4-FFF2-40B4-BE49-F238E27FC236}">
+                    <a16:creationId xmlns:a16="http://schemas.microsoft.com/office/drawing/2014/main" id="{592F4636-7C88-E841-8B06-823A6D72AEA6}"/>
+                  </a:ext>
+                </a:extLst>
+              </p:cNvPr>
+              <p:cNvSpPr/>
+              <p:nvPr/>
+            </p:nvSpPr>
+            <p:spPr>
+              <a:xfrm>
+                <a:off x="1156527" y="4080294"/>
+                <a:ext cx="718810" cy="700237"/>
+              </a:xfrm>
+              <a:prstGeom prst="ellipse">
+                <a:avLst/>
+              </a:prstGeom>
+              <a:ln/>
+            </p:spPr>
+            <p:style>
+              <a:lnRef idx="2">
+                <a:schemeClr val="accent1">
+                  <a:shade val="50000"/>
+                </a:schemeClr>
+              </a:lnRef>
+              <a:fillRef idx="1">
+                <a:schemeClr val="accent1"/>
+              </a:fillRef>
+              <a:effectRef idx="0">
+                <a:schemeClr val="accent1"/>
+              </a:effectRef>
+              <a:fontRef idx="minor">
+                <a:schemeClr val="lt1"/>
+              </a:fontRef>
+            </p:style>
+            <p:txBody>
+              <a:bodyPr rtlCol="0" anchor="ctr"/>
+              <a:lstStyle/>
+              <a:p>
+                <a:pPr algn="ctr"/>
+                <a:endParaRPr lang="en-GB"/>
+              </a:p>
+            </p:txBody>
+          </p:sp>
+          <mc:AlternateContent xmlns:mc="http://schemas.openxmlformats.org/markup-compatibility/2006" xmlns:a14="http://schemas.microsoft.com/office/drawing/2010/main">
+            <mc:Choice Requires="a14">
+              <p:sp>
+                <p:nvSpPr>
+                  <p:cNvPr id="59" name="TextBox 58">
+                    <a:extLst>
+                      <a:ext uri="{FF2B5EF4-FFF2-40B4-BE49-F238E27FC236}">
+                        <a16:creationId xmlns:a16="http://schemas.microsoft.com/office/drawing/2014/main" id="{A3FD357B-9FC9-D981-BDC3-EDAB4FC3CE21}"/>
+                      </a:ext>
+                    </a:extLst>
+                  </p:cNvPr>
+                  <p:cNvSpPr txBox="1"/>
+                  <p:nvPr/>
+                </p:nvSpPr>
+                <p:spPr>
+                  <a:xfrm>
+                    <a:off x="1371097" y="4111495"/>
+                    <a:ext cx="345514" cy="369332"/>
+                  </a:xfrm>
+                  <a:prstGeom prst="rect">
+                    <a:avLst/>
+                  </a:prstGeom>
+                  <a:noFill/>
+                </p:spPr>
+                <p:txBody>
+                  <a:bodyPr wrap="square" rtlCol="0">
+                    <a:spAutoFit/>
+                  </a:bodyPr>
+                  <a:lstStyle/>
+                  <a:p>
+                    <a:pPr algn="ctr"/>
+                    <a14:m>
+                      <m:oMathPara xmlns:m="http://schemas.openxmlformats.org/officeDocument/2006/math">
+                        <m:oMathParaPr>
+                          <m:jc m:val="centerGroup"/>
+                        </m:oMathParaPr>
+                        <m:oMath xmlns:m="http://schemas.openxmlformats.org/officeDocument/2006/math">
+                          <m:r>
+                            <a:rPr lang="en-GB" b="0" i="1" smtClean="0">
+                              <a:latin typeface="Cambria Math" panose="02040503050406030204" pitchFamily="18" charset="0"/>
+                              <a:cs typeface="Arial"/>
+                            </a:rPr>
+                            <m:t>𝜎</m:t>
+                          </m:r>
+                        </m:oMath>
+                      </m:oMathPara>
+                    </a14:m>
+                    <a:endParaRPr lang="en-GB" dirty="0">
+                      <a:latin typeface="Arial"/>
+                      <a:cs typeface="Arial"/>
+                    </a:endParaRPr>
+                  </a:p>
+                </p:txBody>
+              </p:sp>
+            </mc:Choice>
+            <mc:Fallback xmlns="">
+              <p:sp>
+                <p:nvSpPr>
+                  <p:cNvPr id="117" name="TextBox 116">
+                    <a:extLst>
+                      <a:ext uri="{FF2B5EF4-FFF2-40B4-BE49-F238E27FC236}">
+                        <a16:creationId xmlns:a16="http://schemas.microsoft.com/office/drawing/2014/main" id="{130B65E1-A17F-B00B-6ABC-C076A1D82187}"/>
+                      </a:ext>
+                    </a:extLst>
+                  </p:cNvPr>
+                  <p:cNvSpPr txBox="1">
+                    <a:spLocks noRot="1" noChangeAspect="1" noMove="1" noResize="1" noEditPoints="1" noAdjustHandles="1" noChangeArrowheads="1" noChangeShapeType="1" noTextEdit="1"/>
+                  </p:cNvSpPr>
+                  <p:nvPr/>
+                </p:nvSpPr>
+                <p:spPr>
+                  <a:xfrm>
+                    <a:off x="1371097" y="4111495"/>
+                    <a:ext cx="345514" cy="369332"/>
+                  </a:xfrm>
+                  <a:prstGeom prst="rect">
+                    <a:avLst/>
+                  </a:prstGeom>
+                  <a:blipFill>
+                    <a:blip r:embed="rId5"/>
+                    <a:stretch>
+                      <a:fillRect/>
+                    </a:stretch>
+                  </a:blipFill>
+                </p:spPr>
+                <p:txBody>
+                  <a:bodyPr/>
+                  <a:lstStyle/>
+                  <a:p>
+                    <a:r>
+                      <a:rPr lang="en-GB">
+                        <a:noFill/>
+                      </a:rPr>
+                      <a:t> </a:t>
+                    </a:r>
+                  </a:p>
+                </p:txBody>
+              </p:sp>
+            </mc:Fallback>
+          </mc:AlternateContent>
+          <p:cxnSp>
+            <p:nvCxnSpPr>
+              <p:cNvPr id="60" name="Straight Arrow Connector 59">
+                <a:extLst>
+                  <a:ext uri="{FF2B5EF4-FFF2-40B4-BE49-F238E27FC236}">
+                    <a16:creationId xmlns:a16="http://schemas.microsoft.com/office/drawing/2014/main" id="{58841C3E-6D35-6063-EEF4-2EDB3E8C9703}"/>
+                  </a:ext>
+                </a:extLst>
+              </p:cNvPr>
+              <p:cNvCxnSpPr>
+                <a:cxnSpLocks/>
+                <a:stCxn id="58" idx="2"/>
+                <a:endCxn id="58" idx="6"/>
+              </p:cNvCxnSpPr>
+              <p:nvPr/>
+            </p:nvCxnSpPr>
+            <p:spPr>
+              <a:xfrm>
+                <a:off x="1156527" y="4430413"/>
+                <a:ext cx="718810" cy="0"/>
+              </a:xfrm>
+              <a:prstGeom prst="straightConnector1">
+                <a:avLst/>
+              </a:prstGeom>
+              <a:ln>
+                <a:headEnd type="triangle"/>
+                <a:tailEnd type="triangle"/>
+              </a:ln>
+            </p:spPr>
+            <p:style>
+              <a:lnRef idx="3">
+                <a:schemeClr val="accent2"/>
+              </a:lnRef>
+              <a:fillRef idx="0">
+                <a:schemeClr val="accent2"/>
+              </a:fillRef>
+              <a:effectRef idx="2">
+                <a:schemeClr val="accent2"/>
+              </a:effectRef>
+              <a:fontRef idx="minor">
+                <a:schemeClr val="tx1"/>
+              </a:fontRef>
+            </p:style>
+          </p:cxnSp>
+        </p:grpSp>
+        <p:grpSp>
+          <p:nvGrpSpPr>
+            <p:cNvPr id="61" name="Group 60">
+              <a:extLst>
+                <a:ext uri="{FF2B5EF4-FFF2-40B4-BE49-F238E27FC236}">
+                  <a16:creationId xmlns:a16="http://schemas.microsoft.com/office/drawing/2014/main" id="{E64BF561-2ACD-7292-C246-D7BE3E32AEF1}"/>
+                </a:ext>
+              </a:extLst>
+            </p:cNvPr>
+            <p:cNvGrpSpPr/>
+            <p:nvPr/>
+          </p:nvGrpSpPr>
+          <p:grpSpPr>
+            <a:xfrm>
+              <a:off x="7121032" y="3794690"/>
+              <a:ext cx="718810" cy="700237"/>
+              <a:chOff x="1156527" y="4080294"/>
+              <a:chExt cx="718810" cy="700237"/>
+            </a:xfrm>
+          </p:grpSpPr>
+          <p:sp>
+            <p:nvSpPr>
+              <p:cNvPr id="62" name="Oval 61">
+                <a:extLst>
+                  <a:ext uri="{FF2B5EF4-FFF2-40B4-BE49-F238E27FC236}">
+                    <a16:creationId xmlns:a16="http://schemas.microsoft.com/office/drawing/2014/main" id="{85BFF00E-7063-EB33-C846-BCA007921039}"/>
+                  </a:ext>
+                </a:extLst>
+              </p:cNvPr>
+              <p:cNvSpPr/>
+              <p:nvPr/>
+            </p:nvSpPr>
+            <p:spPr>
+              <a:xfrm>
+                <a:off x="1156527" y="4080294"/>
+                <a:ext cx="718810" cy="700237"/>
+              </a:xfrm>
+              <a:prstGeom prst="ellipse">
+                <a:avLst/>
+              </a:prstGeom>
+              <a:ln/>
+            </p:spPr>
+            <p:style>
+              <a:lnRef idx="2">
+                <a:schemeClr val="accent1">
+                  <a:shade val="50000"/>
+                </a:schemeClr>
+              </a:lnRef>
+              <a:fillRef idx="1">
+                <a:schemeClr val="accent1"/>
+              </a:fillRef>
+              <a:effectRef idx="0">
+                <a:schemeClr val="accent1"/>
+              </a:effectRef>
+              <a:fontRef idx="minor">
+                <a:schemeClr val="lt1"/>
+              </a:fontRef>
+            </p:style>
+            <p:txBody>
+              <a:bodyPr rtlCol="0" anchor="ctr"/>
+              <a:lstStyle/>
+              <a:p>
+                <a:pPr algn="ctr"/>
+                <a:endParaRPr lang="en-GB"/>
+              </a:p>
+            </p:txBody>
+          </p:sp>
+          <mc:AlternateContent xmlns:mc="http://schemas.openxmlformats.org/markup-compatibility/2006" xmlns:a14="http://schemas.microsoft.com/office/drawing/2010/main">
+            <mc:Choice Requires="a14">
+              <p:sp>
+                <p:nvSpPr>
+                  <p:cNvPr id="63" name="TextBox 62">
+                    <a:extLst>
+                      <a:ext uri="{FF2B5EF4-FFF2-40B4-BE49-F238E27FC236}">
+                        <a16:creationId xmlns:a16="http://schemas.microsoft.com/office/drawing/2014/main" id="{04745D18-A990-EB6D-D3CF-4248D8A88342}"/>
+                      </a:ext>
+                    </a:extLst>
+                  </p:cNvPr>
+                  <p:cNvSpPr txBox="1"/>
+                  <p:nvPr/>
+                </p:nvSpPr>
+                <p:spPr>
+                  <a:xfrm>
+                    <a:off x="1371097" y="4111495"/>
+                    <a:ext cx="345514" cy="369332"/>
+                  </a:xfrm>
+                  <a:prstGeom prst="rect">
+                    <a:avLst/>
+                  </a:prstGeom>
+                  <a:noFill/>
+                </p:spPr>
+                <p:txBody>
+                  <a:bodyPr wrap="square" rtlCol="0">
+                    <a:spAutoFit/>
+                  </a:bodyPr>
+                  <a:lstStyle/>
+                  <a:p>
+                    <a:pPr algn="ctr"/>
+                    <a14:m>
+                      <m:oMathPara xmlns:m="http://schemas.openxmlformats.org/officeDocument/2006/math">
+                        <m:oMathParaPr>
+                          <m:jc m:val="centerGroup"/>
+                        </m:oMathParaPr>
+                        <m:oMath xmlns:m="http://schemas.openxmlformats.org/officeDocument/2006/math">
+                          <m:r>
+                            <a:rPr lang="en-GB" b="0" i="1" smtClean="0">
+                              <a:latin typeface="Cambria Math" panose="02040503050406030204" pitchFamily="18" charset="0"/>
+                              <a:cs typeface="Arial"/>
+                            </a:rPr>
+                            <m:t>𝜎</m:t>
+                          </m:r>
+                        </m:oMath>
+                      </m:oMathPara>
+                    </a14:m>
+                    <a:endParaRPr lang="en-GB" dirty="0">
+                      <a:latin typeface="Arial"/>
+                      <a:cs typeface="Arial"/>
+                    </a:endParaRPr>
+                  </a:p>
+                </p:txBody>
+              </p:sp>
+            </mc:Choice>
+            <mc:Fallback xmlns="">
+              <p:sp>
+                <p:nvSpPr>
+                  <p:cNvPr id="117" name="TextBox 116">
+                    <a:extLst>
+                      <a:ext uri="{FF2B5EF4-FFF2-40B4-BE49-F238E27FC236}">
+                        <a16:creationId xmlns:a16="http://schemas.microsoft.com/office/drawing/2014/main" id="{130B65E1-A17F-B00B-6ABC-C076A1D82187}"/>
+                      </a:ext>
+                    </a:extLst>
+                  </p:cNvPr>
+                  <p:cNvSpPr txBox="1">
+                    <a:spLocks noRot="1" noChangeAspect="1" noMove="1" noResize="1" noEditPoints="1" noAdjustHandles="1" noChangeArrowheads="1" noChangeShapeType="1" noTextEdit="1"/>
+                  </p:cNvSpPr>
+                  <p:nvPr/>
+                </p:nvSpPr>
+                <p:spPr>
+                  <a:xfrm>
+                    <a:off x="1371097" y="4111495"/>
+                    <a:ext cx="345514" cy="369332"/>
+                  </a:xfrm>
+                  <a:prstGeom prst="rect">
+                    <a:avLst/>
+                  </a:prstGeom>
+                  <a:blipFill>
+                    <a:blip r:embed="rId5"/>
+                    <a:stretch>
+                      <a:fillRect/>
+                    </a:stretch>
+                  </a:blipFill>
+                </p:spPr>
+                <p:txBody>
+                  <a:bodyPr/>
+                  <a:lstStyle/>
+                  <a:p>
+                    <a:r>
+                      <a:rPr lang="en-GB">
+                        <a:noFill/>
+                      </a:rPr>
+                      <a:t> </a:t>
+                    </a:r>
+                  </a:p>
+                </p:txBody>
+              </p:sp>
+            </mc:Fallback>
+          </mc:AlternateContent>
+          <p:cxnSp>
+            <p:nvCxnSpPr>
+              <p:cNvPr id="64" name="Straight Arrow Connector 63">
+                <a:extLst>
+                  <a:ext uri="{FF2B5EF4-FFF2-40B4-BE49-F238E27FC236}">
+                    <a16:creationId xmlns:a16="http://schemas.microsoft.com/office/drawing/2014/main" id="{700700C7-F899-94CA-76C7-957A4D510833}"/>
+                  </a:ext>
+                </a:extLst>
+              </p:cNvPr>
+              <p:cNvCxnSpPr>
+                <a:cxnSpLocks/>
+                <a:stCxn id="62" idx="2"/>
+                <a:endCxn id="62" idx="6"/>
+              </p:cNvCxnSpPr>
+              <p:nvPr/>
+            </p:nvCxnSpPr>
+            <p:spPr>
+              <a:xfrm>
+                <a:off x="1156527" y="4430413"/>
+                <a:ext cx="718810" cy="0"/>
+              </a:xfrm>
+              <a:prstGeom prst="straightConnector1">
+                <a:avLst/>
+              </a:prstGeom>
+              <a:ln>
+                <a:headEnd type="triangle"/>
+                <a:tailEnd type="triangle"/>
+              </a:ln>
+            </p:spPr>
+            <p:style>
+              <a:lnRef idx="3">
+                <a:schemeClr val="accent2"/>
+              </a:lnRef>
+              <a:fillRef idx="0">
+                <a:schemeClr val="accent2"/>
+              </a:fillRef>
+              <a:effectRef idx="2">
+                <a:schemeClr val="accent2"/>
+              </a:effectRef>
+              <a:fontRef idx="minor">
+                <a:schemeClr val="tx1"/>
+              </a:fontRef>
+            </p:style>
+          </p:cxnSp>
+        </p:grpSp>
       </p:grpSp>
-      <p:grpSp>
-        <p:nvGrpSpPr>
-          <p:cNvPr id="119" name="Group 118">
+      <p:sp>
+        <p:nvSpPr>
+          <p:cNvPr id="67" name="Arrow: Right 66">
             <a:extLst>
               <a:ext uri="{FF2B5EF4-FFF2-40B4-BE49-F238E27FC236}">
-                <a16:creationId xmlns:a16="http://schemas.microsoft.com/office/drawing/2014/main" id="{478E9E69-243B-B892-67E2-2C512FC35494}"/>
+                <a16:creationId xmlns:a16="http://schemas.microsoft.com/office/drawing/2014/main" id="{D9655010-DCF9-4AC2-18E0-8CBD2A2E5FF4}"/>
               </a:ext>
             </a:extLst>
           </p:cNvPr>
-          <p:cNvGrpSpPr/>
+          <p:cNvSpPr/>
           <p:nvPr/>
-        </p:nvGrpSpPr>
-        <p:grpSpPr>
+        </p:nvSpPr>
+        <p:spPr>
           <a:xfrm>
-            <a:off x="2117080" y="4301128"/>
-            <a:ext cx="718810" cy="700237"/>
-            <a:chOff x="1156527" y="4080294"/>
-            <a:chExt cx="718810" cy="700237"/>
+            <a:off x="4115372" y="4373249"/>
+            <a:ext cx="1387056" cy="619450"/>
           </a:xfrm>
-        </p:grpSpPr>
-        <p:sp>
-          <p:nvSpPr>
-            <p:cNvPr id="120" name="Oval 119">
-              <a:extLst>
-                <a:ext uri="{FF2B5EF4-FFF2-40B4-BE49-F238E27FC236}">
-                  <a16:creationId xmlns:a16="http://schemas.microsoft.com/office/drawing/2014/main" id="{CFA68E18-A40B-8D48-A667-A55CCEF90DBD}"/>
-                </a:ext>
-              </a:extLst>
-            </p:cNvPr>
-            <p:cNvSpPr/>
-            <p:nvPr/>
-          </p:nvSpPr>
-          <p:spPr>
-            <a:xfrm>
-              <a:off x="1156527" y="4080294"/>
-              <a:ext cx="718810" cy="700237"/>
-            </a:xfrm>
-            <a:prstGeom prst="ellipse">
-              <a:avLst/>
-            </a:prstGeom>
-            <a:ln/>
-          </p:spPr>
-          <p:style>
-            <a:lnRef idx="2">
-              <a:schemeClr val="accent1">
-                <a:shade val="50000"/>
-              </a:schemeClr>
-            </a:lnRef>
-            <a:fillRef idx="1">
-              <a:schemeClr val="accent1"/>
-            </a:fillRef>
-            <a:effectRef idx="0">
-              <a:schemeClr val="accent1"/>
-            </a:effectRef>
-            <a:fontRef idx="minor">
-              <a:schemeClr val="lt1"/>
-            </a:fontRef>
-          </p:style>
-          <p:txBody>
-            <a:bodyPr rtlCol="0" anchor="ctr"/>
-            <a:lstStyle/>
-            <a:p>
-              <a:pPr algn="ctr"/>
-              <a:endParaRPr lang="en-GB"/>
-            </a:p>
-          </p:txBody>
-        </p:sp>
-        <mc:AlternateContent xmlns:mc="http://schemas.openxmlformats.org/markup-compatibility/2006">
-          <mc:Choice xmlns:a14="http://schemas.microsoft.com/office/drawing/2010/main" Requires="a14">
-            <p:sp>
-              <p:nvSpPr>
-                <p:cNvPr id="121" name="TextBox 120">
-                  <a:extLst>
-                    <a:ext uri="{FF2B5EF4-FFF2-40B4-BE49-F238E27FC236}">
-                      <a16:creationId xmlns:a16="http://schemas.microsoft.com/office/drawing/2014/main" id="{35B19AEF-DD62-3FCA-DBB1-EA7F6CDAF951}"/>
-                    </a:ext>
-                  </a:extLst>
-                </p:cNvPr>
-                <p:cNvSpPr txBox="1"/>
-                <p:nvPr/>
-              </p:nvSpPr>
-              <p:spPr>
-                <a:xfrm>
-                  <a:off x="1371097" y="4111495"/>
-                  <a:ext cx="345514" cy="369332"/>
-                </a:xfrm>
-                <a:prstGeom prst="rect">
-                  <a:avLst/>
-                </a:prstGeom>
-                <a:noFill/>
-              </p:spPr>
-              <p:txBody>
-                <a:bodyPr wrap="square" rtlCol="0">
-                  <a:spAutoFit/>
-                </a:bodyPr>
-                <a:lstStyle/>
-                <a:p>
-                  <a:pPr algn="ctr"/>
-                  <a14:m>
-                    <m:oMathPara xmlns:m="http://schemas.openxmlformats.org/officeDocument/2006/math">
-                      <m:oMathParaPr>
-                        <m:jc m:val="centerGroup"/>
-                      </m:oMathParaPr>
-                      <m:oMath xmlns:m="http://schemas.openxmlformats.org/officeDocument/2006/math">
-                        <m:r>
-                          <a:rPr lang="en-GB" b="0" i="1" smtClean="0">
-                            <a:latin typeface="Cambria Math" panose="02040503050406030204" pitchFamily="18" charset="0"/>
-                            <a:cs typeface="Arial"/>
-                          </a:rPr>
-                          <m:t>𝜎</m:t>
-                        </m:r>
-                      </m:oMath>
-                    </m:oMathPara>
-                  </a14:m>
-                  <a:endParaRPr lang="en-GB" dirty="0">
-                    <a:latin typeface="Arial"/>
-                    <a:cs typeface="Arial"/>
-                  </a:endParaRPr>
-                </a:p>
-              </p:txBody>
-            </p:sp>
-          </mc:Choice>
-          <mc:Fallback>
-            <p:sp>
-              <p:nvSpPr>
-                <p:cNvPr id="121" name="TextBox 120">
-                  <a:extLst>
-                    <a:ext uri="{FF2B5EF4-FFF2-40B4-BE49-F238E27FC236}">
-                      <a16:creationId xmlns:a16="http://schemas.microsoft.com/office/drawing/2014/main" id="{35B19AEF-DD62-3FCA-DBB1-EA7F6CDAF951}"/>
-                    </a:ext>
-                  </a:extLst>
-                </p:cNvPr>
-                <p:cNvSpPr txBox="1">
-                  <a:spLocks noRot="1" noChangeAspect="1" noMove="1" noResize="1" noEditPoints="1" noAdjustHandles="1" noChangeArrowheads="1" noChangeShapeType="1" noTextEdit="1"/>
-                </p:cNvSpPr>
-                <p:nvPr/>
-              </p:nvSpPr>
-              <p:spPr>
-                <a:xfrm>
-                  <a:off x="1371097" y="4111495"/>
-                  <a:ext cx="345514" cy="369332"/>
-                </a:xfrm>
-                <a:prstGeom prst="rect">
-                  <a:avLst/>
-                </a:prstGeom>
-                <a:blipFill>
-                  <a:blip r:embed="rId6"/>
-                  <a:stretch>
-                    <a:fillRect/>
-                  </a:stretch>
-                </a:blipFill>
-              </p:spPr>
-              <p:txBody>
-                <a:bodyPr/>
-                <a:lstStyle/>
-                <a:p>
-                  <a:r>
-                    <a:rPr lang="en-GB">
-                      <a:noFill/>
-                    </a:rPr>
-                    <a:t> </a:t>
-                  </a:r>
-                </a:p>
-              </p:txBody>
-            </p:sp>
-          </mc:Fallback>
-        </mc:AlternateContent>
-        <p:cxnSp>
-          <p:nvCxnSpPr>
-            <p:cNvPr id="122" name="Straight Arrow Connector 121">
-              <a:extLst>
-                <a:ext uri="{FF2B5EF4-FFF2-40B4-BE49-F238E27FC236}">
-                  <a16:creationId xmlns:a16="http://schemas.microsoft.com/office/drawing/2014/main" id="{E63CFD4F-C740-4D84-40F9-00FCE78424AA}"/>
-                </a:ext>
-              </a:extLst>
-            </p:cNvPr>
-            <p:cNvCxnSpPr>
-              <a:cxnSpLocks/>
-              <a:stCxn id="120" idx="2"/>
-              <a:endCxn id="120" idx="6"/>
-            </p:cNvCxnSpPr>
-            <p:nvPr/>
-          </p:nvCxnSpPr>
-          <p:spPr>
-            <a:xfrm>
-              <a:off x="1156527" y="4430413"/>
-              <a:ext cx="718810" cy="0"/>
-            </a:xfrm>
-            <a:prstGeom prst="straightConnector1">
-              <a:avLst/>
-            </a:prstGeom>
-            <a:ln>
-              <a:headEnd type="triangle"/>
-              <a:tailEnd type="triangle"/>
-            </a:ln>
-          </p:spPr>
-          <p:style>
-            <a:lnRef idx="3">
-              <a:schemeClr val="accent2"/>
-            </a:lnRef>
-            <a:fillRef idx="0">
-              <a:schemeClr val="accent2"/>
-            </a:fillRef>
-            <a:effectRef idx="2">
-              <a:schemeClr val="accent2"/>
-            </a:effectRef>
-            <a:fontRef idx="minor">
-              <a:schemeClr val="tx1"/>
-            </a:fontRef>
-          </p:style>
-        </p:cxnSp>
-      </p:grpSp>
+          <a:prstGeom prst="rightArrow">
+            <a:avLst/>
+          </a:prstGeom>
+          <a:ln>
+            <a:noFill/>
+          </a:ln>
+        </p:spPr>
+        <p:style>
+          <a:lnRef idx="3">
+            <a:schemeClr val="lt1"/>
+          </a:lnRef>
+          <a:fillRef idx="1">
+            <a:schemeClr val="accent1"/>
+          </a:fillRef>
+          <a:effectRef idx="1">
+            <a:schemeClr val="accent1"/>
+          </a:effectRef>
+          <a:fontRef idx="minor">
+            <a:schemeClr val="lt1"/>
+          </a:fontRef>
+        </p:style>
+        <p:txBody>
+          <a:bodyPr rtlCol="0" anchor="ctr"/>
+          <a:lstStyle/>
+          <a:p>
+            <a:pPr algn="ctr"/>
+            <a:endParaRPr lang="en-GB"/>
+          </a:p>
+        </p:txBody>
+      </p:sp>
+      <mc:AlternateContent xmlns:mc="http://schemas.openxmlformats.org/markup-compatibility/2006" xmlns:a14="http://schemas.microsoft.com/office/drawing/2010/main">
+        <mc:Choice Requires="a14">
+          <p:sp>
+            <p:nvSpPr>
+              <p:cNvPr id="68" name="TextBox 67">
+                <a:extLst>
+                  <a:ext uri="{FF2B5EF4-FFF2-40B4-BE49-F238E27FC236}">
+                    <a16:creationId xmlns:a16="http://schemas.microsoft.com/office/drawing/2014/main" id="{E475A339-F31A-95C5-00C5-714639695513}"/>
+                  </a:ext>
+                </a:extLst>
+              </p:cNvPr>
+              <p:cNvSpPr txBox="1"/>
+              <p:nvPr/>
+            </p:nvSpPr>
+            <p:spPr>
+              <a:xfrm>
+                <a:off x="3794266" y="3957368"/>
+                <a:ext cx="1885479" cy="369332"/>
+              </a:xfrm>
+              <a:prstGeom prst="rect">
+                <a:avLst/>
+              </a:prstGeom>
+              <a:noFill/>
+            </p:spPr>
+            <p:txBody>
+              <a:bodyPr wrap="square" rtlCol="0">
+                <a:spAutoFit/>
+              </a:bodyPr>
+              <a:lstStyle/>
+              <a:p>
+                <a:pPr algn="ctr"/>
+                <a14:m>
+                  <m:oMathPara xmlns:m="http://schemas.openxmlformats.org/officeDocument/2006/math">
+                    <m:oMathParaPr>
+                      <m:jc m:val="centerGroup"/>
+                    </m:oMathParaPr>
+                    <m:oMath xmlns:m="http://schemas.openxmlformats.org/officeDocument/2006/math">
+                      <m:r>
+                        <a:rPr lang="en-GB" b="0" i="1" smtClean="0">
+                          <a:latin typeface="Cambria Math" panose="02040503050406030204" pitchFamily="18" charset="0"/>
+                          <a:cs typeface="Arial"/>
+                        </a:rPr>
+                        <m:t>𝜂</m:t>
+                      </m:r>
+                      <m:r>
+                        <a:rPr lang="en-GB" b="0" i="1" smtClean="0">
+                          <a:latin typeface="Cambria Math" panose="02040503050406030204" pitchFamily="18" charset="0"/>
+                          <a:cs typeface="Arial"/>
+                        </a:rPr>
+                        <m:t>→1</m:t>
+                      </m:r>
+                    </m:oMath>
+                  </m:oMathPara>
+                </a14:m>
+                <a:endParaRPr lang="en-GB" dirty="0">
+                  <a:latin typeface="Arial"/>
+                  <a:cs typeface="Arial"/>
+                </a:endParaRPr>
+              </a:p>
+            </p:txBody>
+          </p:sp>
+        </mc:Choice>
+        <mc:Fallback xmlns="">
+          <p:sp>
+            <p:nvSpPr>
+              <p:cNvPr id="68" name="TextBox 67">
+                <a:extLst>
+                  <a:ext uri="{FF2B5EF4-FFF2-40B4-BE49-F238E27FC236}">
+                    <a16:creationId xmlns:a16="http://schemas.microsoft.com/office/drawing/2014/main" id="{E475A339-F31A-95C5-00C5-714639695513}"/>
+                  </a:ext>
+                </a:extLst>
+              </p:cNvPr>
+              <p:cNvSpPr txBox="1">
+                <a:spLocks noRot="1" noChangeAspect="1" noMove="1" noResize="1" noEditPoints="1" noAdjustHandles="1" noChangeArrowheads="1" noChangeShapeType="1" noTextEdit="1"/>
+              </p:cNvSpPr>
+              <p:nvPr/>
+            </p:nvSpPr>
+            <p:spPr>
+              <a:xfrm>
+                <a:off x="3794266" y="3957368"/>
+                <a:ext cx="1885479" cy="369332"/>
+              </a:xfrm>
+              <a:prstGeom prst="rect">
+                <a:avLst/>
+              </a:prstGeom>
+              <a:blipFill>
+                <a:blip r:embed="rId10"/>
+                <a:stretch>
+                  <a:fillRect b="-8197"/>
+                </a:stretch>
+              </a:blipFill>
+            </p:spPr>
+            <p:txBody>
+              <a:bodyPr/>
+              <a:lstStyle/>
+              <a:p>
+                <a:r>
+                  <a:rPr lang="en-GB">
+                    <a:noFill/>
+                  </a:rPr>
+                  <a:t> </a:t>
+                </a:r>
+              </a:p>
+            </p:txBody>
+          </p:sp>
+        </mc:Fallback>
+      </mc:AlternateContent>
+      <p:sp>
+        <p:nvSpPr>
+          <p:cNvPr id="76" name="TextBox 75">
+            <a:extLst>
+              <a:ext uri="{FF2B5EF4-FFF2-40B4-BE49-F238E27FC236}">
+                <a16:creationId xmlns:a16="http://schemas.microsoft.com/office/drawing/2014/main" id="{507552B8-DC2B-3958-903F-ABC42591B1DF}"/>
+              </a:ext>
+            </a:extLst>
+          </p:cNvPr>
+          <p:cNvSpPr txBox="1"/>
+          <p:nvPr/>
+        </p:nvSpPr>
+        <p:spPr>
+          <a:xfrm>
+            <a:off x="3783139" y="4953257"/>
+            <a:ext cx="1885479" cy="646331"/>
+          </a:xfrm>
+          <a:prstGeom prst="rect">
+            <a:avLst/>
+          </a:prstGeom>
+          <a:noFill/>
+        </p:spPr>
+        <p:txBody>
+          <a:bodyPr wrap="square" rtlCol="0">
+            <a:spAutoFit/>
+          </a:bodyPr>
+          <a:lstStyle/>
+          <a:p>
+            <a:pPr algn="ctr"/>
+            <a:r>
+              <a:rPr lang="en-GB" i="1" u="sng" dirty="0">
+                <a:latin typeface="Arial"/>
+                <a:cs typeface="Arial"/>
+              </a:rPr>
+              <a:t>An unphysical lower-bound</a:t>
+            </a:r>
+          </a:p>
+        </p:txBody>
+      </p:sp>
     </p:spTree>
     <p:extLst>
       <p:ext uri="{BB962C8B-B14F-4D97-AF65-F5344CB8AC3E}">
@@ -12117,8 +13992,8 @@
           </a:p>
         </p:txBody>
       </p:sp>
-      <mc:AlternateContent xmlns:mc="http://schemas.openxmlformats.org/markup-compatibility/2006">
-        <mc:Choice xmlns:a14="http://schemas.microsoft.com/office/drawing/2010/main" Requires="a14">
+      <mc:AlternateContent xmlns:mc="http://schemas.openxmlformats.org/markup-compatibility/2006" xmlns:a14="http://schemas.microsoft.com/office/drawing/2010/main">
+        <mc:Choice Requires="a14">
           <p:sp>
             <p:nvSpPr>
               <p:cNvPr id="3" name="Content Placeholder 2">
@@ -12304,7 +14179,7 @@
                         <m:eqArr>
                           <m:eqArrPr>
                             <m:ctrlPr>
-                              <a:rPr lang="en-GB" b="0" i="0" smtClean="0">
+                              <a:rPr lang="en-GB" b="0" i="1" smtClean="0">
                                 <a:latin typeface="Cambria Math" panose="02040503050406030204" pitchFamily="18" charset="0"/>
                               </a:rPr>
                             </m:ctrlPr>
@@ -12412,7 +14287,7 @@
                         <m:eqArr>
                           <m:eqArrPr>
                             <m:ctrlPr>
-                              <a:rPr lang="en-GB" b="0" i="0" smtClean="0">
+                              <a:rPr lang="en-GB" b="0" i="1" smtClean="0">
                                 <a:latin typeface="Cambria Math" panose="02040503050406030204" pitchFamily="18" charset="0"/>
                               </a:rPr>
                             </m:ctrlPr>
@@ -12618,7 +14493,7 @@
             </p:txBody>
           </p:sp>
         </mc:Choice>
-        <mc:Fallback>
+        <mc:Fallback xmlns="">
           <p:sp>
             <p:nvSpPr>
               <p:cNvPr id="3" name="Content Placeholder 2">
@@ -12959,13 +14834,8 @@
           <a:p>
             <a:r>
               <a:rPr lang="en-GB" b="0" dirty="0"/>
-              <a:t>Issues can </a:t>
+              <a:t>Issues can arise if the initial guess falls inside the unstable </a:t>
             </a:r>
-            <a:r>
-              <a:rPr lang="en-GB" b="0"/>
-              <a:t>arise from </a:t>
-            </a:r>
-            <a:endParaRPr lang="en-GB" dirty="0"/>
           </a:p>
           <a:p>
             <a:endParaRPr lang="en-GB" b="0" dirty="0"/>

--- a/Part 3 - Solving the problems/Powerpoint Slides/3-1_Pressure_and_Volume_Solvers.pptx
+++ b/Part 3 - Solving the problems/Powerpoint Slides/3-1_Pressure_and_Volume_Solvers.pptx
@@ -174,7 +174,7 @@
   <pc:docChgLst>
     <pc:chgData name="Luc Paoli" userId="28bcbf778cf7ff89" providerId="LiveId" clId="{A0EBB6DF-39E8-4546-93EF-C190D1C84A44}"/>
     <pc:docChg chg="undo redo custSel addSld delSld modSld">
-      <pc:chgData name="Luc Paoli" userId="28bcbf778cf7ff89" providerId="LiveId" clId="{A0EBB6DF-39E8-4546-93EF-C190D1C84A44}" dt="2022-08-20T21:19:29.595" v="789" actId="2696"/>
+      <pc:chgData name="Luc Paoli" userId="28bcbf778cf7ff89" providerId="LiveId" clId="{A0EBB6DF-39E8-4546-93EF-C190D1C84A44}" dt="2022-08-20T21:34:13.656" v="797" actId="1076"/>
       <pc:docMkLst>
         <pc:docMk/>
       </pc:docMkLst>
@@ -217,13 +217,13 @@
         </pc:picChg>
       </pc:sldChg>
       <pc:sldChg chg="addSp delSp modSp mod">
-        <pc:chgData name="Luc Paoli" userId="28bcbf778cf7ff89" providerId="LiveId" clId="{A0EBB6DF-39E8-4546-93EF-C190D1C84A44}" dt="2022-08-20T21:18:00.920" v="778" actId="1076"/>
+        <pc:chgData name="Luc Paoli" userId="28bcbf778cf7ff89" providerId="LiveId" clId="{A0EBB6DF-39E8-4546-93EF-C190D1C84A44}" dt="2022-08-20T21:34:13.656" v="797" actId="1076"/>
         <pc:sldMkLst>
           <pc:docMk/>
           <pc:sldMk cId="3665419169" sldId="377"/>
         </pc:sldMkLst>
         <pc:spChg chg="mod">
-          <ac:chgData name="Luc Paoli" userId="28bcbf778cf7ff89" providerId="LiveId" clId="{A0EBB6DF-39E8-4546-93EF-C190D1C84A44}" dt="2022-08-18T22:57:43.099" v="638" actId="20577"/>
+          <ac:chgData name="Luc Paoli" userId="28bcbf778cf7ff89" providerId="LiveId" clId="{A0EBB6DF-39E8-4546-93EF-C190D1C84A44}" dt="2022-08-20T21:34:13.656" v="797" actId="1076"/>
           <ac:spMkLst>
             <pc:docMk/>
             <pc:sldMk cId="3665419169" sldId="377"/>
@@ -263,7 +263,7 @@
           </ac:spMkLst>
         </pc:spChg>
         <pc:spChg chg="mod">
-          <ac:chgData name="Luc Paoli" userId="28bcbf778cf7ff89" providerId="LiveId" clId="{A0EBB6DF-39E8-4546-93EF-C190D1C84A44}" dt="2022-08-18T22:55:06.320" v="523"/>
+          <ac:chgData name="Luc Paoli" userId="28bcbf778cf7ff89" providerId="LiveId" clId="{A0EBB6DF-39E8-4546-93EF-C190D1C84A44}" dt="2022-08-20T21:32:34.418" v="794" actId="1076"/>
           <ac:spMkLst>
             <pc:docMk/>
             <pc:sldMk cId="3665419169" sldId="377"/>
@@ -271,7 +271,7 @@
           </ac:spMkLst>
         </pc:spChg>
         <pc:spChg chg="mod">
-          <ac:chgData name="Luc Paoli" userId="28bcbf778cf7ff89" providerId="LiveId" clId="{A0EBB6DF-39E8-4546-93EF-C190D1C84A44}" dt="2022-08-18T22:55:06.320" v="523"/>
+          <ac:chgData name="Luc Paoli" userId="28bcbf778cf7ff89" providerId="LiveId" clId="{A0EBB6DF-39E8-4546-93EF-C190D1C84A44}" dt="2022-08-20T21:32:34.418" v="794" actId="1076"/>
           <ac:spMkLst>
             <pc:docMk/>
             <pc:sldMk cId="3665419169" sldId="377"/>
@@ -294,16 +294,16 @@
             <ac:spMk id="28" creationId="{1860F7B2-1337-A71D-C357-315DA8B7325A}"/>
           </ac:spMkLst>
         </pc:spChg>
-        <pc:spChg chg="mod">
-          <ac:chgData name="Luc Paoli" userId="28bcbf778cf7ff89" providerId="LiveId" clId="{A0EBB6DF-39E8-4546-93EF-C190D1C84A44}" dt="2022-08-18T22:57:04.150" v="584" actId="1076"/>
+        <pc:spChg chg="del mod">
+          <ac:chgData name="Luc Paoli" userId="28bcbf778cf7ff89" providerId="LiveId" clId="{A0EBB6DF-39E8-4546-93EF-C190D1C84A44}" dt="2022-08-20T21:32:16.995" v="790" actId="478"/>
           <ac:spMkLst>
             <pc:docMk/>
             <pc:sldMk cId="3665419169" sldId="377"/>
             <ac:spMk id="33" creationId="{676D5862-827C-7EBB-EDE1-BF3A300A1AF9}"/>
           </ac:spMkLst>
         </pc:spChg>
-        <pc:spChg chg="mod">
-          <ac:chgData name="Luc Paoli" userId="28bcbf778cf7ff89" providerId="LiveId" clId="{A0EBB6DF-39E8-4546-93EF-C190D1C84A44}" dt="2022-08-18T22:56:50.278" v="579" actId="1076"/>
+        <pc:spChg chg="del mod">
+          <ac:chgData name="Luc Paoli" userId="28bcbf778cf7ff89" providerId="LiveId" clId="{A0EBB6DF-39E8-4546-93EF-C190D1C84A44}" dt="2022-08-20T21:32:19.374" v="791" actId="478"/>
           <ac:spMkLst>
             <pc:docMk/>
             <pc:sldMk cId="3665419169" sldId="377"/>
@@ -311,7 +311,7 @@
           </ac:spMkLst>
         </pc:spChg>
         <pc:spChg chg="mod">
-          <ac:chgData name="Luc Paoli" userId="28bcbf778cf7ff89" providerId="LiveId" clId="{A0EBB6DF-39E8-4546-93EF-C190D1C84A44}" dt="2022-08-18T22:55:28.560" v="533"/>
+          <ac:chgData name="Luc Paoli" userId="28bcbf778cf7ff89" providerId="LiveId" clId="{A0EBB6DF-39E8-4546-93EF-C190D1C84A44}" dt="2022-08-20T21:32:26.687" v="793" actId="1076"/>
           <ac:spMkLst>
             <pc:docMk/>
             <pc:sldMk cId="3665419169" sldId="377"/>
@@ -319,7 +319,7 @@
           </ac:spMkLst>
         </pc:spChg>
         <pc:spChg chg="mod">
-          <ac:chgData name="Luc Paoli" userId="28bcbf778cf7ff89" providerId="LiveId" clId="{A0EBB6DF-39E8-4546-93EF-C190D1C84A44}" dt="2022-08-18T22:55:28.560" v="533"/>
+          <ac:chgData name="Luc Paoli" userId="28bcbf778cf7ff89" providerId="LiveId" clId="{A0EBB6DF-39E8-4546-93EF-C190D1C84A44}" dt="2022-08-20T21:32:26.687" v="793" actId="1076"/>
           <ac:spMkLst>
             <pc:docMk/>
             <pc:sldMk cId="3665419169" sldId="377"/>
@@ -335,7 +335,7 @@
           </ac:spMkLst>
         </pc:spChg>
         <pc:spChg chg="mod">
-          <ac:chgData name="Luc Paoli" userId="28bcbf778cf7ff89" providerId="LiveId" clId="{A0EBB6DF-39E8-4546-93EF-C190D1C84A44}" dt="2022-08-20T21:18:00.920" v="778" actId="1076"/>
+          <ac:chgData name="Luc Paoli" userId="28bcbf778cf7ff89" providerId="LiveId" clId="{A0EBB6DF-39E8-4546-93EF-C190D1C84A44}" dt="2022-08-20T21:34:10.080" v="795" actId="1076"/>
           <ac:spMkLst>
             <pc:docMk/>
             <pc:sldMk cId="3665419169" sldId="377"/>
@@ -614,8 +614,8 @@
             <ac:grpSpMk id="31" creationId="{9038A6A3-B8FF-A578-1BFD-8786271A46D1}"/>
           </ac:grpSpMkLst>
         </pc:grpChg>
-        <pc:grpChg chg="add mod">
-          <ac:chgData name="Luc Paoli" userId="28bcbf778cf7ff89" providerId="LiveId" clId="{A0EBB6DF-39E8-4546-93EF-C190D1C84A44}" dt="2022-08-18T22:55:49.379" v="547" actId="164"/>
+        <pc:grpChg chg="add del mod">
+          <ac:chgData name="Luc Paoli" userId="28bcbf778cf7ff89" providerId="LiveId" clId="{A0EBB6DF-39E8-4546-93EF-C190D1C84A44}" dt="2022-08-20T21:32:19.374" v="791" actId="478"/>
           <ac:grpSpMkLst>
             <pc:docMk/>
             <pc:sldMk cId="3665419169" sldId="377"/>
@@ -847,7 +847,7 @@
           </ac:cxnSpMkLst>
         </pc:cxnChg>
         <pc:cxnChg chg="mod">
-          <ac:chgData name="Luc Paoli" userId="28bcbf778cf7ff89" providerId="LiveId" clId="{A0EBB6DF-39E8-4546-93EF-C190D1C84A44}" dt="2022-08-18T22:55:06.320" v="523"/>
+          <ac:chgData name="Luc Paoli" userId="28bcbf778cf7ff89" providerId="LiveId" clId="{A0EBB6DF-39E8-4546-93EF-C190D1C84A44}" dt="2022-08-20T21:32:34.418" v="794" actId="1076"/>
           <ac:cxnSpMkLst>
             <pc:docMk/>
             <pc:sldMk cId="3665419169" sldId="377"/>
@@ -878,8 +878,8 @@
             <ac:cxnSpMk id="30" creationId="{5D5B87C1-A4E2-41AB-4BEF-1373C9AFA574}"/>
           </ac:cxnSpMkLst>
         </pc:cxnChg>
-        <pc:cxnChg chg="mod">
-          <ac:chgData name="Luc Paoli" userId="28bcbf778cf7ff89" providerId="LiveId" clId="{A0EBB6DF-39E8-4546-93EF-C190D1C84A44}" dt="2022-08-18T22:57:04.150" v="584" actId="1076"/>
+        <pc:cxnChg chg="del mod">
+          <ac:chgData name="Luc Paoli" userId="28bcbf778cf7ff89" providerId="LiveId" clId="{A0EBB6DF-39E8-4546-93EF-C190D1C84A44}" dt="2022-08-20T21:32:21.224" v="792" actId="478"/>
           <ac:cxnSpMkLst>
             <pc:docMk/>
             <pc:sldMk cId="3665419169" sldId="377"/>
@@ -887,7 +887,7 @@
           </ac:cxnSpMkLst>
         </pc:cxnChg>
         <pc:cxnChg chg="mod">
-          <ac:chgData name="Luc Paoli" userId="28bcbf778cf7ff89" providerId="LiveId" clId="{A0EBB6DF-39E8-4546-93EF-C190D1C84A44}" dt="2022-08-18T22:55:28.560" v="533"/>
+          <ac:chgData name="Luc Paoli" userId="28bcbf778cf7ff89" providerId="LiveId" clId="{A0EBB6DF-39E8-4546-93EF-C190D1C84A44}" dt="2022-08-20T21:32:26.687" v="793" actId="1076"/>
           <ac:cxnSpMkLst>
             <pc:docMk/>
             <pc:sldMk cId="3665419169" sldId="377"/>
@@ -10691,8 +10691,8 @@
           </a:p>
         </p:txBody>
       </p:sp>
-      <mc:AlternateContent xmlns:mc="http://schemas.openxmlformats.org/markup-compatibility/2006" xmlns:a14="http://schemas.microsoft.com/office/drawing/2010/main">
-        <mc:Choice Requires="a14">
+      <mc:AlternateContent xmlns:mc="http://schemas.openxmlformats.org/markup-compatibility/2006">
+        <mc:Choice xmlns:a14="http://schemas.microsoft.com/office/drawing/2010/main" Requires="a14">
           <p:sp>
             <p:nvSpPr>
               <p:cNvPr id="3" name="Content Placeholder 2">
@@ -10745,7 +10745,7 @@
             </p:txBody>
           </p:sp>
         </mc:Choice>
-        <mc:Fallback xmlns="">
+        <mc:Fallback>
           <p:sp>
             <p:nvSpPr>
               <p:cNvPr id="3" name="Content Placeholder 2">
@@ -11687,8 +11687,8 @@
               </a:p>
             </p:txBody>
           </p:sp>
-          <mc:AlternateContent xmlns:mc="http://schemas.openxmlformats.org/markup-compatibility/2006">
-            <mc:Choice xmlns:a14="http://schemas.microsoft.com/office/drawing/2010/main" Requires="a14">
+          <mc:AlternateContent xmlns:mc="http://schemas.openxmlformats.org/markup-compatibility/2006" xmlns:a14="http://schemas.microsoft.com/office/drawing/2010/main">
+            <mc:Choice Requires="a14">
               <p:sp>
                 <p:nvSpPr>
                   <p:cNvPr id="17" name="TextBox 16">
@@ -11742,7 +11742,7 @@
                 </p:txBody>
               </p:sp>
             </mc:Choice>
-            <mc:Fallback>
+            <mc:Fallback xmlns="">
               <p:sp>
                 <p:nvSpPr>
                   <p:cNvPr id="17" name="TextBox 16">
@@ -11846,9 +11846,9 @@
           </p:nvGrpSpPr>
           <p:grpSpPr>
             <a:xfrm>
-              <a:off x="6575376" y="4472373"/>
+              <a:off x="6555624" y="4389585"/>
               <a:ext cx="718810" cy="700237"/>
-              <a:chOff x="1156527" y="4080294"/>
+              <a:chOff x="1136775" y="3997506"/>
               <a:chExt cx="718810" cy="700237"/>
             </a:xfrm>
           </p:grpSpPr>
@@ -11866,7 +11866,7 @@
             </p:nvSpPr>
             <p:spPr>
               <a:xfrm>
-                <a:off x="1156527" y="4080294"/>
+                <a:off x="1136775" y="3997506"/>
                 <a:ext cx="718810" cy="700237"/>
               </a:xfrm>
               <a:prstGeom prst="ellipse">
@@ -11899,8 +11899,8 @@
               </a:p>
             </p:txBody>
           </p:sp>
-          <mc:AlternateContent xmlns:mc="http://schemas.openxmlformats.org/markup-compatibility/2006" xmlns:a14="http://schemas.microsoft.com/office/drawing/2010/main">
-            <mc:Choice Requires="a14">
+          <mc:AlternateContent xmlns:mc="http://schemas.openxmlformats.org/markup-compatibility/2006">
+            <mc:Choice xmlns:a14="http://schemas.microsoft.com/office/drawing/2010/main" Requires="a14">
               <p:sp>
                 <p:nvSpPr>
                   <p:cNvPr id="22" name="TextBox 21">
@@ -11915,7 +11915,7 @@
                 </p:nvSpPr>
                 <p:spPr>
                   <a:xfrm>
-                    <a:off x="1371097" y="4111495"/>
+                    <a:off x="1351345" y="4028707"/>
                     <a:ext cx="345514" cy="369332"/>
                   </a:xfrm>
                   <a:prstGeom prst="rect">
@@ -11954,13 +11954,13 @@
                 </p:txBody>
               </p:sp>
             </mc:Choice>
-            <mc:Fallback xmlns="">
+            <mc:Fallback>
               <p:sp>
                 <p:nvSpPr>
-                  <p:cNvPr id="117" name="TextBox 116">
+                  <p:cNvPr id="22" name="TextBox 21">
                     <a:extLst>
                       <a:ext uri="{FF2B5EF4-FFF2-40B4-BE49-F238E27FC236}">
-                        <a16:creationId xmlns:a16="http://schemas.microsoft.com/office/drawing/2014/main" id="{130B65E1-A17F-B00B-6ABC-C076A1D82187}"/>
+                        <a16:creationId xmlns:a16="http://schemas.microsoft.com/office/drawing/2014/main" id="{B998773E-2B40-09EF-AC08-EF5E040D232F}"/>
                       </a:ext>
                     </a:extLst>
                   </p:cNvPr>
@@ -11971,14 +11971,14 @@
                 </p:nvSpPr>
                 <p:spPr>
                   <a:xfrm>
-                    <a:off x="1371097" y="4111495"/>
+                    <a:off x="1351345" y="4028707"/>
                     <a:ext cx="345514" cy="369332"/>
                   </a:xfrm>
                   <a:prstGeom prst="rect">
                     <a:avLst/>
                   </a:prstGeom>
                   <a:blipFill>
-                    <a:blip r:embed="rId5"/>
+                    <a:blip r:embed="rId8"/>
                     <a:stretch>
                       <a:fillRect/>
                     </a:stretch>
@@ -12017,7 +12017,7 @@
             </p:nvCxnSpPr>
             <p:spPr>
               <a:xfrm>
-                <a:off x="1156527" y="4430413"/>
+                <a:off x="1136775" y="4347625"/>
                 <a:ext cx="718810" cy="0"/>
               </a:xfrm>
               <a:prstGeom prst="straightConnector1">
@@ -12258,10 +12258,10 @@
         </p:grpSp>
         <p:grpSp>
           <p:nvGrpSpPr>
-            <p:cNvPr id="32" name="Group 31">
+            <p:cNvPr id="36" name="Group 35">
               <a:extLst>
                 <a:ext uri="{FF2B5EF4-FFF2-40B4-BE49-F238E27FC236}">
-                  <a16:creationId xmlns:a16="http://schemas.microsoft.com/office/drawing/2014/main" id="{CC7E533C-8BA9-6AFC-70CF-6CE0912A3D2E}"/>
+                  <a16:creationId xmlns:a16="http://schemas.microsoft.com/office/drawing/2014/main" id="{2007AFF3-4C77-4B6B-E392-321BB26372A7}"/>
                 </a:ext>
               </a:extLst>
             </p:cNvPr>
@@ -12270,18 +12270,18 @@
           </p:nvGrpSpPr>
           <p:grpSpPr>
             <a:xfrm>
-              <a:off x="6468731" y="4917143"/>
+              <a:off x="6626796" y="4951068"/>
               <a:ext cx="718810" cy="700237"/>
-              <a:chOff x="1658720" y="4053487"/>
+              <a:chOff x="1028240" y="4106235"/>
               <a:chExt cx="718810" cy="700237"/>
             </a:xfrm>
           </p:grpSpPr>
           <p:sp>
             <p:nvSpPr>
-              <p:cNvPr id="33" name="Oval 32">
+              <p:cNvPr id="37" name="Oval 36">
                 <a:extLst>
                   <a:ext uri="{FF2B5EF4-FFF2-40B4-BE49-F238E27FC236}">
-                    <a16:creationId xmlns:a16="http://schemas.microsoft.com/office/drawing/2014/main" id="{676D5862-827C-7EBB-EDE1-BF3A300A1AF9}"/>
+                    <a16:creationId xmlns:a16="http://schemas.microsoft.com/office/drawing/2014/main" id="{4C40BB4C-D51F-05D8-A462-9509F442574C}"/>
                   </a:ext>
                 </a:extLst>
               </p:cNvPr>
@@ -12290,7 +12290,7 @@
             </p:nvSpPr>
             <p:spPr>
               <a:xfrm>
-                <a:off x="1658720" y="4053487"/>
+                <a:off x="1028240" y="4106235"/>
                 <a:ext cx="718810" cy="700237"/>
               </a:xfrm>
               <a:prstGeom prst="ellipse">
@@ -12319,18 +12319,18 @@
               <a:lstStyle/>
               <a:p>
                 <a:pPr algn="ctr"/>
-                <a:endParaRPr lang="en-GB" dirty="0"/>
+                <a:endParaRPr lang="en-GB"/>
               </a:p>
             </p:txBody>
           </p:sp>
-          <mc:AlternateContent xmlns:mc="http://schemas.openxmlformats.org/markup-compatibility/2006" xmlns:a14="http://schemas.microsoft.com/office/drawing/2010/main">
-            <mc:Choice Requires="a14">
+          <mc:AlternateContent xmlns:mc="http://schemas.openxmlformats.org/markup-compatibility/2006">
+            <mc:Choice xmlns:a14="http://schemas.microsoft.com/office/drawing/2010/main" Requires="a14">
               <p:sp>
                 <p:nvSpPr>
-                  <p:cNvPr id="34" name="TextBox 33">
+                  <p:cNvPr id="38" name="TextBox 37">
                     <a:extLst>
                       <a:ext uri="{FF2B5EF4-FFF2-40B4-BE49-F238E27FC236}">
-                        <a16:creationId xmlns:a16="http://schemas.microsoft.com/office/drawing/2014/main" id="{03B6A4CA-4793-2A7B-19B9-4F7E2C184FA0}"/>
+                        <a16:creationId xmlns:a16="http://schemas.microsoft.com/office/drawing/2014/main" id="{20A33611-1424-C231-0D7D-B566AEBA0183}"/>
                       </a:ext>
                     </a:extLst>
                   </p:cNvPr>
@@ -12339,7 +12339,7 @@
                 </p:nvSpPr>
                 <p:spPr>
                   <a:xfrm>
-                    <a:off x="1782877" y="4084025"/>
+                    <a:off x="1242810" y="4137436"/>
                     <a:ext cx="345514" cy="369332"/>
                   </a:xfrm>
                   <a:prstGeom prst="rect">
@@ -12378,13 +12378,13 @@
                 </p:txBody>
               </p:sp>
             </mc:Choice>
-            <mc:Fallback xmlns="">
+            <mc:Fallback>
               <p:sp>
                 <p:nvSpPr>
-                  <p:cNvPr id="34" name="TextBox 33">
+                  <p:cNvPr id="38" name="TextBox 37">
                     <a:extLst>
                       <a:ext uri="{FF2B5EF4-FFF2-40B4-BE49-F238E27FC236}">
-                        <a16:creationId xmlns:a16="http://schemas.microsoft.com/office/drawing/2014/main" id="{03B6A4CA-4793-2A7B-19B9-4F7E2C184FA0}"/>
+                        <a16:creationId xmlns:a16="http://schemas.microsoft.com/office/drawing/2014/main" id="{20A33611-1424-C231-0D7D-B566AEBA0183}"/>
                       </a:ext>
                     </a:extLst>
                   </p:cNvPr>
@@ -12395,226 +12395,14 @@
                 </p:nvSpPr>
                 <p:spPr>
                   <a:xfrm>
-                    <a:off x="1782877" y="4084025"/>
+                    <a:off x="1242810" y="4137436"/>
                     <a:ext cx="345514" cy="369332"/>
                   </a:xfrm>
                   <a:prstGeom prst="rect">
                     <a:avLst/>
                   </a:prstGeom>
                   <a:blipFill>
-                    <a:blip r:embed="rId8"/>
-                    <a:stretch>
-                      <a:fillRect/>
-                    </a:stretch>
-                  </a:blipFill>
-                </p:spPr>
-                <p:txBody>
-                  <a:bodyPr/>
-                  <a:lstStyle/>
-                  <a:p>
-                    <a:r>
-                      <a:rPr lang="en-GB">
-                        <a:noFill/>
-                      </a:rPr>
-                      <a:t> </a:t>
-                    </a:r>
-                  </a:p>
-                </p:txBody>
-              </p:sp>
-            </mc:Fallback>
-          </mc:AlternateContent>
-          <p:cxnSp>
-            <p:nvCxnSpPr>
-              <p:cNvPr id="35" name="Straight Arrow Connector 34">
-                <a:extLst>
-                  <a:ext uri="{FF2B5EF4-FFF2-40B4-BE49-F238E27FC236}">
-                    <a16:creationId xmlns:a16="http://schemas.microsoft.com/office/drawing/2014/main" id="{404DBC48-E251-F137-FA5A-1CB380813129}"/>
-                  </a:ext>
-                </a:extLst>
-              </p:cNvPr>
-              <p:cNvCxnSpPr>
-                <a:cxnSpLocks/>
-                <a:stCxn id="33" idx="2"/>
-                <a:endCxn id="33" idx="6"/>
-              </p:cNvCxnSpPr>
-              <p:nvPr/>
-            </p:nvCxnSpPr>
-            <p:spPr>
-              <a:xfrm>
-                <a:off x="1658720" y="4403606"/>
-                <a:ext cx="718810" cy="0"/>
-              </a:xfrm>
-              <a:prstGeom prst="straightConnector1">
-                <a:avLst/>
-              </a:prstGeom>
-              <a:ln>
-                <a:headEnd type="triangle"/>
-                <a:tailEnd type="triangle"/>
-              </a:ln>
-            </p:spPr>
-            <p:style>
-              <a:lnRef idx="3">
-                <a:schemeClr val="accent2"/>
-              </a:lnRef>
-              <a:fillRef idx="0">
-                <a:schemeClr val="accent2"/>
-              </a:fillRef>
-              <a:effectRef idx="2">
-                <a:schemeClr val="accent2"/>
-              </a:effectRef>
-              <a:fontRef idx="minor">
-                <a:schemeClr val="tx1"/>
-              </a:fontRef>
-            </p:style>
-          </p:cxnSp>
-        </p:grpSp>
-        <p:grpSp>
-          <p:nvGrpSpPr>
-            <p:cNvPr id="36" name="Group 35">
-              <a:extLst>
-                <a:ext uri="{FF2B5EF4-FFF2-40B4-BE49-F238E27FC236}">
-                  <a16:creationId xmlns:a16="http://schemas.microsoft.com/office/drawing/2014/main" id="{2007AFF3-4C77-4B6B-E392-321BB26372A7}"/>
-                </a:ext>
-              </a:extLst>
-            </p:cNvPr>
-            <p:cNvGrpSpPr/>
-            <p:nvPr/>
-          </p:nvGrpSpPr>
-          <p:grpSpPr>
-            <a:xfrm>
-              <a:off x="6755083" y="4925127"/>
-              <a:ext cx="718810" cy="700237"/>
-              <a:chOff x="1156527" y="4080294"/>
-              <a:chExt cx="718810" cy="700237"/>
-            </a:xfrm>
-          </p:grpSpPr>
-          <p:sp>
-            <p:nvSpPr>
-              <p:cNvPr id="37" name="Oval 36">
-                <a:extLst>
-                  <a:ext uri="{FF2B5EF4-FFF2-40B4-BE49-F238E27FC236}">
-                    <a16:creationId xmlns:a16="http://schemas.microsoft.com/office/drawing/2014/main" id="{4C40BB4C-D51F-05D8-A462-9509F442574C}"/>
-                  </a:ext>
-                </a:extLst>
-              </p:cNvPr>
-              <p:cNvSpPr/>
-              <p:nvPr/>
-            </p:nvSpPr>
-            <p:spPr>
-              <a:xfrm>
-                <a:off x="1156527" y="4080294"/>
-                <a:ext cx="718810" cy="700237"/>
-              </a:xfrm>
-              <a:prstGeom prst="ellipse">
-                <a:avLst/>
-              </a:prstGeom>
-              <a:ln/>
-            </p:spPr>
-            <p:style>
-              <a:lnRef idx="2">
-                <a:schemeClr val="accent1">
-                  <a:shade val="50000"/>
-                </a:schemeClr>
-              </a:lnRef>
-              <a:fillRef idx="1">
-                <a:schemeClr val="accent1"/>
-              </a:fillRef>
-              <a:effectRef idx="0">
-                <a:schemeClr val="accent1"/>
-              </a:effectRef>
-              <a:fontRef idx="minor">
-                <a:schemeClr val="lt1"/>
-              </a:fontRef>
-            </p:style>
-            <p:txBody>
-              <a:bodyPr rtlCol="0" anchor="ctr"/>
-              <a:lstStyle/>
-              <a:p>
-                <a:pPr algn="ctr"/>
-                <a:endParaRPr lang="en-GB"/>
-              </a:p>
-            </p:txBody>
-          </p:sp>
-          <mc:AlternateContent xmlns:mc="http://schemas.openxmlformats.org/markup-compatibility/2006" xmlns:a14="http://schemas.microsoft.com/office/drawing/2010/main">
-            <mc:Choice Requires="a14">
-              <p:sp>
-                <p:nvSpPr>
-                  <p:cNvPr id="38" name="TextBox 37">
-                    <a:extLst>
-                      <a:ext uri="{FF2B5EF4-FFF2-40B4-BE49-F238E27FC236}">
-                        <a16:creationId xmlns:a16="http://schemas.microsoft.com/office/drawing/2014/main" id="{20A33611-1424-C231-0D7D-B566AEBA0183}"/>
-                      </a:ext>
-                    </a:extLst>
-                  </p:cNvPr>
-                  <p:cNvSpPr txBox="1"/>
-                  <p:nvPr/>
-                </p:nvSpPr>
-                <p:spPr>
-                  <a:xfrm>
-                    <a:off x="1371097" y="4111495"/>
-                    <a:ext cx="345514" cy="369332"/>
-                  </a:xfrm>
-                  <a:prstGeom prst="rect">
-                    <a:avLst/>
-                  </a:prstGeom>
-                  <a:noFill/>
-                </p:spPr>
-                <p:txBody>
-                  <a:bodyPr wrap="square" rtlCol="0">
-                    <a:spAutoFit/>
-                  </a:bodyPr>
-                  <a:lstStyle/>
-                  <a:p>
-                    <a:pPr algn="ctr"/>
-                    <a14:m>
-                      <m:oMathPara xmlns:m="http://schemas.openxmlformats.org/officeDocument/2006/math">
-                        <m:oMathParaPr>
-                          <m:jc m:val="centerGroup"/>
-                        </m:oMathParaPr>
-                        <m:oMath xmlns:m="http://schemas.openxmlformats.org/officeDocument/2006/math">
-                          <m:r>
-                            <a:rPr lang="en-GB" b="0" i="1" smtClean="0">
-                              <a:latin typeface="Cambria Math" panose="02040503050406030204" pitchFamily="18" charset="0"/>
-                              <a:cs typeface="Arial"/>
-                            </a:rPr>
-                            <m:t>𝜎</m:t>
-                          </m:r>
-                        </m:oMath>
-                      </m:oMathPara>
-                    </a14:m>
-                    <a:endParaRPr lang="en-GB" dirty="0">
-                      <a:latin typeface="Arial"/>
-                      <a:cs typeface="Arial"/>
-                    </a:endParaRPr>
-                  </a:p>
-                </p:txBody>
-              </p:sp>
-            </mc:Choice>
-            <mc:Fallback xmlns="">
-              <p:sp>
-                <p:nvSpPr>
-                  <p:cNvPr id="117" name="TextBox 116">
-                    <a:extLst>
-                      <a:ext uri="{FF2B5EF4-FFF2-40B4-BE49-F238E27FC236}">
-                        <a16:creationId xmlns:a16="http://schemas.microsoft.com/office/drawing/2014/main" id="{130B65E1-A17F-B00B-6ABC-C076A1D82187}"/>
-                      </a:ext>
-                    </a:extLst>
-                  </p:cNvPr>
-                  <p:cNvSpPr txBox="1">
-                    <a:spLocks noRot="1" noChangeAspect="1" noMove="1" noResize="1" noEditPoints="1" noAdjustHandles="1" noChangeArrowheads="1" noChangeShapeType="1" noTextEdit="1"/>
-                  </p:cNvSpPr>
-                  <p:nvPr/>
-                </p:nvSpPr>
-                <p:spPr>
-                  <a:xfrm>
-                    <a:off x="1371097" y="4111495"/>
-                    <a:ext cx="345514" cy="369332"/>
-                  </a:xfrm>
-                  <a:prstGeom prst="rect">
-                    <a:avLst/>
-                  </a:prstGeom>
-                  <a:blipFill>
-                    <a:blip r:embed="rId5"/>
+                    <a:blip r:embed="rId9"/>
                     <a:stretch>
                       <a:fillRect/>
                     </a:stretch>
@@ -12653,7 +12441,7 @@
             </p:nvCxnSpPr>
             <p:spPr>
               <a:xfrm>
-                <a:off x="1156527" y="4430413"/>
+                <a:off x="1028240" y="4456354"/>
                 <a:ext cx="718810" cy="0"/>
               </a:xfrm>
               <a:prstGeom prst="straightConnector1">
@@ -12763,7 +12551,7 @@
                 </p:nvSpPr>
                 <p:spPr>
                   <a:xfrm>
-                    <a:off x="1382939" y="4357226"/>
+                    <a:off x="1400702" y="4111495"/>
                     <a:ext cx="345514" cy="369332"/>
                   </a:xfrm>
                   <a:prstGeom prst="rect">
@@ -12819,14 +12607,14 @@
                 </p:nvSpPr>
                 <p:spPr>
                   <a:xfrm>
-                    <a:off x="1382939" y="4357226"/>
+                    <a:off x="1400702" y="4111495"/>
                     <a:ext cx="345514" cy="369332"/>
                   </a:xfrm>
                   <a:prstGeom prst="rect">
                     <a:avLst/>
                   </a:prstGeom>
                   <a:blipFill>
-                    <a:blip r:embed="rId9"/>
+                    <a:blip r:embed="rId10"/>
                     <a:stretch>
                       <a:fillRect/>
                     </a:stretch>
@@ -13874,7 +13662,7 @@
                 <a:avLst/>
               </a:prstGeom>
               <a:blipFill>
-                <a:blip r:embed="rId10"/>
+                <a:blip r:embed="rId11"/>
                 <a:stretch>
                   <a:fillRect b="-8197"/>
                 </a:stretch>
